--- a/제작.pptx
+++ b/제작.pptx
@@ -4629,7 +4629,7 @@
         </p:blipFill>
         <p:spPr>
           <a:xfrm>
-            <a:off x="3351969" y="123569"/>
+            <a:off x="7688786" y="2626288"/>
             <a:ext cx="1695687" cy="1095528"/>
           </a:xfrm>
           <a:prstGeom prst="rect">

--- a/제작.pptx
+++ b/제작.pptx
@@ -7,6 +7,10 @@
   <p:sldIdLst>
     <p:sldId id="256" r:id="rId2"/>
     <p:sldId id="257" r:id="rId3"/>
+    <p:sldId id="258" r:id="rId4"/>
+    <p:sldId id="259" r:id="rId5"/>
+    <p:sldId id="261" r:id="rId6"/>
+    <p:sldId id="260" r:id="rId7"/>
   </p:sldIdLst>
   <p:sldSz cx="12192000" cy="6858000"/>
   <p:notesSz cx="6858000" cy="9144000"/>
@@ -264,7 +268,7 @@
           <a:p>
             <a:fld id="{667511D5-E30B-4E6C-8572-0CA724416369}" type="datetimeFigureOut">
               <a:rPr lang="ko-KR" altLang="en-US" smtClean="0"/>
-              <a:t>2017-11-21</a:t>
+              <a:t>2017-11-25</a:t>
             </a:fld>
             <a:endParaRPr lang="ko-KR" altLang="en-US"/>
           </a:p>
@@ -462,7 +466,7 @@
           <a:p>
             <a:fld id="{667511D5-E30B-4E6C-8572-0CA724416369}" type="datetimeFigureOut">
               <a:rPr lang="ko-KR" altLang="en-US" smtClean="0"/>
-              <a:t>2017-11-21</a:t>
+              <a:t>2017-11-25</a:t>
             </a:fld>
             <a:endParaRPr lang="ko-KR" altLang="en-US"/>
           </a:p>
@@ -670,7 +674,7 @@
           <a:p>
             <a:fld id="{667511D5-E30B-4E6C-8572-0CA724416369}" type="datetimeFigureOut">
               <a:rPr lang="ko-KR" altLang="en-US" smtClean="0"/>
-              <a:t>2017-11-21</a:t>
+              <a:t>2017-11-25</a:t>
             </a:fld>
             <a:endParaRPr lang="ko-KR" altLang="en-US"/>
           </a:p>
@@ -868,7 +872,7 @@
           <a:p>
             <a:fld id="{667511D5-E30B-4E6C-8572-0CA724416369}" type="datetimeFigureOut">
               <a:rPr lang="ko-KR" altLang="en-US" smtClean="0"/>
-              <a:t>2017-11-21</a:t>
+              <a:t>2017-11-25</a:t>
             </a:fld>
             <a:endParaRPr lang="ko-KR" altLang="en-US"/>
           </a:p>
@@ -1143,7 +1147,7 @@
           <a:p>
             <a:fld id="{667511D5-E30B-4E6C-8572-0CA724416369}" type="datetimeFigureOut">
               <a:rPr lang="ko-KR" altLang="en-US" smtClean="0"/>
-              <a:t>2017-11-21</a:t>
+              <a:t>2017-11-25</a:t>
             </a:fld>
             <a:endParaRPr lang="ko-KR" altLang="en-US"/>
           </a:p>
@@ -1408,7 +1412,7 @@
           <a:p>
             <a:fld id="{667511D5-E30B-4E6C-8572-0CA724416369}" type="datetimeFigureOut">
               <a:rPr lang="ko-KR" altLang="en-US" smtClean="0"/>
-              <a:t>2017-11-21</a:t>
+              <a:t>2017-11-25</a:t>
             </a:fld>
             <a:endParaRPr lang="ko-KR" altLang="en-US"/>
           </a:p>
@@ -1820,7 +1824,7 @@
           <a:p>
             <a:fld id="{667511D5-E30B-4E6C-8572-0CA724416369}" type="datetimeFigureOut">
               <a:rPr lang="ko-KR" altLang="en-US" smtClean="0"/>
-              <a:t>2017-11-21</a:t>
+              <a:t>2017-11-25</a:t>
             </a:fld>
             <a:endParaRPr lang="ko-KR" altLang="en-US"/>
           </a:p>
@@ -1961,7 +1965,7 @@
           <a:p>
             <a:fld id="{667511D5-E30B-4E6C-8572-0CA724416369}" type="datetimeFigureOut">
               <a:rPr lang="ko-KR" altLang="en-US" smtClean="0"/>
-              <a:t>2017-11-21</a:t>
+              <a:t>2017-11-25</a:t>
             </a:fld>
             <a:endParaRPr lang="ko-KR" altLang="en-US"/>
           </a:p>
@@ -2074,7 +2078,7 @@
           <a:p>
             <a:fld id="{667511D5-E30B-4E6C-8572-0CA724416369}" type="datetimeFigureOut">
               <a:rPr lang="ko-KR" altLang="en-US" smtClean="0"/>
-              <a:t>2017-11-21</a:t>
+              <a:t>2017-11-25</a:t>
             </a:fld>
             <a:endParaRPr lang="ko-KR" altLang="en-US"/>
           </a:p>
@@ -2385,7 +2389,7 @@
           <a:p>
             <a:fld id="{667511D5-E30B-4E6C-8572-0CA724416369}" type="datetimeFigureOut">
               <a:rPr lang="ko-KR" altLang="en-US" smtClean="0"/>
-              <a:t>2017-11-21</a:t>
+              <a:t>2017-11-25</a:t>
             </a:fld>
             <a:endParaRPr lang="ko-KR" altLang="en-US"/>
           </a:p>
@@ -2673,7 +2677,7 @@
           <a:p>
             <a:fld id="{667511D5-E30B-4E6C-8572-0CA724416369}" type="datetimeFigureOut">
               <a:rPr lang="ko-KR" altLang="en-US" smtClean="0"/>
-              <a:t>2017-11-21</a:t>
+              <a:t>2017-11-25</a:t>
             </a:fld>
             <a:endParaRPr lang="ko-KR" altLang="en-US"/>
           </a:p>
@@ -2914,7 +2918,7 @@
           <a:p>
             <a:fld id="{667511D5-E30B-4E6C-8572-0CA724416369}" type="datetimeFigureOut">
               <a:rPr lang="ko-KR" altLang="en-US" smtClean="0"/>
-              <a:t>2017-11-21</a:t>
+              <a:t>2017-11-25</a:t>
             </a:fld>
             <a:endParaRPr lang="ko-KR" altLang="en-US"/>
           </a:p>
@@ -6702,6 +6706,2793 @@
 </p:sld>
 </file>
 
+<file path=ppt/slides/slide3.xml><?xml version="1.0" encoding="utf-8"?>
+<p:sld xmlns:a="http://schemas.openxmlformats.org/drawingml/2006/main" xmlns:r="http://schemas.openxmlformats.org/officeDocument/2006/relationships" xmlns:p="http://schemas.openxmlformats.org/presentationml/2006/main">
+  <p:cSld>
+    <p:spTree>
+      <p:nvGrpSpPr>
+        <p:cNvPr id="1" name=""/>
+        <p:cNvGrpSpPr/>
+        <p:nvPr/>
+      </p:nvGrpSpPr>
+      <p:grpSpPr>
+        <a:xfrm>
+          <a:off x="0" y="0"/>
+          <a:ext cx="0" cy="0"/>
+          <a:chOff x="0" y="0"/>
+          <a:chExt cx="0" cy="0"/>
+        </a:xfrm>
+      </p:grpSpPr>
+      <p:grpSp>
+        <p:nvGrpSpPr>
+          <p:cNvPr id="20" name="그룹 19">
+            <a:extLst>
+              <a:ext uri="{FF2B5EF4-FFF2-40B4-BE49-F238E27FC236}">
+                <a16:creationId xmlns:a16="http://schemas.microsoft.com/office/drawing/2014/main" id="{E678EFF6-51EB-4905-8EA2-7502A6290B0D}"/>
+              </a:ext>
+            </a:extLst>
+          </p:cNvPr>
+          <p:cNvGrpSpPr/>
+          <p:nvPr/>
+        </p:nvGrpSpPr>
+        <p:grpSpPr>
+          <a:xfrm>
+            <a:off x="251311" y="2934479"/>
+            <a:ext cx="11297417" cy="1238423"/>
+            <a:chOff x="251311" y="2934479"/>
+            <a:chExt cx="11297417" cy="1238423"/>
+          </a:xfrm>
+        </p:grpSpPr>
+        <p:pic>
+          <p:nvPicPr>
+            <p:cNvPr id="5" name="그림 4">
+              <a:extLst>
+                <a:ext uri="{FF2B5EF4-FFF2-40B4-BE49-F238E27FC236}">
+                  <a16:creationId xmlns:a16="http://schemas.microsoft.com/office/drawing/2014/main" id="{0E9BADD0-B89A-47FA-A267-738E0420A8A5}"/>
+                </a:ext>
+              </a:extLst>
+            </p:cNvPr>
+            <p:cNvPicPr>
+              <a:picLocks noChangeAspect="1"/>
+            </p:cNvPicPr>
+            <p:nvPr/>
+          </p:nvPicPr>
+          <p:blipFill>
+            <a:blip r:embed="rId2">
+              <a:extLst>
+                <a:ext uri="{28A0092B-C50C-407E-A947-70E740481C1C}">
+                  <a14:useLocalDpi xmlns:a14="http://schemas.microsoft.com/office/drawing/2010/main" val="0"/>
+                </a:ext>
+              </a:extLst>
+            </a:blip>
+            <a:stretch>
+              <a:fillRect/>
+            </a:stretch>
+          </p:blipFill>
+          <p:spPr>
+            <a:xfrm>
+              <a:off x="251311" y="2934479"/>
+              <a:ext cx="1428949" cy="1238423"/>
+            </a:xfrm>
+            <a:prstGeom prst="rect">
+              <a:avLst/>
+            </a:prstGeom>
+          </p:spPr>
+        </p:pic>
+        <p:pic>
+          <p:nvPicPr>
+            <p:cNvPr id="7" name="그림 6">
+              <a:extLst>
+                <a:ext uri="{FF2B5EF4-FFF2-40B4-BE49-F238E27FC236}">
+                  <a16:creationId xmlns:a16="http://schemas.microsoft.com/office/drawing/2014/main" id="{E35BCB68-DFF5-4A2D-9E59-A5C2EBDC112D}"/>
+                </a:ext>
+              </a:extLst>
+            </p:cNvPr>
+            <p:cNvPicPr>
+              <a:picLocks noChangeAspect="1"/>
+            </p:cNvPicPr>
+            <p:nvPr/>
+          </p:nvPicPr>
+          <p:blipFill>
+            <a:blip r:embed="rId3">
+              <a:extLst>
+                <a:ext uri="{28A0092B-C50C-407E-A947-70E740481C1C}">
+                  <a14:useLocalDpi xmlns:a14="http://schemas.microsoft.com/office/drawing/2010/main" val="0"/>
+                </a:ext>
+              </a:extLst>
+            </a:blip>
+            <a:stretch>
+              <a:fillRect/>
+            </a:stretch>
+          </p:blipFill>
+          <p:spPr>
+            <a:xfrm>
+              <a:off x="1661092" y="2934479"/>
+              <a:ext cx="1428949" cy="1238423"/>
+            </a:xfrm>
+            <a:prstGeom prst="rect">
+              <a:avLst/>
+            </a:prstGeom>
+          </p:spPr>
+        </p:pic>
+        <p:pic>
+          <p:nvPicPr>
+            <p:cNvPr id="9" name="그림 8">
+              <a:extLst>
+                <a:ext uri="{FF2B5EF4-FFF2-40B4-BE49-F238E27FC236}">
+                  <a16:creationId xmlns:a16="http://schemas.microsoft.com/office/drawing/2014/main" id="{0F13CFE9-8901-4B9C-BBF0-8FF905EE2134}"/>
+                </a:ext>
+              </a:extLst>
+            </p:cNvPr>
+            <p:cNvPicPr>
+              <a:picLocks noChangeAspect="1"/>
+            </p:cNvPicPr>
+            <p:nvPr/>
+          </p:nvPicPr>
+          <p:blipFill>
+            <a:blip r:embed="rId4">
+              <a:extLst>
+                <a:ext uri="{28A0092B-C50C-407E-A947-70E740481C1C}">
+                  <a14:useLocalDpi xmlns:a14="http://schemas.microsoft.com/office/drawing/2010/main" val="0"/>
+                </a:ext>
+              </a:extLst>
+            </a:blip>
+            <a:stretch>
+              <a:fillRect/>
+            </a:stretch>
+          </p:blipFill>
+          <p:spPr>
+            <a:xfrm>
+              <a:off x="3070873" y="2934479"/>
+              <a:ext cx="1428949" cy="1238423"/>
+            </a:xfrm>
+            <a:prstGeom prst="rect">
+              <a:avLst/>
+            </a:prstGeom>
+          </p:spPr>
+        </p:pic>
+        <p:pic>
+          <p:nvPicPr>
+            <p:cNvPr id="11" name="그림 10">
+              <a:extLst>
+                <a:ext uri="{FF2B5EF4-FFF2-40B4-BE49-F238E27FC236}">
+                  <a16:creationId xmlns:a16="http://schemas.microsoft.com/office/drawing/2014/main" id="{BE3AE18D-7FD6-4C54-B153-E069FCDC563B}"/>
+                </a:ext>
+              </a:extLst>
+            </p:cNvPr>
+            <p:cNvPicPr>
+              <a:picLocks noChangeAspect="1"/>
+            </p:cNvPicPr>
+            <p:nvPr/>
+          </p:nvPicPr>
+          <p:blipFill>
+            <a:blip r:embed="rId5">
+              <a:extLst>
+                <a:ext uri="{28A0092B-C50C-407E-A947-70E740481C1C}">
+                  <a14:useLocalDpi xmlns:a14="http://schemas.microsoft.com/office/drawing/2010/main" val="0"/>
+                </a:ext>
+              </a:extLst>
+            </a:blip>
+            <a:stretch>
+              <a:fillRect/>
+            </a:stretch>
+          </p:blipFill>
+          <p:spPr>
+            <a:xfrm>
+              <a:off x="4480654" y="2934479"/>
+              <a:ext cx="1428949" cy="1238423"/>
+            </a:xfrm>
+            <a:prstGeom prst="rect">
+              <a:avLst/>
+            </a:prstGeom>
+          </p:spPr>
+        </p:pic>
+        <p:pic>
+          <p:nvPicPr>
+            <p:cNvPr id="13" name="그림 12">
+              <a:extLst>
+                <a:ext uri="{FF2B5EF4-FFF2-40B4-BE49-F238E27FC236}">
+                  <a16:creationId xmlns:a16="http://schemas.microsoft.com/office/drawing/2014/main" id="{9FA75A18-B405-4644-9F3C-68FADBBE17D3}"/>
+                </a:ext>
+              </a:extLst>
+            </p:cNvPr>
+            <p:cNvPicPr>
+              <a:picLocks noChangeAspect="1"/>
+            </p:cNvPicPr>
+            <p:nvPr/>
+          </p:nvPicPr>
+          <p:blipFill>
+            <a:blip r:embed="rId6">
+              <a:extLst>
+                <a:ext uri="{28A0092B-C50C-407E-A947-70E740481C1C}">
+                  <a14:useLocalDpi xmlns:a14="http://schemas.microsoft.com/office/drawing/2010/main" val="0"/>
+                </a:ext>
+              </a:extLst>
+            </a:blip>
+            <a:stretch>
+              <a:fillRect/>
+            </a:stretch>
+          </p:blipFill>
+          <p:spPr>
+            <a:xfrm>
+              <a:off x="5890435" y="2934479"/>
+              <a:ext cx="1428949" cy="1238423"/>
+            </a:xfrm>
+            <a:prstGeom prst="rect">
+              <a:avLst/>
+            </a:prstGeom>
+          </p:spPr>
+        </p:pic>
+        <p:pic>
+          <p:nvPicPr>
+            <p:cNvPr id="15" name="그림 14">
+              <a:extLst>
+                <a:ext uri="{FF2B5EF4-FFF2-40B4-BE49-F238E27FC236}">
+                  <a16:creationId xmlns:a16="http://schemas.microsoft.com/office/drawing/2014/main" id="{0128BEAD-B88B-407A-82A4-7DDF14C62B34}"/>
+                </a:ext>
+              </a:extLst>
+            </p:cNvPr>
+            <p:cNvPicPr>
+              <a:picLocks noChangeAspect="1"/>
+            </p:cNvPicPr>
+            <p:nvPr/>
+          </p:nvPicPr>
+          <p:blipFill>
+            <a:blip r:embed="rId7">
+              <a:extLst>
+                <a:ext uri="{28A0092B-C50C-407E-A947-70E740481C1C}">
+                  <a14:useLocalDpi xmlns:a14="http://schemas.microsoft.com/office/drawing/2010/main" val="0"/>
+                </a:ext>
+              </a:extLst>
+            </a:blip>
+            <a:stretch>
+              <a:fillRect/>
+            </a:stretch>
+          </p:blipFill>
+          <p:spPr>
+            <a:xfrm>
+              <a:off x="7300216" y="2934479"/>
+              <a:ext cx="1428949" cy="1238423"/>
+            </a:xfrm>
+            <a:prstGeom prst="rect">
+              <a:avLst/>
+            </a:prstGeom>
+          </p:spPr>
+        </p:pic>
+        <p:pic>
+          <p:nvPicPr>
+            <p:cNvPr id="17" name="그림 16">
+              <a:extLst>
+                <a:ext uri="{FF2B5EF4-FFF2-40B4-BE49-F238E27FC236}">
+                  <a16:creationId xmlns:a16="http://schemas.microsoft.com/office/drawing/2014/main" id="{3EC71444-511B-4429-8D52-1C04E00A9C27}"/>
+                </a:ext>
+              </a:extLst>
+            </p:cNvPr>
+            <p:cNvPicPr>
+              <a:picLocks noChangeAspect="1"/>
+            </p:cNvPicPr>
+            <p:nvPr/>
+          </p:nvPicPr>
+          <p:blipFill>
+            <a:blip r:embed="rId8">
+              <a:extLst>
+                <a:ext uri="{28A0092B-C50C-407E-A947-70E740481C1C}">
+                  <a14:useLocalDpi xmlns:a14="http://schemas.microsoft.com/office/drawing/2010/main" val="0"/>
+                </a:ext>
+              </a:extLst>
+            </a:blip>
+            <a:stretch>
+              <a:fillRect/>
+            </a:stretch>
+          </p:blipFill>
+          <p:spPr>
+            <a:xfrm>
+              <a:off x="8709997" y="2934479"/>
+              <a:ext cx="1428949" cy="1238423"/>
+            </a:xfrm>
+            <a:prstGeom prst="rect">
+              <a:avLst/>
+            </a:prstGeom>
+          </p:spPr>
+        </p:pic>
+        <p:pic>
+          <p:nvPicPr>
+            <p:cNvPr id="19" name="그림 18">
+              <a:extLst>
+                <a:ext uri="{FF2B5EF4-FFF2-40B4-BE49-F238E27FC236}">
+                  <a16:creationId xmlns:a16="http://schemas.microsoft.com/office/drawing/2014/main" id="{22F5BE87-8A7F-4611-B583-6773CAA4E145}"/>
+                </a:ext>
+              </a:extLst>
+            </p:cNvPr>
+            <p:cNvPicPr>
+              <a:picLocks noChangeAspect="1"/>
+            </p:cNvPicPr>
+            <p:nvPr/>
+          </p:nvPicPr>
+          <p:blipFill>
+            <a:blip r:embed="rId9">
+              <a:extLst>
+                <a:ext uri="{28A0092B-C50C-407E-A947-70E740481C1C}">
+                  <a14:useLocalDpi xmlns:a14="http://schemas.microsoft.com/office/drawing/2010/main" val="0"/>
+                </a:ext>
+              </a:extLst>
+            </a:blip>
+            <a:stretch>
+              <a:fillRect/>
+            </a:stretch>
+          </p:blipFill>
+          <p:spPr>
+            <a:xfrm>
+              <a:off x="10119779" y="2934479"/>
+              <a:ext cx="1428949" cy="1238423"/>
+            </a:xfrm>
+            <a:prstGeom prst="rect">
+              <a:avLst/>
+            </a:prstGeom>
+          </p:spPr>
+        </p:pic>
+      </p:grpSp>
+      <p:grpSp>
+        <p:nvGrpSpPr>
+          <p:cNvPr id="21" name="그룹 20">
+            <a:extLst>
+              <a:ext uri="{FF2B5EF4-FFF2-40B4-BE49-F238E27FC236}">
+                <a16:creationId xmlns:a16="http://schemas.microsoft.com/office/drawing/2014/main" id="{70BAA973-E91B-4E19-827A-3FE2DD2E42A4}"/>
+              </a:ext>
+            </a:extLst>
+          </p:cNvPr>
+          <p:cNvGrpSpPr/>
+          <p:nvPr/>
+        </p:nvGrpSpPr>
+        <p:grpSpPr>
+          <a:xfrm flipH="1">
+            <a:off x="241726" y="4645516"/>
+            <a:ext cx="11297417" cy="1238423"/>
+            <a:chOff x="251311" y="2934479"/>
+            <a:chExt cx="11297417" cy="1238423"/>
+          </a:xfrm>
+        </p:grpSpPr>
+        <p:pic>
+          <p:nvPicPr>
+            <p:cNvPr id="22" name="그림 21">
+              <a:extLst>
+                <a:ext uri="{FF2B5EF4-FFF2-40B4-BE49-F238E27FC236}">
+                  <a16:creationId xmlns:a16="http://schemas.microsoft.com/office/drawing/2014/main" id="{25971463-CFCA-4116-98BE-8503ECB6C996}"/>
+                </a:ext>
+              </a:extLst>
+            </p:cNvPr>
+            <p:cNvPicPr>
+              <a:picLocks noChangeAspect="1"/>
+            </p:cNvPicPr>
+            <p:nvPr/>
+          </p:nvPicPr>
+          <p:blipFill>
+            <a:blip r:embed="rId2">
+              <a:extLst>
+                <a:ext uri="{28A0092B-C50C-407E-A947-70E740481C1C}">
+                  <a14:useLocalDpi xmlns:a14="http://schemas.microsoft.com/office/drawing/2010/main" val="0"/>
+                </a:ext>
+              </a:extLst>
+            </a:blip>
+            <a:stretch>
+              <a:fillRect/>
+            </a:stretch>
+          </p:blipFill>
+          <p:spPr>
+            <a:xfrm>
+              <a:off x="251311" y="2934479"/>
+              <a:ext cx="1428949" cy="1238423"/>
+            </a:xfrm>
+            <a:prstGeom prst="rect">
+              <a:avLst/>
+            </a:prstGeom>
+          </p:spPr>
+        </p:pic>
+        <p:pic>
+          <p:nvPicPr>
+            <p:cNvPr id="23" name="그림 22">
+              <a:extLst>
+                <a:ext uri="{FF2B5EF4-FFF2-40B4-BE49-F238E27FC236}">
+                  <a16:creationId xmlns:a16="http://schemas.microsoft.com/office/drawing/2014/main" id="{CAFEB5E5-306E-4F1F-BDFF-46183FABD0A2}"/>
+                </a:ext>
+              </a:extLst>
+            </p:cNvPr>
+            <p:cNvPicPr>
+              <a:picLocks noChangeAspect="1"/>
+            </p:cNvPicPr>
+            <p:nvPr/>
+          </p:nvPicPr>
+          <p:blipFill>
+            <a:blip r:embed="rId3">
+              <a:extLst>
+                <a:ext uri="{28A0092B-C50C-407E-A947-70E740481C1C}">
+                  <a14:useLocalDpi xmlns:a14="http://schemas.microsoft.com/office/drawing/2010/main" val="0"/>
+                </a:ext>
+              </a:extLst>
+            </a:blip>
+            <a:stretch>
+              <a:fillRect/>
+            </a:stretch>
+          </p:blipFill>
+          <p:spPr>
+            <a:xfrm>
+              <a:off x="1661092" y="2934479"/>
+              <a:ext cx="1428949" cy="1238423"/>
+            </a:xfrm>
+            <a:prstGeom prst="rect">
+              <a:avLst/>
+            </a:prstGeom>
+          </p:spPr>
+        </p:pic>
+        <p:pic>
+          <p:nvPicPr>
+            <p:cNvPr id="24" name="그림 23">
+              <a:extLst>
+                <a:ext uri="{FF2B5EF4-FFF2-40B4-BE49-F238E27FC236}">
+                  <a16:creationId xmlns:a16="http://schemas.microsoft.com/office/drawing/2014/main" id="{0F183169-745F-41E1-A239-A4E0CCA9A91D}"/>
+                </a:ext>
+              </a:extLst>
+            </p:cNvPr>
+            <p:cNvPicPr>
+              <a:picLocks noChangeAspect="1"/>
+            </p:cNvPicPr>
+            <p:nvPr/>
+          </p:nvPicPr>
+          <p:blipFill>
+            <a:blip r:embed="rId4">
+              <a:extLst>
+                <a:ext uri="{28A0092B-C50C-407E-A947-70E740481C1C}">
+                  <a14:useLocalDpi xmlns:a14="http://schemas.microsoft.com/office/drawing/2010/main" val="0"/>
+                </a:ext>
+              </a:extLst>
+            </a:blip>
+            <a:stretch>
+              <a:fillRect/>
+            </a:stretch>
+          </p:blipFill>
+          <p:spPr>
+            <a:xfrm>
+              <a:off x="3070873" y="2934479"/>
+              <a:ext cx="1428949" cy="1238423"/>
+            </a:xfrm>
+            <a:prstGeom prst="rect">
+              <a:avLst/>
+            </a:prstGeom>
+          </p:spPr>
+        </p:pic>
+        <p:pic>
+          <p:nvPicPr>
+            <p:cNvPr id="25" name="그림 24">
+              <a:extLst>
+                <a:ext uri="{FF2B5EF4-FFF2-40B4-BE49-F238E27FC236}">
+                  <a16:creationId xmlns:a16="http://schemas.microsoft.com/office/drawing/2014/main" id="{BE33CBCB-360F-494B-A0AD-094F807DC805}"/>
+                </a:ext>
+              </a:extLst>
+            </p:cNvPr>
+            <p:cNvPicPr>
+              <a:picLocks noChangeAspect="1"/>
+            </p:cNvPicPr>
+            <p:nvPr/>
+          </p:nvPicPr>
+          <p:blipFill>
+            <a:blip r:embed="rId5">
+              <a:extLst>
+                <a:ext uri="{28A0092B-C50C-407E-A947-70E740481C1C}">
+                  <a14:useLocalDpi xmlns:a14="http://schemas.microsoft.com/office/drawing/2010/main" val="0"/>
+                </a:ext>
+              </a:extLst>
+            </a:blip>
+            <a:stretch>
+              <a:fillRect/>
+            </a:stretch>
+          </p:blipFill>
+          <p:spPr>
+            <a:xfrm>
+              <a:off x="4480654" y="2934479"/>
+              <a:ext cx="1428949" cy="1238423"/>
+            </a:xfrm>
+            <a:prstGeom prst="rect">
+              <a:avLst/>
+            </a:prstGeom>
+          </p:spPr>
+        </p:pic>
+        <p:pic>
+          <p:nvPicPr>
+            <p:cNvPr id="26" name="그림 25">
+              <a:extLst>
+                <a:ext uri="{FF2B5EF4-FFF2-40B4-BE49-F238E27FC236}">
+                  <a16:creationId xmlns:a16="http://schemas.microsoft.com/office/drawing/2014/main" id="{435F1953-6DB5-4E93-98E5-17DCCB9AD02A}"/>
+                </a:ext>
+              </a:extLst>
+            </p:cNvPr>
+            <p:cNvPicPr>
+              <a:picLocks noChangeAspect="1"/>
+            </p:cNvPicPr>
+            <p:nvPr/>
+          </p:nvPicPr>
+          <p:blipFill>
+            <a:blip r:embed="rId6">
+              <a:extLst>
+                <a:ext uri="{28A0092B-C50C-407E-A947-70E740481C1C}">
+                  <a14:useLocalDpi xmlns:a14="http://schemas.microsoft.com/office/drawing/2010/main" val="0"/>
+                </a:ext>
+              </a:extLst>
+            </a:blip>
+            <a:stretch>
+              <a:fillRect/>
+            </a:stretch>
+          </p:blipFill>
+          <p:spPr>
+            <a:xfrm>
+              <a:off x="5890435" y="2934479"/>
+              <a:ext cx="1428949" cy="1238423"/>
+            </a:xfrm>
+            <a:prstGeom prst="rect">
+              <a:avLst/>
+            </a:prstGeom>
+          </p:spPr>
+        </p:pic>
+        <p:pic>
+          <p:nvPicPr>
+            <p:cNvPr id="27" name="그림 26">
+              <a:extLst>
+                <a:ext uri="{FF2B5EF4-FFF2-40B4-BE49-F238E27FC236}">
+                  <a16:creationId xmlns:a16="http://schemas.microsoft.com/office/drawing/2014/main" id="{15345A1B-A137-4CD2-A8E9-BBD8C6C5351A}"/>
+                </a:ext>
+              </a:extLst>
+            </p:cNvPr>
+            <p:cNvPicPr>
+              <a:picLocks noChangeAspect="1"/>
+            </p:cNvPicPr>
+            <p:nvPr/>
+          </p:nvPicPr>
+          <p:blipFill>
+            <a:blip r:embed="rId7">
+              <a:extLst>
+                <a:ext uri="{28A0092B-C50C-407E-A947-70E740481C1C}">
+                  <a14:useLocalDpi xmlns:a14="http://schemas.microsoft.com/office/drawing/2010/main" val="0"/>
+                </a:ext>
+              </a:extLst>
+            </a:blip>
+            <a:stretch>
+              <a:fillRect/>
+            </a:stretch>
+          </p:blipFill>
+          <p:spPr>
+            <a:xfrm>
+              <a:off x="7300216" y="2934479"/>
+              <a:ext cx="1428949" cy="1238423"/>
+            </a:xfrm>
+            <a:prstGeom prst="rect">
+              <a:avLst/>
+            </a:prstGeom>
+          </p:spPr>
+        </p:pic>
+        <p:pic>
+          <p:nvPicPr>
+            <p:cNvPr id="28" name="그림 27">
+              <a:extLst>
+                <a:ext uri="{FF2B5EF4-FFF2-40B4-BE49-F238E27FC236}">
+                  <a16:creationId xmlns:a16="http://schemas.microsoft.com/office/drawing/2014/main" id="{556F293B-8024-41A8-B2A4-AA5E33955283}"/>
+                </a:ext>
+              </a:extLst>
+            </p:cNvPr>
+            <p:cNvPicPr>
+              <a:picLocks noChangeAspect="1"/>
+            </p:cNvPicPr>
+            <p:nvPr/>
+          </p:nvPicPr>
+          <p:blipFill>
+            <a:blip r:embed="rId8">
+              <a:extLst>
+                <a:ext uri="{28A0092B-C50C-407E-A947-70E740481C1C}">
+                  <a14:useLocalDpi xmlns:a14="http://schemas.microsoft.com/office/drawing/2010/main" val="0"/>
+                </a:ext>
+              </a:extLst>
+            </a:blip>
+            <a:stretch>
+              <a:fillRect/>
+            </a:stretch>
+          </p:blipFill>
+          <p:spPr>
+            <a:xfrm>
+              <a:off x="8709997" y="2934479"/>
+              <a:ext cx="1428949" cy="1238423"/>
+            </a:xfrm>
+            <a:prstGeom prst="rect">
+              <a:avLst/>
+            </a:prstGeom>
+          </p:spPr>
+        </p:pic>
+        <p:pic>
+          <p:nvPicPr>
+            <p:cNvPr id="29" name="그림 28">
+              <a:extLst>
+                <a:ext uri="{FF2B5EF4-FFF2-40B4-BE49-F238E27FC236}">
+                  <a16:creationId xmlns:a16="http://schemas.microsoft.com/office/drawing/2014/main" id="{B3EA336A-813A-418D-AA12-235B13F05B12}"/>
+                </a:ext>
+              </a:extLst>
+            </p:cNvPr>
+            <p:cNvPicPr>
+              <a:picLocks noChangeAspect="1"/>
+            </p:cNvPicPr>
+            <p:nvPr/>
+          </p:nvPicPr>
+          <p:blipFill>
+            <a:blip r:embed="rId9">
+              <a:extLst>
+                <a:ext uri="{28A0092B-C50C-407E-A947-70E740481C1C}">
+                  <a14:useLocalDpi xmlns:a14="http://schemas.microsoft.com/office/drawing/2010/main" val="0"/>
+                </a:ext>
+              </a:extLst>
+            </a:blip>
+            <a:stretch>
+              <a:fillRect/>
+            </a:stretch>
+          </p:blipFill>
+          <p:spPr>
+            <a:xfrm>
+              <a:off x="10119779" y="2934479"/>
+              <a:ext cx="1428949" cy="1238423"/>
+            </a:xfrm>
+            <a:prstGeom prst="rect">
+              <a:avLst/>
+            </a:prstGeom>
+          </p:spPr>
+        </p:pic>
+      </p:grpSp>
+    </p:spTree>
+    <p:extLst>
+      <p:ext uri="{BB962C8B-B14F-4D97-AF65-F5344CB8AC3E}">
+        <p14:creationId xmlns:p14="http://schemas.microsoft.com/office/powerpoint/2010/main" val="1582335030"/>
+      </p:ext>
+    </p:extLst>
+  </p:cSld>
+  <p:clrMapOvr>
+    <a:masterClrMapping/>
+  </p:clrMapOvr>
+</p:sld>
+</file>
+
+<file path=ppt/slides/slide4.xml><?xml version="1.0" encoding="utf-8"?>
+<p:sld xmlns:a="http://schemas.openxmlformats.org/drawingml/2006/main" xmlns:r="http://schemas.openxmlformats.org/officeDocument/2006/relationships" xmlns:p="http://schemas.openxmlformats.org/presentationml/2006/main">
+  <p:cSld>
+    <p:spTree>
+      <p:nvGrpSpPr>
+        <p:cNvPr id="1" name=""/>
+        <p:cNvGrpSpPr/>
+        <p:nvPr/>
+      </p:nvGrpSpPr>
+      <p:grpSpPr>
+        <a:xfrm>
+          <a:off x="0" y="0"/>
+          <a:ext cx="0" cy="0"/>
+          <a:chOff x="0" y="0"/>
+          <a:chExt cx="0" cy="0"/>
+        </a:xfrm>
+      </p:grpSpPr>
+      <p:grpSp>
+        <p:nvGrpSpPr>
+          <p:cNvPr id="33" name="그룹 32">
+            <a:extLst>
+              <a:ext uri="{FF2B5EF4-FFF2-40B4-BE49-F238E27FC236}">
+                <a16:creationId xmlns:a16="http://schemas.microsoft.com/office/drawing/2014/main" id="{BAFA9F02-E65D-4715-959A-77FC7705938B}"/>
+              </a:ext>
+            </a:extLst>
+          </p:cNvPr>
+          <p:cNvGrpSpPr/>
+          <p:nvPr/>
+        </p:nvGrpSpPr>
+        <p:grpSpPr>
+          <a:xfrm>
+            <a:off x="-1155919" y="2909911"/>
+            <a:ext cx="14122842" cy="1238423"/>
+            <a:chOff x="-1155919" y="2909911"/>
+            <a:chExt cx="14122842" cy="1238423"/>
+          </a:xfrm>
+        </p:grpSpPr>
+        <p:pic>
+          <p:nvPicPr>
+            <p:cNvPr id="17" name="그림 16">
+              <a:extLst>
+                <a:ext uri="{FF2B5EF4-FFF2-40B4-BE49-F238E27FC236}">
+                  <a16:creationId xmlns:a16="http://schemas.microsoft.com/office/drawing/2014/main" id="{ED8D5023-A6D6-4E69-8BEF-3778C9CA0847}"/>
+                </a:ext>
+              </a:extLst>
+            </p:cNvPr>
+            <p:cNvPicPr>
+              <a:picLocks noChangeAspect="1"/>
+            </p:cNvPicPr>
+            <p:nvPr/>
+          </p:nvPicPr>
+          <p:blipFill>
+            <a:blip r:embed="rId2">
+              <a:extLst>
+                <a:ext uri="{28A0092B-C50C-407E-A947-70E740481C1C}">
+                  <a14:useLocalDpi xmlns:a14="http://schemas.microsoft.com/office/drawing/2010/main" val="0"/>
+                </a:ext>
+              </a:extLst>
+            </a:blip>
+            <a:stretch>
+              <a:fillRect/>
+            </a:stretch>
+          </p:blipFill>
+          <p:spPr>
+            <a:xfrm>
+              <a:off x="-1155919" y="2909911"/>
+              <a:ext cx="1428949" cy="1238423"/>
+            </a:xfrm>
+            <a:prstGeom prst="rect">
+              <a:avLst/>
+            </a:prstGeom>
+          </p:spPr>
+        </p:pic>
+        <p:pic>
+          <p:nvPicPr>
+            <p:cNvPr id="19" name="그림 18">
+              <a:extLst>
+                <a:ext uri="{FF2B5EF4-FFF2-40B4-BE49-F238E27FC236}">
+                  <a16:creationId xmlns:a16="http://schemas.microsoft.com/office/drawing/2014/main" id="{79AF0230-A5F5-47A8-863E-20095EB533B1}"/>
+                </a:ext>
+              </a:extLst>
+            </p:cNvPr>
+            <p:cNvPicPr>
+              <a:picLocks noChangeAspect="1"/>
+            </p:cNvPicPr>
+            <p:nvPr/>
+          </p:nvPicPr>
+          <p:blipFill>
+            <a:blip r:embed="rId3">
+              <a:extLst>
+                <a:ext uri="{28A0092B-C50C-407E-A947-70E740481C1C}">
+                  <a14:useLocalDpi xmlns:a14="http://schemas.microsoft.com/office/drawing/2010/main" val="0"/>
+                </a:ext>
+              </a:extLst>
+            </a:blip>
+            <a:stretch>
+              <a:fillRect/>
+            </a:stretch>
+          </p:blipFill>
+          <p:spPr>
+            <a:xfrm>
+              <a:off x="113470" y="2909911"/>
+              <a:ext cx="1428949" cy="1238423"/>
+            </a:xfrm>
+            <a:prstGeom prst="rect">
+              <a:avLst/>
+            </a:prstGeom>
+          </p:spPr>
+        </p:pic>
+        <p:pic>
+          <p:nvPicPr>
+            <p:cNvPr id="21" name="그림 20">
+              <a:extLst>
+                <a:ext uri="{FF2B5EF4-FFF2-40B4-BE49-F238E27FC236}">
+                  <a16:creationId xmlns:a16="http://schemas.microsoft.com/office/drawing/2014/main" id="{D1E9D7E0-DD16-443B-9DCE-C63661DF0FC6}"/>
+                </a:ext>
+              </a:extLst>
+            </p:cNvPr>
+            <p:cNvPicPr>
+              <a:picLocks noChangeAspect="1"/>
+            </p:cNvPicPr>
+            <p:nvPr/>
+          </p:nvPicPr>
+          <p:blipFill>
+            <a:blip r:embed="rId4">
+              <a:extLst>
+                <a:ext uri="{28A0092B-C50C-407E-A947-70E740481C1C}">
+                  <a14:useLocalDpi xmlns:a14="http://schemas.microsoft.com/office/drawing/2010/main" val="0"/>
+                </a:ext>
+              </a:extLst>
+            </a:blip>
+            <a:stretch>
+              <a:fillRect/>
+            </a:stretch>
+          </p:blipFill>
+          <p:spPr>
+            <a:xfrm>
+              <a:off x="2652248" y="2909911"/>
+              <a:ext cx="1428949" cy="1238423"/>
+            </a:xfrm>
+            <a:prstGeom prst="rect">
+              <a:avLst/>
+            </a:prstGeom>
+          </p:spPr>
+        </p:pic>
+        <p:pic>
+          <p:nvPicPr>
+            <p:cNvPr id="23" name="그림 22">
+              <a:extLst>
+                <a:ext uri="{FF2B5EF4-FFF2-40B4-BE49-F238E27FC236}">
+                  <a16:creationId xmlns:a16="http://schemas.microsoft.com/office/drawing/2014/main" id="{21CEEE56-443C-4CC4-8CAA-78FFE8CC57BA}"/>
+                </a:ext>
+              </a:extLst>
+            </p:cNvPr>
+            <p:cNvPicPr>
+              <a:picLocks noChangeAspect="1"/>
+            </p:cNvPicPr>
+            <p:nvPr/>
+          </p:nvPicPr>
+          <p:blipFill>
+            <a:blip r:embed="rId5">
+              <a:extLst>
+                <a:ext uri="{28A0092B-C50C-407E-A947-70E740481C1C}">
+                  <a14:useLocalDpi xmlns:a14="http://schemas.microsoft.com/office/drawing/2010/main" val="0"/>
+                </a:ext>
+              </a:extLst>
+            </a:blip>
+            <a:stretch>
+              <a:fillRect/>
+            </a:stretch>
+          </p:blipFill>
+          <p:spPr>
+            <a:xfrm>
+              <a:off x="1382859" y="2909911"/>
+              <a:ext cx="1428949" cy="1238423"/>
+            </a:xfrm>
+            <a:prstGeom prst="rect">
+              <a:avLst/>
+            </a:prstGeom>
+          </p:spPr>
+        </p:pic>
+        <p:pic>
+          <p:nvPicPr>
+            <p:cNvPr id="25" name="그림 24">
+              <a:extLst>
+                <a:ext uri="{FF2B5EF4-FFF2-40B4-BE49-F238E27FC236}">
+                  <a16:creationId xmlns:a16="http://schemas.microsoft.com/office/drawing/2014/main" id="{E0DB84D7-EA1C-4ACD-BF54-DF3B449D3E1E}"/>
+                </a:ext>
+              </a:extLst>
+            </p:cNvPr>
+            <p:cNvPicPr>
+              <a:picLocks noChangeAspect="1"/>
+            </p:cNvPicPr>
+            <p:nvPr/>
+          </p:nvPicPr>
+          <p:blipFill>
+            <a:blip r:embed="rId6">
+              <a:extLst>
+                <a:ext uri="{28A0092B-C50C-407E-A947-70E740481C1C}">
+                  <a14:useLocalDpi xmlns:a14="http://schemas.microsoft.com/office/drawing/2010/main" val="0"/>
+                </a:ext>
+              </a:extLst>
+            </a:blip>
+            <a:stretch>
+              <a:fillRect/>
+            </a:stretch>
+          </p:blipFill>
+          <p:spPr>
+            <a:xfrm>
+              <a:off x="3921637" y="2909911"/>
+              <a:ext cx="1428949" cy="1238423"/>
+            </a:xfrm>
+            <a:prstGeom prst="rect">
+              <a:avLst/>
+            </a:prstGeom>
+          </p:spPr>
+        </p:pic>
+        <p:pic>
+          <p:nvPicPr>
+            <p:cNvPr id="27" name="그림 26">
+              <a:extLst>
+                <a:ext uri="{FF2B5EF4-FFF2-40B4-BE49-F238E27FC236}">
+                  <a16:creationId xmlns:a16="http://schemas.microsoft.com/office/drawing/2014/main" id="{0AF9CC44-E88E-4996-BF97-0C1B036D397B}"/>
+                </a:ext>
+              </a:extLst>
+            </p:cNvPr>
+            <p:cNvPicPr>
+              <a:picLocks noChangeAspect="1"/>
+            </p:cNvPicPr>
+            <p:nvPr/>
+          </p:nvPicPr>
+          <p:blipFill>
+            <a:blip r:embed="rId7">
+              <a:extLst>
+                <a:ext uri="{28A0092B-C50C-407E-A947-70E740481C1C}">
+                  <a14:useLocalDpi xmlns:a14="http://schemas.microsoft.com/office/drawing/2010/main" val="0"/>
+                </a:ext>
+              </a:extLst>
+            </a:blip>
+            <a:stretch>
+              <a:fillRect/>
+            </a:stretch>
+          </p:blipFill>
+          <p:spPr>
+            <a:xfrm>
+              <a:off x="11537974" y="2909911"/>
+              <a:ext cx="1428949" cy="1238423"/>
+            </a:xfrm>
+            <a:prstGeom prst="rect">
+              <a:avLst/>
+            </a:prstGeom>
+          </p:spPr>
+        </p:pic>
+        <p:pic>
+          <p:nvPicPr>
+            <p:cNvPr id="28" name="그림 27">
+              <a:extLst>
+                <a:ext uri="{FF2B5EF4-FFF2-40B4-BE49-F238E27FC236}">
+                  <a16:creationId xmlns:a16="http://schemas.microsoft.com/office/drawing/2014/main" id="{9FF681B1-8483-4D21-BC95-B42A77283B41}"/>
+                </a:ext>
+              </a:extLst>
+            </p:cNvPr>
+            <p:cNvPicPr>
+              <a:picLocks noChangeAspect="1"/>
+            </p:cNvPicPr>
+            <p:nvPr/>
+          </p:nvPicPr>
+          <p:blipFill>
+            <a:blip r:embed="rId6">
+              <a:extLst>
+                <a:ext uri="{28A0092B-C50C-407E-A947-70E740481C1C}">
+                  <a14:useLocalDpi xmlns:a14="http://schemas.microsoft.com/office/drawing/2010/main" val="0"/>
+                </a:ext>
+              </a:extLst>
+            </a:blip>
+            <a:stretch>
+              <a:fillRect/>
+            </a:stretch>
+          </p:blipFill>
+          <p:spPr>
+            <a:xfrm>
+              <a:off x="5191026" y="2909911"/>
+              <a:ext cx="1428949" cy="1238423"/>
+            </a:xfrm>
+            <a:prstGeom prst="rect">
+              <a:avLst/>
+            </a:prstGeom>
+          </p:spPr>
+        </p:pic>
+        <p:pic>
+          <p:nvPicPr>
+            <p:cNvPr id="29" name="그림 28">
+              <a:extLst>
+                <a:ext uri="{FF2B5EF4-FFF2-40B4-BE49-F238E27FC236}">
+                  <a16:creationId xmlns:a16="http://schemas.microsoft.com/office/drawing/2014/main" id="{1C527DE0-7DAB-4A7B-8B1A-AD7EE8187EEB}"/>
+                </a:ext>
+              </a:extLst>
+            </p:cNvPr>
+            <p:cNvPicPr>
+              <a:picLocks noChangeAspect="1"/>
+            </p:cNvPicPr>
+            <p:nvPr/>
+          </p:nvPicPr>
+          <p:blipFill>
+            <a:blip r:embed="rId6">
+              <a:extLst>
+                <a:ext uri="{28A0092B-C50C-407E-A947-70E740481C1C}">
+                  <a14:useLocalDpi xmlns:a14="http://schemas.microsoft.com/office/drawing/2010/main" val="0"/>
+                </a:ext>
+              </a:extLst>
+            </a:blip>
+            <a:stretch>
+              <a:fillRect/>
+            </a:stretch>
+          </p:blipFill>
+          <p:spPr>
+            <a:xfrm>
+              <a:off x="6460415" y="2909911"/>
+              <a:ext cx="1428949" cy="1238423"/>
+            </a:xfrm>
+            <a:prstGeom prst="rect">
+              <a:avLst/>
+            </a:prstGeom>
+          </p:spPr>
+        </p:pic>
+        <p:pic>
+          <p:nvPicPr>
+            <p:cNvPr id="30" name="그림 29">
+              <a:extLst>
+                <a:ext uri="{FF2B5EF4-FFF2-40B4-BE49-F238E27FC236}">
+                  <a16:creationId xmlns:a16="http://schemas.microsoft.com/office/drawing/2014/main" id="{6DA97C0B-4F32-4C68-9C10-3A2A9AF96A8C}"/>
+                </a:ext>
+              </a:extLst>
+            </p:cNvPr>
+            <p:cNvPicPr>
+              <a:picLocks noChangeAspect="1"/>
+            </p:cNvPicPr>
+            <p:nvPr/>
+          </p:nvPicPr>
+          <p:blipFill>
+            <a:blip r:embed="rId6">
+              <a:extLst>
+                <a:ext uri="{28A0092B-C50C-407E-A947-70E740481C1C}">
+                  <a14:useLocalDpi xmlns:a14="http://schemas.microsoft.com/office/drawing/2010/main" val="0"/>
+                </a:ext>
+              </a:extLst>
+            </a:blip>
+            <a:stretch>
+              <a:fillRect/>
+            </a:stretch>
+          </p:blipFill>
+          <p:spPr>
+            <a:xfrm>
+              <a:off x="7729804" y="2909911"/>
+              <a:ext cx="1428949" cy="1238423"/>
+            </a:xfrm>
+            <a:prstGeom prst="rect">
+              <a:avLst/>
+            </a:prstGeom>
+          </p:spPr>
+        </p:pic>
+        <p:pic>
+          <p:nvPicPr>
+            <p:cNvPr id="31" name="그림 30">
+              <a:extLst>
+                <a:ext uri="{FF2B5EF4-FFF2-40B4-BE49-F238E27FC236}">
+                  <a16:creationId xmlns:a16="http://schemas.microsoft.com/office/drawing/2014/main" id="{DA478A03-F552-4B32-87B9-2190D717FAB4}"/>
+                </a:ext>
+              </a:extLst>
+            </p:cNvPr>
+            <p:cNvPicPr>
+              <a:picLocks noChangeAspect="1"/>
+            </p:cNvPicPr>
+            <p:nvPr/>
+          </p:nvPicPr>
+          <p:blipFill>
+            <a:blip r:embed="rId6">
+              <a:extLst>
+                <a:ext uri="{28A0092B-C50C-407E-A947-70E740481C1C}">
+                  <a14:useLocalDpi xmlns:a14="http://schemas.microsoft.com/office/drawing/2010/main" val="0"/>
+                </a:ext>
+              </a:extLst>
+            </a:blip>
+            <a:stretch>
+              <a:fillRect/>
+            </a:stretch>
+          </p:blipFill>
+          <p:spPr>
+            <a:xfrm>
+              <a:off x="8999193" y="2909911"/>
+              <a:ext cx="1428949" cy="1238423"/>
+            </a:xfrm>
+            <a:prstGeom prst="rect">
+              <a:avLst/>
+            </a:prstGeom>
+          </p:spPr>
+        </p:pic>
+        <p:pic>
+          <p:nvPicPr>
+            <p:cNvPr id="32" name="그림 31">
+              <a:extLst>
+                <a:ext uri="{FF2B5EF4-FFF2-40B4-BE49-F238E27FC236}">
+                  <a16:creationId xmlns:a16="http://schemas.microsoft.com/office/drawing/2014/main" id="{898166F2-8D54-4313-BEEE-B84AF9789149}"/>
+                </a:ext>
+              </a:extLst>
+            </p:cNvPr>
+            <p:cNvPicPr>
+              <a:picLocks noChangeAspect="1"/>
+            </p:cNvPicPr>
+            <p:nvPr/>
+          </p:nvPicPr>
+          <p:blipFill>
+            <a:blip r:embed="rId6">
+              <a:extLst>
+                <a:ext uri="{28A0092B-C50C-407E-A947-70E740481C1C}">
+                  <a14:useLocalDpi xmlns:a14="http://schemas.microsoft.com/office/drawing/2010/main" val="0"/>
+                </a:ext>
+              </a:extLst>
+            </a:blip>
+            <a:stretch>
+              <a:fillRect/>
+            </a:stretch>
+          </p:blipFill>
+          <p:spPr>
+            <a:xfrm>
+              <a:off x="10268582" y="2909911"/>
+              <a:ext cx="1428949" cy="1238423"/>
+            </a:xfrm>
+            <a:prstGeom prst="rect">
+              <a:avLst/>
+            </a:prstGeom>
+          </p:spPr>
+        </p:pic>
+      </p:grpSp>
+      <p:grpSp>
+        <p:nvGrpSpPr>
+          <p:cNvPr id="34" name="그룹 33">
+            <a:extLst>
+              <a:ext uri="{FF2B5EF4-FFF2-40B4-BE49-F238E27FC236}">
+                <a16:creationId xmlns:a16="http://schemas.microsoft.com/office/drawing/2014/main" id="{6710A2C2-C294-4A3B-B937-F2AB3144DEF8}"/>
+              </a:ext>
+            </a:extLst>
+          </p:cNvPr>
+          <p:cNvGrpSpPr/>
+          <p:nvPr/>
+        </p:nvGrpSpPr>
+        <p:grpSpPr>
+          <a:xfrm flipH="1">
+            <a:off x="-1155919" y="4586311"/>
+            <a:ext cx="14122842" cy="1238423"/>
+            <a:chOff x="-1155919" y="2909911"/>
+            <a:chExt cx="14122842" cy="1238423"/>
+          </a:xfrm>
+        </p:grpSpPr>
+        <p:pic>
+          <p:nvPicPr>
+            <p:cNvPr id="35" name="그림 34">
+              <a:extLst>
+                <a:ext uri="{FF2B5EF4-FFF2-40B4-BE49-F238E27FC236}">
+                  <a16:creationId xmlns:a16="http://schemas.microsoft.com/office/drawing/2014/main" id="{2ED22775-8557-45D8-A240-FBA94916C004}"/>
+                </a:ext>
+              </a:extLst>
+            </p:cNvPr>
+            <p:cNvPicPr>
+              <a:picLocks noChangeAspect="1"/>
+            </p:cNvPicPr>
+            <p:nvPr/>
+          </p:nvPicPr>
+          <p:blipFill>
+            <a:blip r:embed="rId2">
+              <a:extLst>
+                <a:ext uri="{28A0092B-C50C-407E-A947-70E740481C1C}">
+                  <a14:useLocalDpi xmlns:a14="http://schemas.microsoft.com/office/drawing/2010/main" val="0"/>
+                </a:ext>
+              </a:extLst>
+            </a:blip>
+            <a:stretch>
+              <a:fillRect/>
+            </a:stretch>
+          </p:blipFill>
+          <p:spPr>
+            <a:xfrm>
+              <a:off x="-1155919" y="2909911"/>
+              <a:ext cx="1428949" cy="1238423"/>
+            </a:xfrm>
+            <a:prstGeom prst="rect">
+              <a:avLst/>
+            </a:prstGeom>
+          </p:spPr>
+        </p:pic>
+        <p:pic>
+          <p:nvPicPr>
+            <p:cNvPr id="36" name="그림 35">
+              <a:extLst>
+                <a:ext uri="{FF2B5EF4-FFF2-40B4-BE49-F238E27FC236}">
+                  <a16:creationId xmlns:a16="http://schemas.microsoft.com/office/drawing/2014/main" id="{761CC8D3-FC58-4EF5-9C1D-F4E654C5A0C7}"/>
+                </a:ext>
+              </a:extLst>
+            </p:cNvPr>
+            <p:cNvPicPr>
+              <a:picLocks noChangeAspect="1"/>
+            </p:cNvPicPr>
+            <p:nvPr/>
+          </p:nvPicPr>
+          <p:blipFill>
+            <a:blip r:embed="rId3">
+              <a:extLst>
+                <a:ext uri="{28A0092B-C50C-407E-A947-70E740481C1C}">
+                  <a14:useLocalDpi xmlns:a14="http://schemas.microsoft.com/office/drawing/2010/main" val="0"/>
+                </a:ext>
+              </a:extLst>
+            </a:blip>
+            <a:stretch>
+              <a:fillRect/>
+            </a:stretch>
+          </p:blipFill>
+          <p:spPr>
+            <a:xfrm>
+              <a:off x="113470" y="2909911"/>
+              <a:ext cx="1428949" cy="1238423"/>
+            </a:xfrm>
+            <a:prstGeom prst="rect">
+              <a:avLst/>
+            </a:prstGeom>
+          </p:spPr>
+        </p:pic>
+        <p:pic>
+          <p:nvPicPr>
+            <p:cNvPr id="37" name="그림 36">
+              <a:extLst>
+                <a:ext uri="{FF2B5EF4-FFF2-40B4-BE49-F238E27FC236}">
+                  <a16:creationId xmlns:a16="http://schemas.microsoft.com/office/drawing/2014/main" id="{F09AF9D7-3098-4052-B2E3-D45175F73F72}"/>
+                </a:ext>
+              </a:extLst>
+            </p:cNvPr>
+            <p:cNvPicPr>
+              <a:picLocks noChangeAspect="1"/>
+            </p:cNvPicPr>
+            <p:nvPr/>
+          </p:nvPicPr>
+          <p:blipFill>
+            <a:blip r:embed="rId4">
+              <a:extLst>
+                <a:ext uri="{28A0092B-C50C-407E-A947-70E740481C1C}">
+                  <a14:useLocalDpi xmlns:a14="http://schemas.microsoft.com/office/drawing/2010/main" val="0"/>
+                </a:ext>
+              </a:extLst>
+            </a:blip>
+            <a:stretch>
+              <a:fillRect/>
+            </a:stretch>
+          </p:blipFill>
+          <p:spPr>
+            <a:xfrm>
+              <a:off x="2652248" y="2909911"/>
+              <a:ext cx="1428949" cy="1238423"/>
+            </a:xfrm>
+            <a:prstGeom prst="rect">
+              <a:avLst/>
+            </a:prstGeom>
+          </p:spPr>
+        </p:pic>
+        <p:pic>
+          <p:nvPicPr>
+            <p:cNvPr id="38" name="그림 37">
+              <a:extLst>
+                <a:ext uri="{FF2B5EF4-FFF2-40B4-BE49-F238E27FC236}">
+                  <a16:creationId xmlns:a16="http://schemas.microsoft.com/office/drawing/2014/main" id="{D3BC0D51-5047-4304-A744-B9A64139312E}"/>
+                </a:ext>
+              </a:extLst>
+            </p:cNvPr>
+            <p:cNvPicPr>
+              <a:picLocks noChangeAspect="1"/>
+            </p:cNvPicPr>
+            <p:nvPr/>
+          </p:nvPicPr>
+          <p:blipFill>
+            <a:blip r:embed="rId5">
+              <a:extLst>
+                <a:ext uri="{28A0092B-C50C-407E-A947-70E740481C1C}">
+                  <a14:useLocalDpi xmlns:a14="http://schemas.microsoft.com/office/drawing/2010/main" val="0"/>
+                </a:ext>
+              </a:extLst>
+            </a:blip>
+            <a:stretch>
+              <a:fillRect/>
+            </a:stretch>
+          </p:blipFill>
+          <p:spPr>
+            <a:xfrm>
+              <a:off x="1382859" y="2909911"/>
+              <a:ext cx="1428949" cy="1238423"/>
+            </a:xfrm>
+            <a:prstGeom prst="rect">
+              <a:avLst/>
+            </a:prstGeom>
+          </p:spPr>
+        </p:pic>
+        <p:pic>
+          <p:nvPicPr>
+            <p:cNvPr id="39" name="그림 38">
+              <a:extLst>
+                <a:ext uri="{FF2B5EF4-FFF2-40B4-BE49-F238E27FC236}">
+                  <a16:creationId xmlns:a16="http://schemas.microsoft.com/office/drawing/2014/main" id="{BD99DFF4-F4D4-4885-8E16-8CEB73D30F1B}"/>
+                </a:ext>
+              </a:extLst>
+            </p:cNvPr>
+            <p:cNvPicPr>
+              <a:picLocks noChangeAspect="1"/>
+            </p:cNvPicPr>
+            <p:nvPr/>
+          </p:nvPicPr>
+          <p:blipFill>
+            <a:blip r:embed="rId6">
+              <a:extLst>
+                <a:ext uri="{28A0092B-C50C-407E-A947-70E740481C1C}">
+                  <a14:useLocalDpi xmlns:a14="http://schemas.microsoft.com/office/drawing/2010/main" val="0"/>
+                </a:ext>
+              </a:extLst>
+            </a:blip>
+            <a:stretch>
+              <a:fillRect/>
+            </a:stretch>
+          </p:blipFill>
+          <p:spPr>
+            <a:xfrm>
+              <a:off x="3921637" y="2909911"/>
+              <a:ext cx="1428949" cy="1238423"/>
+            </a:xfrm>
+            <a:prstGeom prst="rect">
+              <a:avLst/>
+            </a:prstGeom>
+          </p:spPr>
+        </p:pic>
+        <p:pic>
+          <p:nvPicPr>
+            <p:cNvPr id="40" name="그림 39">
+              <a:extLst>
+                <a:ext uri="{FF2B5EF4-FFF2-40B4-BE49-F238E27FC236}">
+                  <a16:creationId xmlns:a16="http://schemas.microsoft.com/office/drawing/2014/main" id="{1EB9BDAE-FF34-45CC-84A9-2DC22113965E}"/>
+                </a:ext>
+              </a:extLst>
+            </p:cNvPr>
+            <p:cNvPicPr>
+              <a:picLocks noChangeAspect="1"/>
+            </p:cNvPicPr>
+            <p:nvPr/>
+          </p:nvPicPr>
+          <p:blipFill>
+            <a:blip r:embed="rId7">
+              <a:extLst>
+                <a:ext uri="{28A0092B-C50C-407E-A947-70E740481C1C}">
+                  <a14:useLocalDpi xmlns:a14="http://schemas.microsoft.com/office/drawing/2010/main" val="0"/>
+                </a:ext>
+              </a:extLst>
+            </a:blip>
+            <a:stretch>
+              <a:fillRect/>
+            </a:stretch>
+          </p:blipFill>
+          <p:spPr>
+            <a:xfrm>
+              <a:off x="11537974" y="2909911"/>
+              <a:ext cx="1428949" cy="1238423"/>
+            </a:xfrm>
+            <a:prstGeom prst="rect">
+              <a:avLst/>
+            </a:prstGeom>
+          </p:spPr>
+        </p:pic>
+        <p:pic>
+          <p:nvPicPr>
+            <p:cNvPr id="41" name="그림 40">
+              <a:extLst>
+                <a:ext uri="{FF2B5EF4-FFF2-40B4-BE49-F238E27FC236}">
+                  <a16:creationId xmlns:a16="http://schemas.microsoft.com/office/drawing/2014/main" id="{5AC73CDD-1E6A-43D2-A59A-3F326E463D7D}"/>
+                </a:ext>
+              </a:extLst>
+            </p:cNvPr>
+            <p:cNvPicPr>
+              <a:picLocks noChangeAspect="1"/>
+            </p:cNvPicPr>
+            <p:nvPr/>
+          </p:nvPicPr>
+          <p:blipFill>
+            <a:blip r:embed="rId6">
+              <a:extLst>
+                <a:ext uri="{28A0092B-C50C-407E-A947-70E740481C1C}">
+                  <a14:useLocalDpi xmlns:a14="http://schemas.microsoft.com/office/drawing/2010/main" val="0"/>
+                </a:ext>
+              </a:extLst>
+            </a:blip>
+            <a:stretch>
+              <a:fillRect/>
+            </a:stretch>
+          </p:blipFill>
+          <p:spPr>
+            <a:xfrm>
+              <a:off x="5191026" y="2909911"/>
+              <a:ext cx="1428949" cy="1238423"/>
+            </a:xfrm>
+            <a:prstGeom prst="rect">
+              <a:avLst/>
+            </a:prstGeom>
+          </p:spPr>
+        </p:pic>
+        <p:pic>
+          <p:nvPicPr>
+            <p:cNvPr id="42" name="그림 41">
+              <a:extLst>
+                <a:ext uri="{FF2B5EF4-FFF2-40B4-BE49-F238E27FC236}">
+                  <a16:creationId xmlns:a16="http://schemas.microsoft.com/office/drawing/2014/main" id="{2087D660-9F42-4197-9C04-5F3AEB0D2C33}"/>
+                </a:ext>
+              </a:extLst>
+            </p:cNvPr>
+            <p:cNvPicPr>
+              <a:picLocks noChangeAspect="1"/>
+            </p:cNvPicPr>
+            <p:nvPr/>
+          </p:nvPicPr>
+          <p:blipFill>
+            <a:blip r:embed="rId6">
+              <a:extLst>
+                <a:ext uri="{28A0092B-C50C-407E-A947-70E740481C1C}">
+                  <a14:useLocalDpi xmlns:a14="http://schemas.microsoft.com/office/drawing/2010/main" val="0"/>
+                </a:ext>
+              </a:extLst>
+            </a:blip>
+            <a:stretch>
+              <a:fillRect/>
+            </a:stretch>
+          </p:blipFill>
+          <p:spPr>
+            <a:xfrm>
+              <a:off x="6460415" y="2909911"/>
+              <a:ext cx="1428949" cy="1238423"/>
+            </a:xfrm>
+            <a:prstGeom prst="rect">
+              <a:avLst/>
+            </a:prstGeom>
+          </p:spPr>
+        </p:pic>
+        <p:pic>
+          <p:nvPicPr>
+            <p:cNvPr id="43" name="그림 42">
+              <a:extLst>
+                <a:ext uri="{FF2B5EF4-FFF2-40B4-BE49-F238E27FC236}">
+                  <a16:creationId xmlns:a16="http://schemas.microsoft.com/office/drawing/2014/main" id="{489FE868-C16E-4E40-985C-4E1F2FB60BE5}"/>
+                </a:ext>
+              </a:extLst>
+            </p:cNvPr>
+            <p:cNvPicPr>
+              <a:picLocks noChangeAspect="1"/>
+            </p:cNvPicPr>
+            <p:nvPr/>
+          </p:nvPicPr>
+          <p:blipFill>
+            <a:blip r:embed="rId6">
+              <a:extLst>
+                <a:ext uri="{28A0092B-C50C-407E-A947-70E740481C1C}">
+                  <a14:useLocalDpi xmlns:a14="http://schemas.microsoft.com/office/drawing/2010/main" val="0"/>
+                </a:ext>
+              </a:extLst>
+            </a:blip>
+            <a:stretch>
+              <a:fillRect/>
+            </a:stretch>
+          </p:blipFill>
+          <p:spPr>
+            <a:xfrm>
+              <a:off x="7729804" y="2909911"/>
+              <a:ext cx="1428949" cy="1238423"/>
+            </a:xfrm>
+            <a:prstGeom prst="rect">
+              <a:avLst/>
+            </a:prstGeom>
+          </p:spPr>
+        </p:pic>
+        <p:pic>
+          <p:nvPicPr>
+            <p:cNvPr id="44" name="그림 43">
+              <a:extLst>
+                <a:ext uri="{FF2B5EF4-FFF2-40B4-BE49-F238E27FC236}">
+                  <a16:creationId xmlns:a16="http://schemas.microsoft.com/office/drawing/2014/main" id="{6DCF525B-5204-4F0A-9EF2-274F06725741}"/>
+                </a:ext>
+              </a:extLst>
+            </p:cNvPr>
+            <p:cNvPicPr>
+              <a:picLocks noChangeAspect="1"/>
+            </p:cNvPicPr>
+            <p:nvPr/>
+          </p:nvPicPr>
+          <p:blipFill>
+            <a:blip r:embed="rId6">
+              <a:extLst>
+                <a:ext uri="{28A0092B-C50C-407E-A947-70E740481C1C}">
+                  <a14:useLocalDpi xmlns:a14="http://schemas.microsoft.com/office/drawing/2010/main" val="0"/>
+                </a:ext>
+              </a:extLst>
+            </a:blip>
+            <a:stretch>
+              <a:fillRect/>
+            </a:stretch>
+          </p:blipFill>
+          <p:spPr>
+            <a:xfrm>
+              <a:off x="8999193" y="2909911"/>
+              <a:ext cx="1428949" cy="1238423"/>
+            </a:xfrm>
+            <a:prstGeom prst="rect">
+              <a:avLst/>
+            </a:prstGeom>
+          </p:spPr>
+        </p:pic>
+        <p:pic>
+          <p:nvPicPr>
+            <p:cNvPr id="45" name="그림 44">
+              <a:extLst>
+                <a:ext uri="{FF2B5EF4-FFF2-40B4-BE49-F238E27FC236}">
+                  <a16:creationId xmlns:a16="http://schemas.microsoft.com/office/drawing/2014/main" id="{F33BC356-7961-4AF2-81F7-8E3F3880147D}"/>
+                </a:ext>
+              </a:extLst>
+            </p:cNvPr>
+            <p:cNvPicPr>
+              <a:picLocks noChangeAspect="1"/>
+            </p:cNvPicPr>
+            <p:nvPr/>
+          </p:nvPicPr>
+          <p:blipFill>
+            <a:blip r:embed="rId6">
+              <a:extLst>
+                <a:ext uri="{28A0092B-C50C-407E-A947-70E740481C1C}">
+                  <a14:useLocalDpi xmlns:a14="http://schemas.microsoft.com/office/drawing/2010/main" val="0"/>
+                </a:ext>
+              </a:extLst>
+            </a:blip>
+            <a:stretch>
+              <a:fillRect/>
+            </a:stretch>
+          </p:blipFill>
+          <p:spPr>
+            <a:xfrm>
+              <a:off x="10268582" y="2909911"/>
+              <a:ext cx="1428949" cy="1238423"/>
+            </a:xfrm>
+            <a:prstGeom prst="rect">
+              <a:avLst/>
+            </a:prstGeom>
+          </p:spPr>
+        </p:pic>
+      </p:grpSp>
+    </p:spTree>
+    <p:extLst>
+      <p:ext uri="{BB962C8B-B14F-4D97-AF65-F5344CB8AC3E}">
+        <p14:creationId xmlns:p14="http://schemas.microsoft.com/office/powerpoint/2010/main" val="4290013569"/>
+      </p:ext>
+    </p:extLst>
+  </p:cSld>
+  <p:clrMapOvr>
+    <a:masterClrMapping/>
+  </p:clrMapOvr>
+</p:sld>
+</file>
+
+<file path=ppt/slides/slide5.xml><?xml version="1.0" encoding="utf-8"?>
+<p:sld xmlns:a="http://schemas.openxmlformats.org/drawingml/2006/main" xmlns:r="http://schemas.openxmlformats.org/officeDocument/2006/relationships" xmlns:p="http://schemas.openxmlformats.org/presentationml/2006/main">
+  <p:cSld>
+    <p:spTree>
+      <p:nvGrpSpPr>
+        <p:cNvPr id="1" name=""/>
+        <p:cNvGrpSpPr/>
+        <p:nvPr/>
+      </p:nvGrpSpPr>
+      <p:grpSpPr>
+        <a:xfrm>
+          <a:off x="0" y="0"/>
+          <a:ext cx="0" cy="0"/>
+          <a:chOff x="0" y="0"/>
+          <a:chExt cx="0" cy="0"/>
+        </a:xfrm>
+      </p:grpSpPr>
+      <p:pic>
+        <p:nvPicPr>
+          <p:cNvPr id="17" name="그림 16">
+            <a:extLst>
+              <a:ext uri="{FF2B5EF4-FFF2-40B4-BE49-F238E27FC236}">
+                <a16:creationId xmlns:a16="http://schemas.microsoft.com/office/drawing/2014/main" id="{ED8D5023-A6D6-4E69-8BEF-3778C9CA0847}"/>
+              </a:ext>
+            </a:extLst>
+          </p:cNvPr>
+          <p:cNvPicPr>
+            <a:picLocks noChangeAspect="1"/>
+          </p:cNvPicPr>
+          <p:nvPr/>
+        </p:nvPicPr>
+        <p:blipFill>
+          <a:blip r:embed="rId2">
+            <a:extLst>
+              <a:ext uri="{28A0092B-C50C-407E-A947-70E740481C1C}">
+                <a14:useLocalDpi xmlns:a14="http://schemas.microsoft.com/office/drawing/2010/main" val="0"/>
+              </a:ext>
+            </a:extLst>
+          </a:blip>
+          <a:stretch>
+            <a:fillRect/>
+          </a:stretch>
+        </p:blipFill>
+        <p:spPr>
+          <a:xfrm>
+            <a:off x="-1155919" y="2909911"/>
+            <a:ext cx="1428949" cy="1238423"/>
+          </a:xfrm>
+          <a:prstGeom prst="rect">
+            <a:avLst/>
+          </a:prstGeom>
+        </p:spPr>
+      </p:pic>
+      <p:pic>
+        <p:nvPicPr>
+          <p:cNvPr id="19" name="그림 18">
+            <a:extLst>
+              <a:ext uri="{FF2B5EF4-FFF2-40B4-BE49-F238E27FC236}">
+                <a16:creationId xmlns:a16="http://schemas.microsoft.com/office/drawing/2014/main" id="{79AF0230-A5F5-47A8-863E-20095EB533B1}"/>
+              </a:ext>
+            </a:extLst>
+          </p:cNvPr>
+          <p:cNvPicPr>
+            <a:picLocks noChangeAspect="1"/>
+          </p:cNvPicPr>
+          <p:nvPr/>
+        </p:nvPicPr>
+        <p:blipFill>
+          <a:blip r:embed="rId3">
+            <a:extLst>
+              <a:ext uri="{28A0092B-C50C-407E-A947-70E740481C1C}">
+                <a14:useLocalDpi xmlns:a14="http://schemas.microsoft.com/office/drawing/2010/main" val="0"/>
+              </a:ext>
+            </a:extLst>
+          </a:blip>
+          <a:stretch>
+            <a:fillRect/>
+          </a:stretch>
+        </p:blipFill>
+        <p:spPr>
+          <a:xfrm>
+            <a:off x="113470" y="2909911"/>
+            <a:ext cx="1428949" cy="1238423"/>
+          </a:xfrm>
+          <a:prstGeom prst="rect">
+            <a:avLst/>
+          </a:prstGeom>
+        </p:spPr>
+      </p:pic>
+      <p:pic>
+        <p:nvPicPr>
+          <p:cNvPr id="21" name="그림 20">
+            <a:extLst>
+              <a:ext uri="{FF2B5EF4-FFF2-40B4-BE49-F238E27FC236}">
+                <a16:creationId xmlns:a16="http://schemas.microsoft.com/office/drawing/2014/main" id="{D1E9D7E0-DD16-443B-9DCE-C63661DF0FC6}"/>
+              </a:ext>
+            </a:extLst>
+          </p:cNvPr>
+          <p:cNvPicPr>
+            <a:picLocks noChangeAspect="1"/>
+          </p:cNvPicPr>
+          <p:nvPr/>
+        </p:nvPicPr>
+        <p:blipFill>
+          <a:blip r:embed="rId4">
+            <a:extLst>
+              <a:ext uri="{28A0092B-C50C-407E-A947-70E740481C1C}">
+                <a14:useLocalDpi xmlns:a14="http://schemas.microsoft.com/office/drawing/2010/main" val="0"/>
+              </a:ext>
+            </a:extLst>
+          </a:blip>
+          <a:stretch>
+            <a:fillRect/>
+          </a:stretch>
+        </p:blipFill>
+        <p:spPr>
+          <a:xfrm>
+            <a:off x="2652248" y="2909911"/>
+            <a:ext cx="1428949" cy="1238423"/>
+          </a:xfrm>
+          <a:prstGeom prst="rect">
+            <a:avLst/>
+          </a:prstGeom>
+        </p:spPr>
+      </p:pic>
+      <p:pic>
+        <p:nvPicPr>
+          <p:cNvPr id="23" name="그림 22">
+            <a:extLst>
+              <a:ext uri="{FF2B5EF4-FFF2-40B4-BE49-F238E27FC236}">
+                <a16:creationId xmlns:a16="http://schemas.microsoft.com/office/drawing/2014/main" id="{21CEEE56-443C-4CC4-8CAA-78FFE8CC57BA}"/>
+              </a:ext>
+            </a:extLst>
+          </p:cNvPr>
+          <p:cNvPicPr>
+            <a:picLocks noChangeAspect="1"/>
+          </p:cNvPicPr>
+          <p:nvPr/>
+        </p:nvPicPr>
+        <p:blipFill>
+          <a:blip r:embed="rId5">
+            <a:extLst>
+              <a:ext uri="{28A0092B-C50C-407E-A947-70E740481C1C}">
+                <a14:useLocalDpi xmlns:a14="http://schemas.microsoft.com/office/drawing/2010/main" val="0"/>
+              </a:ext>
+            </a:extLst>
+          </a:blip>
+          <a:stretch>
+            <a:fillRect/>
+          </a:stretch>
+        </p:blipFill>
+        <p:spPr>
+          <a:xfrm>
+            <a:off x="1382859" y="2909911"/>
+            <a:ext cx="1428949" cy="1238423"/>
+          </a:xfrm>
+          <a:prstGeom prst="rect">
+            <a:avLst/>
+          </a:prstGeom>
+        </p:spPr>
+      </p:pic>
+      <p:pic>
+        <p:nvPicPr>
+          <p:cNvPr id="25" name="그림 24">
+            <a:extLst>
+              <a:ext uri="{FF2B5EF4-FFF2-40B4-BE49-F238E27FC236}">
+                <a16:creationId xmlns:a16="http://schemas.microsoft.com/office/drawing/2014/main" id="{E0DB84D7-EA1C-4ACD-BF54-DF3B449D3E1E}"/>
+              </a:ext>
+            </a:extLst>
+          </p:cNvPr>
+          <p:cNvPicPr>
+            <a:picLocks noChangeAspect="1"/>
+          </p:cNvPicPr>
+          <p:nvPr/>
+        </p:nvPicPr>
+        <p:blipFill>
+          <a:blip r:embed="rId6">
+            <a:extLst>
+              <a:ext uri="{28A0092B-C50C-407E-A947-70E740481C1C}">
+                <a14:useLocalDpi xmlns:a14="http://schemas.microsoft.com/office/drawing/2010/main" val="0"/>
+              </a:ext>
+            </a:extLst>
+          </a:blip>
+          <a:stretch>
+            <a:fillRect/>
+          </a:stretch>
+        </p:blipFill>
+        <p:spPr>
+          <a:xfrm>
+            <a:off x="3921637" y="2909911"/>
+            <a:ext cx="1428949" cy="1238423"/>
+          </a:xfrm>
+          <a:prstGeom prst="rect">
+            <a:avLst/>
+          </a:prstGeom>
+        </p:spPr>
+      </p:pic>
+      <p:pic>
+        <p:nvPicPr>
+          <p:cNvPr id="27" name="그림 26">
+            <a:extLst>
+              <a:ext uri="{FF2B5EF4-FFF2-40B4-BE49-F238E27FC236}">
+                <a16:creationId xmlns:a16="http://schemas.microsoft.com/office/drawing/2014/main" id="{0AF9CC44-E88E-4996-BF97-0C1B036D397B}"/>
+              </a:ext>
+            </a:extLst>
+          </p:cNvPr>
+          <p:cNvPicPr>
+            <a:picLocks noChangeAspect="1"/>
+          </p:cNvPicPr>
+          <p:nvPr/>
+        </p:nvPicPr>
+        <p:blipFill>
+          <a:blip r:embed="rId7">
+            <a:extLst>
+              <a:ext uri="{28A0092B-C50C-407E-A947-70E740481C1C}">
+                <a14:useLocalDpi xmlns:a14="http://schemas.microsoft.com/office/drawing/2010/main" val="0"/>
+              </a:ext>
+            </a:extLst>
+          </a:blip>
+          <a:stretch>
+            <a:fillRect/>
+          </a:stretch>
+        </p:blipFill>
+        <p:spPr>
+          <a:xfrm>
+            <a:off x="11537974" y="2909911"/>
+            <a:ext cx="1428949" cy="1238423"/>
+          </a:xfrm>
+          <a:prstGeom prst="rect">
+            <a:avLst/>
+          </a:prstGeom>
+        </p:spPr>
+      </p:pic>
+      <p:pic>
+        <p:nvPicPr>
+          <p:cNvPr id="28" name="그림 27">
+            <a:extLst>
+              <a:ext uri="{FF2B5EF4-FFF2-40B4-BE49-F238E27FC236}">
+                <a16:creationId xmlns:a16="http://schemas.microsoft.com/office/drawing/2014/main" id="{9FF681B1-8483-4D21-BC95-B42A77283B41}"/>
+              </a:ext>
+            </a:extLst>
+          </p:cNvPr>
+          <p:cNvPicPr>
+            <a:picLocks noChangeAspect="1"/>
+          </p:cNvPicPr>
+          <p:nvPr/>
+        </p:nvPicPr>
+        <p:blipFill>
+          <a:blip r:embed="rId6">
+            <a:extLst>
+              <a:ext uri="{28A0092B-C50C-407E-A947-70E740481C1C}">
+                <a14:useLocalDpi xmlns:a14="http://schemas.microsoft.com/office/drawing/2010/main" val="0"/>
+              </a:ext>
+            </a:extLst>
+          </a:blip>
+          <a:stretch>
+            <a:fillRect/>
+          </a:stretch>
+        </p:blipFill>
+        <p:spPr>
+          <a:xfrm>
+            <a:off x="5191026" y="2909911"/>
+            <a:ext cx="1428949" cy="1238423"/>
+          </a:xfrm>
+          <a:prstGeom prst="rect">
+            <a:avLst/>
+          </a:prstGeom>
+        </p:spPr>
+      </p:pic>
+      <p:pic>
+        <p:nvPicPr>
+          <p:cNvPr id="29" name="그림 28">
+            <a:extLst>
+              <a:ext uri="{FF2B5EF4-FFF2-40B4-BE49-F238E27FC236}">
+                <a16:creationId xmlns:a16="http://schemas.microsoft.com/office/drawing/2014/main" id="{1C527DE0-7DAB-4A7B-8B1A-AD7EE8187EEB}"/>
+              </a:ext>
+            </a:extLst>
+          </p:cNvPr>
+          <p:cNvPicPr>
+            <a:picLocks noChangeAspect="1"/>
+          </p:cNvPicPr>
+          <p:nvPr/>
+        </p:nvPicPr>
+        <p:blipFill>
+          <a:blip r:embed="rId6">
+            <a:extLst>
+              <a:ext uri="{28A0092B-C50C-407E-A947-70E740481C1C}">
+                <a14:useLocalDpi xmlns:a14="http://schemas.microsoft.com/office/drawing/2010/main" val="0"/>
+              </a:ext>
+            </a:extLst>
+          </a:blip>
+          <a:stretch>
+            <a:fillRect/>
+          </a:stretch>
+        </p:blipFill>
+        <p:spPr>
+          <a:xfrm>
+            <a:off x="6460415" y="2909911"/>
+            <a:ext cx="1428949" cy="1238423"/>
+          </a:xfrm>
+          <a:prstGeom prst="rect">
+            <a:avLst/>
+          </a:prstGeom>
+        </p:spPr>
+      </p:pic>
+      <p:pic>
+        <p:nvPicPr>
+          <p:cNvPr id="30" name="그림 29">
+            <a:extLst>
+              <a:ext uri="{FF2B5EF4-FFF2-40B4-BE49-F238E27FC236}">
+                <a16:creationId xmlns:a16="http://schemas.microsoft.com/office/drawing/2014/main" id="{6DA97C0B-4F32-4C68-9C10-3A2A9AF96A8C}"/>
+              </a:ext>
+            </a:extLst>
+          </p:cNvPr>
+          <p:cNvPicPr>
+            <a:picLocks noChangeAspect="1"/>
+          </p:cNvPicPr>
+          <p:nvPr/>
+        </p:nvPicPr>
+        <p:blipFill>
+          <a:blip r:embed="rId6">
+            <a:extLst>
+              <a:ext uri="{28A0092B-C50C-407E-A947-70E740481C1C}">
+                <a14:useLocalDpi xmlns:a14="http://schemas.microsoft.com/office/drawing/2010/main" val="0"/>
+              </a:ext>
+            </a:extLst>
+          </a:blip>
+          <a:stretch>
+            <a:fillRect/>
+          </a:stretch>
+        </p:blipFill>
+        <p:spPr>
+          <a:xfrm>
+            <a:off x="7729804" y="2909911"/>
+            <a:ext cx="1428949" cy="1238423"/>
+          </a:xfrm>
+          <a:prstGeom prst="rect">
+            <a:avLst/>
+          </a:prstGeom>
+        </p:spPr>
+      </p:pic>
+      <p:pic>
+        <p:nvPicPr>
+          <p:cNvPr id="31" name="그림 30">
+            <a:extLst>
+              <a:ext uri="{FF2B5EF4-FFF2-40B4-BE49-F238E27FC236}">
+                <a16:creationId xmlns:a16="http://schemas.microsoft.com/office/drawing/2014/main" id="{DA478A03-F552-4B32-87B9-2190D717FAB4}"/>
+              </a:ext>
+            </a:extLst>
+          </p:cNvPr>
+          <p:cNvPicPr>
+            <a:picLocks noChangeAspect="1"/>
+          </p:cNvPicPr>
+          <p:nvPr/>
+        </p:nvPicPr>
+        <p:blipFill>
+          <a:blip r:embed="rId6">
+            <a:extLst>
+              <a:ext uri="{28A0092B-C50C-407E-A947-70E740481C1C}">
+                <a14:useLocalDpi xmlns:a14="http://schemas.microsoft.com/office/drawing/2010/main" val="0"/>
+              </a:ext>
+            </a:extLst>
+          </a:blip>
+          <a:stretch>
+            <a:fillRect/>
+          </a:stretch>
+        </p:blipFill>
+        <p:spPr>
+          <a:xfrm>
+            <a:off x="8999193" y="2909911"/>
+            <a:ext cx="1428949" cy="1238423"/>
+          </a:xfrm>
+          <a:prstGeom prst="rect">
+            <a:avLst/>
+          </a:prstGeom>
+        </p:spPr>
+      </p:pic>
+      <p:pic>
+        <p:nvPicPr>
+          <p:cNvPr id="32" name="그림 31">
+            <a:extLst>
+              <a:ext uri="{FF2B5EF4-FFF2-40B4-BE49-F238E27FC236}">
+                <a16:creationId xmlns:a16="http://schemas.microsoft.com/office/drawing/2014/main" id="{898166F2-8D54-4313-BEEE-B84AF9789149}"/>
+              </a:ext>
+            </a:extLst>
+          </p:cNvPr>
+          <p:cNvPicPr>
+            <a:picLocks noChangeAspect="1"/>
+          </p:cNvPicPr>
+          <p:nvPr/>
+        </p:nvPicPr>
+        <p:blipFill>
+          <a:blip r:embed="rId6">
+            <a:extLst>
+              <a:ext uri="{28A0092B-C50C-407E-A947-70E740481C1C}">
+                <a14:useLocalDpi xmlns:a14="http://schemas.microsoft.com/office/drawing/2010/main" val="0"/>
+              </a:ext>
+            </a:extLst>
+          </a:blip>
+          <a:stretch>
+            <a:fillRect/>
+          </a:stretch>
+        </p:blipFill>
+        <p:spPr>
+          <a:xfrm>
+            <a:off x="10268582" y="2909911"/>
+            <a:ext cx="1428949" cy="1238423"/>
+          </a:xfrm>
+          <a:prstGeom prst="rect">
+            <a:avLst/>
+          </a:prstGeom>
+        </p:spPr>
+      </p:pic>
+      <p:grpSp>
+        <p:nvGrpSpPr>
+          <p:cNvPr id="34" name="그룹 33">
+            <a:extLst>
+              <a:ext uri="{FF2B5EF4-FFF2-40B4-BE49-F238E27FC236}">
+                <a16:creationId xmlns:a16="http://schemas.microsoft.com/office/drawing/2014/main" id="{6710A2C2-C294-4A3B-B937-F2AB3144DEF8}"/>
+              </a:ext>
+            </a:extLst>
+          </p:cNvPr>
+          <p:cNvGrpSpPr/>
+          <p:nvPr/>
+        </p:nvGrpSpPr>
+        <p:grpSpPr>
+          <a:xfrm flipH="1">
+            <a:off x="-1155919" y="4586311"/>
+            <a:ext cx="14122842" cy="1238423"/>
+            <a:chOff x="-1155919" y="2909911"/>
+            <a:chExt cx="14122842" cy="1238423"/>
+          </a:xfrm>
+        </p:grpSpPr>
+        <p:pic>
+          <p:nvPicPr>
+            <p:cNvPr id="35" name="그림 34">
+              <a:extLst>
+                <a:ext uri="{FF2B5EF4-FFF2-40B4-BE49-F238E27FC236}">
+                  <a16:creationId xmlns:a16="http://schemas.microsoft.com/office/drawing/2014/main" id="{2ED22775-8557-45D8-A240-FBA94916C004}"/>
+                </a:ext>
+              </a:extLst>
+            </p:cNvPr>
+            <p:cNvPicPr>
+              <a:picLocks noChangeAspect="1"/>
+            </p:cNvPicPr>
+            <p:nvPr/>
+          </p:nvPicPr>
+          <p:blipFill>
+            <a:blip r:embed="rId2">
+              <a:extLst>
+                <a:ext uri="{28A0092B-C50C-407E-A947-70E740481C1C}">
+                  <a14:useLocalDpi xmlns:a14="http://schemas.microsoft.com/office/drawing/2010/main" val="0"/>
+                </a:ext>
+              </a:extLst>
+            </a:blip>
+            <a:stretch>
+              <a:fillRect/>
+            </a:stretch>
+          </p:blipFill>
+          <p:spPr>
+            <a:xfrm>
+              <a:off x="-1155919" y="2909911"/>
+              <a:ext cx="1428949" cy="1238423"/>
+            </a:xfrm>
+            <a:prstGeom prst="rect">
+              <a:avLst/>
+            </a:prstGeom>
+          </p:spPr>
+        </p:pic>
+        <p:pic>
+          <p:nvPicPr>
+            <p:cNvPr id="36" name="그림 35">
+              <a:extLst>
+                <a:ext uri="{FF2B5EF4-FFF2-40B4-BE49-F238E27FC236}">
+                  <a16:creationId xmlns:a16="http://schemas.microsoft.com/office/drawing/2014/main" id="{761CC8D3-FC58-4EF5-9C1D-F4E654C5A0C7}"/>
+                </a:ext>
+              </a:extLst>
+            </p:cNvPr>
+            <p:cNvPicPr>
+              <a:picLocks noChangeAspect="1"/>
+            </p:cNvPicPr>
+            <p:nvPr/>
+          </p:nvPicPr>
+          <p:blipFill>
+            <a:blip r:embed="rId3">
+              <a:extLst>
+                <a:ext uri="{28A0092B-C50C-407E-A947-70E740481C1C}">
+                  <a14:useLocalDpi xmlns:a14="http://schemas.microsoft.com/office/drawing/2010/main" val="0"/>
+                </a:ext>
+              </a:extLst>
+            </a:blip>
+            <a:stretch>
+              <a:fillRect/>
+            </a:stretch>
+          </p:blipFill>
+          <p:spPr>
+            <a:xfrm>
+              <a:off x="113470" y="2909911"/>
+              <a:ext cx="1428949" cy="1238423"/>
+            </a:xfrm>
+            <a:prstGeom prst="rect">
+              <a:avLst/>
+            </a:prstGeom>
+          </p:spPr>
+        </p:pic>
+        <p:pic>
+          <p:nvPicPr>
+            <p:cNvPr id="37" name="그림 36">
+              <a:extLst>
+                <a:ext uri="{FF2B5EF4-FFF2-40B4-BE49-F238E27FC236}">
+                  <a16:creationId xmlns:a16="http://schemas.microsoft.com/office/drawing/2014/main" id="{F09AF9D7-3098-4052-B2E3-D45175F73F72}"/>
+                </a:ext>
+              </a:extLst>
+            </p:cNvPr>
+            <p:cNvPicPr>
+              <a:picLocks noChangeAspect="1"/>
+            </p:cNvPicPr>
+            <p:nvPr/>
+          </p:nvPicPr>
+          <p:blipFill>
+            <a:blip r:embed="rId4">
+              <a:extLst>
+                <a:ext uri="{28A0092B-C50C-407E-A947-70E740481C1C}">
+                  <a14:useLocalDpi xmlns:a14="http://schemas.microsoft.com/office/drawing/2010/main" val="0"/>
+                </a:ext>
+              </a:extLst>
+            </a:blip>
+            <a:stretch>
+              <a:fillRect/>
+            </a:stretch>
+          </p:blipFill>
+          <p:spPr>
+            <a:xfrm>
+              <a:off x="2652248" y="2909911"/>
+              <a:ext cx="1428949" cy="1238423"/>
+            </a:xfrm>
+            <a:prstGeom prst="rect">
+              <a:avLst/>
+            </a:prstGeom>
+          </p:spPr>
+        </p:pic>
+        <p:pic>
+          <p:nvPicPr>
+            <p:cNvPr id="38" name="그림 37">
+              <a:extLst>
+                <a:ext uri="{FF2B5EF4-FFF2-40B4-BE49-F238E27FC236}">
+                  <a16:creationId xmlns:a16="http://schemas.microsoft.com/office/drawing/2014/main" id="{D3BC0D51-5047-4304-A744-B9A64139312E}"/>
+                </a:ext>
+              </a:extLst>
+            </p:cNvPr>
+            <p:cNvPicPr>
+              <a:picLocks noChangeAspect="1"/>
+            </p:cNvPicPr>
+            <p:nvPr/>
+          </p:nvPicPr>
+          <p:blipFill>
+            <a:blip r:embed="rId5">
+              <a:extLst>
+                <a:ext uri="{28A0092B-C50C-407E-A947-70E740481C1C}">
+                  <a14:useLocalDpi xmlns:a14="http://schemas.microsoft.com/office/drawing/2010/main" val="0"/>
+                </a:ext>
+              </a:extLst>
+            </a:blip>
+            <a:stretch>
+              <a:fillRect/>
+            </a:stretch>
+          </p:blipFill>
+          <p:spPr>
+            <a:xfrm>
+              <a:off x="1382859" y="2909911"/>
+              <a:ext cx="1428949" cy="1238423"/>
+            </a:xfrm>
+            <a:prstGeom prst="rect">
+              <a:avLst/>
+            </a:prstGeom>
+          </p:spPr>
+        </p:pic>
+        <p:pic>
+          <p:nvPicPr>
+            <p:cNvPr id="39" name="그림 38">
+              <a:extLst>
+                <a:ext uri="{FF2B5EF4-FFF2-40B4-BE49-F238E27FC236}">
+                  <a16:creationId xmlns:a16="http://schemas.microsoft.com/office/drawing/2014/main" id="{BD99DFF4-F4D4-4885-8E16-8CEB73D30F1B}"/>
+                </a:ext>
+              </a:extLst>
+            </p:cNvPr>
+            <p:cNvPicPr>
+              <a:picLocks noChangeAspect="1"/>
+            </p:cNvPicPr>
+            <p:nvPr/>
+          </p:nvPicPr>
+          <p:blipFill>
+            <a:blip r:embed="rId6">
+              <a:extLst>
+                <a:ext uri="{28A0092B-C50C-407E-A947-70E740481C1C}">
+                  <a14:useLocalDpi xmlns:a14="http://schemas.microsoft.com/office/drawing/2010/main" val="0"/>
+                </a:ext>
+              </a:extLst>
+            </a:blip>
+            <a:stretch>
+              <a:fillRect/>
+            </a:stretch>
+          </p:blipFill>
+          <p:spPr>
+            <a:xfrm>
+              <a:off x="3921637" y="2909911"/>
+              <a:ext cx="1428949" cy="1238423"/>
+            </a:xfrm>
+            <a:prstGeom prst="rect">
+              <a:avLst/>
+            </a:prstGeom>
+          </p:spPr>
+        </p:pic>
+        <p:pic>
+          <p:nvPicPr>
+            <p:cNvPr id="40" name="그림 39">
+              <a:extLst>
+                <a:ext uri="{FF2B5EF4-FFF2-40B4-BE49-F238E27FC236}">
+                  <a16:creationId xmlns:a16="http://schemas.microsoft.com/office/drawing/2014/main" id="{1EB9BDAE-FF34-45CC-84A9-2DC22113965E}"/>
+                </a:ext>
+              </a:extLst>
+            </p:cNvPr>
+            <p:cNvPicPr>
+              <a:picLocks noChangeAspect="1"/>
+            </p:cNvPicPr>
+            <p:nvPr/>
+          </p:nvPicPr>
+          <p:blipFill>
+            <a:blip r:embed="rId7">
+              <a:extLst>
+                <a:ext uri="{28A0092B-C50C-407E-A947-70E740481C1C}">
+                  <a14:useLocalDpi xmlns:a14="http://schemas.microsoft.com/office/drawing/2010/main" val="0"/>
+                </a:ext>
+              </a:extLst>
+            </a:blip>
+            <a:stretch>
+              <a:fillRect/>
+            </a:stretch>
+          </p:blipFill>
+          <p:spPr>
+            <a:xfrm>
+              <a:off x="11537974" y="2909911"/>
+              <a:ext cx="1428949" cy="1238423"/>
+            </a:xfrm>
+            <a:prstGeom prst="rect">
+              <a:avLst/>
+            </a:prstGeom>
+          </p:spPr>
+        </p:pic>
+        <p:pic>
+          <p:nvPicPr>
+            <p:cNvPr id="41" name="그림 40">
+              <a:extLst>
+                <a:ext uri="{FF2B5EF4-FFF2-40B4-BE49-F238E27FC236}">
+                  <a16:creationId xmlns:a16="http://schemas.microsoft.com/office/drawing/2014/main" id="{5AC73CDD-1E6A-43D2-A59A-3F326E463D7D}"/>
+                </a:ext>
+              </a:extLst>
+            </p:cNvPr>
+            <p:cNvPicPr>
+              <a:picLocks noChangeAspect="1"/>
+            </p:cNvPicPr>
+            <p:nvPr/>
+          </p:nvPicPr>
+          <p:blipFill>
+            <a:blip r:embed="rId6">
+              <a:extLst>
+                <a:ext uri="{28A0092B-C50C-407E-A947-70E740481C1C}">
+                  <a14:useLocalDpi xmlns:a14="http://schemas.microsoft.com/office/drawing/2010/main" val="0"/>
+                </a:ext>
+              </a:extLst>
+            </a:blip>
+            <a:stretch>
+              <a:fillRect/>
+            </a:stretch>
+          </p:blipFill>
+          <p:spPr>
+            <a:xfrm>
+              <a:off x="5191026" y="2909911"/>
+              <a:ext cx="1428949" cy="1238423"/>
+            </a:xfrm>
+            <a:prstGeom prst="rect">
+              <a:avLst/>
+            </a:prstGeom>
+          </p:spPr>
+        </p:pic>
+        <p:pic>
+          <p:nvPicPr>
+            <p:cNvPr id="42" name="그림 41">
+              <a:extLst>
+                <a:ext uri="{FF2B5EF4-FFF2-40B4-BE49-F238E27FC236}">
+                  <a16:creationId xmlns:a16="http://schemas.microsoft.com/office/drawing/2014/main" id="{2087D660-9F42-4197-9C04-5F3AEB0D2C33}"/>
+                </a:ext>
+              </a:extLst>
+            </p:cNvPr>
+            <p:cNvPicPr>
+              <a:picLocks noChangeAspect="1"/>
+            </p:cNvPicPr>
+            <p:nvPr/>
+          </p:nvPicPr>
+          <p:blipFill>
+            <a:blip r:embed="rId6">
+              <a:extLst>
+                <a:ext uri="{28A0092B-C50C-407E-A947-70E740481C1C}">
+                  <a14:useLocalDpi xmlns:a14="http://schemas.microsoft.com/office/drawing/2010/main" val="0"/>
+                </a:ext>
+              </a:extLst>
+            </a:blip>
+            <a:stretch>
+              <a:fillRect/>
+            </a:stretch>
+          </p:blipFill>
+          <p:spPr>
+            <a:xfrm>
+              <a:off x="6460415" y="2909911"/>
+              <a:ext cx="1428949" cy="1238423"/>
+            </a:xfrm>
+            <a:prstGeom prst="rect">
+              <a:avLst/>
+            </a:prstGeom>
+          </p:spPr>
+        </p:pic>
+        <p:pic>
+          <p:nvPicPr>
+            <p:cNvPr id="43" name="그림 42">
+              <a:extLst>
+                <a:ext uri="{FF2B5EF4-FFF2-40B4-BE49-F238E27FC236}">
+                  <a16:creationId xmlns:a16="http://schemas.microsoft.com/office/drawing/2014/main" id="{489FE868-C16E-4E40-985C-4E1F2FB60BE5}"/>
+                </a:ext>
+              </a:extLst>
+            </p:cNvPr>
+            <p:cNvPicPr>
+              <a:picLocks noChangeAspect="1"/>
+            </p:cNvPicPr>
+            <p:nvPr/>
+          </p:nvPicPr>
+          <p:blipFill>
+            <a:blip r:embed="rId6">
+              <a:extLst>
+                <a:ext uri="{28A0092B-C50C-407E-A947-70E740481C1C}">
+                  <a14:useLocalDpi xmlns:a14="http://schemas.microsoft.com/office/drawing/2010/main" val="0"/>
+                </a:ext>
+              </a:extLst>
+            </a:blip>
+            <a:stretch>
+              <a:fillRect/>
+            </a:stretch>
+          </p:blipFill>
+          <p:spPr>
+            <a:xfrm>
+              <a:off x="7729804" y="2909911"/>
+              <a:ext cx="1428949" cy="1238423"/>
+            </a:xfrm>
+            <a:prstGeom prst="rect">
+              <a:avLst/>
+            </a:prstGeom>
+          </p:spPr>
+        </p:pic>
+        <p:pic>
+          <p:nvPicPr>
+            <p:cNvPr id="44" name="그림 43">
+              <a:extLst>
+                <a:ext uri="{FF2B5EF4-FFF2-40B4-BE49-F238E27FC236}">
+                  <a16:creationId xmlns:a16="http://schemas.microsoft.com/office/drawing/2014/main" id="{6DCF525B-5204-4F0A-9EF2-274F06725741}"/>
+                </a:ext>
+              </a:extLst>
+            </p:cNvPr>
+            <p:cNvPicPr>
+              <a:picLocks noChangeAspect="1"/>
+            </p:cNvPicPr>
+            <p:nvPr/>
+          </p:nvPicPr>
+          <p:blipFill>
+            <a:blip r:embed="rId6">
+              <a:extLst>
+                <a:ext uri="{28A0092B-C50C-407E-A947-70E740481C1C}">
+                  <a14:useLocalDpi xmlns:a14="http://schemas.microsoft.com/office/drawing/2010/main" val="0"/>
+                </a:ext>
+              </a:extLst>
+            </a:blip>
+            <a:stretch>
+              <a:fillRect/>
+            </a:stretch>
+          </p:blipFill>
+          <p:spPr>
+            <a:xfrm>
+              <a:off x="8999193" y="2909911"/>
+              <a:ext cx="1428949" cy="1238423"/>
+            </a:xfrm>
+            <a:prstGeom prst="rect">
+              <a:avLst/>
+            </a:prstGeom>
+          </p:spPr>
+        </p:pic>
+        <p:pic>
+          <p:nvPicPr>
+            <p:cNvPr id="45" name="그림 44">
+              <a:extLst>
+                <a:ext uri="{FF2B5EF4-FFF2-40B4-BE49-F238E27FC236}">
+                  <a16:creationId xmlns:a16="http://schemas.microsoft.com/office/drawing/2014/main" id="{F33BC356-7961-4AF2-81F7-8E3F3880147D}"/>
+                </a:ext>
+              </a:extLst>
+            </p:cNvPr>
+            <p:cNvPicPr>
+              <a:picLocks noChangeAspect="1"/>
+            </p:cNvPicPr>
+            <p:nvPr/>
+          </p:nvPicPr>
+          <p:blipFill>
+            <a:blip r:embed="rId6">
+              <a:extLst>
+                <a:ext uri="{28A0092B-C50C-407E-A947-70E740481C1C}">
+                  <a14:useLocalDpi xmlns:a14="http://schemas.microsoft.com/office/drawing/2010/main" val="0"/>
+                </a:ext>
+              </a:extLst>
+            </a:blip>
+            <a:stretch>
+              <a:fillRect/>
+            </a:stretch>
+          </p:blipFill>
+          <p:spPr>
+            <a:xfrm>
+              <a:off x="10268582" y="2909911"/>
+              <a:ext cx="1428949" cy="1238423"/>
+            </a:xfrm>
+            <a:prstGeom prst="rect">
+              <a:avLst/>
+            </a:prstGeom>
+          </p:spPr>
+        </p:pic>
+      </p:grpSp>
+      <p:pic>
+        <p:nvPicPr>
+          <p:cNvPr id="3" name="그림 2">
+            <a:extLst>
+              <a:ext uri="{FF2B5EF4-FFF2-40B4-BE49-F238E27FC236}">
+                <a16:creationId xmlns:a16="http://schemas.microsoft.com/office/drawing/2014/main" id="{5F431A19-537B-407D-A856-20B0B5E48842}"/>
+              </a:ext>
+            </a:extLst>
+          </p:cNvPr>
+          <p:cNvPicPr>
+            <a:picLocks noChangeAspect="1"/>
+          </p:cNvPicPr>
+          <p:nvPr/>
+        </p:nvPicPr>
+        <p:blipFill>
+          <a:blip r:embed="rId6">
+            <a:extLst>
+              <a:ext uri="{28A0092B-C50C-407E-A947-70E740481C1C}">
+                <a14:useLocalDpi xmlns:a14="http://schemas.microsoft.com/office/drawing/2010/main" val="0"/>
+              </a:ext>
+            </a:extLst>
+          </a:blip>
+          <a:stretch>
+            <a:fillRect/>
+          </a:stretch>
+        </p:blipFill>
+        <p:spPr>
+          <a:xfrm flipH="1">
+            <a:off x="3762077" y="584748"/>
+            <a:ext cx="1428949" cy="1238423"/>
+          </a:xfrm>
+          <a:prstGeom prst="rect">
+            <a:avLst/>
+          </a:prstGeom>
+        </p:spPr>
+      </p:pic>
+      <p:pic>
+        <p:nvPicPr>
+          <p:cNvPr id="5" name="그림 4">
+            <a:extLst>
+              <a:ext uri="{FF2B5EF4-FFF2-40B4-BE49-F238E27FC236}">
+                <a16:creationId xmlns:a16="http://schemas.microsoft.com/office/drawing/2014/main" id="{2B89661D-7991-4251-9A82-52558AB5D06C}"/>
+              </a:ext>
+            </a:extLst>
+          </p:cNvPr>
+          <p:cNvPicPr>
+            <a:picLocks noChangeAspect="1"/>
+          </p:cNvPicPr>
+          <p:nvPr/>
+        </p:nvPicPr>
+        <p:blipFill>
+          <a:blip r:embed="rId7">
+            <a:extLst>
+              <a:ext uri="{28A0092B-C50C-407E-A947-70E740481C1C}">
+                <a14:useLocalDpi xmlns:a14="http://schemas.microsoft.com/office/drawing/2010/main" val="0"/>
+              </a:ext>
+            </a:extLst>
+          </a:blip>
+          <a:stretch>
+            <a:fillRect/>
+          </a:stretch>
+        </p:blipFill>
+        <p:spPr>
+          <a:xfrm flipH="1">
+            <a:off x="5684980" y="414054"/>
+            <a:ext cx="1428949" cy="1238423"/>
+          </a:xfrm>
+          <a:prstGeom prst="rect">
+            <a:avLst/>
+          </a:prstGeom>
+        </p:spPr>
+      </p:pic>
+    </p:spTree>
+    <p:extLst>
+      <p:ext uri="{BB962C8B-B14F-4D97-AF65-F5344CB8AC3E}">
+        <p14:creationId xmlns:p14="http://schemas.microsoft.com/office/powerpoint/2010/main" val="2550647225"/>
+      </p:ext>
+    </p:extLst>
+  </p:cSld>
+  <p:clrMapOvr>
+    <a:masterClrMapping/>
+  </p:clrMapOvr>
+</p:sld>
+</file>
+
+<file path=ppt/slides/slide6.xml><?xml version="1.0" encoding="utf-8"?>
+<p:sld xmlns:a="http://schemas.openxmlformats.org/drawingml/2006/main" xmlns:r="http://schemas.openxmlformats.org/officeDocument/2006/relationships" xmlns:p="http://schemas.openxmlformats.org/presentationml/2006/main">
+  <p:cSld>
+    <p:spTree>
+      <p:nvGrpSpPr>
+        <p:cNvPr id="1" name=""/>
+        <p:cNvGrpSpPr/>
+        <p:nvPr/>
+      </p:nvGrpSpPr>
+      <p:grpSpPr>
+        <a:xfrm>
+          <a:off x="0" y="0"/>
+          <a:ext cx="0" cy="0"/>
+          <a:chOff x="0" y="0"/>
+          <a:chExt cx="0" cy="0"/>
+        </a:xfrm>
+      </p:grpSpPr>
+      <p:grpSp>
+        <p:nvGrpSpPr>
+          <p:cNvPr id="3" name="그룹 2">
+            <a:extLst>
+              <a:ext uri="{FF2B5EF4-FFF2-40B4-BE49-F238E27FC236}">
+                <a16:creationId xmlns:a16="http://schemas.microsoft.com/office/drawing/2014/main" id="{3F7ECDF6-199E-4D9E-AE45-2DB285E4D332}"/>
+              </a:ext>
+            </a:extLst>
+          </p:cNvPr>
+          <p:cNvGrpSpPr/>
+          <p:nvPr/>
+        </p:nvGrpSpPr>
+        <p:grpSpPr>
+          <a:xfrm>
+            <a:off x="566201" y="2909911"/>
+            <a:ext cx="5237116" cy="1238423"/>
+            <a:chOff x="566201" y="2909911"/>
+            <a:chExt cx="5237116" cy="1238423"/>
+          </a:xfrm>
+        </p:grpSpPr>
+        <p:pic>
+          <p:nvPicPr>
+            <p:cNvPr id="17" name="그림 16">
+              <a:extLst>
+                <a:ext uri="{FF2B5EF4-FFF2-40B4-BE49-F238E27FC236}">
+                  <a16:creationId xmlns:a16="http://schemas.microsoft.com/office/drawing/2014/main" id="{ED8D5023-A6D6-4E69-8BEF-3778C9CA0847}"/>
+                </a:ext>
+              </a:extLst>
+            </p:cNvPr>
+            <p:cNvPicPr>
+              <a:picLocks noChangeAspect="1"/>
+            </p:cNvPicPr>
+            <p:nvPr/>
+          </p:nvPicPr>
+          <p:blipFill>
+            <a:blip r:embed="rId2">
+              <a:extLst>
+                <a:ext uri="{28A0092B-C50C-407E-A947-70E740481C1C}">
+                  <a14:useLocalDpi xmlns:a14="http://schemas.microsoft.com/office/drawing/2010/main" val="0"/>
+                </a:ext>
+              </a:extLst>
+            </a:blip>
+            <a:stretch>
+              <a:fillRect/>
+            </a:stretch>
+          </p:blipFill>
+          <p:spPr>
+            <a:xfrm>
+              <a:off x="566201" y="2909911"/>
+              <a:ext cx="1428949" cy="1238423"/>
+            </a:xfrm>
+            <a:prstGeom prst="rect">
+              <a:avLst/>
+            </a:prstGeom>
+          </p:spPr>
+        </p:pic>
+        <p:pic>
+          <p:nvPicPr>
+            <p:cNvPr id="19" name="그림 18">
+              <a:extLst>
+                <a:ext uri="{FF2B5EF4-FFF2-40B4-BE49-F238E27FC236}">
+                  <a16:creationId xmlns:a16="http://schemas.microsoft.com/office/drawing/2014/main" id="{79AF0230-A5F5-47A8-863E-20095EB533B1}"/>
+                </a:ext>
+              </a:extLst>
+            </p:cNvPr>
+            <p:cNvPicPr>
+              <a:picLocks noChangeAspect="1"/>
+            </p:cNvPicPr>
+            <p:nvPr/>
+          </p:nvPicPr>
+          <p:blipFill>
+            <a:blip r:embed="rId3">
+              <a:extLst>
+                <a:ext uri="{28A0092B-C50C-407E-A947-70E740481C1C}">
+                  <a14:useLocalDpi xmlns:a14="http://schemas.microsoft.com/office/drawing/2010/main" val="0"/>
+                </a:ext>
+              </a:extLst>
+            </a:blip>
+            <a:stretch>
+              <a:fillRect/>
+            </a:stretch>
+          </p:blipFill>
+          <p:spPr>
+            <a:xfrm>
+              <a:off x="1835590" y="2909911"/>
+              <a:ext cx="1428949" cy="1238423"/>
+            </a:xfrm>
+            <a:prstGeom prst="rect">
+              <a:avLst/>
+            </a:prstGeom>
+          </p:spPr>
+        </p:pic>
+        <p:pic>
+          <p:nvPicPr>
+            <p:cNvPr id="21" name="그림 20">
+              <a:extLst>
+                <a:ext uri="{FF2B5EF4-FFF2-40B4-BE49-F238E27FC236}">
+                  <a16:creationId xmlns:a16="http://schemas.microsoft.com/office/drawing/2014/main" id="{D1E9D7E0-DD16-443B-9DCE-C63661DF0FC6}"/>
+                </a:ext>
+              </a:extLst>
+            </p:cNvPr>
+            <p:cNvPicPr>
+              <a:picLocks noChangeAspect="1"/>
+            </p:cNvPicPr>
+            <p:nvPr/>
+          </p:nvPicPr>
+          <p:blipFill>
+            <a:blip r:embed="rId4">
+              <a:extLst>
+                <a:ext uri="{28A0092B-C50C-407E-A947-70E740481C1C}">
+                  <a14:useLocalDpi xmlns:a14="http://schemas.microsoft.com/office/drawing/2010/main" val="0"/>
+                </a:ext>
+              </a:extLst>
+            </a:blip>
+            <a:stretch>
+              <a:fillRect/>
+            </a:stretch>
+          </p:blipFill>
+          <p:spPr>
+            <a:xfrm>
+              <a:off x="4374368" y="2909911"/>
+              <a:ext cx="1428949" cy="1238423"/>
+            </a:xfrm>
+            <a:prstGeom prst="rect">
+              <a:avLst/>
+            </a:prstGeom>
+          </p:spPr>
+        </p:pic>
+        <p:pic>
+          <p:nvPicPr>
+            <p:cNvPr id="23" name="그림 22">
+              <a:extLst>
+                <a:ext uri="{FF2B5EF4-FFF2-40B4-BE49-F238E27FC236}">
+                  <a16:creationId xmlns:a16="http://schemas.microsoft.com/office/drawing/2014/main" id="{21CEEE56-443C-4CC4-8CAA-78FFE8CC57BA}"/>
+                </a:ext>
+              </a:extLst>
+            </p:cNvPr>
+            <p:cNvPicPr>
+              <a:picLocks noChangeAspect="1"/>
+            </p:cNvPicPr>
+            <p:nvPr/>
+          </p:nvPicPr>
+          <p:blipFill>
+            <a:blip r:embed="rId5">
+              <a:extLst>
+                <a:ext uri="{28A0092B-C50C-407E-A947-70E740481C1C}">
+                  <a14:useLocalDpi xmlns:a14="http://schemas.microsoft.com/office/drawing/2010/main" val="0"/>
+                </a:ext>
+              </a:extLst>
+            </a:blip>
+            <a:stretch>
+              <a:fillRect/>
+            </a:stretch>
+          </p:blipFill>
+          <p:spPr>
+            <a:xfrm>
+              <a:off x="3104979" y="2909911"/>
+              <a:ext cx="1428949" cy="1238423"/>
+            </a:xfrm>
+            <a:prstGeom prst="rect">
+              <a:avLst/>
+            </a:prstGeom>
+          </p:spPr>
+        </p:pic>
+      </p:grpSp>
+      <p:grpSp>
+        <p:nvGrpSpPr>
+          <p:cNvPr id="22" name="그룹 21">
+            <a:extLst>
+              <a:ext uri="{FF2B5EF4-FFF2-40B4-BE49-F238E27FC236}">
+                <a16:creationId xmlns:a16="http://schemas.microsoft.com/office/drawing/2014/main" id="{89664255-A585-4498-8728-50529AF53179}"/>
+              </a:ext>
+            </a:extLst>
+          </p:cNvPr>
+          <p:cNvGrpSpPr/>
+          <p:nvPr/>
+        </p:nvGrpSpPr>
+        <p:grpSpPr>
+          <a:xfrm flipH="1">
+            <a:off x="322361" y="4296751"/>
+            <a:ext cx="5237116" cy="1238423"/>
+            <a:chOff x="566201" y="2909911"/>
+            <a:chExt cx="5237116" cy="1238423"/>
+          </a:xfrm>
+        </p:grpSpPr>
+        <p:pic>
+          <p:nvPicPr>
+            <p:cNvPr id="24" name="그림 23">
+              <a:extLst>
+                <a:ext uri="{FF2B5EF4-FFF2-40B4-BE49-F238E27FC236}">
+                  <a16:creationId xmlns:a16="http://schemas.microsoft.com/office/drawing/2014/main" id="{79F201DE-C4F8-40F2-B9C5-6B082F27DED2}"/>
+                </a:ext>
+              </a:extLst>
+            </p:cNvPr>
+            <p:cNvPicPr>
+              <a:picLocks noChangeAspect="1"/>
+            </p:cNvPicPr>
+            <p:nvPr/>
+          </p:nvPicPr>
+          <p:blipFill>
+            <a:blip r:embed="rId2">
+              <a:extLst>
+                <a:ext uri="{28A0092B-C50C-407E-A947-70E740481C1C}">
+                  <a14:useLocalDpi xmlns:a14="http://schemas.microsoft.com/office/drawing/2010/main" val="0"/>
+                </a:ext>
+              </a:extLst>
+            </a:blip>
+            <a:stretch>
+              <a:fillRect/>
+            </a:stretch>
+          </p:blipFill>
+          <p:spPr>
+            <a:xfrm>
+              <a:off x="566201" y="2909911"/>
+              <a:ext cx="1428949" cy="1238423"/>
+            </a:xfrm>
+            <a:prstGeom prst="rect">
+              <a:avLst/>
+            </a:prstGeom>
+          </p:spPr>
+        </p:pic>
+        <p:pic>
+          <p:nvPicPr>
+            <p:cNvPr id="26" name="그림 25">
+              <a:extLst>
+                <a:ext uri="{FF2B5EF4-FFF2-40B4-BE49-F238E27FC236}">
+                  <a16:creationId xmlns:a16="http://schemas.microsoft.com/office/drawing/2014/main" id="{6F71350C-D249-4605-98D6-2C8DEFA967B3}"/>
+                </a:ext>
+              </a:extLst>
+            </p:cNvPr>
+            <p:cNvPicPr>
+              <a:picLocks noChangeAspect="1"/>
+            </p:cNvPicPr>
+            <p:nvPr/>
+          </p:nvPicPr>
+          <p:blipFill>
+            <a:blip r:embed="rId3">
+              <a:extLst>
+                <a:ext uri="{28A0092B-C50C-407E-A947-70E740481C1C}">
+                  <a14:useLocalDpi xmlns:a14="http://schemas.microsoft.com/office/drawing/2010/main" val="0"/>
+                </a:ext>
+              </a:extLst>
+            </a:blip>
+            <a:stretch>
+              <a:fillRect/>
+            </a:stretch>
+          </p:blipFill>
+          <p:spPr>
+            <a:xfrm>
+              <a:off x="1835590" y="2909911"/>
+              <a:ext cx="1428949" cy="1238423"/>
+            </a:xfrm>
+            <a:prstGeom prst="rect">
+              <a:avLst/>
+            </a:prstGeom>
+          </p:spPr>
+        </p:pic>
+        <p:pic>
+          <p:nvPicPr>
+            <p:cNvPr id="30" name="그림 29">
+              <a:extLst>
+                <a:ext uri="{FF2B5EF4-FFF2-40B4-BE49-F238E27FC236}">
+                  <a16:creationId xmlns:a16="http://schemas.microsoft.com/office/drawing/2014/main" id="{5B42DA89-0F59-4F88-849D-921871A8B8F7}"/>
+                </a:ext>
+              </a:extLst>
+            </p:cNvPr>
+            <p:cNvPicPr>
+              <a:picLocks noChangeAspect="1"/>
+            </p:cNvPicPr>
+            <p:nvPr/>
+          </p:nvPicPr>
+          <p:blipFill>
+            <a:blip r:embed="rId4">
+              <a:extLst>
+                <a:ext uri="{28A0092B-C50C-407E-A947-70E740481C1C}">
+                  <a14:useLocalDpi xmlns:a14="http://schemas.microsoft.com/office/drawing/2010/main" val="0"/>
+                </a:ext>
+              </a:extLst>
+            </a:blip>
+            <a:stretch>
+              <a:fillRect/>
+            </a:stretch>
+          </p:blipFill>
+          <p:spPr>
+            <a:xfrm>
+              <a:off x="4374368" y="2909911"/>
+              <a:ext cx="1428949" cy="1238423"/>
+            </a:xfrm>
+            <a:prstGeom prst="rect">
+              <a:avLst/>
+            </a:prstGeom>
+          </p:spPr>
+        </p:pic>
+        <p:pic>
+          <p:nvPicPr>
+            <p:cNvPr id="31" name="그림 30">
+              <a:extLst>
+                <a:ext uri="{FF2B5EF4-FFF2-40B4-BE49-F238E27FC236}">
+                  <a16:creationId xmlns:a16="http://schemas.microsoft.com/office/drawing/2014/main" id="{E181108B-3424-45A2-8D1E-2A526332D664}"/>
+                </a:ext>
+              </a:extLst>
+            </p:cNvPr>
+            <p:cNvPicPr>
+              <a:picLocks noChangeAspect="1"/>
+            </p:cNvPicPr>
+            <p:nvPr/>
+          </p:nvPicPr>
+          <p:blipFill>
+            <a:blip r:embed="rId5">
+              <a:extLst>
+                <a:ext uri="{28A0092B-C50C-407E-A947-70E740481C1C}">
+                  <a14:useLocalDpi xmlns:a14="http://schemas.microsoft.com/office/drawing/2010/main" val="0"/>
+                </a:ext>
+              </a:extLst>
+            </a:blip>
+            <a:stretch>
+              <a:fillRect/>
+            </a:stretch>
+          </p:blipFill>
+          <p:spPr>
+            <a:xfrm>
+              <a:off x="3104979" y="2909911"/>
+              <a:ext cx="1428949" cy="1238423"/>
+            </a:xfrm>
+            <a:prstGeom prst="rect">
+              <a:avLst/>
+            </a:prstGeom>
+          </p:spPr>
+        </p:pic>
+      </p:grpSp>
+    </p:spTree>
+    <p:extLst>
+      <p:ext uri="{BB962C8B-B14F-4D97-AF65-F5344CB8AC3E}">
+        <p14:creationId xmlns:p14="http://schemas.microsoft.com/office/powerpoint/2010/main" val="1030733050"/>
+      </p:ext>
+    </p:extLst>
+  </p:cSld>
+  <p:clrMapOvr>
+    <a:masterClrMapping/>
+  </p:clrMapOvr>
+</p:sld>
+</file>
+
 <file path=ppt/theme/theme1.xml><?xml version="1.0" encoding="utf-8"?>
 <a:theme xmlns:a="http://schemas.openxmlformats.org/drawingml/2006/main" name="Office 테마">
   <a:themeElements>

--- a/제작.pptx
+++ b/제작.pptx
@@ -11,6 +11,10 @@
     <p:sldId id="259" r:id="rId5"/>
     <p:sldId id="261" r:id="rId6"/>
     <p:sldId id="260" r:id="rId7"/>
+    <p:sldId id="262" r:id="rId8"/>
+    <p:sldId id="263" r:id="rId9"/>
+    <p:sldId id="264" r:id="rId10"/>
+    <p:sldId id="265" r:id="rId11"/>
   </p:sldIdLst>
   <p:sldSz cx="12192000" cy="6858000"/>
   <p:notesSz cx="6858000" cy="9144000"/>
@@ -268,7 +272,7 @@
           <a:p>
             <a:fld id="{667511D5-E30B-4E6C-8572-0CA724416369}" type="datetimeFigureOut">
               <a:rPr lang="ko-KR" altLang="en-US" smtClean="0"/>
-              <a:t>2017-11-25</a:t>
+              <a:t>2017-12-12</a:t>
             </a:fld>
             <a:endParaRPr lang="ko-KR" altLang="en-US"/>
           </a:p>
@@ -466,7 +470,7 @@
           <a:p>
             <a:fld id="{667511D5-E30B-4E6C-8572-0CA724416369}" type="datetimeFigureOut">
               <a:rPr lang="ko-KR" altLang="en-US" smtClean="0"/>
-              <a:t>2017-11-25</a:t>
+              <a:t>2017-12-12</a:t>
             </a:fld>
             <a:endParaRPr lang="ko-KR" altLang="en-US"/>
           </a:p>
@@ -674,7 +678,7 @@
           <a:p>
             <a:fld id="{667511D5-E30B-4E6C-8572-0CA724416369}" type="datetimeFigureOut">
               <a:rPr lang="ko-KR" altLang="en-US" smtClean="0"/>
-              <a:t>2017-11-25</a:t>
+              <a:t>2017-12-12</a:t>
             </a:fld>
             <a:endParaRPr lang="ko-KR" altLang="en-US"/>
           </a:p>
@@ -872,7 +876,7 @@
           <a:p>
             <a:fld id="{667511D5-E30B-4E6C-8572-0CA724416369}" type="datetimeFigureOut">
               <a:rPr lang="ko-KR" altLang="en-US" smtClean="0"/>
-              <a:t>2017-11-25</a:t>
+              <a:t>2017-12-12</a:t>
             </a:fld>
             <a:endParaRPr lang="ko-KR" altLang="en-US"/>
           </a:p>
@@ -1147,7 +1151,7 @@
           <a:p>
             <a:fld id="{667511D5-E30B-4E6C-8572-0CA724416369}" type="datetimeFigureOut">
               <a:rPr lang="ko-KR" altLang="en-US" smtClean="0"/>
-              <a:t>2017-11-25</a:t>
+              <a:t>2017-12-12</a:t>
             </a:fld>
             <a:endParaRPr lang="ko-KR" altLang="en-US"/>
           </a:p>
@@ -1412,7 +1416,7 @@
           <a:p>
             <a:fld id="{667511D5-E30B-4E6C-8572-0CA724416369}" type="datetimeFigureOut">
               <a:rPr lang="ko-KR" altLang="en-US" smtClean="0"/>
-              <a:t>2017-11-25</a:t>
+              <a:t>2017-12-12</a:t>
             </a:fld>
             <a:endParaRPr lang="ko-KR" altLang="en-US"/>
           </a:p>
@@ -1824,7 +1828,7 @@
           <a:p>
             <a:fld id="{667511D5-E30B-4E6C-8572-0CA724416369}" type="datetimeFigureOut">
               <a:rPr lang="ko-KR" altLang="en-US" smtClean="0"/>
-              <a:t>2017-11-25</a:t>
+              <a:t>2017-12-12</a:t>
             </a:fld>
             <a:endParaRPr lang="ko-KR" altLang="en-US"/>
           </a:p>
@@ -1965,7 +1969,7 @@
           <a:p>
             <a:fld id="{667511D5-E30B-4E6C-8572-0CA724416369}" type="datetimeFigureOut">
               <a:rPr lang="ko-KR" altLang="en-US" smtClean="0"/>
-              <a:t>2017-11-25</a:t>
+              <a:t>2017-12-12</a:t>
             </a:fld>
             <a:endParaRPr lang="ko-KR" altLang="en-US"/>
           </a:p>
@@ -2078,7 +2082,7 @@
           <a:p>
             <a:fld id="{667511D5-E30B-4E6C-8572-0CA724416369}" type="datetimeFigureOut">
               <a:rPr lang="ko-KR" altLang="en-US" smtClean="0"/>
-              <a:t>2017-11-25</a:t>
+              <a:t>2017-12-12</a:t>
             </a:fld>
             <a:endParaRPr lang="ko-KR" altLang="en-US"/>
           </a:p>
@@ -2389,7 +2393,7 @@
           <a:p>
             <a:fld id="{667511D5-E30B-4E6C-8572-0CA724416369}" type="datetimeFigureOut">
               <a:rPr lang="ko-KR" altLang="en-US" smtClean="0"/>
-              <a:t>2017-11-25</a:t>
+              <a:t>2017-12-12</a:t>
             </a:fld>
             <a:endParaRPr lang="ko-KR" altLang="en-US"/>
           </a:p>
@@ -2677,7 +2681,7 @@
           <a:p>
             <a:fld id="{667511D5-E30B-4E6C-8572-0CA724416369}" type="datetimeFigureOut">
               <a:rPr lang="ko-KR" altLang="en-US" smtClean="0"/>
-              <a:t>2017-11-25</a:t>
+              <a:t>2017-12-12</a:t>
             </a:fld>
             <a:endParaRPr lang="ko-KR" altLang="en-US"/>
           </a:p>
@@ -2918,7 +2922,7 @@
           <a:p>
             <a:fld id="{667511D5-E30B-4E6C-8572-0CA724416369}" type="datetimeFigureOut">
               <a:rPr lang="ko-KR" altLang="en-US" smtClean="0"/>
-              <a:t>2017-11-25</a:t>
+              <a:t>2017-12-12</a:t>
             </a:fld>
             <a:endParaRPr lang="ko-KR" altLang="en-US"/>
           </a:p>
@@ -4654,6 +4658,201 @@
 </p:sld>
 </file>
 
+<file path=ppt/slides/slide10.xml><?xml version="1.0" encoding="utf-8"?>
+<p:sld xmlns:a="http://schemas.openxmlformats.org/drawingml/2006/main" xmlns:r="http://schemas.openxmlformats.org/officeDocument/2006/relationships" xmlns:p="http://schemas.openxmlformats.org/presentationml/2006/main">
+  <p:cSld>
+    <p:spTree>
+      <p:nvGrpSpPr>
+        <p:cNvPr id="1" name=""/>
+        <p:cNvGrpSpPr/>
+        <p:nvPr/>
+      </p:nvGrpSpPr>
+      <p:grpSpPr>
+        <a:xfrm>
+          <a:off x="0" y="0"/>
+          <a:ext cx="0" cy="0"/>
+          <a:chOff x="0" y="0"/>
+          <a:chExt cx="0" cy="0"/>
+        </a:xfrm>
+      </p:grpSpPr>
+      <p:grpSp>
+        <p:nvGrpSpPr>
+          <p:cNvPr id="12" name="그룹 11">
+            <a:extLst>
+              <a:ext uri="{FF2B5EF4-FFF2-40B4-BE49-F238E27FC236}">
+                <a16:creationId xmlns:a16="http://schemas.microsoft.com/office/drawing/2014/main" id="{EA4815EB-B9F1-4E71-A350-89A5CBA9B7F9}"/>
+              </a:ext>
+            </a:extLst>
+          </p:cNvPr>
+          <p:cNvGrpSpPr/>
+          <p:nvPr/>
+        </p:nvGrpSpPr>
+        <p:grpSpPr>
+          <a:xfrm>
+            <a:off x="5550412" y="2922606"/>
+            <a:ext cx="2857900" cy="619211"/>
+            <a:chOff x="5550412" y="2922606"/>
+            <a:chExt cx="2857900" cy="619211"/>
+          </a:xfrm>
+        </p:grpSpPr>
+        <p:pic>
+          <p:nvPicPr>
+            <p:cNvPr id="5" name="그림 4">
+              <a:extLst>
+                <a:ext uri="{FF2B5EF4-FFF2-40B4-BE49-F238E27FC236}">
+                  <a16:creationId xmlns:a16="http://schemas.microsoft.com/office/drawing/2014/main" id="{7A9B8A12-5DED-49F5-9C95-26B493D0499C}"/>
+                </a:ext>
+              </a:extLst>
+            </p:cNvPr>
+            <p:cNvPicPr>
+              <a:picLocks noChangeAspect="1"/>
+            </p:cNvPicPr>
+            <p:nvPr/>
+          </p:nvPicPr>
+          <p:blipFill>
+            <a:blip r:embed="rId2">
+              <a:extLst>
+                <a:ext uri="{28A0092B-C50C-407E-A947-70E740481C1C}">
+                  <a14:useLocalDpi xmlns:a14="http://schemas.microsoft.com/office/drawing/2010/main" val="0"/>
+                </a:ext>
+              </a:extLst>
+            </a:blip>
+            <a:stretch>
+              <a:fillRect/>
+            </a:stretch>
+          </p:blipFill>
+          <p:spPr>
+            <a:xfrm>
+              <a:off x="5550412" y="2922606"/>
+              <a:ext cx="714475" cy="619211"/>
+            </a:xfrm>
+            <a:prstGeom prst="rect">
+              <a:avLst/>
+            </a:prstGeom>
+          </p:spPr>
+        </p:pic>
+        <p:pic>
+          <p:nvPicPr>
+            <p:cNvPr id="7" name="그림 6">
+              <a:extLst>
+                <a:ext uri="{FF2B5EF4-FFF2-40B4-BE49-F238E27FC236}">
+                  <a16:creationId xmlns:a16="http://schemas.microsoft.com/office/drawing/2014/main" id="{89C270DC-6F4E-4A81-B633-99D940A26A97}"/>
+                </a:ext>
+              </a:extLst>
+            </p:cNvPr>
+            <p:cNvPicPr>
+              <a:picLocks noChangeAspect="1"/>
+            </p:cNvPicPr>
+            <p:nvPr/>
+          </p:nvPicPr>
+          <p:blipFill>
+            <a:blip r:embed="rId3">
+              <a:extLst>
+                <a:ext uri="{28A0092B-C50C-407E-A947-70E740481C1C}">
+                  <a14:useLocalDpi xmlns:a14="http://schemas.microsoft.com/office/drawing/2010/main" val="0"/>
+                </a:ext>
+              </a:extLst>
+            </a:blip>
+            <a:stretch>
+              <a:fillRect/>
+            </a:stretch>
+          </p:blipFill>
+          <p:spPr>
+            <a:xfrm>
+              <a:off x="6264887" y="2922606"/>
+              <a:ext cx="714475" cy="619211"/>
+            </a:xfrm>
+            <a:prstGeom prst="rect">
+              <a:avLst/>
+            </a:prstGeom>
+          </p:spPr>
+        </p:pic>
+        <p:pic>
+          <p:nvPicPr>
+            <p:cNvPr id="9" name="그림 8">
+              <a:extLst>
+                <a:ext uri="{FF2B5EF4-FFF2-40B4-BE49-F238E27FC236}">
+                  <a16:creationId xmlns:a16="http://schemas.microsoft.com/office/drawing/2014/main" id="{1E993BC1-97BE-41DF-9973-4E57F4DA40DC}"/>
+                </a:ext>
+              </a:extLst>
+            </p:cNvPr>
+            <p:cNvPicPr>
+              <a:picLocks noChangeAspect="1"/>
+            </p:cNvPicPr>
+            <p:nvPr/>
+          </p:nvPicPr>
+          <p:blipFill>
+            <a:blip r:embed="rId4">
+              <a:extLst>
+                <a:ext uri="{28A0092B-C50C-407E-A947-70E740481C1C}">
+                  <a14:useLocalDpi xmlns:a14="http://schemas.microsoft.com/office/drawing/2010/main" val="0"/>
+                </a:ext>
+              </a:extLst>
+            </a:blip>
+            <a:stretch>
+              <a:fillRect/>
+            </a:stretch>
+          </p:blipFill>
+          <p:spPr>
+            <a:xfrm>
+              <a:off x="6979362" y="2922606"/>
+              <a:ext cx="714475" cy="619211"/>
+            </a:xfrm>
+            <a:prstGeom prst="rect">
+              <a:avLst/>
+            </a:prstGeom>
+          </p:spPr>
+        </p:pic>
+        <p:pic>
+          <p:nvPicPr>
+            <p:cNvPr id="11" name="그림 10">
+              <a:extLst>
+                <a:ext uri="{FF2B5EF4-FFF2-40B4-BE49-F238E27FC236}">
+                  <a16:creationId xmlns:a16="http://schemas.microsoft.com/office/drawing/2014/main" id="{51B9E897-AE6A-46D3-8AB4-A3B5E0BE8590}"/>
+                </a:ext>
+              </a:extLst>
+            </p:cNvPr>
+            <p:cNvPicPr>
+              <a:picLocks noChangeAspect="1"/>
+            </p:cNvPicPr>
+            <p:nvPr/>
+          </p:nvPicPr>
+          <p:blipFill>
+            <a:blip r:embed="rId5">
+              <a:extLst>
+                <a:ext uri="{28A0092B-C50C-407E-A947-70E740481C1C}">
+                  <a14:useLocalDpi xmlns:a14="http://schemas.microsoft.com/office/drawing/2010/main" val="0"/>
+                </a:ext>
+              </a:extLst>
+            </a:blip>
+            <a:stretch>
+              <a:fillRect/>
+            </a:stretch>
+          </p:blipFill>
+          <p:spPr>
+            <a:xfrm>
+              <a:off x="7693837" y="2922606"/>
+              <a:ext cx="714475" cy="619211"/>
+            </a:xfrm>
+            <a:prstGeom prst="rect">
+              <a:avLst/>
+            </a:prstGeom>
+          </p:spPr>
+        </p:pic>
+      </p:grpSp>
+    </p:spTree>
+    <p:extLst>
+      <p:ext uri="{BB962C8B-B14F-4D97-AF65-F5344CB8AC3E}">
+        <p14:creationId xmlns:p14="http://schemas.microsoft.com/office/powerpoint/2010/main" val="1399405257"/>
+      </p:ext>
+    </p:extLst>
+  </p:cSld>
+  <p:clrMapOvr>
+    <a:masterClrMapping/>
+  </p:clrMapOvr>
+</p:sld>
+</file>
+
 <file path=ppt/slides/slide2.xml><?xml version="1.0" encoding="utf-8"?>
 <p:sld xmlns:a="http://schemas.openxmlformats.org/drawingml/2006/main" xmlns:r="http://schemas.openxmlformats.org/officeDocument/2006/relationships" xmlns:p="http://schemas.openxmlformats.org/presentationml/2006/main">
   <p:cSld>
@@ -9484,6 +9683,1765 @@
     <p:extLst>
       <p:ext uri="{BB962C8B-B14F-4D97-AF65-F5344CB8AC3E}">
         <p14:creationId xmlns:p14="http://schemas.microsoft.com/office/powerpoint/2010/main" val="1030733050"/>
+      </p:ext>
+    </p:extLst>
+  </p:cSld>
+  <p:clrMapOvr>
+    <a:masterClrMapping/>
+  </p:clrMapOvr>
+</p:sld>
+</file>
+
+<file path=ppt/slides/slide7.xml><?xml version="1.0" encoding="utf-8"?>
+<p:sld xmlns:a="http://schemas.openxmlformats.org/drawingml/2006/main" xmlns:r="http://schemas.openxmlformats.org/officeDocument/2006/relationships" xmlns:p="http://schemas.openxmlformats.org/presentationml/2006/main">
+  <p:cSld>
+    <p:spTree>
+      <p:nvGrpSpPr>
+        <p:cNvPr id="1" name=""/>
+        <p:cNvGrpSpPr/>
+        <p:nvPr/>
+      </p:nvGrpSpPr>
+      <p:grpSpPr>
+        <a:xfrm>
+          <a:off x="0" y="0"/>
+          <a:ext cx="0" cy="0"/>
+          <a:chOff x="0" y="0"/>
+          <a:chExt cx="0" cy="0"/>
+        </a:xfrm>
+      </p:grpSpPr>
+      <p:pic>
+        <p:nvPicPr>
+          <p:cNvPr id="4" name="그림 3">
+            <a:extLst>
+              <a:ext uri="{FF2B5EF4-FFF2-40B4-BE49-F238E27FC236}">
+                <a16:creationId xmlns:a16="http://schemas.microsoft.com/office/drawing/2014/main" id="{E556E7E8-A8E2-47BC-B32E-5D94A502CC17}"/>
+              </a:ext>
+            </a:extLst>
+          </p:cNvPr>
+          <p:cNvPicPr>
+            <a:picLocks noChangeAspect="1"/>
+          </p:cNvPicPr>
+          <p:nvPr/>
+        </p:nvPicPr>
+        <p:blipFill>
+          <a:blip r:embed="rId2">
+            <a:extLst>
+              <a:ext uri="{BEBA8EAE-BF5A-486C-A8C5-ECC9F3942E4B}">
+                <a14:imgProps xmlns:a14="http://schemas.microsoft.com/office/drawing/2010/main">
+                  <a14:imgLayer r:embed="rId3">
+                    <a14:imgEffect>
+                      <a14:backgroundRemoval t="10000" b="90000" l="10000" r="90000">
+                        <a14:foregroundMark x1="13672" y1="45763" x2="16797" y2="38983"/>
+                        <a14:foregroundMark x1="21094" y1="33051" x2="23438" y2="29661"/>
+                        <a14:foregroundMark x1="27734" y1="33898" x2="31641" y2="41525"/>
+                        <a14:foregroundMark x1="29297" y1="34746" x2="34375" y2="44915"/>
+                        <a14:backgroundMark x1="42188" y1="26271" x2="48828" y2="69492"/>
+                        <a14:backgroundMark x1="48828" y1="69492" x2="47656" y2="93220"/>
+                        <a14:backgroundMark x1="58203" y1="18644" x2="52344" y2="59322"/>
+                        <a14:backgroundMark x1="52344" y1="59322" x2="54297" y2="89831"/>
+                        <a14:backgroundMark x1="69531" y1="29661" x2="80859" y2="73729"/>
+                      </a14:backgroundRemoval>
+                    </a14:imgEffect>
+                  </a14:imgLayer>
+                </a14:imgProps>
+              </a:ext>
+            </a:extLst>
+          </a:blip>
+          <a:stretch>
+            <a:fillRect/>
+          </a:stretch>
+        </p:blipFill>
+        <p:spPr>
+          <a:xfrm>
+            <a:off x="4876800" y="2867025"/>
+            <a:ext cx="2438400" cy="1123950"/>
+          </a:xfrm>
+          <a:prstGeom prst="rect">
+            <a:avLst/>
+          </a:prstGeom>
+        </p:spPr>
+      </p:pic>
+      <p:grpSp>
+        <p:nvGrpSpPr>
+          <p:cNvPr id="20" name="그룹 19">
+            <a:extLst>
+              <a:ext uri="{FF2B5EF4-FFF2-40B4-BE49-F238E27FC236}">
+                <a16:creationId xmlns:a16="http://schemas.microsoft.com/office/drawing/2014/main" id="{520C3FC0-61B4-4263-953E-F61B674B2525}"/>
+              </a:ext>
+            </a:extLst>
+          </p:cNvPr>
+          <p:cNvGrpSpPr/>
+          <p:nvPr/>
+        </p:nvGrpSpPr>
+        <p:grpSpPr>
+          <a:xfrm>
+            <a:off x="8188325" y="1070943"/>
+            <a:ext cx="2206821" cy="798990"/>
+            <a:chOff x="8188325" y="1070943"/>
+            <a:chExt cx="2206821" cy="798990"/>
+          </a:xfrm>
+        </p:grpSpPr>
+        <p:pic>
+          <p:nvPicPr>
+            <p:cNvPr id="5" name="그림 4">
+              <a:extLst>
+                <a:ext uri="{FF2B5EF4-FFF2-40B4-BE49-F238E27FC236}">
+                  <a16:creationId xmlns:a16="http://schemas.microsoft.com/office/drawing/2014/main" id="{B8FBCE13-770D-4A0D-98B4-007B1A75E46E}"/>
+                </a:ext>
+              </a:extLst>
+            </p:cNvPr>
+            <p:cNvPicPr>
+              <a:picLocks noChangeAspect="1"/>
+            </p:cNvPicPr>
+            <p:nvPr/>
+          </p:nvPicPr>
+          <p:blipFill rotWithShape="1">
+            <a:blip r:embed="rId2">
+              <a:extLst>
+                <a:ext uri="{BEBA8EAE-BF5A-486C-A8C5-ECC9F3942E4B}">
+                  <a14:imgProps xmlns:a14="http://schemas.microsoft.com/office/drawing/2010/main">
+                    <a14:imgLayer r:embed="rId3">
+                      <a14:imgEffect>
+                        <a14:backgroundRemoval t="10000" b="90000" l="10000" r="90000">
+                          <a14:foregroundMark x1="13672" y1="45763" x2="16797" y2="38983"/>
+                          <a14:foregroundMark x1="21094" y1="33051" x2="23438" y2="29661"/>
+                          <a14:foregroundMark x1="27734" y1="33898" x2="31641" y2="41525"/>
+                          <a14:foregroundMark x1="29297" y1="34746" x2="34375" y2="44915"/>
+                          <a14:backgroundMark x1="42188" y1="26271" x2="48828" y2="69492"/>
+                          <a14:backgroundMark x1="48828" y1="69492" x2="47656" y2="93220"/>
+                          <a14:backgroundMark x1="58203" y1="18644" x2="52344" y2="59322"/>
+                          <a14:backgroundMark x1="52344" y1="59322" x2="54297" y2="89831"/>
+                          <a14:backgroundMark x1="69531" y1="29661" x2="80859" y2="73729"/>
+                        </a14:backgroundRemoval>
+                      </a14:imgEffect>
+                    </a14:imgLayer>
+                  </a14:imgProps>
+                </a:ext>
+              </a:extLst>
+            </a:blip>
+            <a:srcRect l="9140" t="16470" r="60692" b="12442"/>
+            <a:stretch/>
+          </p:blipFill>
+          <p:spPr>
+            <a:xfrm>
+              <a:off x="8188325" y="1070943"/>
+              <a:ext cx="735607" cy="798990"/>
+            </a:xfrm>
+            <a:prstGeom prst="rect">
+              <a:avLst/>
+            </a:prstGeom>
+          </p:spPr>
+        </p:pic>
+        <p:pic>
+          <p:nvPicPr>
+            <p:cNvPr id="6" name="그림 5">
+              <a:extLst>
+                <a:ext uri="{FF2B5EF4-FFF2-40B4-BE49-F238E27FC236}">
+                  <a16:creationId xmlns:a16="http://schemas.microsoft.com/office/drawing/2014/main" id="{330F270D-23BD-4024-8D41-2A1E4FBC5100}"/>
+                </a:ext>
+              </a:extLst>
+            </p:cNvPr>
+            <p:cNvPicPr>
+              <a:picLocks noChangeAspect="1"/>
+            </p:cNvPicPr>
+            <p:nvPr/>
+          </p:nvPicPr>
+          <p:blipFill rotWithShape="1">
+            <a:blip r:embed="rId2">
+              <a:lum bright="70000" contrast="-70000"/>
+              <a:extLst>
+                <a:ext uri="{BEBA8EAE-BF5A-486C-A8C5-ECC9F3942E4B}">
+                  <a14:imgProps xmlns:a14="http://schemas.microsoft.com/office/drawing/2010/main">
+                    <a14:imgLayer r:embed="rId3">
+                      <a14:imgEffect>
+                        <a14:backgroundRemoval t="10000" b="90000" l="10000" r="90000">
+                          <a14:foregroundMark x1="13672" y1="45763" x2="16797" y2="38983"/>
+                          <a14:foregroundMark x1="21094" y1="33051" x2="23438" y2="29661"/>
+                          <a14:foregroundMark x1="27734" y1="33898" x2="31641" y2="41525"/>
+                          <a14:foregroundMark x1="29297" y1="34746" x2="34375" y2="44915"/>
+                          <a14:backgroundMark x1="42188" y1="26271" x2="48828" y2="69492"/>
+                          <a14:backgroundMark x1="48828" y1="69492" x2="47656" y2="93220"/>
+                          <a14:backgroundMark x1="58203" y1="18644" x2="52344" y2="59322"/>
+                          <a14:backgroundMark x1="52344" y1="59322" x2="54297" y2="89831"/>
+                          <a14:backgroundMark x1="69531" y1="29661" x2="80859" y2="73729"/>
+                        </a14:backgroundRemoval>
+                      </a14:imgEffect>
+                    </a14:imgLayer>
+                  </a14:imgProps>
+                </a:ext>
+              </a:extLst>
+            </a:blip>
+            <a:srcRect l="9140" t="16470" r="60692" b="12442"/>
+            <a:stretch/>
+          </p:blipFill>
+          <p:spPr>
+            <a:xfrm>
+              <a:off x="8923932" y="1070943"/>
+              <a:ext cx="735607" cy="798990"/>
+            </a:xfrm>
+            <a:prstGeom prst="rect">
+              <a:avLst/>
+            </a:prstGeom>
+          </p:spPr>
+        </p:pic>
+        <p:pic>
+          <p:nvPicPr>
+            <p:cNvPr id="7" name="그림 6">
+              <a:extLst>
+                <a:ext uri="{FF2B5EF4-FFF2-40B4-BE49-F238E27FC236}">
+                  <a16:creationId xmlns:a16="http://schemas.microsoft.com/office/drawing/2014/main" id="{5BDB02ED-CB45-46AA-A858-6CF97F829F2C}"/>
+                </a:ext>
+              </a:extLst>
+            </p:cNvPr>
+            <p:cNvPicPr>
+              <a:picLocks noChangeAspect="1"/>
+            </p:cNvPicPr>
+            <p:nvPr/>
+          </p:nvPicPr>
+          <p:blipFill rotWithShape="1">
+            <a:blip r:embed="rId2">
+              <a:lum bright="70000" contrast="-70000"/>
+              <a:extLst>
+                <a:ext uri="{BEBA8EAE-BF5A-486C-A8C5-ECC9F3942E4B}">
+                  <a14:imgProps xmlns:a14="http://schemas.microsoft.com/office/drawing/2010/main">
+                    <a14:imgLayer r:embed="rId3">
+                      <a14:imgEffect>
+                        <a14:backgroundRemoval t="10000" b="90000" l="10000" r="90000">
+                          <a14:foregroundMark x1="13672" y1="45763" x2="16797" y2="38983"/>
+                          <a14:foregroundMark x1="21094" y1="33051" x2="23438" y2="29661"/>
+                          <a14:foregroundMark x1="27734" y1="33898" x2="31641" y2="41525"/>
+                          <a14:foregroundMark x1="29297" y1="34746" x2="34375" y2="44915"/>
+                          <a14:backgroundMark x1="42188" y1="26271" x2="48828" y2="69492"/>
+                          <a14:backgroundMark x1="48828" y1="69492" x2="47656" y2="93220"/>
+                          <a14:backgroundMark x1="58203" y1="18644" x2="52344" y2="59322"/>
+                          <a14:backgroundMark x1="52344" y1="59322" x2="54297" y2="89831"/>
+                          <a14:backgroundMark x1="69531" y1="29661" x2="80859" y2="73729"/>
+                        </a14:backgroundRemoval>
+                      </a14:imgEffect>
+                    </a14:imgLayer>
+                  </a14:imgProps>
+                </a:ext>
+              </a:extLst>
+            </a:blip>
+            <a:srcRect l="9140" t="16470" r="60692" b="12442"/>
+            <a:stretch/>
+          </p:blipFill>
+          <p:spPr>
+            <a:xfrm>
+              <a:off x="9659539" y="1070943"/>
+              <a:ext cx="735607" cy="798990"/>
+            </a:xfrm>
+            <a:prstGeom prst="rect">
+              <a:avLst/>
+            </a:prstGeom>
+          </p:spPr>
+        </p:pic>
+      </p:grpSp>
+      <p:grpSp>
+        <p:nvGrpSpPr>
+          <p:cNvPr id="21" name="그룹 20">
+            <a:extLst>
+              <a:ext uri="{FF2B5EF4-FFF2-40B4-BE49-F238E27FC236}">
+                <a16:creationId xmlns:a16="http://schemas.microsoft.com/office/drawing/2014/main" id="{BD983FC1-1860-4018-8EF3-FB2168B45045}"/>
+              </a:ext>
+            </a:extLst>
+          </p:cNvPr>
+          <p:cNvGrpSpPr/>
+          <p:nvPr/>
+        </p:nvGrpSpPr>
+        <p:grpSpPr>
+          <a:xfrm>
+            <a:off x="8188325" y="1869933"/>
+            <a:ext cx="2206821" cy="798990"/>
+            <a:chOff x="8188325" y="1869933"/>
+            <a:chExt cx="2206821" cy="798990"/>
+          </a:xfrm>
+        </p:grpSpPr>
+        <p:pic>
+          <p:nvPicPr>
+            <p:cNvPr id="14" name="그림 13">
+              <a:extLst>
+                <a:ext uri="{FF2B5EF4-FFF2-40B4-BE49-F238E27FC236}">
+                  <a16:creationId xmlns:a16="http://schemas.microsoft.com/office/drawing/2014/main" id="{3239591B-21CD-4068-8A90-44C4182226D5}"/>
+                </a:ext>
+              </a:extLst>
+            </p:cNvPr>
+            <p:cNvPicPr>
+              <a:picLocks noChangeAspect="1"/>
+            </p:cNvPicPr>
+            <p:nvPr/>
+          </p:nvPicPr>
+          <p:blipFill rotWithShape="1">
+            <a:blip r:embed="rId2">
+              <a:extLst>
+                <a:ext uri="{BEBA8EAE-BF5A-486C-A8C5-ECC9F3942E4B}">
+                  <a14:imgProps xmlns:a14="http://schemas.microsoft.com/office/drawing/2010/main">
+                    <a14:imgLayer r:embed="rId3">
+                      <a14:imgEffect>
+                        <a14:backgroundRemoval t="10000" b="90000" l="10000" r="90000">
+                          <a14:foregroundMark x1="13672" y1="45763" x2="16797" y2="38983"/>
+                          <a14:foregroundMark x1="21094" y1="33051" x2="23438" y2="29661"/>
+                          <a14:foregroundMark x1="27734" y1="33898" x2="31641" y2="41525"/>
+                          <a14:foregroundMark x1="29297" y1="34746" x2="34375" y2="44915"/>
+                          <a14:backgroundMark x1="42188" y1="26271" x2="48828" y2="69492"/>
+                          <a14:backgroundMark x1="48828" y1="69492" x2="47656" y2="93220"/>
+                          <a14:backgroundMark x1="58203" y1="18644" x2="52344" y2="59322"/>
+                          <a14:backgroundMark x1="52344" y1="59322" x2="54297" y2="89831"/>
+                          <a14:backgroundMark x1="69531" y1="29661" x2="80859" y2="73729"/>
+                        </a14:backgroundRemoval>
+                      </a14:imgEffect>
+                    </a14:imgLayer>
+                  </a14:imgProps>
+                </a:ext>
+              </a:extLst>
+            </a:blip>
+            <a:srcRect l="9140" t="16470" r="60692" b="12442"/>
+            <a:stretch/>
+          </p:blipFill>
+          <p:spPr>
+            <a:xfrm>
+              <a:off x="8188325" y="1869933"/>
+              <a:ext cx="735607" cy="798990"/>
+            </a:xfrm>
+            <a:prstGeom prst="rect">
+              <a:avLst/>
+            </a:prstGeom>
+          </p:spPr>
+        </p:pic>
+        <p:pic>
+          <p:nvPicPr>
+            <p:cNvPr id="15" name="그림 14">
+              <a:extLst>
+                <a:ext uri="{FF2B5EF4-FFF2-40B4-BE49-F238E27FC236}">
+                  <a16:creationId xmlns:a16="http://schemas.microsoft.com/office/drawing/2014/main" id="{89752E19-CD59-417B-8653-67A68AC01B1B}"/>
+                </a:ext>
+              </a:extLst>
+            </p:cNvPr>
+            <p:cNvPicPr>
+              <a:picLocks noChangeAspect="1"/>
+            </p:cNvPicPr>
+            <p:nvPr/>
+          </p:nvPicPr>
+          <p:blipFill rotWithShape="1">
+            <a:blip r:embed="rId2">
+              <a:extLst>
+                <a:ext uri="{BEBA8EAE-BF5A-486C-A8C5-ECC9F3942E4B}">
+                  <a14:imgProps xmlns:a14="http://schemas.microsoft.com/office/drawing/2010/main">
+                    <a14:imgLayer r:embed="rId3">
+                      <a14:imgEffect>
+                        <a14:backgroundRemoval t="10000" b="90000" l="10000" r="90000">
+                          <a14:foregroundMark x1="13672" y1="45763" x2="16797" y2="38983"/>
+                          <a14:foregroundMark x1="21094" y1="33051" x2="23438" y2="29661"/>
+                          <a14:foregroundMark x1="27734" y1="33898" x2="31641" y2="41525"/>
+                          <a14:foregroundMark x1="29297" y1="34746" x2="34375" y2="44915"/>
+                          <a14:backgroundMark x1="42188" y1="26271" x2="48828" y2="69492"/>
+                          <a14:backgroundMark x1="48828" y1="69492" x2="47656" y2="93220"/>
+                          <a14:backgroundMark x1="58203" y1="18644" x2="52344" y2="59322"/>
+                          <a14:backgroundMark x1="52344" y1="59322" x2="54297" y2="89831"/>
+                          <a14:backgroundMark x1="69531" y1="29661" x2="80859" y2="73729"/>
+                        </a14:backgroundRemoval>
+                      </a14:imgEffect>
+                    </a14:imgLayer>
+                  </a14:imgProps>
+                </a:ext>
+              </a:extLst>
+            </a:blip>
+            <a:srcRect l="9140" t="16470" r="60692" b="12442"/>
+            <a:stretch/>
+          </p:blipFill>
+          <p:spPr>
+            <a:xfrm>
+              <a:off x="8923932" y="1869933"/>
+              <a:ext cx="735607" cy="798990"/>
+            </a:xfrm>
+            <a:prstGeom prst="rect">
+              <a:avLst/>
+            </a:prstGeom>
+          </p:spPr>
+        </p:pic>
+        <p:pic>
+          <p:nvPicPr>
+            <p:cNvPr id="16" name="그림 15">
+              <a:extLst>
+                <a:ext uri="{FF2B5EF4-FFF2-40B4-BE49-F238E27FC236}">
+                  <a16:creationId xmlns:a16="http://schemas.microsoft.com/office/drawing/2014/main" id="{4ED028E7-FB90-44D7-AC91-5CE9ACAF520F}"/>
+                </a:ext>
+              </a:extLst>
+            </p:cNvPr>
+            <p:cNvPicPr>
+              <a:picLocks noChangeAspect="1"/>
+            </p:cNvPicPr>
+            <p:nvPr/>
+          </p:nvPicPr>
+          <p:blipFill rotWithShape="1">
+            <a:blip r:embed="rId2">
+              <a:lum bright="70000" contrast="-70000"/>
+              <a:extLst>
+                <a:ext uri="{BEBA8EAE-BF5A-486C-A8C5-ECC9F3942E4B}">
+                  <a14:imgProps xmlns:a14="http://schemas.microsoft.com/office/drawing/2010/main">
+                    <a14:imgLayer r:embed="rId3">
+                      <a14:imgEffect>
+                        <a14:backgroundRemoval t="10000" b="90000" l="10000" r="90000">
+                          <a14:foregroundMark x1="13672" y1="45763" x2="16797" y2="38983"/>
+                          <a14:foregroundMark x1="21094" y1="33051" x2="23438" y2="29661"/>
+                          <a14:foregroundMark x1="27734" y1="33898" x2="31641" y2="41525"/>
+                          <a14:foregroundMark x1="29297" y1="34746" x2="34375" y2="44915"/>
+                          <a14:backgroundMark x1="42188" y1="26271" x2="48828" y2="69492"/>
+                          <a14:backgroundMark x1="48828" y1="69492" x2="47656" y2="93220"/>
+                          <a14:backgroundMark x1="58203" y1="18644" x2="52344" y2="59322"/>
+                          <a14:backgroundMark x1="52344" y1="59322" x2="54297" y2="89831"/>
+                          <a14:backgroundMark x1="69531" y1="29661" x2="80859" y2="73729"/>
+                        </a14:backgroundRemoval>
+                      </a14:imgEffect>
+                    </a14:imgLayer>
+                  </a14:imgProps>
+                </a:ext>
+              </a:extLst>
+            </a:blip>
+            <a:srcRect l="9140" t="16470" r="60692" b="12442"/>
+            <a:stretch/>
+          </p:blipFill>
+          <p:spPr>
+            <a:xfrm>
+              <a:off x="9659539" y="1869933"/>
+              <a:ext cx="735607" cy="798990"/>
+            </a:xfrm>
+            <a:prstGeom prst="rect">
+              <a:avLst/>
+            </a:prstGeom>
+          </p:spPr>
+        </p:pic>
+      </p:grpSp>
+      <p:grpSp>
+        <p:nvGrpSpPr>
+          <p:cNvPr id="22" name="그룹 21">
+            <a:extLst>
+              <a:ext uri="{FF2B5EF4-FFF2-40B4-BE49-F238E27FC236}">
+                <a16:creationId xmlns:a16="http://schemas.microsoft.com/office/drawing/2014/main" id="{D3AE4203-F194-47D2-BEF2-C9EC45E2BCAE}"/>
+              </a:ext>
+            </a:extLst>
+          </p:cNvPr>
+          <p:cNvGrpSpPr/>
+          <p:nvPr/>
+        </p:nvGrpSpPr>
+        <p:grpSpPr>
+          <a:xfrm>
+            <a:off x="8188325" y="2668923"/>
+            <a:ext cx="2206821" cy="798990"/>
+            <a:chOff x="8188325" y="2668923"/>
+            <a:chExt cx="2206821" cy="798990"/>
+          </a:xfrm>
+        </p:grpSpPr>
+        <p:pic>
+          <p:nvPicPr>
+            <p:cNvPr id="17" name="그림 16">
+              <a:extLst>
+                <a:ext uri="{FF2B5EF4-FFF2-40B4-BE49-F238E27FC236}">
+                  <a16:creationId xmlns:a16="http://schemas.microsoft.com/office/drawing/2014/main" id="{0C76F267-48CF-4A8D-819C-A5078A4529E8}"/>
+                </a:ext>
+              </a:extLst>
+            </p:cNvPr>
+            <p:cNvPicPr>
+              <a:picLocks noChangeAspect="1"/>
+            </p:cNvPicPr>
+            <p:nvPr/>
+          </p:nvPicPr>
+          <p:blipFill rotWithShape="1">
+            <a:blip r:embed="rId2">
+              <a:extLst>
+                <a:ext uri="{BEBA8EAE-BF5A-486C-A8C5-ECC9F3942E4B}">
+                  <a14:imgProps xmlns:a14="http://schemas.microsoft.com/office/drawing/2010/main">
+                    <a14:imgLayer r:embed="rId3">
+                      <a14:imgEffect>
+                        <a14:backgroundRemoval t="10000" b="90000" l="10000" r="90000">
+                          <a14:foregroundMark x1="13672" y1="45763" x2="16797" y2="38983"/>
+                          <a14:foregroundMark x1="21094" y1="33051" x2="23438" y2="29661"/>
+                          <a14:foregroundMark x1="27734" y1="33898" x2="31641" y2="41525"/>
+                          <a14:foregroundMark x1="29297" y1="34746" x2="34375" y2="44915"/>
+                          <a14:backgroundMark x1="42188" y1="26271" x2="48828" y2="69492"/>
+                          <a14:backgroundMark x1="48828" y1="69492" x2="47656" y2="93220"/>
+                          <a14:backgroundMark x1="58203" y1="18644" x2="52344" y2="59322"/>
+                          <a14:backgroundMark x1="52344" y1="59322" x2="54297" y2="89831"/>
+                          <a14:backgroundMark x1="69531" y1="29661" x2="80859" y2="73729"/>
+                        </a14:backgroundRemoval>
+                      </a14:imgEffect>
+                    </a14:imgLayer>
+                  </a14:imgProps>
+                </a:ext>
+              </a:extLst>
+            </a:blip>
+            <a:srcRect l="9140" t="16470" r="60692" b="12442"/>
+            <a:stretch/>
+          </p:blipFill>
+          <p:spPr>
+            <a:xfrm>
+              <a:off x="8188325" y="2668923"/>
+              <a:ext cx="735607" cy="798990"/>
+            </a:xfrm>
+            <a:prstGeom prst="rect">
+              <a:avLst/>
+            </a:prstGeom>
+          </p:spPr>
+        </p:pic>
+        <p:pic>
+          <p:nvPicPr>
+            <p:cNvPr id="18" name="그림 17">
+              <a:extLst>
+                <a:ext uri="{FF2B5EF4-FFF2-40B4-BE49-F238E27FC236}">
+                  <a16:creationId xmlns:a16="http://schemas.microsoft.com/office/drawing/2014/main" id="{412AEF60-2D2E-4B14-8684-A88F6F535394}"/>
+                </a:ext>
+              </a:extLst>
+            </p:cNvPr>
+            <p:cNvPicPr>
+              <a:picLocks noChangeAspect="1"/>
+            </p:cNvPicPr>
+            <p:nvPr/>
+          </p:nvPicPr>
+          <p:blipFill rotWithShape="1">
+            <a:blip r:embed="rId2">
+              <a:extLst>
+                <a:ext uri="{BEBA8EAE-BF5A-486C-A8C5-ECC9F3942E4B}">
+                  <a14:imgProps xmlns:a14="http://schemas.microsoft.com/office/drawing/2010/main">
+                    <a14:imgLayer r:embed="rId3">
+                      <a14:imgEffect>
+                        <a14:backgroundRemoval t="10000" b="90000" l="10000" r="90000">
+                          <a14:foregroundMark x1="13672" y1="45763" x2="16797" y2="38983"/>
+                          <a14:foregroundMark x1="21094" y1="33051" x2="23438" y2="29661"/>
+                          <a14:foregroundMark x1="27734" y1="33898" x2="31641" y2="41525"/>
+                          <a14:foregroundMark x1="29297" y1="34746" x2="34375" y2="44915"/>
+                          <a14:backgroundMark x1="42188" y1="26271" x2="48828" y2="69492"/>
+                          <a14:backgroundMark x1="48828" y1="69492" x2="47656" y2="93220"/>
+                          <a14:backgroundMark x1="58203" y1="18644" x2="52344" y2="59322"/>
+                          <a14:backgroundMark x1="52344" y1="59322" x2="54297" y2="89831"/>
+                          <a14:backgroundMark x1="69531" y1="29661" x2="80859" y2="73729"/>
+                        </a14:backgroundRemoval>
+                      </a14:imgEffect>
+                    </a14:imgLayer>
+                  </a14:imgProps>
+                </a:ext>
+              </a:extLst>
+            </a:blip>
+            <a:srcRect l="9140" t="16470" r="60692" b="12442"/>
+            <a:stretch/>
+          </p:blipFill>
+          <p:spPr>
+            <a:xfrm>
+              <a:off x="8923932" y="2668923"/>
+              <a:ext cx="735607" cy="798990"/>
+            </a:xfrm>
+            <a:prstGeom prst="rect">
+              <a:avLst/>
+            </a:prstGeom>
+          </p:spPr>
+        </p:pic>
+        <p:pic>
+          <p:nvPicPr>
+            <p:cNvPr id="19" name="그림 18">
+              <a:extLst>
+                <a:ext uri="{FF2B5EF4-FFF2-40B4-BE49-F238E27FC236}">
+                  <a16:creationId xmlns:a16="http://schemas.microsoft.com/office/drawing/2014/main" id="{6BDD2EBF-AF41-42FA-9A53-206D98479835}"/>
+                </a:ext>
+              </a:extLst>
+            </p:cNvPr>
+            <p:cNvPicPr>
+              <a:picLocks noChangeAspect="1"/>
+            </p:cNvPicPr>
+            <p:nvPr/>
+          </p:nvPicPr>
+          <p:blipFill rotWithShape="1">
+            <a:blip r:embed="rId2">
+              <a:extLst>
+                <a:ext uri="{BEBA8EAE-BF5A-486C-A8C5-ECC9F3942E4B}">
+                  <a14:imgProps xmlns:a14="http://schemas.microsoft.com/office/drawing/2010/main">
+                    <a14:imgLayer r:embed="rId3">
+                      <a14:imgEffect>
+                        <a14:backgroundRemoval t="10000" b="90000" l="10000" r="90000">
+                          <a14:foregroundMark x1="13672" y1="45763" x2="16797" y2="38983"/>
+                          <a14:foregroundMark x1="21094" y1="33051" x2="23438" y2="29661"/>
+                          <a14:foregroundMark x1="27734" y1="33898" x2="31641" y2="41525"/>
+                          <a14:foregroundMark x1="29297" y1="34746" x2="34375" y2="44915"/>
+                          <a14:backgroundMark x1="42188" y1="26271" x2="48828" y2="69492"/>
+                          <a14:backgroundMark x1="48828" y1="69492" x2="47656" y2="93220"/>
+                          <a14:backgroundMark x1="58203" y1="18644" x2="52344" y2="59322"/>
+                          <a14:backgroundMark x1="52344" y1="59322" x2="54297" y2="89831"/>
+                          <a14:backgroundMark x1="69531" y1="29661" x2="80859" y2="73729"/>
+                        </a14:backgroundRemoval>
+                      </a14:imgEffect>
+                    </a14:imgLayer>
+                  </a14:imgProps>
+                </a:ext>
+              </a:extLst>
+            </a:blip>
+            <a:srcRect l="9140" t="16470" r="60692" b="12442"/>
+            <a:stretch/>
+          </p:blipFill>
+          <p:spPr>
+            <a:xfrm>
+              <a:off x="9659539" y="2668923"/>
+              <a:ext cx="735607" cy="798990"/>
+            </a:xfrm>
+            <a:prstGeom prst="rect">
+              <a:avLst/>
+            </a:prstGeom>
+          </p:spPr>
+        </p:pic>
+      </p:grpSp>
+    </p:spTree>
+    <p:extLst>
+      <p:ext uri="{BB962C8B-B14F-4D97-AF65-F5344CB8AC3E}">
+        <p14:creationId xmlns:p14="http://schemas.microsoft.com/office/powerpoint/2010/main" val="1124022446"/>
+      </p:ext>
+    </p:extLst>
+  </p:cSld>
+  <p:clrMapOvr>
+    <a:masterClrMapping/>
+  </p:clrMapOvr>
+</p:sld>
+</file>
+
+<file path=ppt/slides/slide8.xml><?xml version="1.0" encoding="utf-8"?>
+<p:sld xmlns:a="http://schemas.openxmlformats.org/drawingml/2006/main" xmlns:r="http://schemas.openxmlformats.org/officeDocument/2006/relationships" xmlns:p="http://schemas.openxmlformats.org/presentationml/2006/main">
+  <p:cSld>
+    <p:spTree>
+      <p:nvGrpSpPr>
+        <p:cNvPr id="1" name=""/>
+        <p:cNvGrpSpPr/>
+        <p:nvPr/>
+      </p:nvGrpSpPr>
+      <p:grpSpPr>
+        <a:xfrm>
+          <a:off x="0" y="0"/>
+          <a:ext cx="0" cy="0"/>
+          <a:chOff x="0" y="0"/>
+          <a:chExt cx="0" cy="0"/>
+        </a:xfrm>
+      </p:grpSpPr>
+      <p:grpSp>
+        <p:nvGrpSpPr>
+          <p:cNvPr id="24" name="그룹 23">
+            <a:extLst>
+              <a:ext uri="{FF2B5EF4-FFF2-40B4-BE49-F238E27FC236}">
+                <a16:creationId xmlns:a16="http://schemas.microsoft.com/office/drawing/2014/main" id="{FF08B1A4-A512-41D2-8C0D-C207A951D923}"/>
+              </a:ext>
+            </a:extLst>
+          </p:cNvPr>
+          <p:cNvGrpSpPr/>
+          <p:nvPr/>
+        </p:nvGrpSpPr>
+        <p:grpSpPr>
+          <a:xfrm>
+            <a:off x="649139" y="691867"/>
+            <a:ext cx="7692036" cy="2572108"/>
+            <a:chOff x="409442" y="1366570"/>
+            <a:chExt cx="7692036" cy="2572108"/>
+          </a:xfrm>
+        </p:grpSpPr>
+        <p:pic>
+          <p:nvPicPr>
+            <p:cNvPr id="9" name="그림 8">
+              <a:extLst>
+                <a:ext uri="{FF2B5EF4-FFF2-40B4-BE49-F238E27FC236}">
+                  <a16:creationId xmlns:a16="http://schemas.microsoft.com/office/drawing/2014/main" id="{2B160E20-8A0F-42D6-8CEA-78DB3DDA54F0}"/>
+                </a:ext>
+              </a:extLst>
+            </p:cNvPr>
+            <p:cNvPicPr>
+              <a:picLocks noChangeAspect="1"/>
+            </p:cNvPicPr>
+            <p:nvPr/>
+          </p:nvPicPr>
+          <p:blipFill>
+            <a:blip r:embed="rId2">
+              <a:extLst>
+                <a:ext uri="{28A0092B-C50C-407E-A947-70E740481C1C}">
+                  <a14:useLocalDpi xmlns:a14="http://schemas.microsoft.com/office/drawing/2010/main" val="0"/>
+                </a:ext>
+              </a:extLst>
+            </a:blip>
+            <a:stretch>
+              <a:fillRect/>
+            </a:stretch>
+          </p:blipFill>
+          <p:spPr>
+            <a:xfrm>
+              <a:off x="409442" y="1366570"/>
+              <a:ext cx="1905266" cy="1286054"/>
+            </a:xfrm>
+            <a:prstGeom prst="rect">
+              <a:avLst/>
+            </a:prstGeom>
+          </p:spPr>
+        </p:pic>
+        <p:pic>
+          <p:nvPicPr>
+            <p:cNvPr id="11" name="그림 10">
+              <a:extLst>
+                <a:ext uri="{FF2B5EF4-FFF2-40B4-BE49-F238E27FC236}">
+                  <a16:creationId xmlns:a16="http://schemas.microsoft.com/office/drawing/2014/main" id="{8D793582-0C27-43E0-AEE8-F77A829059E0}"/>
+                </a:ext>
+              </a:extLst>
+            </p:cNvPr>
+            <p:cNvPicPr>
+              <a:picLocks noChangeAspect="1"/>
+            </p:cNvPicPr>
+            <p:nvPr/>
+          </p:nvPicPr>
+          <p:blipFill>
+            <a:blip r:embed="rId3">
+              <a:extLst>
+                <a:ext uri="{28A0092B-C50C-407E-A947-70E740481C1C}">
+                  <a14:useLocalDpi xmlns:a14="http://schemas.microsoft.com/office/drawing/2010/main" val="0"/>
+                </a:ext>
+              </a:extLst>
+            </a:blip>
+            <a:stretch>
+              <a:fillRect/>
+            </a:stretch>
+          </p:blipFill>
+          <p:spPr>
+            <a:xfrm>
+              <a:off x="2338365" y="1366570"/>
+              <a:ext cx="1905266" cy="1286054"/>
+            </a:xfrm>
+            <a:prstGeom prst="rect">
+              <a:avLst/>
+            </a:prstGeom>
+          </p:spPr>
+        </p:pic>
+        <p:pic>
+          <p:nvPicPr>
+            <p:cNvPr id="13" name="그림 12">
+              <a:extLst>
+                <a:ext uri="{FF2B5EF4-FFF2-40B4-BE49-F238E27FC236}">
+                  <a16:creationId xmlns:a16="http://schemas.microsoft.com/office/drawing/2014/main" id="{EE400EA5-6F2C-4E76-A96A-7ABF2C7D84AF}"/>
+                </a:ext>
+              </a:extLst>
+            </p:cNvPr>
+            <p:cNvPicPr>
+              <a:picLocks noChangeAspect="1"/>
+            </p:cNvPicPr>
+            <p:nvPr/>
+          </p:nvPicPr>
+          <p:blipFill>
+            <a:blip r:embed="rId4">
+              <a:extLst>
+                <a:ext uri="{28A0092B-C50C-407E-A947-70E740481C1C}">
+                  <a14:useLocalDpi xmlns:a14="http://schemas.microsoft.com/office/drawing/2010/main" val="0"/>
+                </a:ext>
+              </a:extLst>
+            </a:blip>
+            <a:stretch>
+              <a:fillRect/>
+            </a:stretch>
+          </p:blipFill>
+          <p:spPr>
+            <a:xfrm>
+              <a:off x="4267288" y="1366570"/>
+              <a:ext cx="1905266" cy="1286054"/>
+            </a:xfrm>
+            <a:prstGeom prst="rect">
+              <a:avLst/>
+            </a:prstGeom>
+          </p:spPr>
+        </p:pic>
+        <p:pic>
+          <p:nvPicPr>
+            <p:cNvPr id="15" name="그림 14">
+              <a:extLst>
+                <a:ext uri="{FF2B5EF4-FFF2-40B4-BE49-F238E27FC236}">
+                  <a16:creationId xmlns:a16="http://schemas.microsoft.com/office/drawing/2014/main" id="{AD0D2120-C76B-400D-9CEE-96B0A0ED32D3}"/>
+                </a:ext>
+              </a:extLst>
+            </p:cNvPr>
+            <p:cNvPicPr>
+              <a:picLocks noChangeAspect="1"/>
+            </p:cNvPicPr>
+            <p:nvPr/>
+          </p:nvPicPr>
+          <p:blipFill>
+            <a:blip r:embed="rId5">
+              <a:extLst>
+                <a:ext uri="{28A0092B-C50C-407E-A947-70E740481C1C}">
+                  <a14:useLocalDpi xmlns:a14="http://schemas.microsoft.com/office/drawing/2010/main" val="0"/>
+                </a:ext>
+              </a:extLst>
+            </a:blip>
+            <a:stretch>
+              <a:fillRect/>
+            </a:stretch>
+          </p:blipFill>
+          <p:spPr>
+            <a:xfrm>
+              <a:off x="6196212" y="1366570"/>
+              <a:ext cx="1905266" cy="1286054"/>
+            </a:xfrm>
+            <a:prstGeom prst="rect">
+              <a:avLst/>
+            </a:prstGeom>
+          </p:spPr>
+        </p:pic>
+        <p:pic>
+          <p:nvPicPr>
+            <p:cNvPr id="17" name="그림 16">
+              <a:extLst>
+                <a:ext uri="{FF2B5EF4-FFF2-40B4-BE49-F238E27FC236}">
+                  <a16:creationId xmlns:a16="http://schemas.microsoft.com/office/drawing/2014/main" id="{5D26D7D9-C2C5-44DC-B83F-81F82839F57C}"/>
+                </a:ext>
+              </a:extLst>
+            </p:cNvPr>
+            <p:cNvPicPr>
+              <a:picLocks noChangeAspect="1"/>
+            </p:cNvPicPr>
+            <p:nvPr/>
+          </p:nvPicPr>
+          <p:blipFill>
+            <a:blip r:embed="rId6">
+              <a:extLst>
+                <a:ext uri="{28A0092B-C50C-407E-A947-70E740481C1C}">
+                  <a14:useLocalDpi xmlns:a14="http://schemas.microsoft.com/office/drawing/2010/main" val="0"/>
+                </a:ext>
+              </a:extLst>
+            </a:blip>
+            <a:stretch>
+              <a:fillRect/>
+            </a:stretch>
+          </p:blipFill>
+          <p:spPr>
+            <a:xfrm>
+              <a:off x="409442" y="2652624"/>
+              <a:ext cx="1905266" cy="1286054"/>
+            </a:xfrm>
+            <a:prstGeom prst="rect">
+              <a:avLst/>
+            </a:prstGeom>
+          </p:spPr>
+        </p:pic>
+        <p:pic>
+          <p:nvPicPr>
+            <p:cNvPr id="19" name="그림 18">
+              <a:extLst>
+                <a:ext uri="{FF2B5EF4-FFF2-40B4-BE49-F238E27FC236}">
+                  <a16:creationId xmlns:a16="http://schemas.microsoft.com/office/drawing/2014/main" id="{D96E187D-EB4F-4F3B-80E5-7F9218DD0492}"/>
+                </a:ext>
+              </a:extLst>
+            </p:cNvPr>
+            <p:cNvPicPr>
+              <a:picLocks noChangeAspect="1"/>
+            </p:cNvPicPr>
+            <p:nvPr/>
+          </p:nvPicPr>
+          <p:blipFill>
+            <a:blip r:embed="rId7">
+              <a:extLst>
+                <a:ext uri="{28A0092B-C50C-407E-A947-70E740481C1C}">
+                  <a14:useLocalDpi xmlns:a14="http://schemas.microsoft.com/office/drawing/2010/main" val="0"/>
+                </a:ext>
+              </a:extLst>
+            </a:blip>
+            <a:stretch>
+              <a:fillRect/>
+            </a:stretch>
+          </p:blipFill>
+          <p:spPr>
+            <a:xfrm>
+              <a:off x="2338365" y="2652624"/>
+              <a:ext cx="1905266" cy="1286054"/>
+            </a:xfrm>
+            <a:prstGeom prst="rect">
+              <a:avLst/>
+            </a:prstGeom>
+          </p:spPr>
+        </p:pic>
+        <p:pic>
+          <p:nvPicPr>
+            <p:cNvPr id="21" name="그림 20">
+              <a:extLst>
+                <a:ext uri="{FF2B5EF4-FFF2-40B4-BE49-F238E27FC236}">
+                  <a16:creationId xmlns:a16="http://schemas.microsoft.com/office/drawing/2014/main" id="{96AFFB41-CD28-4B38-AB4E-26AAA36F9A2D}"/>
+                </a:ext>
+              </a:extLst>
+            </p:cNvPr>
+            <p:cNvPicPr>
+              <a:picLocks noChangeAspect="1"/>
+            </p:cNvPicPr>
+            <p:nvPr/>
+          </p:nvPicPr>
+          <p:blipFill>
+            <a:blip r:embed="rId8">
+              <a:extLst>
+                <a:ext uri="{28A0092B-C50C-407E-A947-70E740481C1C}">
+                  <a14:useLocalDpi xmlns:a14="http://schemas.microsoft.com/office/drawing/2010/main" val="0"/>
+                </a:ext>
+              </a:extLst>
+            </a:blip>
+            <a:stretch>
+              <a:fillRect/>
+            </a:stretch>
+          </p:blipFill>
+          <p:spPr>
+            <a:xfrm>
+              <a:off x="4267288" y="2652624"/>
+              <a:ext cx="1905266" cy="1286054"/>
+            </a:xfrm>
+            <a:prstGeom prst="rect">
+              <a:avLst/>
+            </a:prstGeom>
+          </p:spPr>
+        </p:pic>
+        <p:pic>
+          <p:nvPicPr>
+            <p:cNvPr id="23" name="그림 22">
+              <a:extLst>
+                <a:ext uri="{FF2B5EF4-FFF2-40B4-BE49-F238E27FC236}">
+                  <a16:creationId xmlns:a16="http://schemas.microsoft.com/office/drawing/2014/main" id="{68F5B29D-FF81-4E6C-B5EF-D73BCE5C282C}"/>
+                </a:ext>
+              </a:extLst>
+            </p:cNvPr>
+            <p:cNvPicPr>
+              <a:picLocks noChangeAspect="1"/>
+            </p:cNvPicPr>
+            <p:nvPr/>
+          </p:nvPicPr>
+          <p:blipFill>
+            <a:blip r:embed="rId9">
+              <a:extLst>
+                <a:ext uri="{28A0092B-C50C-407E-A947-70E740481C1C}">
+                  <a14:useLocalDpi xmlns:a14="http://schemas.microsoft.com/office/drawing/2010/main" val="0"/>
+                </a:ext>
+              </a:extLst>
+            </a:blip>
+            <a:stretch>
+              <a:fillRect/>
+            </a:stretch>
+          </p:blipFill>
+          <p:spPr>
+            <a:xfrm>
+              <a:off x="6196212" y="2652624"/>
+              <a:ext cx="1905266" cy="1286054"/>
+            </a:xfrm>
+            <a:prstGeom prst="rect">
+              <a:avLst/>
+            </a:prstGeom>
+          </p:spPr>
+        </p:pic>
+      </p:grpSp>
+      <p:grpSp>
+        <p:nvGrpSpPr>
+          <p:cNvPr id="41" name="그룹 40">
+            <a:extLst>
+              <a:ext uri="{FF2B5EF4-FFF2-40B4-BE49-F238E27FC236}">
+                <a16:creationId xmlns:a16="http://schemas.microsoft.com/office/drawing/2014/main" id="{0AE27FD9-BD73-4075-85AF-30FFB76C184F}"/>
+              </a:ext>
+            </a:extLst>
+          </p:cNvPr>
+          <p:cNvGrpSpPr/>
+          <p:nvPr/>
+        </p:nvGrpSpPr>
+        <p:grpSpPr>
+          <a:xfrm>
+            <a:off x="649139" y="3429000"/>
+            <a:ext cx="7138320" cy="2298912"/>
+            <a:chOff x="3526593" y="4227689"/>
+            <a:chExt cx="7138320" cy="2298912"/>
+          </a:xfrm>
+        </p:grpSpPr>
+        <p:pic>
+          <p:nvPicPr>
+            <p:cNvPr id="26" name="그림 25">
+              <a:extLst>
+                <a:ext uri="{FF2B5EF4-FFF2-40B4-BE49-F238E27FC236}">
+                  <a16:creationId xmlns:a16="http://schemas.microsoft.com/office/drawing/2014/main" id="{4025F4B8-64A9-4998-B729-B0B2C49C1B5D}"/>
+                </a:ext>
+              </a:extLst>
+            </p:cNvPr>
+            <p:cNvPicPr>
+              <a:picLocks noChangeAspect="1"/>
+            </p:cNvPicPr>
+            <p:nvPr/>
+          </p:nvPicPr>
+          <p:blipFill>
+            <a:blip r:embed="rId10">
+              <a:extLst>
+                <a:ext uri="{28A0092B-C50C-407E-A947-70E740481C1C}">
+                  <a14:useLocalDpi xmlns:a14="http://schemas.microsoft.com/office/drawing/2010/main" val="0"/>
+                </a:ext>
+              </a:extLst>
+            </a:blip>
+            <a:stretch>
+              <a:fillRect/>
+            </a:stretch>
+          </p:blipFill>
+          <p:spPr>
+            <a:xfrm>
+              <a:off x="3526593" y="4227689"/>
+              <a:ext cx="1771897" cy="1152686"/>
+            </a:xfrm>
+            <a:prstGeom prst="rect">
+              <a:avLst/>
+            </a:prstGeom>
+          </p:spPr>
+        </p:pic>
+        <p:pic>
+          <p:nvPicPr>
+            <p:cNvPr id="28" name="그림 27">
+              <a:extLst>
+                <a:ext uri="{FF2B5EF4-FFF2-40B4-BE49-F238E27FC236}">
+                  <a16:creationId xmlns:a16="http://schemas.microsoft.com/office/drawing/2014/main" id="{AB001722-B1FA-4A38-B89C-40DB9911082D}"/>
+                </a:ext>
+              </a:extLst>
+            </p:cNvPr>
+            <p:cNvPicPr>
+              <a:picLocks noChangeAspect="1"/>
+            </p:cNvPicPr>
+            <p:nvPr/>
+          </p:nvPicPr>
+          <p:blipFill>
+            <a:blip r:embed="rId11">
+              <a:extLst>
+                <a:ext uri="{28A0092B-C50C-407E-A947-70E740481C1C}">
+                  <a14:useLocalDpi xmlns:a14="http://schemas.microsoft.com/office/drawing/2010/main" val="0"/>
+                </a:ext>
+              </a:extLst>
+            </a:blip>
+            <a:stretch>
+              <a:fillRect/>
+            </a:stretch>
+          </p:blipFill>
+          <p:spPr>
+            <a:xfrm>
+              <a:off x="5315401" y="4227689"/>
+              <a:ext cx="1771897" cy="1152686"/>
+            </a:xfrm>
+            <a:prstGeom prst="rect">
+              <a:avLst/>
+            </a:prstGeom>
+          </p:spPr>
+        </p:pic>
+        <p:pic>
+          <p:nvPicPr>
+            <p:cNvPr id="30" name="그림 29">
+              <a:extLst>
+                <a:ext uri="{FF2B5EF4-FFF2-40B4-BE49-F238E27FC236}">
+                  <a16:creationId xmlns:a16="http://schemas.microsoft.com/office/drawing/2014/main" id="{A87A0CEB-0266-4781-9D4A-E8BFC79E5963}"/>
+                </a:ext>
+              </a:extLst>
+            </p:cNvPr>
+            <p:cNvPicPr>
+              <a:picLocks noChangeAspect="1"/>
+            </p:cNvPicPr>
+            <p:nvPr/>
+          </p:nvPicPr>
+          <p:blipFill>
+            <a:blip r:embed="rId12">
+              <a:extLst>
+                <a:ext uri="{28A0092B-C50C-407E-A947-70E740481C1C}">
+                  <a14:useLocalDpi xmlns:a14="http://schemas.microsoft.com/office/drawing/2010/main" val="0"/>
+                </a:ext>
+              </a:extLst>
+            </a:blip>
+            <a:stretch>
+              <a:fillRect/>
+            </a:stretch>
+          </p:blipFill>
+          <p:spPr>
+            <a:xfrm>
+              <a:off x="7104209" y="4227689"/>
+              <a:ext cx="1771897" cy="1152686"/>
+            </a:xfrm>
+            <a:prstGeom prst="rect">
+              <a:avLst/>
+            </a:prstGeom>
+          </p:spPr>
+        </p:pic>
+        <p:pic>
+          <p:nvPicPr>
+            <p:cNvPr id="32" name="그림 31">
+              <a:extLst>
+                <a:ext uri="{FF2B5EF4-FFF2-40B4-BE49-F238E27FC236}">
+                  <a16:creationId xmlns:a16="http://schemas.microsoft.com/office/drawing/2014/main" id="{0BA7E4C2-3128-4005-9175-A01717C62830}"/>
+                </a:ext>
+              </a:extLst>
+            </p:cNvPr>
+            <p:cNvPicPr>
+              <a:picLocks noChangeAspect="1"/>
+            </p:cNvPicPr>
+            <p:nvPr/>
+          </p:nvPicPr>
+          <p:blipFill>
+            <a:blip r:embed="rId13">
+              <a:extLst>
+                <a:ext uri="{28A0092B-C50C-407E-A947-70E740481C1C}">
+                  <a14:useLocalDpi xmlns:a14="http://schemas.microsoft.com/office/drawing/2010/main" val="0"/>
+                </a:ext>
+              </a:extLst>
+            </a:blip>
+            <a:stretch>
+              <a:fillRect/>
+            </a:stretch>
+          </p:blipFill>
+          <p:spPr>
+            <a:xfrm>
+              <a:off x="8893016" y="4227689"/>
+              <a:ext cx="1771897" cy="1152686"/>
+            </a:xfrm>
+            <a:prstGeom prst="rect">
+              <a:avLst/>
+            </a:prstGeom>
+          </p:spPr>
+        </p:pic>
+        <p:pic>
+          <p:nvPicPr>
+            <p:cNvPr id="34" name="그림 33">
+              <a:extLst>
+                <a:ext uri="{FF2B5EF4-FFF2-40B4-BE49-F238E27FC236}">
+                  <a16:creationId xmlns:a16="http://schemas.microsoft.com/office/drawing/2014/main" id="{8ED26048-ABAA-4BD6-948F-CC41059FDEBC}"/>
+                </a:ext>
+              </a:extLst>
+            </p:cNvPr>
+            <p:cNvPicPr>
+              <a:picLocks noChangeAspect="1"/>
+            </p:cNvPicPr>
+            <p:nvPr/>
+          </p:nvPicPr>
+          <p:blipFill>
+            <a:blip r:embed="rId14">
+              <a:extLst>
+                <a:ext uri="{28A0092B-C50C-407E-A947-70E740481C1C}">
+                  <a14:useLocalDpi xmlns:a14="http://schemas.microsoft.com/office/drawing/2010/main" val="0"/>
+                </a:ext>
+              </a:extLst>
+            </a:blip>
+            <a:stretch>
+              <a:fillRect/>
+            </a:stretch>
+          </p:blipFill>
+          <p:spPr>
+            <a:xfrm>
+              <a:off x="3526593" y="5373915"/>
+              <a:ext cx="1771897" cy="1152686"/>
+            </a:xfrm>
+            <a:prstGeom prst="rect">
+              <a:avLst/>
+            </a:prstGeom>
+          </p:spPr>
+        </p:pic>
+        <p:pic>
+          <p:nvPicPr>
+            <p:cNvPr id="36" name="그림 35">
+              <a:extLst>
+                <a:ext uri="{FF2B5EF4-FFF2-40B4-BE49-F238E27FC236}">
+                  <a16:creationId xmlns:a16="http://schemas.microsoft.com/office/drawing/2014/main" id="{F0B318C5-9222-4691-AF2C-9EFC9F46CC8E}"/>
+                </a:ext>
+              </a:extLst>
+            </p:cNvPr>
+            <p:cNvPicPr>
+              <a:picLocks noChangeAspect="1"/>
+            </p:cNvPicPr>
+            <p:nvPr/>
+          </p:nvPicPr>
+          <p:blipFill>
+            <a:blip r:embed="rId15">
+              <a:extLst>
+                <a:ext uri="{28A0092B-C50C-407E-A947-70E740481C1C}">
+                  <a14:useLocalDpi xmlns:a14="http://schemas.microsoft.com/office/drawing/2010/main" val="0"/>
+                </a:ext>
+              </a:extLst>
+            </a:blip>
+            <a:stretch>
+              <a:fillRect/>
+            </a:stretch>
+          </p:blipFill>
+          <p:spPr>
+            <a:xfrm>
+              <a:off x="5315401" y="5373915"/>
+              <a:ext cx="1771897" cy="1152686"/>
+            </a:xfrm>
+            <a:prstGeom prst="rect">
+              <a:avLst/>
+            </a:prstGeom>
+          </p:spPr>
+        </p:pic>
+        <p:pic>
+          <p:nvPicPr>
+            <p:cNvPr id="38" name="그림 37">
+              <a:extLst>
+                <a:ext uri="{FF2B5EF4-FFF2-40B4-BE49-F238E27FC236}">
+                  <a16:creationId xmlns:a16="http://schemas.microsoft.com/office/drawing/2014/main" id="{979686F2-68D0-4C48-9C89-C9C0A38AF9FC}"/>
+                </a:ext>
+              </a:extLst>
+            </p:cNvPr>
+            <p:cNvPicPr>
+              <a:picLocks noChangeAspect="1"/>
+            </p:cNvPicPr>
+            <p:nvPr/>
+          </p:nvPicPr>
+          <p:blipFill>
+            <a:blip r:embed="rId16">
+              <a:extLst>
+                <a:ext uri="{28A0092B-C50C-407E-A947-70E740481C1C}">
+                  <a14:useLocalDpi xmlns:a14="http://schemas.microsoft.com/office/drawing/2010/main" val="0"/>
+                </a:ext>
+              </a:extLst>
+            </a:blip>
+            <a:stretch>
+              <a:fillRect/>
+            </a:stretch>
+          </p:blipFill>
+          <p:spPr>
+            <a:xfrm>
+              <a:off x="7104209" y="5373915"/>
+              <a:ext cx="1771897" cy="1152686"/>
+            </a:xfrm>
+            <a:prstGeom prst="rect">
+              <a:avLst/>
+            </a:prstGeom>
+          </p:spPr>
+        </p:pic>
+        <p:pic>
+          <p:nvPicPr>
+            <p:cNvPr id="40" name="그림 39">
+              <a:extLst>
+                <a:ext uri="{FF2B5EF4-FFF2-40B4-BE49-F238E27FC236}">
+                  <a16:creationId xmlns:a16="http://schemas.microsoft.com/office/drawing/2014/main" id="{650F1182-B367-481E-BA13-2E0700D47376}"/>
+                </a:ext>
+              </a:extLst>
+            </p:cNvPr>
+            <p:cNvPicPr>
+              <a:picLocks noChangeAspect="1"/>
+            </p:cNvPicPr>
+            <p:nvPr/>
+          </p:nvPicPr>
+          <p:blipFill>
+            <a:blip r:embed="rId17">
+              <a:extLst>
+                <a:ext uri="{28A0092B-C50C-407E-A947-70E740481C1C}">
+                  <a14:useLocalDpi xmlns:a14="http://schemas.microsoft.com/office/drawing/2010/main" val="0"/>
+                </a:ext>
+              </a:extLst>
+            </a:blip>
+            <a:stretch>
+              <a:fillRect/>
+            </a:stretch>
+          </p:blipFill>
+          <p:spPr>
+            <a:xfrm>
+              <a:off x="8893016" y="5373915"/>
+              <a:ext cx="1771897" cy="1152686"/>
+            </a:xfrm>
+            <a:prstGeom prst="rect">
+              <a:avLst/>
+            </a:prstGeom>
+          </p:spPr>
+        </p:pic>
+      </p:grpSp>
+    </p:spTree>
+    <p:extLst>
+      <p:ext uri="{BB962C8B-B14F-4D97-AF65-F5344CB8AC3E}">
+        <p14:creationId xmlns:p14="http://schemas.microsoft.com/office/powerpoint/2010/main" val="3191813575"/>
+      </p:ext>
+    </p:extLst>
+  </p:cSld>
+  <p:clrMapOvr>
+    <a:masterClrMapping/>
+  </p:clrMapOvr>
+</p:sld>
+</file>
+
+<file path=ppt/slides/slide9.xml><?xml version="1.0" encoding="utf-8"?>
+<p:sld xmlns:a="http://schemas.openxmlformats.org/drawingml/2006/main" xmlns:r="http://schemas.openxmlformats.org/officeDocument/2006/relationships" xmlns:p="http://schemas.openxmlformats.org/presentationml/2006/main">
+  <p:cSld>
+    <p:spTree>
+      <p:nvGrpSpPr>
+        <p:cNvPr id="1" name=""/>
+        <p:cNvGrpSpPr/>
+        <p:nvPr/>
+      </p:nvGrpSpPr>
+      <p:grpSpPr>
+        <a:xfrm>
+          <a:off x="0" y="0"/>
+          <a:ext cx="0" cy="0"/>
+          <a:chOff x="0" y="0"/>
+          <a:chExt cx="0" cy="0"/>
+        </a:xfrm>
+      </p:grpSpPr>
+      <p:grpSp>
+        <p:nvGrpSpPr>
+          <p:cNvPr id="25" name="그룹 24">
+            <a:extLst>
+              <a:ext uri="{FF2B5EF4-FFF2-40B4-BE49-F238E27FC236}">
+                <a16:creationId xmlns:a16="http://schemas.microsoft.com/office/drawing/2014/main" id="{661C5ECF-DDA6-4FBD-8D7B-C35645141117}"/>
+              </a:ext>
+            </a:extLst>
+          </p:cNvPr>
+          <p:cNvGrpSpPr/>
+          <p:nvPr/>
+        </p:nvGrpSpPr>
+        <p:grpSpPr>
+          <a:xfrm>
+            <a:off x="336479" y="307618"/>
+            <a:ext cx="11519042" cy="1514686"/>
+            <a:chOff x="-2607436" y="307618"/>
+            <a:chExt cx="11519042" cy="1514686"/>
+          </a:xfrm>
+        </p:grpSpPr>
+        <p:pic>
+          <p:nvPicPr>
+            <p:cNvPr id="3" name="그림 2">
+              <a:extLst>
+                <a:ext uri="{FF2B5EF4-FFF2-40B4-BE49-F238E27FC236}">
+                  <a16:creationId xmlns:a16="http://schemas.microsoft.com/office/drawing/2014/main" id="{24457225-347A-488F-8776-F43797C6BB5A}"/>
+                </a:ext>
+              </a:extLst>
+            </p:cNvPr>
+            <p:cNvPicPr>
+              <a:picLocks noChangeAspect="1"/>
+            </p:cNvPicPr>
+            <p:nvPr/>
+          </p:nvPicPr>
+          <p:blipFill>
+            <a:blip r:embed="rId2">
+              <a:extLst>
+                <a:ext uri="{28A0092B-C50C-407E-A947-70E740481C1C}">
+                  <a14:useLocalDpi xmlns:a14="http://schemas.microsoft.com/office/drawing/2010/main" val="0"/>
+                </a:ext>
+              </a:extLst>
+            </a:blip>
+            <a:stretch>
+              <a:fillRect/>
+            </a:stretch>
+          </p:blipFill>
+          <p:spPr>
+            <a:xfrm>
+              <a:off x="-2607436" y="307618"/>
+              <a:ext cx="2867425" cy="1514686"/>
+            </a:xfrm>
+            <a:prstGeom prst="rect">
+              <a:avLst/>
+            </a:prstGeom>
+          </p:spPr>
+        </p:pic>
+        <p:pic>
+          <p:nvPicPr>
+            <p:cNvPr id="5" name="그림 4">
+              <a:extLst>
+                <a:ext uri="{FF2B5EF4-FFF2-40B4-BE49-F238E27FC236}">
+                  <a16:creationId xmlns:a16="http://schemas.microsoft.com/office/drawing/2014/main" id="{49EB9BD4-2A69-485B-A8DC-978D4B88FC2A}"/>
+                </a:ext>
+              </a:extLst>
+            </p:cNvPr>
+            <p:cNvPicPr>
+              <a:picLocks noChangeAspect="1"/>
+            </p:cNvPicPr>
+            <p:nvPr/>
+          </p:nvPicPr>
+          <p:blipFill>
+            <a:blip r:embed="rId3">
+              <a:extLst>
+                <a:ext uri="{28A0092B-C50C-407E-A947-70E740481C1C}">
+                  <a14:useLocalDpi xmlns:a14="http://schemas.microsoft.com/office/drawing/2010/main" val="0"/>
+                </a:ext>
+              </a:extLst>
+            </a:blip>
+            <a:stretch>
+              <a:fillRect/>
+            </a:stretch>
+          </p:blipFill>
+          <p:spPr>
+            <a:xfrm>
+              <a:off x="276436" y="307618"/>
+              <a:ext cx="2867425" cy="1514686"/>
+            </a:xfrm>
+            <a:prstGeom prst="rect">
+              <a:avLst/>
+            </a:prstGeom>
+          </p:spPr>
+        </p:pic>
+        <p:pic>
+          <p:nvPicPr>
+            <p:cNvPr id="7" name="그림 6">
+              <a:extLst>
+                <a:ext uri="{FF2B5EF4-FFF2-40B4-BE49-F238E27FC236}">
+                  <a16:creationId xmlns:a16="http://schemas.microsoft.com/office/drawing/2014/main" id="{79B0A370-83A1-463C-93C7-D61F59442D79}"/>
+                </a:ext>
+              </a:extLst>
+            </p:cNvPr>
+            <p:cNvPicPr>
+              <a:picLocks noChangeAspect="1"/>
+            </p:cNvPicPr>
+            <p:nvPr/>
+          </p:nvPicPr>
+          <p:blipFill>
+            <a:blip r:embed="rId4">
+              <a:extLst>
+                <a:ext uri="{28A0092B-C50C-407E-A947-70E740481C1C}">
+                  <a14:useLocalDpi xmlns:a14="http://schemas.microsoft.com/office/drawing/2010/main" val="0"/>
+                </a:ext>
+              </a:extLst>
+            </a:blip>
+            <a:stretch>
+              <a:fillRect/>
+            </a:stretch>
+          </p:blipFill>
+          <p:spPr>
+            <a:xfrm>
+              <a:off x="3160308" y="307618"/>
+              <a:ext cx="2867425" cy="1514686"/>
+            </a:xfrm>
+            <a:prstGeom prst="rect">
+              <a:avLst/>
+            </a:prstGeom>
+          </p:spPr>
+        </p:pic>
+        <p:pic>
+          <p:nvPicPr>
+            <p:cNvPr id="10" name="그림 9">
+              <a:extLst>
+                <a:ext uri="{FF2B5EF4-FFF2-40B4-BE49-F238E27FC236}">
+                  <a16:creationId xmlns:a16="http://schemas.microsoft.com/office/drawing/2014/main" id="{657ACE5C-C1B6-47F7-B66D-81A486B87C24}"/>
+                </a:ext>
+              </a:extLst>
+            </p:cNvPr>
+            <p:cNvPicPr>
+              <a:picLocks noChangeAspect="1"/>
+            </p:cNvPicPr>
+            <p:nvPr/>
+          </p:nvPicPr>
+          <p:blipFill>
+            <a:blip r:embed="rId5">
+              <a:extLst>
+                <a:ext uri="{28A0092B-C50C-407E-A947-70E740481C1C}">
+                  <a14:useLocalDpi xmlns:a14="http://schemas.microsoft.com/office/drawing/2010/main" val="0"/>
+                </a:ext>
+              </a:extLst>
+            </a:blip>
+            <a:stretch>
+              <a:fillRect/>
+            </a:stretch>
+          </p:blipFill>
+          <p:spPr>
+            <a:xfrm>
+              <a:off x="6044181" y="307618"/>
+              <a:ext cx="2867425" cy="1514686"/>
+            </a:xfrm>
+            <a:prstGeom prst="rect">
+              <a:avLst/>
+            </a:prstGeom>
+          </p:spPr>
+        </p:pic>
+      </p:grpSp>
+      <p:grpSp>
+        <p:nvGrpSpPr>
+          <p:cNvPr id="31" name="그룹 30">
+            <a:extLst>
+              <a:ext uri="{FF2B5EF4-FFF2-40B4-BE49-F238E27FC236}">
+                <a16:creationId xmlns:a16="http://schemas.microsoft.com/office/drawing/2014/main" id="{0B0FDDE7-2627-4979-BBBF-4D55231781B7}"/>
+              </a:ext>
+            </a:extLst>
+          </p:cNvPr>
+          <p:cNvGrpSpPr/>
+          <p:nvPr/>
+        </p:nvGrpSpPr>
+        <p:grpSpPr>
+          <a:xfrm>
+            <a:off x="352926" y="3336990"/>
+            <a:ext cx="11535494" cy="3029372"/>
+            <a:chOff x="352926" y="3336990"/>
+            <a:chExt cx="11535494" cy="3029372"/>
+          </a:xfrm>
+        </p:grpSpPr>
+        <p:pic>
+          <p:nvPicPr>
+            <p:cNvPr id="12" name="그림 11">
+              <a:extLst>
+                <a:ext uri="{FF2B5EF4-FFF2-40B4-BE49-F238E27FC236}">
+                  <a16:creationId xmlns:a16="http://schemas.microsoft.com/office/drawing/2014/main" id="{DB9855D8-B42E-4EF7-8BE9-ADAC4FA9FB06}"/>
+                </a:ext>
+              </a:extLst>
+            </p:cNvPr>
+            <p:cNvPicPr>
+              <a:picLocks noChangeAspect="1"/>
+            </p:cNvPicPr>
+            <p:nvPr/>
+          </p:nvPicPr>
+          <p:blipFill>
+            <a:blip r:embed="rId6">
+              <a:extLst>
+                <a:ext uri="{28A0092B-C50C-407E-A947-70E740481C1C}">
+                  <a14:useLocalDpi xmlns:a14="http://schemas.microsoft.com/office/drawing/2010/main" val="0"/>
+                </a:ext>
+              </a:extLst>
+            </a:blip>
+            <a:stretch>
+              <a:fillRect/>
+            </a:stretch>
+          </p:blipFill>
+          <p:spPr>
+            <a:xfrm flipH="1">
+              <a:off x="352926" y="3336990"/>
+              <a:ext cx="2867425" cy="1514686"/>
+            </a:xfrm>
+            <a:prstGeom prst="rect">
+              <a:avLst/>
+            </a:prstGeom>
+          </p:spPr>
+        </p:pic>
+        <p:pic>
+          <p:nvPicPr>
+            <p:cNvPr id="14" name="그림 13">
+              <a:extLst>
+                <a:ext uri="{FF2B5EF4-FFF2-40B4-BE49-F238E27FC236}">
+                  <a16:creationId xmlns:a16="http://schemas.microsoft.com/office/drawing/2014/main" id="{4ACDA0A8-A8F7-4B63-8C55-A5B32AE1A37E}"/>
+                </a:ext>
+              </a:extLst>
+            </p:cNvPr>
+            <p:cNvPicPr>
+              <a:picLocks noChangeAspect="1"/>
+            </p:cNvPicPr>
+            <p:nvPr/>
+          </p:nvPicPr>
+          <p:blipFill>
+            <a:blip r:embed="rId7">
+              <a:extLst>
+                <a:ext uri="{28A0092B-C50C-407E-A947-70E740481C1C}">
+                  <a14:useLocalDpi xmlns:a14="http://schemas.microsoft.com/office/drawing/2010/main" val="0"/>
+                </a:ext>
+              </a:extLst>
+            </a:blip>
+            <a:stretch>
+              <a:fillRect/>
+            </a:stretch>
+          </p:blipFill>
+          <p:spPr>
+            <a:xfrm flipH="1">
+              <a:off x="3242282" y="3336990"/>
+              <a:ext cx="2867425" cy="1514686"/>
+            </a:xfrm>
+            <a:prstGeom prst="rect">
+              <a:avLst/>
+            </a:prstGeom>
+          </p:spPr>
+        </p:pic>
+        <p:pic>
+          <p:nvPicPr>
+            <p:cNvPr id="16" name="그림 15">
+              <a:extLst>
+                <a:ext uri="{FF2B5EF4-FFF2-40B4-BE49-F238E27FC236}">
+                  <a16:creationId xmlns:a16="http://schemas.microsoft.com/office/drawing/2014/main" id="{20718745-99B7-4DE2-99BC-FDF0684923AF}"/>
+                </a:ext>
+              </a:extLst>
+            </p:cNvPr>
+            <p:cNvPicPr>
+              <a:picLocks noChangeAspect="1"/>
+            </p:cNvPicPr>
+            <p:nvPr/>
+          </p:nvPicPr>
+          <p:blipFill>
+            <a:blip r:embed="rId8">
+              <a:extLst>
+                <a:ext uri="{28A0092B-C50C-407E-A947-70E740481C1C}">
+                  <a14:useLocalDpi xmlns:a14="http://schemas.microsoft.com/office/drawing/2010/main" val="0"/>
+                </a:ext>
+              </a:extLst>
+            </a:blip>
+            <a:stretch>
+              <a:fillRect/>
+            </a:stretch>
+          </p:blipFill>
+          <p:spPr>
+            <a:xfrm flipH="1">
+              <a:off x="6131638" y="3336990"/>
+              <a:ext cx="2867425" cy="1514686"/>
+            </a:xfrm>
+            <a:prstGeom prst="rect">
+              <a:avLst/>
+            </a:prstGeom>
+          </p:spPr>
+        </p:pic>
+        <p:pic>
+          <p:nvPicPr>
+            <p:cNvPr id="18" name="그림 17">
+              <a:extLst>
+                <a:ext uri="{FF2B5EF4-FFF2-40B4-BE49-F238E27FC236}">
+                  <a16:creationId xmlns:a16="http://schemas.microsoft.com/office/drawing/2014/main" id="{63D0EAFC-7DE3-4F59-A3D8-D4411ADA38C1}"/>
+                </a:ext>
+              </a:extLst>
+            </p:cNvPr>
+            <p:cNvPicPr>
+              <a:picLocks noChangeAspect="1"/>
+            </p:cNvPicPr>
+            <p:nvPr/>
+          </p:nvPicPr>
+          <p:blipFill>
+            <a:blip r:embed="rId9">
+              <a:extLst>
+                <a:ext uri="{28A0092B-C50C-407E-A947-70E740481C1C}">
+                  <a14:useLocalDpi xmlns:a14="http://schemas.microsoft.com/office/drawing/2010/main" val="0"/>
+                </a:ext>
+              </a:extLst>
+            </a:blip>
+            <a:stretch>
+              <a:fillRect/>
+            </a:stretch>
+          </p:blipFill>
+          <p:spPr>
+            <a:xfrm flipH="1">
+              <a:off x="9020995" y="3336990"/>
+              <a:ext cx="2867425" cy="1514686"/>
+            </a:xfrm>
+            <a:prstGeom prst="rect">
+              <a:avLst/>
+            </a:prstGeom>
+          </p:spPr>
+        </p:pic>
+        <p:pic>
+          <p:nvPicPr>
+            <p:cNvPr id="20" name="그림 19">
+              <a:extLst>
+                <a:ext uri="{FF2B5EF4-FFF2-40B4-BE49-F238E27FC236}">
+                  <a16:creationId xmlns:a16="http://schemas.microsoft.com/office/drawing/2014/main" id="{C5EE5735-37B0-4432-91E9-23938D5AB34D}"/>
+                </a:ext>
+              </a:extLst>
+            </p:cNvPr>
+            <p:cNvPicPr>
+              <a:picLocks noChangeAspect="1"/>
+            </p:cNvPicPr>
+            <p:nvPr/>
+          </p:nvPicPr>
+          <p:blipFill>
+            <a:blip r:embed="rId10">
+              <a:extLst>
+                <a:ext uri="{28A0092B-C50C-407E-A947-70E740481C1C}">
+                  <a14:useLocalDpi xmlns:a14="http://schemas.microsoft.com/office/drawing/2010/main" val="0"/>
+                </a:ext>
+              </a:extLst>
+            </a:blip>
+            <a:stretch>
+              <a:fillRect/>
+            </a:stretch>
+          </p:blipFill>
+          <p:spPr>
+            <a:xfrm flipH="1">
+              <a:off x="352926" y="4851676"/>
+              <a:ext cx="2867425" cy="1514686"/>
+            </a:xfrm>
+            <a:prstGeom prst="rect">
+              <a:avLst/>
+            </a:prstGeom>
+          </p:spPr>
+        </p:pic>
+        <p:pic>
+          <p:nvPicPr>
+            <p:cNvPr id="22" name="그림 21">
+              <a:extLst>
+                <a:ext uri="{FF2B5EF4-FFF2-40B4-BE49-F238E27FC236}">
+                  <a16:creationId xmlns:a16="http://schemas.microsoft.com/office/drawing/2014/main" id="{1408CAA5-BF20-4020-B2EA-DD0DA6D6C865}"/>
+                </a:ext>
+              </a:extLst>
+            </p:cNvPr>
+            <p:cNvPicPr>
+              <a:picLocks noChangeAspect="1"/>
+            </p:cNvPicPr>
+            <p:nvPr/>
+          </p:nvPicPr>
+          <p:blipFill>
+            <a:blip r:embed="rId11">
+              <a:extLst>
+                <a:ext uri="{28A0092B-C50C-407E-A947-70E740481C1C}">
+                  <a14:useLocalDpi xmlns:a14="http://schemas.microsoft.com/office/drawing/2010/main" val="0"/>
+                </a:ext>
+              </a:extLst>
+            </a:blip>
+            <a:stretch>
+              <a:fillRect/>
+            </a:stretch>
+          </p:blipFill>
+          <p:spPr>
+            <a:xfrm flipH="1">
+              <a:off x="3242282" y="4851676"/>
+              <a:ext cx="2867425" cy="1514686"/>
+            </a:xfrm>
+            <a:prstGeom prst="rect">
+              <a:avLst/>
+            </a:prstGeom>
+          </p:spPr>
+        </p:pic>
+        <p:pic>
+          <p:nvPicPr>
+            <p:cNvPr id="24" name="그림 23">
+              <a:extLst>
+                <a:ext uri="{FF2B5EF4-FFF2-40B4-BE49-F238E27FC236}">
+                  <a16:creationId xmlns:a16="http://schemas.microsoft.com/office/drawing/2014/main" id="{5C799B9D-015C-4047-865C-445817297B37}"/>
+                </a:ext>
+              </a:extLst>
+            </p:cNvPr>
+            <p:cNvPicPr>
+              <a:picLocks noChangeAspect="1"/>
+            </p:cNvPicPr>
+            <p:nvPr/>
+          </p:nvPicPr>
+          <p:blipFill>
+            <a:blip r:embed="rId12">
+              <a:extLst>
+                <a:ext uri="{28A0092B-C50C-407E-A947-70E740481C1C}">
+                  <a14:useLocalDpi xmlns:a14="http://schemas.microsoft.com/office/drawing/2010/main" val="0"/>
+                </a:ext>
+              </a:extLst>
+            </a:blip>
+            <a:stretch>
+              <a:fillRect/>
+            </a:stretch>
+          </p:blipFill>
+          <p:spPr>
+            <a:xfrm flipH="1">
+              <a:off x="6131638" y="4851676"/>
+              <a:ext cx="2867425" cy="1514686"/>
+            </a:xfrm>
+            <a:prstGeom prst="rect">
+              <a:avLst/>
+            </a:prstGeom>
+          </p:spPr>
+        </p:pic>
+      </p:grpSp>
+      <p:pic>
+        <p:nvPicPr>
+          <p:cNvPr id="29" name="그림 28">
+            <a:extLst>
+              <a:ext uri="{FF2B5EF4-FFF2-40B4-BE49-F238E27FC236}">
+                <a16:creationId xmlns:a16="http://schemas.microsoft.com/office/drawing/2014/main" id="{60EF3CCB-E45E-4223-BF86-315A7A30876E}"/>
+              </a:ext>
+            </a:extLst>
+          </p:cNvPr>
+          <p:cNvPicPr>
+            <a:picLocks noChangeAspect="1"/>
+          </p:cNvPicPr>
+          <p:nvPr/>
+        </p:nvPicPr>
+        <p:blipFill>
+          <a:blip r:embed="rId2">
+            <a:extLst>
+              <a:ext uri="{28A0092B-C50C-407E-A947-70E740481C1C}">
+                <a14:useLocalDpi xmlns:a14="http://schemas.microsoft.com/office/drawing/2010/main" val="0"/>
+              </a:ext>
+            </a:extLst>
+          </a:blip>
+          <a:stretch>
+            <a:fillRect/>
+          </a:stretch>
+        </p:blipFill>
+        <p:spPr>
+          <a:xfrm flipH="1">
+            <a:off x="-615769" y="1822304"/>
+            <a:ext cx="2867425" cy="1514686"/>
+          </a:xfrm>
+          <a:prstGeom prst="rect">
+            <a:avLst/>
+          </a:prstGeom>
+        </p:spPr>
+      </p:pic>
+    </p:spTree>
+    <p:extLst>
+      <p:ext uri="{BB962C8B-B14F-4D97-AF65-F5344CB8AC3E}">
+        <p14:creationId xmlns:p14="http://schemas.microsoft.com/office/powerpoint/2010/main" val="936806349"/>
       </p:ext>
     </p:extLst>
   </p:cSld>

--- a/제작.pptx
+++ b/제작.pptx
@@ -15,6 +15,7 @@
     <p:sldId id="263" r:id="rId9"/>
     <p:sldId id="264" r:id="rId10"/>
     <p:sldId id="265" r:id="rId11"/>
+    <p:sldId id="266" r:id="rId12"/>
   </p:sldIdLst>
   <p:sldSz cx="12192000" cy="6858000"/>
   <p:notesSz cx="6858000" cy="9144000"/>
@@ -272,7 +273,7 @@
           <a:p>
             <a:fld id="{667511D5-E30B-4E6C-8572-0CA724416369}" type="datetimeFigureOut">
               <a:rPr lang="ko-KR" altLang="en-US" smtClean="0"/>
-              <a:t>2017-12-12</a:t>
+              <a:t>2017-12-13</a:t>
             </a:fld>
             <a:endParaRPr lang="ko-KR" altLang="en-US"/>
           </a:p>
@@ -470,7 +471,7 @@
           <a:p>
             <a:fld id="{667511D5-E30B-4E6C-8572-0CA724416369}" type="datetimeFigureOut">
               <a:rPr lang="ko-KR" altLang="en-US" smtClean="0"/>
-              <a:t>2017-12-12</a:t>
+              <a:t>2017-12-13</a:t>
             </a:fld>
             <a:endParaRPr lang="ko-KR" altLang="en-US"/>
           </a:p>
@@ -678,7 +679,7 @@
           <a:p>
             <a:fld id="{667511D5-E30B-4E6C-8572-0CA724416369}" type="datetimeFigureOut">
               <a:rPr lang="ko-KR" altLang="en-US" smtClean="0"/>
-              <a:t>2017-12-12</a:t>
+              <a:t>2017-12-13</a:t>
             </a:fld>
             <a:endParaRPr lang="ko-KR" altLang="en-US"/>
           </a:p>
@@ -876,7 +877,7 @@
           <a:p>
             <a:fld id="{667511D5-E30B-4E6C-8572-0CA724416369}" type="datetimeFigureOut">
               <a:rPr lang="ko-KR" altLang="en-US" smtClean="0"/>
-              <a:t>2017-12-12</a:t>
+              <a:t>2017-12-13</a:t>
             </a:fld>
             <a:endParaRPr lang="ko-KR" altLang="en-US"/>
           </a:p>
@@ -1151,7 +1152,7 @@
           <a:p>
             <a:fld id="{667511D5-E30B-4E6C-8572-0CA724416369}" type="datetimeFigureOut">
               <a:rPr lang="ko-KR" altLang="en-US" smtClean="0"/>
-              <a:t>2017-12-12</a:t>
+              <a:t>2017-12-13</a:t>
             </a:fld>
             <a:endParaRPr lang="ko-KR" altLang="en-US"/>
           </a:p>
@@ -1416,7 +1417,7 @@
           <a:p>
             <a:fld id="{667511D5-E30B-4E6C-8572-0CA724416369}" type="datetimeFigureOut">
               <a:rPr lang="ko-KR" altLang="en-US" smtClean="0"/>
-              <a:t>2017-12-12</a:t>
+              <a:t>2017-12-13</a:t>
             </a:fld>
             <a:endParaRPr lang="ko-KR" altLang="en-US"/>
           </a:p>
@@ -1828,7 +1829,7 @@
           <a:p>
             <a:fld id="{667511D5-E30B-4E6C-8572-0CA724416369}" type="datetimeFigureOut">
               <a:rPr lang="ko-KR" altLang="en-US" smtClean="0"/>
-              <a:t>2017-12-12</a:t>
+              <a:t>2017-12-13</a:t>
             </a:fld>
             <a:endParaRPr lang="ko-KR" altLang="en-US"/>
           </a:p>
@@ -1969,7 +1970,7 @@
           <a:p>
             <a:fld id="{667511D5-E30B-4E6C-8572-0CA724416369}" type="datetimeFigureOut">
               <a:rPr lang="ko-KR" altLang="en-US" smtClean="0"/>
-              <a:t>2017-12-12</a:t>
+              <a:t>2017-12-13</a:t>
             </a:fld>
             <a:endParaRPr lang="ko-KR" altLang="en-US"/>
           </a:p>
@@ -2082,7 +2083,7 @@
           <a:p>
             <a:fld id="{667511D5-E30B-4E6C-8572-0CA724416369}" type="datetimeFigureOut">
               <a:rPr lang="ko-KR" altLang="en-US" smtClean="0"/>
-              <a:t>2017-12-12</a:t>
+              <a:t>2017-12-13</a:t>
             </a:fld>
             <a:endParaRPr lang="ko-KR" altLang="en-US"/>
           </a:p>
@@ -2393,7 +2394,7 @@
           <a:p>
             <a:fld id="{667511D5-E30B-4E6C-8572-0CA724416369}" type="datetimeFigureOut">
               <a:rPr lang="ko-KR" altLang="en-US" smtClean="0"/>
-              <a:t>2017-12-12</a:t>
+              <a:t>2017-12-13</a:t>
             </a:fld>
             <a:endParaRPr lang="ko-KR" altLang="en-US"/>
           </a:p>
@@ -2681,7 +2682,7 @@
           <a:p>
             <a:fld id="{667511D5-E30B-4E6C-8572-0CA724416369}" type="datetimeFigureOut">
               <a:rPr lang="ko-KR" altLang="en-US" smtClean="0"/>
-              <a:t>2017-12-12</a:t>
+              <a:t>2017-12-13</a:t>
             </a:fld>
             <a:endParaRPr lang="ko-KR" altLang="en-US"/>
           </a:p>
@@ -2922,7 +2923,7 @@
           <a:p>
             <a:fld id="{667511D5-E30B-4E6C-8572-0CA724416369}" type="datetimeFigureOut">
               <a:rPr lang="ko-KR" altLang="en-US" smtClean="0"/>
-              <a:t>2017-12-12</a:t>
+              <a:t>2017-12-13</a:t>
             </a:fld>
             <a:endParaRPr lang="ko-KR" altLang="en-US"/>
           </a:p>
@@ -4853,6 +4854,85 @@
 </p:sld>
 </file>
 
+<file path=ppt/slides/slide11.xml><?xml version="1.0" encoding="utf-8"?>
+<p:sld xmlns:a="http://schemas.openxmlformats.org/drawingml/2006/main" xmlns:r="http://schemas.openxmlformats.org/officeDocument/2006/relationships" xmlns:p="http://schemas.openxmlformats.org/presentationml/2006/main">
+  <p:cSld>
+    <p:spTree>
+      <p:nvGrpSpPr>
+        <p:cNvPr id="1" name=""/>
+        <p:cNvGrpSpPr/>
+        <p:nvPr/>
+      </p:nvGrpSpPr>
+      <p:grpSpPr>
+        <a:xfrm>
+          <a:off x="0" y="0"/>
+          <a:ext cx="0" cy="0"/>
+          <a:chOff x="0" y="0"/>
+          <a:chExt cx="0" cy="0"/>
+        </a:xfrm>
+      </p:grpSpPr>
+      <p:sp>
+        <p:nvSpPr>
+          <p:cNvPr id="4" name="직사각형 3">
+            <a:extLst>
+              <a:ext uri="{FF2B5EF4-FFF2-40B4-BE49-F238E27FC236}">
+                <a16:creationId xmlns:a16="http://schemas.microsoft.com/office/drawing/2014/main" id="{62686FB9-11C8-4DE4-A8CB-E0F2EFB77550}"/>
+              </a:ext>
+            </a:extLst>
+          </p:cNvPr>
+          <p:cNvSpPr/>
+          <p:nvPr/>
+        </p:nvSpPr>
+        <p:spPr>
+          <a:xfrm>
+            <a:off x="2601158" y="710213"/>
+            <a:ext cx="4607510" cy="4607510"/>
+          </a:xfrm>
+          <a:prstGeom prst="rect">
+            <a:avLst/>
+          </a:prstGeom>
+          <a:solidFill>
+            <a:schemeClr val="tx1"/>
+          </a:solidFill>
+        </p:spPr>
+        <p:style>
+          <a:lnRef idx="2">
+            <a:schemeClr val="accent1">
+              <a:shade val="50000"/>
+            </a:schemeClr>
+          </a:lnRef>
+          <a:fillRef idx="1">
+            <a:schemeClr val="accent1"/>
+          </a:fillRef>
+          <a:effectRef idx="0">
+            <a:schemeClr val="accent1"/>
+          </a:effectRef>
+          <a:fontRef idx="minor">
+            <a:schemeClr val="lt1"/>
+          </a:fontRef>
+        </p:style>
+        <p:txBody>
+          <a:bodyPr rtlCol="0" anchor="ctr"/>
+          <a:lstStyle/>
+          <a:p>
+            <a:pPr algn="ctr"/>
+            <a:endParaRPr lang="ko-KR" altLang="en-US"/>
+          </a:p>
+        </p:txBody>
+      </p:sp>
+    </p:spTree>
+    <p:extLst>
+      <p:ext uri="{BB962C8B-B14F-4D97-AF65-F5344CB8AC3E}">
+        <p14:creationId xmlns:p14="http://schemas.microsoft.com/office/powerpoint/2010/main" val="4293264661"/>
+      </p:ext>
+    </p:extLst>
+  </p:cSld>
+  <p:clrMapOvr>
+    <a:masterClrMapping/>
+  </p:clrMapOvr>
+</p:sld>
+</file>
+
 <file path=ppt/slides/slide2.xml><?xml version="1.0" encoding="utf-8"?>
 <p:sld xmlns:a="http://schemas.openxmlformats.org/drawingml/2006/main" xmlns:r="http://schemas.openxmlformats.org/officeDocument/2006/relationships" xmlns:p="http://schemas.openxmlformats.org/presentationml/2006/main">
   <p:cSld>

--- a/제작.pptx
+++ b/제작.pptx
@@ -16,6 +16,8 @@
     <p:sldId id="264" r:id="rId10"/>
     <p:sldId id="265" r:id="rId11"/>
     <p:sldId id="266" r:id="rId12"/>
+    <p:sldId id="267" r:id="rId13"/>
+    <p:sldId id="268" r:id="rId14"/>
   </p:sldIdLst>
   <p:sldSz cx="12192000" cy="6858000"/>
   <p:notesSz cx="6858000" cy="9144000"/>
@@ -273,7 +275,7 @@
           <a:p>
             <a:fld id="{667511D5-E30B-4E6C-8572-0CA724416369}" type="datetimeFigureOut">
               <a:rPr lang="ko-KR" altLang="en-US" smtClean="0"/>
-              <a:t>2017-12-13</a:t>
+              <a:t>2017-12-22</a:t>
             </a:fld>
             <a:endParaRPr lang="ko-KR" altLang="en-US"/>
           </a:p>
@@ -471,7 +473,7 @@
           <a:p>
             <a:fld id="{667511D5-E30B-4E6C-8572-0CA724416369}" type="datetimeFigureOut">
               <a:rPr lang="ko-KR" altLang="en-US" smtClean="0"/>
-              <a:t>2017-12-13</a:t>
+              <a:t>2017-12-22</a:t>
             </a:fld>
             <a:endParaRPr lang="ko-KR" altLang="en-US"/>
           </a:p>
@@ -679,7 +681,7 @@
           <a:p>
             <a:fld id="{667511D5-E30B-4E6C-8572-0CA724416369}" type="datetimeFigureOut">
               <a:rPr lang="ko-KR" altLang="en-US" smtClean="0"/>
-              <a:t>2017-12-13</a:t>
+              <a:t>2017-12-22</a:t>
             </a:fld>
             <a:endParaRPr lang="ko-KR" altLang="en-US"/>
           </a:p>
@@ -877,7 +879,7 @@
           <a:p>
             <a:fld id="{667511D5-E30B-4E6C-8572-0CA724416369}" type="datetimeFigureOut">
               <a:rPr lang="ko-KR" altLang="en-US" smtClean="0"/>
-              <a:t>2017-12-13</a:t>
+              <a:t>2017-12-22</a:t>
             </a:fld>
             <a:endParaRPr lang="ko-KR" altLang="en-US"/>
           </a:p>
@@ -1152,7 +1154,7 @@
           <a:p>
             <a:fld id="{667511D5-E30B-4E6C-8572-0CA724416369}" type="datetimeFigureOut">
               <a:rPr lang="ko-KR" altLang="en-US" smtClean="0"/>
-              <a:t>2017-12-13</a:t>
+              <a:t>2017-12-22</a:t>
             </a:fld>
             <a:endParaRPr lang="ko-KR" altLang="en-US"/>
           </a:p>
@@ -1417,7 +1419,7 @@
           <a:p>
             <a:fld id="{667511D5-E30B-4E6C-8572-0CA724416369}" type="datetimeFigureOut">
               <a:rPr lang="ko-KR" altLang="en-US" smtClean="0"/>
-              <a:t>2017-12-13</a:t>
+              <a:t>2017-12-22</a:t>
             </a:fld>
             <a:endParaRPr lang="ko-KR" altLang="en-US"/>
           </a:p>
@@ -1829,7 +1831,7 @@
           <a:p>
             <a:fld id="{667511D5-E30B-4E6C-8572-0CA724416369}" type="datetimeFigureOut">
               <a:rPr lang="ko-KR" altLang="en-US" smtClean="0"/>
-              <a:t>2017-12-13</a:t>
+              <a:t>2017-12-22</a:t>
             </a:fld>
             <a:endParaRPr lang="ko-KR" altLang="en-US"/>
           </a:p>
@@ -1970,7 +1972,7 @@
           <a:p>
             <a:fld id="{667511D5-E30B-4E6C-8572-0CA724416369}" type="datetimeFigureOut">
               <a:rPr lang="ko-KR" altLang="en-US" smtClean="0"/>
-              <a:t>2017-12-13</a:t>
+              <a:t>2017-12-22</a:t>
             </a:fld>
             <a:endParaRPr lang="ko-KR" altLang="en-US"/>
           </a:p>
@@ -2083,7 +2085,7 @@
           <a:p>
             <a:fld id="{667511D5-E30B-4E6C-8572-0CA724416369}" type="datetimeFigureOut">
               <a:rPr lang="ko-KR" altLang="en-US" smtClean="0"/>
-              <a:t>2017-12-13</a:t>
+              <a:t>2017-12-22</a:t>
             </a:fld>
             <a:endParaRPr lang="ko-KR" altLang="en-US"/>
           </a:p>
@@ -2394,7 +2396,7 @@
           <a:p>
             <a:fld id="{667511D5-E30B-4E6C-8572-0CA724416369}" type="datetimeFigureOut">
               <a:rPr lang="ko-KR" altLang="en-US" smtClean="0"/>
-              <a:t>2017-12-13</a:t>
+              <a:t>2017-12-22</a:t>
             </a:fld>
             <a:endParaRPr lang="ko-KR" altLang="en-US"/>
           </a:p>
@@ -2682,7 +2684,7 @@
           <a:p>
             <a:fld id="{667511D5-E30B-4E6C-8572-0CA724416369}" type="datetimeFigureOut">
               <a:rPr lang="ko-KR" altLang="en-US" smtClean="0"/>
-              <a:t>2017-12-13</a:t>
+              <a:t>2017-12-22</a:t>
             </a:fld>
             <a:endParaRPr lang="ko-KR" altLang="en-US"/>
           </a:p>
@@ -2923,7 +2925,7 @@
           <a:p>
             <a:fld id="{667511D5-E30B-4E6C-8572-0CA724416369}" type="datetimeFigureOut">
               <a:rPr lang="ko-KR" altLang="en-US" smtClean="0"/>
-              <a:t>2017-12-13</a:t>
+              <a:t>2017-12-22</a:t>
             </a:fld>
             <a:endParaRPr lang="ko-KR" altLang="en-US"/>
           </a:p>
@@ -4885,7 +4887,7 @@
         </p:nvSpPr>
         <p:spPr>
           <a:xfrm>
-            <a:off x="2601158" y="710213"/>
+            <a:off x="2833456" y="790112"/>
             <a:ext cx="4607510" cy="4607510"/>
           </a:xfrm>
           <a:prstGeom prst="rect">
@@ -4924,6 +4926,576 @@
     <p:extLst>
       <p:ext uri="{BB962C8B-B14F-4D97-AF65-F5344CB8AC3E}">
         <p14:creationId xmlns:p14="http://schemas.microsoft.com/office/powerpoint/2010/main" val="4293264661"/>
+      </p:ext>
+    </p:extLst>
+  </p:cSld>
+  <p:clrMapOvr>
+    <a:masterClrMapping/>
+  </p:clrMapOvr>
+</p:sld>
+</file>
+
+<file path=ppt/slides/slide12.xml><?xml version="1.0" encoding="utf-8"?>
+<p:sld xmlns:a="http://schemas.openxmlformats.org/drawingml/2006/main" xmlns:r="http://schemas.openxmlformats.org/officeDocument/2006/relationships" xmlns:p="http://schemas.openxmlformats.org/presentationml/2006/main">
+  <p:cSld>
+    <p:spTree>
+      <p:nvGrpSpPr>
+        <p:cNvPr id="1" name=""/>
+        <p:cNvGrpSpPr/>
+        <p:nvPr/>
+      </p:nvGrpSpPr>
+      <p:grpSpPr>
+        <a:xfrm>
+          <a:off x="0" y="0"/>
+          <a:ext cx="0" cy="0"/>
+          <a:chOff x="0" y="0"/>
+          <a:chExt cx="0" cy="0"/>
+        </a:xfrm>
+      </p:grpSpPr>
+      <p:pic>
+        <p:nvPicPr>
+          <p:cNvPr id="19" name="그림 18">
+            <a:extLst>
+              <a:ext uri="{FF2B5EF4-FFF2-40B4-BE49-F238E27FC236}">
+                <a16:creationId xmlns:a16="http://schemas.microsoft.com/office/drawing/2014/main" id="{E4AD6A34-3B21-4912-BB3A-CF624BA7C369}"/>
+              </a:ext>
+            </a:extLst>
+          </p:cNvPr>
+          <p:cNvPicPr>
+            <a:picLocks noChangeAspect="1"/>
+          </p:cNvPicPr>
+          <p:nvPr/>
+        </p:nvPicPr>
+        <p:blipFill>
+          <a:blip r:embed="rId2">
+            <a:extLst>
+              <a:ext uri="{28A0092B-C50C-407E-A947-70E740481C1C}">
+                <a14:useLocalDpi xmlns:a14="http://schemas.microsoft.com/office/drawing/2010/main" val="0"/>
+              </a:ext>
+            </a:extLst>
+          </a:blip>
+          <a:stretch>
+            <a:fillRect/>
+          </a:stretch>
+        </p:blipFill>
+        <p:spPr>
+          <a:xfrm>
+            <a:off x="1542901" y="495146"/>
+            <a:ext cx="3419952" cy="866896"/>
+          </a:xfrm>
+          <a:prstGeom prst="rect">
+            <a:avLst/>
+          </a:prstGeom>
+        </p:spPr>
+      </p:pic>
+      <p:grpSp>
+        <p:nvGrpSpPr>
+          <p:cNvPr id="10" name="그룹 9">
+            <a:extLst>
+              <a:ext uri="{FF2B5EF4-FFF2-40B4-BE49-F238E27FC236}">
+                <a16:creationId xmlns:a16="http://schemas.microsoft.com/office/drawing/2014/main" id="{8733560E-5836-4655-AE4B-BD027C3D3355}"/>
+              </a:ext>
+            </a:extLst>
+          </p:cNvPr>
+          <p:cNvGrpSpPr/>
+          <p:nvPr/>
+        </p:nvGrpSpPr>
+        <p:grpSpPr>
+          <a:xfrm>
+            <a:off x="1542901" y="2504962"/>
+            <a:ext cx="6401694" cy="1619476"/>
+            <a:chOff x="1542901" y="2504962"/>
+            <a:chExt cx="6401694" cy="1619476"/>
+          </a:xfrm>
+        </p:grpSpPr>
+        <p:pic>
+          <p:nvPicPr>
+            <p:cNvPr id="5" name="그림 4">
+              <a:extLst>
+                <a:ext uri="{FF2B5EF4-FFF2-40B4-BE49-F238E27FC236}">
+                  <a16:creationId xmlns:a16="http://schemas.microsoft.com/office/drawing/2014/main" id="{E452C405-A370-41E5-A8F4-B36F0746A0D4}"/>
+                </a:ext>
+              </a:extLst>
+            </p:cNvPr>
+            <p:cNvPicPr>
+              <a:picLocks noChangeAspect="1"/>
+            </p:cNvPicPr>
+            <p:nvPr/>
+          </p:nvPicPr>
+          <p:blipFill>
+            <a:blip r:embed="rId3">
+              <a:extLst>
+                <a:ext uri="{28A0092B-C50C-407E-A947-70E740481C1C}">
+                  <a14:useLocalDpi xmlns:a14="http://schemas.microsoft.com/office/drawing/2010/main" val="0"/>
+                </a:ext>
+              </a:extLst>
+            </a:blip>
+            <a:stretch>
+              <a:fillRect/>
+            </a:stretch>
+          </p:blipFill>
+          <p:spPr>
+            <a:xfrm>
+              <a:off x="1542901" y="2504962"/>
+              <a:ext cx="2133898" cy="1619476"/>
+            </a:xfrm>
+            <a:prstGeom prst="rect">
+              <a:avLst/>
+            </a:prstGeom>
+          </p:spPr>
+        </p:pic>
+        <p:pic>
+          <p:nvPicPr>
+            <p:cNvPr id="7" name="그림 6">
+              <a:extLst>
+                <a:ext uri="{FF2B5EF4-FFF2-40B4-BE49-F238E27FC236}">
+                  <a16:creationId xmlns:a16="http://schemas.microsoft.com/office/drawing/2014/main" id="{95812BFC-CE43-49C8-A841-F83F09F9A3E0}"/>
+                </a:ext>
+              </a:extLst>
+            </p:cNvPr>
+            <p:cNvPicPr>
+              <a:picLocks noChangeAspect="1"/>
+            </p:cNvPicPr>
+            <p:nvPr/>
+          </p:nvPicPr>
+          <p:blipFill>
+            <a:blip r:embed="rId4">
+              <a:extLst>
+                <a:ext uri="{28A0092B-C50C-407E-A947-70E740481C1C}">
+                  <a14:useLocalDpi xmlns:a14="http://schemas.microsoft.com/office/drawing/2010/main" val="0"/>
+                </a:ext>
+              </a:extLst>
+            </a:blip>
+            <a:stretch>
+              <a:fillRect/>
+            </a:stretch>
+          </p:blipFill>
+          <p:spPr>
+            <a:xfrm>
+              <a:off x="3676799" y="2504962"/>
+              <a:ext cx="2133898" cy="1619476"/>
+            </a:xfrm>
+            <a:prstGeom prst="rect">
+              <a:avLst/>
+            </a:prstGeom>
+          </p:spPr>
+        </p:pic>
+        <p:pic>
+          <p:nvPicPr>
+            <p:cNvPr id="9" name="그림 8">
+              <a:extLst>
+                <a:ext uri="{FF2B5EF4-FFF2-40B4-BE49-F238E27FC236}">
+                  <a16:creationId xmlns:a16="http://schemas.microsoft.com/office/drawing/2014/main" id="{9C858054-A9F0-40F0-BE34-E1A29E306275}"/>
+                </a:ext>
+              </a:extLst>
+            </p:cNvPr>
+            <p:cNvPicPr>
+              <a:picLocks noChangeAspect="1"/>
+            </p:cNvPicPr>
+            <p:nvPr/>
+          </p:nvPicPr>
+          <p:blipFill>
+            <a:blip r:embed="rId5">
+              <a:extLst>
+                <a:ext uri="{28A0092B-C50C-407E-A947-70E740481C1C}">
+                  <a14:useLocalDpi xmlns:a14="http://schemas.microsoft.com/office/drawing/2010/main" val="0"/>
+                </a:ext>
+              </a:extLst>
+            </a:blip>
+            <a:stretch>
+              <a:fillRect/>
+            </a:stretch>
+          </p:blipFill>
+          <p:spPr>
+            <a:xfrm>
+              <a:off x="5810697" y="2504962"/>
+              <a:ext cx="2133898" cy="1619476"/>
+            </a:xfrm>
+            <a:prstGeom prst="rect">
+              <a:avLst/>
+            </a:prstGeom>
+          </p:spPr>
+        </p:pic>
+      </p:grpSp>
+      <p:grpSp>
+        <p:nvGrpSpPr>
+          <p:cNvPr id="15" name="그룹 14">
+            <a:extLst>
+              <a:ext uri="{FF2B5EF4-FFF2-40B4-BE49-F238E27FC236}">
+                <a16:creationId xmlns:a16="http://schemas.microsoft.com/office/drawing/2014/main" id="{F74D4E1A-5B10-4F13-A3C2-56F896F964F4}"/>
+              </a:ext>
+            </a:extLst>
+          </p:cNvPr>
+          <p:cNvGrpSpPr/>
+          <p:nvPr/>
+        </p:nvGrpSpPr>
+        <p:grpSpPr>
+          <a:xfrm>
+            <a:off x="1542901" y="4484682"/>
+            <a:ext cx="6401694" cy="1619476"/>
+            <a:chOff x="1542901" y="4484682"/>
+            <a:chExt cx="6401694" cy="1619476"/>
+          </a:xfrm>
+        </p:grpSpPr>
+        <p:pic>
+          <p:nvPicPr>
+            <p:cNvPr id="12" name="그림 11">
+              <a:extLst>
+                <a:ext uri="{FF2B5EF4-FFF2-40B4-BE49-F238E27FC236}">
+                  <a16:creationId xmlns:a16="http://schemas.microsoft.com/office/drawing/2014/main" id="{553184C5-B003-47F3-9C5D-E422EC9F8C6D}"/>
+                </a:ext>
+              </a:extLst>
+            </p:cNvPr>
+            <p:cNvPicPr>
+              <a:picLocks noChangeAspect="1"/>
+            </p:cNvPicPr>
+            <p:nvPr/>
+          </p:nvPicPr>
+          <p:blipFill>
+            <a:blip r:embed="rId3">
+              <a:extLst>
+                <a:ext uri="{28A0092B-C50C-407E-A947-70E740481C1C}">
+                  <a14:useLocalDpi xmlns:a14="http://schemas.microsoft.com/office/drawing/2010/main" val="0"/>
+                </a:ext>
+              </a:extLst>
+            </a:blip>
+            <a:stretch>
+              <a:fillRect/>
+            </a:stretch>
+          </p:blipFill>
+          <p:spPr>
+            <a:xfrm flipH="1">
+              <a:off x="1542901" y="4484682"/>
+              <a:ext cx="2133898" cy="1619476"/>
+            </a:xfrm>
+            <a:prstGeom prst="rect">
+              <a:avLst/>
+            </a:prstGeom>
+          </p:spPr>
+        </p:pic>
+        <p:pic>
+          <p:nvPicPr>
+            <p:cNvPr id="13" name="그림 12">
+              <a:extLst>
+                <a:ext uri="{FF2B5EF4-FFF2-40B4-BE49-F238E27FC236}">
+                  <a16:creationId xmlns:a16="http://schemas.microsoft.com/office/drawing/2014/main" id="{3B4086F4-8A97-4045-A1EC-1E220DC0304D}"/>
+                </a:ext>
+              </a:extLst>
+            </p:cNvPr>
+            <p:cNvPicPr>
+              <a:picLocks noChangeAspect="1"/>
+            </p:cNvPicPr>
+            <p:nvPr/>
+          </p:nvPicPr>
+          <p:blipFill>
+            <a:blip r:embed="rId4">
+              <a:extLst>
+                <a:ext uri="{28A0092B-C50C-407E-A947-70E740481C1C}">
+                  <a14:useLocalDpi xmlns:a14="http://schemas.microsoft.com/office/drawing/2010/main" val="0"/>
+                </a:ext>
+              </a:extLst>
+            </a:blip>
+            <a:stretch>
+              <a:fillRect/>
+            </a:stretch>
+          </p:blipFill>
+          <p:spPr>
+            <a:xfrm flipH="1">
+              <a:off x="3676799" y="4484682"/>
+              <a:ext cx="2133898" cy="1619476"/>
+            </a:xfrm>
+            <a:prstGeom prst="rect">
+              <a:avLst/>
+            </a:prstGeom>
+          </p:spPr>
+        </p:pic>
+        <p:pic>
+          <p:nvPicPr>
+            <p:cNvPr id="14" name="그림 13">
+              <a:extLst>
+                <a:ext uri="{FF2B5EF4-FFF2-40B4-BE49-F238E27FC236}">
+                  <a16:creationId xmlns:a16="http://schemas.microsoft.com/office/drawing/2014/main" id="{D5029738-41F5-45D3-AF50-8AF235C3BBCF}"/>
+                </a:ext>
+              </a:extLst>
+            </p:cNvPr>
+            <p:cNvPicPr>
+              <a:picLocks noChangeAspect="1"/>
+            </p:cNvPicPr>
+            <p:nvPr/>
+          </p:nvPicPr>
+          <p:blipFill>
+            <a:blip r:embed="rId5">
+              <a:extLst>
+                <a:ext uri="{28A0092B-C50C-407E-A947-70E740481C1C}">
+                  <a14:useLocalDpi xmlns:a14="http://schemas.microsoft.com/office/drawing/2010/main" val="0"/>
+                </a:ext>
+              </a:extLst>
+            </a:blip>
+            <a:stretch>
+              <a:fillRect/>
+            </a:stretch>
+          </p:blipFill>
+          <p:spPr>
+            <a:xfrm flipH="1">
+              <a:off x="5810697" y="4484682"/>
+              <a:ext cx="2133898" cy="1619476"/>
+            </a:xfrm>
+            <a:prstGeom prst="rect">
+              <a:avLst/>
+            </a:prstGeom>
+          </p:spPr>
+        </p:pic>
+      </p:grpSp>
+      <p:pic>
+        <p:nvPicPr>
+          <p:cNvPr id="17" name="그림 16">
+            <a:extLst>
+              <a:ext uri="{FF2B5EF4-FFF2-40B4-BE49-F238E27FC236}">
+                <a16:creationId xmlns:a16="http://schemas.microsoft.com/office/drawing/2014/main" id="{1F2255AA-D093-4415-ACBC-04E96A108F30}"/>
+              </a:ext>
+            </a:extLst>
+          </p:cNvPr>
+          <p:cNvPicPr>
+            <a:picLocks noChangeAspect="1"/>
+          </p:cNvPicPr>
+          <p:nvPr/>
+        </p:nvPicPr>
+        <p:blipFill>
+          <a:blip r:embed="rId6">
+            <a:extLst>
+              <a:ext uri="{28A0092B-C50C-407E-A947-70E740481C1C}">
+                <a14:useLocalDpi xmlns:a14="http://schemas.microsoft.com/office/drawing/2010/main" val="0"/>
+              </a:ext>
+            </a:extLst>
+          </a:blip>
+          <a:stretch>
+            <a:fillRect/>
+          </a:stretch>
+        </p:blipFill>
+        <p:spPr>
+          <a:xfrm>
+            <a:off x="3434488" y="801709"/>
+            <a:ext cx="324824" cy="253769"/>
+          </a:xfrm>
+          <a:prstGeom prst="rect">
+            <a:avLst/>
+          </a:prstGeom>
+        </p:spPr>
+      </p:pic>
+      <p:pic>
+        <p:nvPicPr>
+          <p:cNvPr id="20" name="그림 19">
+            <a:extLst>
+              <a:ext uri="{FF2B5EF4-FFF2-40B4-BE49-F238E27FC236}">
+                <a16:creationId xmlns:a16="http://schemas.microsoft.com/office/drawing/2014/main" id="{5E36CBE0-3264-42E6-B68C-0BCD19202AD6}"/>
+              </a:ext>
+            </a:extLst>
+          </p:cNvPr>
+          <p:cNvPicPr>
+            <a:picLocks noChangeAspect="1"/>
+          </p:cNvPicPr>
+          <p:nvPr/>
+        </p:nvPicPr>
+        <p:blipFill>
+          <a:blip r:embed="rId6">
+            <a:extLst>
+              <a:ext uri="{28A0092B-C50C-407E-A947-70E740481C1C}">
+                <a14:useLocalDpi xmlns:a14="http://schemas.microsoft.com/office/drawing/2010/main" val="0"/>
+              </a:ext>
+            </a:extLst>
+          </a:blip>
+          <a:stretch>
+            <a:fillRect/>
+          </a:stretch>
+        </p:blipFill>
+        <p:spPr>
+          <a:xfrm>
+            <a:off x="6096000" y="620695"/>
+            <a:ext cx="609685" cy="476316"/>
+          </a:xfrm>
+          <a:prstGeom prst="rect">
+            <a:avLst/>
+          </a:prstGeom>
+        </p:spPr>
+      </p:pic>
+      <p:pic>
+        <p:nvPicPr>
+          <p:cNvPr id="22" name="그림 21">
+            <a:extLst>
+              <a:ext uri="{FF2B5EF4-FFF2-40B4-BE49-F238E27FC236}">
+                <a16:creationId xmlns:a16="http://schemas.microsoft.com/office/drawing/2014/main" id="{3FEA8C6A-F58C-4483-8C38-14E7CE13DFB3}"/>
+              </a:ext>
+            </a:extLst>
+          </p:cNvPr>
+          <p:cNvPicPr>
+            <a:picLocks noChangeAspect="1"/>
+          </p:cNvPicPr>
+          <p:nvPr/>
+        </p:nvPicPr>
+        <p:blipFill>
+          <a:blip r:embed="rId7">
+            <a:extLst>
+              <a:ext uri="{28A0092B-C50C-407E-A947-70E740481C1C}">
+                <a14:useLocalDpi xmlns:a14="http://schemas.microsoft.com/office/drawing/2010/main" val="0"/>
+              </a:ext>
+            </a:extLst>
+          </a:blip>
+          <a:stretch>
+            <a:fillRect/>
+          </a:stretch>
+        </p:blipFill>
+        <p:spPr>
+          <a:xfrm>
+            <a:off x="2305007" y="809514"/>
+            <a:ext cx="304843" cy="238158"/>
+          </a:xfrm>
+          <a:prstGeom prst="rect">
+            <a:avLst/>
+          </a:prstGeom>
+        </p:spPr>
+      </p:pic>
+    </p:spTree>
+    <p:extLst>
+      <p:ext uri="{BB962C8B-B14F-4D97-AF65-F5344CB8AC3E}">
+        <p14:creationId xmlns:p14="http://schemas.microsoft.com/office/powerpoint/2010/main" val="1168968700"/>
+      </p:ext>
+    </p:extLst>
+  </p:cSld>
+  <p:clrMapOvr>
+    <a:masterClrMapping/>
+  </p:clrMapOvr>
+</p:sld>
+</file>
+
+<file path=ppt/slides/slide13.xml><?xml version="1.0" encoding="utf-8"?>
+<p:sld xmlns:a="http://schemas.openxmlformats.org/drawingml/2006/main" xmlns:r="http://schemas.openxmlformats.org/officeDocument/2006/relationships" xmlns:p="http://schemas.openxmlformats.org/presentationml/2006/main">
+  <p:cSld>
+    <p:spTree>
+      <p:nvGrpSpPr>
+        <p:cNvPr id="1" name=""/>
+        <p:cNvGrpSpPr/>
+        <p:nvPr/>
+      </p:nvGrpSpPr>
+      <p:grpSpPr>
+        <a:xfrm>
+          <a:off x="0" y="0"/>
+          <a:ext cx="0" cy="0"/>
+          <a:chOff x="0" y="0"/>
+          <a:chExt cx="0" cy="0"/>
+        </a:xfrm>
+      </p:grpSpPr>
+      <p:pic>
+        <p:nvPicPr>
+          <p:cNvPr id="3" name="그림 2">
+            <a:extLst>
+              <a:ext uri="{FF2B5EF4-FFF2-40B4-BE49-F238E27FC236}">
+                <a16:creationId xmlns:a16="http://schemas.microsoft.com/office/drawing/2014/main" id="{E355D131-F308-499B-B09B-ED1A42D50C59}"/>
+              </a:ext>
+            </a:extLst>
+          </p:cNvPr>
+          <p:cNvPicPr>
+            <a:picLocks noChangeAspect="1"/>
+          </p:cNvPicPr>
+          <p:nvPr/>
+        </p:nvPicPr>
+        <p:blipFill>
+          <a:blip r:embed="rId2">
+            <a:extLst>
+              <a:ext uri="{28A0092B-C50C-407E-A947-70E740481C1C}">
+                <a14:useLocalDpi xmlns:a14="http://schemas.microsoft.com/office/drawing/2010/main" val="0"/>
+              </a:ext>
+            </a:extLst>
+          </a:blip>
+          <a:stretch>
+            <a:fillRect/>
+          </a:stretch>
+        </p:blipFill>
+        <p:spPr>
+          <a:xfrm>
+            <a:off x="5943578" y="3309921"/>
+            <a:ext cx="304843" cy="238158"/>
+          </a:xfrm>
+          <a:prstGeom prst="rect">
+            <a:avLst/>
+          </a:prstGeom>
+        </p:spPr>
+      </p:pic>
+      <p:pic>
+        <p:nvPicPr>
+          <p:cNvPr id="6" name="그림 5">
+            <a:extLst>
+              <a:ext uri="{FF2B5EF4-FFF2-40B4-BE49-F238E27FC236}">
+                <a16:creationId xmlns:a16="http://schemas.microsoft.com/office/drawing/2014/main" id="{4218D19C-E013-4849-ABB7-65EA168CABE9}"/>
+              </a:ext>
+            </a:extLst>
+          </p:cNvPr>
+          <p:cNvPicPr>
+            <a:picLocks noChangeAspect="1"/>
+          </p:cNvPicPr>
+          <p:nvPr/>
+        </p:nvPicPr>
+        <p:blipFill>
+          <a:blip r:embed="rId3">
+            <a:extLst>
+              <a:ext uri="{28A0092B-C50C-407E-A947-70E740481C1C}">
+                <a14:useLocalDpi xmlns:a14="http://schemas.microsoft.com/office/drawing/2010/main" val="0"/>
+              </a:ext>
+            </a:extLst>
+          </a:blip>
+          <a:stretch>
+            <a:fillRect/>
+          </a:stretch>
+        </p:blipFill>
+        <p:spPr>
+          <a:xfrm>
+            <a:off x="5167330" y="3214657"/>
+            <a:ext cx="419158" cy="428685"/>
+          </a:xfrm>
+          <a:prstGeom prst="rect">
+            <a:avLst/>
+          </a:prstGeom>
+        </p:spPr>
+      </p:pic>
+      <p:pic>
+        <p:nvPicPr>
+          <p:cNvPr id="18" name="그림 17">
+            <a:extLst>
+              <a:ext uri="{FF2B5EF4-FFF2-40B4-BE49-F238E27FC236}">
+                <a16:creationId xmlns:a16="http://schemas.microsoft.com/office/drawing/2014/main" id="{7F681EB2-CF49-4398-8607-2410A235BE52}"/>
+              </a:ext>
+            </a:extLst>
+          </p:cNvPr>
+          <p:cNvPicPr>
+            <a:picLocks noChangeAspect="1"/>
+          </p:cNvPicPr>
+          <p:nvPr/>
+        </p:nvPicPr>
+        <p:blipFill>
+          <a:blip r:embed="rId3">
+            <a:extLst>
+              <a:ext uri="{28A0092B-C50C-407E-A947-70E740481C1C}">
+                <a14:useLocalDpi xmlns:a14="http://schemas.microsoft.com/office/drawing/2010/main" val="0"/>
+              </a:ext>
+            </a:extLst>
+          </a:blip>
+          <a:stretch>
+            <a:fillRect/>
+          </a:stretch>
+        </p:blipFill>
+        <p:spPr>
+          <a:xfrm flipV="1">
+            <a:off x="5626491" y="3319049"/>
+            <a:ext cx="215016" cy="219902"/>
+          </a:xfrm>
+          <a:prstGeom prst="rect">
+            <a:avLst/>
+          </a:prstGeom>
+        </p:spPr>
+      </p:pic>
+    </p:spTree>
+    <p:extLst>
+      <p:ext uri="{BB962C8B-B14F-4D97-AF65-F5344CB8AC3E}">
+        <p14:creationId xmlns:p14="http://schemas.microsoft.com/office/powerpoint/2010/main" val="3537533866"/>
       </p:ext>
     </p:extLst>
   </p:cSld>

--- a/제작.pptx
+++ b/제작.pptx
@@ -18,6 +18,13 @@
     <p:sldId id="266" r:id="rId12"/>
     <p:sldId id="267" r:id="rId13"/>
     <p:sldId id="268" r:id="rId14"/>
+    <p:sldId id="269" r:id="rId15"/>
+    <p:sldId id="270" r:id="rId16"/>
+    <p:sldId id="271" r:id="rId17"/>
+    <p:sldId id="272" r:id="rId18"/>
+    <p:sldId id="273" r:id="rId19"/>
+    <p:sldId id="274" r:id="rId20"/>
+    <p:sldId id="275" r:id="rId21"/>
   </p:sldIdLst>
   <p:sldSz cx="12192000" cy="6858000"/>
   <p:notesSz cx="6858000" cy="9144000"/>
@@ -275,7 +282,7 @@
           <a:p>
             <a:fld id="{667511D5-E30B-4E6C-8572-0CA724416369}" type="datetimeFigureOut">
               <a:rPr lang="ko-KR" altLang="en-US" smtClean="0"/>
-              <a:t>2017-12-22</a:t>
+              <a:t>2017-12-23</a:t>
             </a:fld>
             <a:endParaRPr lang="ko-KR" altLang="en-US"/>
           </a:p>
@@ -473,7 +480,7 @@
           <a:p>
             <a:fld id="{667511D5-E30B-4E6C-8572-0CA724416369}" type="datetimeFigureOut">
               <a:rPr lang="ko-KR" altLang="en-US" smtClean="0"/>
-              <a:t>2017-12-22</a:t>
+              <a:t>2017-12-23</a:t>
             </a:fld>
             <a:endParaRPr lang="ko-KR" altLang="en-US"/>
           </a:p>
@@ -681,7 +688,7 @@
           <a:p>
             <a:fld id="{667511D5-E30B-4E6C-8572-0CA724416369}" type="datetimeFigureOut">
               <a:rPr lang="ko-KR" altLang="en-US" smtClean="0"/>
-              <a:t>2017-12-22</a:t>
+              <a:t>2017-12-23</a:t>
             </a:fld>
             <a:endParaRPr lang="ko-KR" altLang="en-US"/>
           </a:p>
@@ -879,7 +886,7 @@
           <a:p>
             <a:fld id="{667511D5-E30B-4E6C-8572-0CA724416369}" type="datetimeFigureOut">
               <a:rPr lang="ko-KR" altLang="en-US" smtClean="0"/>
-              <a:t>2017-12-22</a:t>
+              <a:t>2017-12-23</a:t>
             </a:fld>
             <a:endParaRPr lang="ko-KR" altLang="en-US"/>
           </a:p>
@@ -1154,7 +1161,7 @@
           <a:p>
             <a:fld id="{667511D5-E30B-4E6C-8572-0CA724416369}" type="datetimeFigureOut">
               <a:rPr lang="ko-KR" altLang="en-US" smtClean="0"/>
-              <a:t>2017-12-22</a:t>
+              <a:t>2017-12-23</a:t>
             </a:fld>
             <a:endParaRPr lang="ko-KR" altLang="en-US"/>
           </a:p>
@@ -1419,7 +1426,7 @@
           <a:p>
             <a:fld id="{667511D5-E30B-4E6C-8572-0CA724416369}" type="datetimeFigureOut">
               <a:rPr lang="ko-KR" altLang="en-US" smtClean="0"/>
-              <a:t>2017-12-22</a:t>
+              <a:t>2017-12-23</a:t>
             </a:fld>
             <a:endParaRPr lang="ko-KR" altLang="en-US"/>
           </a:p>
@@ -1831,7 +1838,7 @@
           <a:p>
             <a:fld id="{667511D5-E30B-4E6C-8572-0CA724416369}" type="datetimeFigureOut">
               <a:rPr lang="ko-KR" altLang="en-US" smtClean="0"/>
-              <a:t>2017-12-22</a:t>
+              <a:t>2017-12-23</a:t>
             </a:fld>
             <a:endParaRPr lang="ko-KR" altLang="en-US"/>
           </a:p>
@@ -1972,7 +1979,7 @@
           <a:p>
             <a:fld id="{667511D5-E30B-4E6C-8572-0CA724416369}" type="datetimeFigureOut">
               <a:rPr lang="ko-KR" altLang="en-US" smtClean="0"/>
-              <a:t>2017-12-22</a:t>
+              <a:t>2017-12-23</a:t>
             </a:fld>
             <a:endParaRPr lang="ko-KR" altLang="en-US"/>
           </a:p>
@@ -2085,7 +2092,7 @@
           <a:p>
             <a:fld id="{667511D5-E30B-4E6C-8572-0CA724416369}" type="datetimeFigureOut">
               <a:rPr lang="ko-KR" altLang="en-US" smtClean="0"/>
-              <a:t>2017-12-22</a:t>
+              <a:t>2017-12-23</a:t>
             </a:fld>
             <a:endParaRPr lang="ko-KR" altLang="en-US"/>
           </a:p>
@@ -2396,7 +2403,7 @@
           <a:p>
             <a:fld id="{667511D5-E30B-4E6C-8572-0CA724416369}" type="datetimeFigureOut">
               <a:rPr lang="ko-KR" altLang="en-US" smtClean="0"/>
-              <a:t>2017-12-22</a:t>
+              <a:t>2017-12-23</a:t>
             </a:fld>
             <a:endParaRPr lang="ko-KR" altLang="en-US"/>
           </a:p>
@@ -2684,7 +2691,7 @@
           <a:p>
             <a:fld id="{667511D5-E30B-4E6C-8572-0CA724416369}" type="datetimeFigureOut">
               <a:rPr lang="ko-KR" altLang="en-US" smtClean="0"/>
-              <a:t>2017-12-22</a:t>
+              <a:t>2017-12-23</a:t>
             </a:fld>
             <a:endParaRPr lang="ko-KR" altLang="en-US"/>
           </a:p>
@@ -2925,7 +2932,7 @@
           <a:p>
             <a:fld id="{667511D5-E30B-4E6C-8572-0CA724416369}" type="datetimeFigureOut">
               <a:rPr lang="ko-KR" altLang="en-US" smtClean="0"/>
-              <a:t>2017-12-22</a:t>
+              <a:t>2017-12-23</a:t>
             </a:fld>
             <a:endParaRPr lang="ko-KR" altLang="en-US"/>
           </a:p>
@@ -5505,6 +5512,3170 @@
 </p:sld>
 </file>
 
+<file path=ppt/slides/slide14.xml><?xml version="1.0" encoding="utf-8"?>
+<p:sld xmlns:a="http://schemas.openxmlformats.org/drawingml/2006/main" xmlns:r="http://schemas.openxmlformats.org/officeDocument/2006/relationships" xmlns:p="http://schemas.openxmlformats.org/presentationml/2006/main">
+  <p:cSld>
+    <p:spTree>
+      <p:nvGrpSpPr>
+        <p:cNvPr id="1" name=""/>
+        <p:cNvGrpSpPr/>
+        <p:nvPr/>
+      </p:nvGrpSpPr>
+      <p:grpSpPr>
+        <a:xfrm>
+          <a:off x="0" y="0"/>
+          <a:ext cx="0" cy="0"/>
+          <a:chOff x="0" y="0"/>
+          <a:chExt cx="0" cy="0"/>
+        </a:xfrm>
+      </p:grpSpPr>
+      <p:grpSp>
+        <p:nvGrpSpPr>
+          <p:cNvPr id="17" name="그룹 16">
+            <a:extLst>
+              <a:ext uri="{FF2B5EF4-FFF2-40B4-BE49-F238E27FC236}">
+                <a16:creationId xmlns:a16="http://schemas.microsoft.com/office/drawing/2014/main" id="{BC0ED8F3-F2BC-4004-8985-3A81DC8E6284}"/>
+              </a:ext>
+            </a:extLst>
+          </p:cNvPr>
+          <p:cNvGrpSpPr/>
+          <p:nvPr/>
+        </p:nvGrpSpPr>
+        <p:grpSpPr>
+          <a:xfrm>
+            <a:off x="7156096" y="1489683"/>
+            <a:ext cx="2565647" cy="3878633"/>
+            <a:chOff x="6391922" y="861134"/>
+            <a:chExt cx="3875798" cy="5859262"/>
+          </a:xfrm>
+        </p:grpSpPr>
+        <p:sp>
+          <p:nvSpPr>
+            <p:cNvPr id="16" name="자유형: 도형 15">
+              <a:extLst>
+                <a:ext uri="{FF2B5EF4-FFF2-40B4-BE49-F238E27FC236}">
+                  <a16:creationId xmlns:a16="http://schemas.microsoft.com/office/drawing/2014/main" id="{420CAA82-ED2E-4C67-B0CE-404F4F2B482F}"/>
+                </a:ext>
+              </a:extLst>
+            </p:cNvPr>
+            <p:cNvSpPr/>
+            <p:nvPr/>
+          </p:nvSpPr>
+          <p:spPr>
+            <a:xfrm>
+              <a:off x="6391922" y="2334827"/>
+              <a:ext cx="3639845" cy="4385569"/>
+            </a:xfrm>
+            <a:custGeom>
+              <a:avLst/>
+              <a:gdLst>
+                <a:gd name="connsiteX0" fmla="*/ 0 w 3639845"/>
+                <a:gd name="connsiteY0" fmla="*/ 1003177 h 4385569"/>
+                <a:gd name="connsiteX1" fmla="*/ 168676 w 3639845"/>
+                <a:gd name="connsiteY1" fmla="*/ 435006 h 4385569"/>
+                <a:gd name="connsiteX2" fmla="*/ 133165 w 3639845"/>
+                <a:gd name="connsiteY2" fmla="*/ 0 h 4385569"/>
+                <a:gd name="connsiteX3" fmla="*/ 363985 w 3639845"/>
+                <a:gd name="connsiteY3" fmla="*/ 44389 h 4385569"/>
+                <a:gd name="connsiteX4" fmla="*/ 559294 w 3639845"/>
+                <a:gd name="connsiteY4" fmla="*/ 301841 h 4385569"/>
+                <a:gd name="connsiteX5" fmla="*/ 594804 w 3639845"/>
+                <a:gd name="connsiteY5" fmla="*/ 932156 h 4385569"/>
+                <a:gd name="connsiteX6" fmla="*/ 417251 w 3639845"/>
+                <a:gd name="connsiteY6" fmla="*/ 1429305 h 4385569"/>
+                <a:gd name="connsiteX7" fmla="*/ 1074198 w 3639845"/>
+                <a:gd name="connsiteY7" fmla="*/ 1367161 h 4385569"/>
+                <a:gd name="connsiteX8" fmla="*/ 2991775 w 3639845"/>
+                <a:gd name="connsiteY8" fmla="*/ 1127464 h 4385569"/>
+                <a:gd name="connsiteX9" fmla="*/ 3266983 w 3639845"/>
+                <a:gd name="connsiteY9" fmla="*/ 1198486 h 4385569"/>
+                <a:gd name="connsiteX10" fmla="*/ 3231472 w 3639845"/>
+                <a:gd name="connsiteY10" fmla="*/ 1376039 h 4385569"/>
+                <a:gd name="connsiteX11" fmla="*/ 2858610 w 3639845"/>
+                <a:gd name="connsiteY11" fmla="*/ 1518082 h 4385569"/>
+                <a:gd name="connsiteX12" fmla="*/ 1775534 w 3639845"/>
+                <a:gd name="connsiteY12" fmla="*/ 1793290 h 4385569"/>
+                <a:gd name="connsiteX13" fmla="*/ 3222594 w 3639845"/>
+                <a:gd name="connsiteY13" fmla="*/ 1553592 h 4385569"/>
+                <a:gd name="connsiteX14" fmla="*/ 3355760 w 3639845"/>
+                <a:gd name="connsiteY14" fmla="*/ 1580225 h 4385569"/>
+                <a:gd name="connsiteX15" fmla="*/ 3639845 w 3639845"/>
+                <a:gd name="connsiteY15" fmla="*/ 1802167 h 4385569"/>
+                <a:gd name="connsiteX16" fmla="*/ 3409026 w 3639845"/>
+                <a:gd name="connsiteY16" fmla="*/ 1926455 h 4385569"/>
+                <a:gd name="connsiteX17" fmla="*/ 3222594 w 3639845"/>
+                <a:gd name="connsiteY17" fmla="*/ 1953088 h 4385569"/>
+                <a:gd name="connsiteX18" fmla="*/ 3000653 w 3639845"/>
+                <a:gd name="connsiteY18" fmla="*/ 1979721 h 4385569"/>
+                <a:gd name="connsiteX19" fmla="*/ 2796466 w 3639845"/>
+                <a:gd name="connsiteY19" fmla="*/ 2015231 h 4385569"/>
+                <a:gd name="connsiteX20" fmla="*/ 2672179 w 3639845"/>
+                <a:gd name="connsiteY20" fmla="*/ 2041864 h 4385569"/>
+                <a:gd name="connsiteX21" fmla="*/ 2592280 w 3639845"/>
+                <a:gd name="connsiteY21" fmla="*/ 2059620 h 4385569"/>
+                <a:gd name="connsiteX22" fmla="*/ 1828800 w 3639845"/>
+                <a:gd name="connsiteY22" fmla="*/ 2166152 h 4385569"/>
+                <a:gd name="connsiteX23" fmla="*/ 2104008 w 3639845"/>
+                <a:gd name="connsiteY23" fmla="*/ 2459115 h 4385569"/>
+                <a:gd name="connsiteX24" fmla="*/ 2512381 w 3639845"/>
+                <a:gd name="connsiteY24" fmla="*/ 2574524 h 4385569"/>
+                <a:gd name="connsiteX25" fmla="*/ 2707690 w 3639845"/>
+                <a:gd name="connsiteY25" fmla="*/ 2689934 h 4385569"/>
+                <a:gd name="connsiteX26" fmla="*/ 2752078 w 3639845"/>
+                <a:gd name="connsiteY26" fmla="*/ 2894121 h 4385569"/>
+                <a:gd name="connsiteX27" fmla="*/ 2467993 w 3639845"/>
+                <a:gd name="connsiteY27" fmla="*/ 2991775 h 4385569"/>
+                <a:gd name="connsiteX28" fmla="*/ 1793290 w 3639845"/>
+                <a:gd name="connsiteY28" fmla="*/ 2867488 h 4385569"/>
+                <a:gd name="connsiteX29" fmla="*/ 1899822 w 3639845"/>
+                <a:gd name="connsiteY29" fmla="*/ 3009530 h 4385569"/>
+                <a:gd name="connsiteX30" fmla="*/ 1793290 w 3639845"/>
+                <a:gd name="connsiteY30" fmla="*/ 3231472 h 4385569"/>
+                <a:gd name="connsiteX31" fmla="*/ 1731146 w 3639845"/>
+                <a:gd name="connsiteY31" fmla="*/ 3870664 h 4385569"/>
+                <a:gd name="connsiteX32" fmla="*/ 1562470 w 3639845"/>
+                <a:gd name="connsiteY32" fmla="*/ 3950563 h 4385569"/>
+                <a:gd name="connsiteX33" fmla="*/ 1420428 w 3639845"/>
+                <a:gd name="connsiteY33" fmla="*/ 3808521 h 4385569"/>
+                <a:gd name="connsiteX34" fmla="*/ 1402672 w 3639845"/>
+                <a:gd name="connsiteY34" fmla="*/ 3559946 h 4385569"/>
+                <a:gd name="connsiteX35" fmla="*/ 1207363 w 3639845"/>
+                <a:gd name="connsiteY35" fmla="*/ 3586579 h 4385569"/>
+                <a:gd name="connsiteX36" fmla="*/ 470517 w 3639845"/>
+                <a:gd name="connsiteY36" fmla="*/ 3728622 h 4385569"/>
+                <a:gd name="connsiteX37" fmla="*/ 17756 w 3639845"/>
+                <a:gd name="connsiteY37" fmla="*/ 4385569 h 4385569"/>
+                <a:gd name="connsiteX38" fmla="*/ 17756 w 3639845"/>
+                <a:gd name="connsiteY38" fmla="*/ 1500326 h 4385569"/>
+                <a:gd name="connsiteX39" fmla="*/ 0 w 3639845"/>
+                <a:gd name="connsiteY39" fmla="*/ 1003177 h 4385569"/>
+              </a:gdLst>
+              <a:ahLst/>
+              <a:cxnLst>
+                <a:cxn ang="0">
+                  <a:pos x="connsiteX0" y="connsiteY0"/>
+                </a:cxn>
+                <a:cxn ang="0">
+                  <a:pos x="connsiteX1" y="connsiteY1"/>
+                </a:cxn>
+                <a:cxn ang="0">
+                  <a:pos x="connsiteX2" y="connsiteY2"/>
+                </a:cxn>
+                <a:cxn ang="0">
+                  <a:pos x="connsiteX3" y="connsiteY3"/>
+                </a:cxn>
+                <a:cxn ang="0">
+                  <a:pos x="connsiteX4" y="connsiteY4"/>
+                </a:cxn>
+                <a:cxn ang="0">
+                  <a:pos x="connsiteX5" y="connsiteY5"/>
+                </a:cxn>
+                <a:cxn ang="0">
+                  <a:pos x="connsiteX6" y="connsiteY6"/>
+                </a:cxn>
+                <a:cxn ang="0">
+                  <a:pos x="connsiteX7" y="connsiteY7"/>
+                </a:cxn>
+                <a:cxn ang="0">
+                  <a:pos x="connsiteX8" y="connsiteY8"/>
+                </a:cxn>
+                <a:cxn ang="0">
+                  <a:pos x="connsiteX9" y="connsiteY9"/>
+                </a:cxn>
+                <a:cxn ang="0">
+                  <a:pos x="connsiteX10" y="connsiteY10"/>
+                </a:cxn>
+                <a:cxn ang="0">
+                  <a:pos x="connsiteX11" y="connsiteY11"/>
+                </a:cxn>
+                <a:cxn ang="0">
+                  <a:pos x="connsiteX12" y="connsiteY12"/>
+                </a:cxn>
+                <a:cxn ang="0">
+                  <a:pos x="connsiteX13" y="connsiteY13"/>
+                </a:cxn>
+                <a:cxn ang="0">
+                  <a:pos x="connsiteX14" y="connsiteY14"/>
+                </a:cxn>
+                <a:cxn ang="0">
+                  <a:pos x="connsiteX15" y="connsiteY15"/>
+                </a:cxn>
+                <a:cxn ang="0">
+                  <a:pos x="connsiteX16" y="connsiteY16"/>
+                </a:cxn>
+                <a:cxn ang="0">
+                  <a:pos x="connsiteX17" y="connsiteY17"/>
+                </a:cxn>
+                <a:cxn ang="0">
+                  <a:pos x="connsiteX18" y="connsiteY18"/>
+                </a:cxn>
+                <a:cxn ang="0">
+                  <a:pos x="connsiteX19" y="connsiteY19"/>
+                </a:cxn>
+                <a:cxn ang="0">
+                  <a:pos x="connsiteX20" y="connsiteY20"/>
+                </a:cxn>
+                <a:cxn ang="0">
+                  <a:pos x="connsiteX21" y="connsiteY21"/>
+                </a:cxn>
+                <a:cxn ang="0">
+                  <a:pos x="connsiteX22" y="connsiteY22"/>
+                </a:cxn>
+                <a:cxn ang="0">
+                  <a:pos x="connsiteX23" y="connsiteY23"/>
+                </a:cxn>
+                <a:cxn ang="0">
+                  <a:pos x="connsiteX24" y="connsiteY24"/>
+                </a:cxn>
+                <a:cxn ang="0">
+                  <a:pos x="connsiteX25" y="connsiteY25"/>
+                </a:cxn>
+                <a:cxn ang="0">
+                  <a:pos x="connsiteX26" y="connsiteY26"/>
+                </a:cxn>
+                <a:cxn ang="0">
+                  <a:pos x="connsiteX27" y="connsiteY27"/>
+                </a:cxn>
+                <a:cxn ang="0">
+                  <a:pos x="connsiteX28" y="connsiteY28"/>
+                </a:cxn>
+                <a:cxn ang="0">
+                  <a:pos x="connsiteX29" y="connsiteY29"/>
+                </a:cxn>
+                <a:cxn ang="0">
+                  <a:pos x="connsiteX30" y="connsiteY30"/>
+                </a:cxn>
+                <a:cxn ang="0">
+                  <a:pos x="connsiteX31" y="connsiteY31"/>
+                </a:cxn>
+                <a:cxn ang="0">
+                  <a:pos x="connsiteX32" y="connsiteY32"/>
+                </a:cxn>
+                <a:cxn ang="0">
+                  <a:pos x="connsiteX33" y="connsiteY33"/>
+                </a:cxn>
+                <a:cxn ang="0">
+                  <a:pos x="connsiteX34" y="connsiteY34"/>
+                </a:cxn>
+                <a:cxn ang="0">
+                  <a:pos x="connsiteX35" y="connsiteY35"/>
+                </a:cxn>
+                <a:cxn ang="0">
+                  <a:pos x="connsiteX36" y="connsiteY36"/>
+                </a:cxn>
+                <a:cxn ang="0">
+                  <a:pos x="connsiteX37" y="connsiteY37"/>
+                </a:cxn>
+                <a:cxn ang="0">
+                  <a:pos x="connsiteX38" y="connsiteY38"/>
+                </a:cxn>
+                <a:cxn ang="0">
+                  <a:pos x="connsiteX39" y="connsiteY39"/>
+                </a:cxn>
+              </a:cxnLst>
+              <a:rect l="l" t="t" r="r" b="b"/>
+              <a:pathLst>
+                <a:path w="3639845" h="4385569">
+                  <a:moveTo>
+                    <a:pt x="0" y="1003177"/>
+                  </a:moveTo>
+                  <a:lnTo>
+                    <a:pt x="168676" y="435006"/>
+                  </a:lnTo>
+                  <a:lnTo>
+                    <a:pt x="133165" y="0"/>
+                  </a:lnTo>
+                  <a:lnTo>
+                    <a:pt x="363985" y="44389"/>
+                  </a:lnTo>
+                  <a:lnTo>
+                    <a:pt x="559294" y="301841"/>
+                  </a:lnTo>
+                  <a:lnTo>
+                    <a:pt x="594804" y="932156"/>
+                  </a:lnTo>
+                  <a:lnTo>
+                    <a:pt x="417251" y="1429305"/>
+                  </a:lnTo>
+                  <a:lnTo>
+                    <a:pt x="1074198" y="1367161"/>
+                  </a:lnTo>
+                  <a:lnTo>
+                    <a:pt x="2991775" y="1127464"/>
+                  </a:lnTo>
+                  <a:lnTo>
+                    <a:pt x="3266983" y="1198486"/>
+                  </a:lnTo>
+                  <a:lnTo>
+                    <a:pt x="3231472" y="1376039"/>
+                  </a:lnTo>
+                  <a:lnTo>
+                    <a:pt x="2858610" y="1518082"/>
+                  </a:lnTo>
+                  <a:lnTo>
+                    <a:pt x="1775534" y="1793290"/>
+                  </a:lnTo>
+                  <a:lnTo>
+                    <a:pt x="3222594" y="1553592"/>
+                  </a:lnTo>
+                  <a:lnTo>
+                    <a:pt x="3355760" y="1580225"/>
+                  </a:lnTo>
+                  <a:lnTo>
+                    <a:pt x="3639845" y="1802167"/>
+                  </a:lnTo>
+                  <a:lnTo>
+                    <a:pt x="3409026" y="1926455"/>
+                  </a:lnTo>
+                  <a:lnTo>
+                    <a:pt x="3222594" y="1953088"/>
+                  </a:lnTo>
+                  <a:cubicBezTo>
+                    <a:pt x="3018970" y="1978540"/>
+                    <a:pt x="3239615" y="1940971"/>
+                    <a:pt x="3000653" y="1979721"/>
+                  </a:cubicBezTo>
+                  <a:cubicBezTo>
+                    <a:pt x="2932460" y="1990779"/>
+                    <a:pt x="2863487" y="1998475"/>
+                    <a:pt x="2796466" y="2015231"/>
+                  </a:cubicBezTo>
+                  <a:cubicBezTo>
+                    <a:pt x="2707982" y="2037353"/>
+                    <a:pt x="2749515" y="2028976"/>
+                    <a:pt x="2672179" y="2041864"/>
+                  </a:cubicBezTo>
+                  <a:cubicBezTo>
+                    <a:pt x="2616801" y="2064016"/>
+                    <a:pt x="2643727" y="2059620"/>
+                    <a:pt x="2592280" y="2059620"/>
+                  </a:cubicBezTo>
+                  <a:lnTo>
+                    <a:pt x="1828800" y="2166152"/>
+                  </a:lnTo>
+                  <a:lnTo>
+                    <a:pt x="2104008" y="2459115"/>
+                  </a:lnTo>
+                  <a:lnTo>
+                    <a:pt x="2512381" y="2574524"/>
+                  </a:lnTo>
+                  <a:lnTo>
+                    <a:pt x="2707690" y="2689934"/>
+                  </a:lnTo>
+                  <a:lnTo>
+                    <a:pt x="2752078" y="2894121"/>
+                  </a:lnTo>
+                  <a:lnTo>
+                    <a:pt x="2467993" y="2991775"/>
+                  </a:lnTo>
+                  <a:lnTo>
+                    <a:pt x="1793290" y="2867488"/>
+                  </a:lnTo>
+                  <a:lnTo>
+                    <a:pt x="1899822" y="3009530"/>
+                  </a:lnTo>
+                  <a:lnTo>
+                    <a:pt x="1793290" y="3231472"/>
+                  </a:lnTo>
+                  <a:lnTo>
+                    <a:pt x="1731146" y="3870664"/>
+                  </a:lnTo>
+                  <a:lnTo>
+                    <a:pt x="1562470" y="3950563"/>
+                  </a:lnTo>
+                  <a:lnTo>
+                    <a:pt x="1420428" y="3808521"/>
+                  </a:lnTo>
+                  <a:lnTo>
+                    <a:pt x="1402672" y="3559946"/>
+                  </a:lnTo>
+                  <a:lnTo>
+                    <a:pt x="1207363" y="3586579"/>
+                  </a:lnTo>
+                  <a:lnTo>
+                    <a:pt x="470517" y="3728622"/>
+                  </a:lnTo>
+                  <a:lnTo>
+                    <a:pt x="17756" y="4385569"/>
+                  </a:lnTo>
+                  <a:lnTo>
+                    <a:pt x="17756" y="1500326"/>
+                  </a:lnTo>
+                  <a:lnTo>
+                    <a:pt x="0" y="1003177"/>
+                  </a:lnTo>
+                  <a:close/>
+                </a:path>
+              </a:pathLst>
+            </a:custGeom>
+            <a:solidFill>
+              <a:schemeClr val="tx1"/>
+            </a:solidFill>
+            <a:ln>
+              <a:noFill/>
+            </a:ln>
+          </p:spPr>
+          <p:style>
+            <a:lnRef idx="2">
+              <a:schemeClr val="accent1">
+                <a:shade val="50000"/>
+              </a:schemeClr>
+            </a:lnRef>
+            <a:fillRef idx="1">
+              <a:schemeClr val="accent1"/>
+            </a:fillRef>
+            <a:effectRef idx="0">
+              <a:schemeClr val="accent1"/>
+            </a:effectRef>
+            <a:fontRef idx="minor">
+              <a:schemeClr val="lt1"/>
+            </a:fontRef>
+          </p:style>
+          <p:txBody>
+            <a:bodyPr rtlCol="0" anchor="ctr"/>
+            <a:lstStyle/>
+            <a:p>
+              <a:pPr algn="ctr"/>
+              <a:endParaRPr lang="ko-KR" altLang="en-US"/>
+            </a:p>
+          </p:txBody>
+        </p:sp>
+        <p:sp>
+          <p:nvSpPr>
+            <p:cNvPr id="15" name="자유형: 도형 14">
+              <a:extLst>
+                <a:ext uri="{FF2B5EF4-FFF2-40B4-BE49-F238E27FC236}">
+                  <a16:creationId xmlns:a16="http://schemas.microsoft.com/office/drawing/2014/main" id="{F815BD21-220C-4DD7-92F6-E7732445F237}"/>
+                </a:ext>
+              </a:extLst>
+            </p:cNvPr>
+            <p:cNvSpPr/>
+            <p:nvPr/>
+          </p:nvSpPr>
+          <p:spPr>
+            <a:xfrm>
+              <a:off x="6610120" y="861134"/>
+              <a:ext cx="3657600" cy="3302493"/>
+            </a:xfrm>
+            <a:custGeom>
+              <a:avLst/>
+              <a:gdLst>
+                <a:gd name="connsiteX0" fmla="*/ 2858610 w 3657600"/>
+                <a:gd name="connsiteY0" fmla="*/ 79899 h 3302493"/>
+                <a:gd name="connsiteX1" fmla="*/ 976544 w 3657600"/>
+                <a:gd name="connsiteY1" fmla="*/ 727969 h 3302493"/>
+                <a:gd name="connsiteX2" fmla="*/ 923278 w 3657600"/>
+                <a:gd name="connsiteY2" fmla="*/ 852256 h 3302493"/>
+                <a:gd name="connsiteX3" fmla="*/ 976544 w 3657600"/>
+                <a:gd name="connsiteY3" fmla="*/ 949911 h 3302493"/>
+                <a:gd name="connsiteX4" fmla="*/ 266330 w 3657600"/>
+                <a:gd name="connsiteY4" fmla="*/ 1091953 h 3302493"/>
+                <a:gd name="connsiteX5" fmla="*/ 230819 w 3657600"/>
+                <a:gd name="connsiteY5" fmla="*/ 1198485 h 3302493"/>
+                <a:gd name="connsiteX6" fmla="*/ 337352 w 3657600"/>
+                <a:gd name="connsiteY6" fmla="*/ 1331650 h 3302493"/>
+                <a:gd name="connsiteX7" fmla="*/ 35511 w 3657600"/>
+                <a:gd name="connsiteY7" fmla="*/ 1384916 h 3302493"/>
+                <a:gd name="connsiteX8" fmla="*/ 0 w 3657600"/>
+                <a:gd name="connsiteY8" fmla="*/ 1500326 h 3302493"/>
+                <a:gd name="connsiteX9" fmla="*/ 221942 w 3657600"/>
+                <a:gd name="connsiteY9" fmla="*/ 1651247 h 3302493"/>
+                <a:gd name="connsiteX10" fmla="*/ 372862 w 3657600"/>
+                <a:gd name="connsiteY10" fmla="*/ 1651247 h 3302493"/>
+                <a:gd name="connsiteX11" fmla="*/ 355107 w 3657600"/>
+                <a:gd name="connsiteY11" fmla="*/ 1748901 h 3302493"/>
+                <a:gd name="connsiteX12" fmla="*/ 417251 w 3657600"/>
+                <a:gd name="connsiteY12" fmla="*/ 1890944 h 3302493"/>
+                <a:gd name="connsiteX13" fmla="*/ 985421 w 3657600"/>
+                <a:gd name="connsiteY13" fmla="*/ 1890944 h 3302493"/>
+                <a:gd name="connsiteX14" fmla="*/ 2210540 w 3657600"/>
+                <a:gd name="connsiteY14" fmla="*/ 1553592 h 3302493"/>
+                <a:gd name="connsiteX15" fmla="*/ 2725445 w 3657600"/>
+                <a:gd name="connsiteY15" fmla="*/ 1846555 h 3302493"/>
+                <a:gd name="connsiteX16" fmla="*/ 2991775 w 3657600"/>
+                <a:gd name="connsiteY16" fmla="*/ 2237173 h 3302493"/>
+                <a:gd name="connsiteX17" fmla="*/ 2938509 w 3657600"/>
+                <a:gd name="connsiteY17" fmla="*/ 2663301 h 3302493"/>
+                <a:gd name="connsiteX18" fmla="*/ 3187084 w 3657600"/>
+                <a:gd name="connsiteY18" fmla="*/ 3116062 h 3302493"/>
+                <a:gd name="connsiteX19" fmla="*/ 3480047 w 3657600"/>
+                <a:gd name="connsiteY19" fmla="*/ 3302493 h 3302493"/>
+                <a:gd name="connsiteX20" fmla="*/ 3613212 w 3657600"/>
+                <a:gd name="connsiteY20" fmla="*/ 3222594 h 3302493"/>
+                <a:gd name="connsiteX21" fmla="*/ 3453414 w 3657600"/>
+                <a:gd name="connsiteY21" fmla="*/ 2831977 h 3302493"/>
+                <a:gd name="connsiteX22" fmla="*/ 3497802 w 3657600"/>
+                <a:gd name="connsiteY22" fmla="*/ 2325949 h 3302493"/>
+                <a:gd name="connsiteX23" fmla="*/ 3657600 w 3657600"/>
+                <a:gd name="connsiteY23" fmla="*/ 2041864 h 3302493"/>
+                <a:gd name="connsiteX24" fmla="*/ 3639845 w 3657600"/>
+                <a:gd name="connsiteY24" fmla="*/ 0 h 3302493"/>
+                <a:gd name="connsiteX25" fmla="*/ 2858610 w 3657600"/>
+                <a:gd name="connsiteY25" fmla="*/ 79899 h 3302493"/>
+              </a:gdLst>
+              <a:ahLst/>
+              <a:cxnLst>
+                <a:cxn ang="0">
+                  <a:pos x="connsiteX0" y="connsiteY0"/>
+                </a:cxn>
+                <a:cxn ang="0">
+                  <a:pos x="connsiteX1" y="connsiteY1"/>
+                </a:cxn>
+                <a:cxn ang="0">
+                  <a:pos x="connsiteX2" y="connsiteY2"/>
+                </a:cxn>
+                <a:cxn ang="0">
+                  <a:pos x="connsiteX3" y="connsiteY3"/>
+                </a:cxn>
+                <a:cxn ang="0">
+                  <a:pos x="connsiteX4" y="connsiteY4"/>
+                </a:cxn>
+                <a:cxn ang="0">
+                  <a:pos x="connsiteX5" y="connsiteY5"/>
+                </a:cxn>
+                <a:cxn ang="0">
+                  <a:pos x="connsiteX6" y="connsiteY6"/>
+                </a:cxn>
+                <a:cxn ang="0">
+                  <a:pos x="connsiteX7" y="connsiteY7"/>
+                </a:cxn>
+                <a:cxn ang="0">
+                  <a:pos x="connsiteX8" y="connsiteY8"/>
+                </a:cxn>
+                <a:cxn ang="0">
+                  <a:pos x="connsiteX9" y="connsiteY9"/>
+                </a:cxn>
+                <a:cxn ang="0">
+                  <a:pos x="connsiteX10" y="connsiteY10"/>
+                </a:cxn>
+                <a:cxn ang="0">
+                  <a:pos x="connsiteX11" y="connsiteY11"/>
+                </a:cxn>
+                <a:cxn ang="0">
+                  <a:pos x="connsiteX12" y="connsiteY12"/>
+                </a:cxn>
+                <a:cxn ang="0">
+                  <a:pos x="connsiteX13" y="connsiteY13"/>
+                </a:cxn>
+                <a:cxn ang="0">
+                  <a:pos x="connsiteX14" y="connsiteY14"/>
+                </a:cxn>
+                <a:cxn ang="0">
+                  <a:pos x="connsiteX15" y="connsiteY15"/>
+                </a:cxn>
+                <a:cxn ang="0">
+                  <a:pos x="connsiteX16" y="connsiteY16"/>
+                </a:cxn>
+                <a:cxn ang="0">
+                  <a:pos x="connsiteX17" y="connsiteY17"/>
+                </a:cxn>
+                <a:cxn ang="0">
+                  <a:pos x="connsiteX18" y="connsiteY18"/>
+                </a:cxn>
+                <a:cxn ang="0">
+                  <a:pos x="connsiteX19" y="connsiteY19"/>
+                </a:cxn>
+                <a:cxn ang="0">
+                  <a:pos x="connsiteX20" y="connsiteY20"/>
+                </a:cxn>
+                <a:cxn ang="0">
+                  <a:pos x="connsiteX21" y="connsiteY21"/>
+                </a:cxn>
+                <a:cxn ang="0">
+                  <a:pos x="connsiteX22" y="connsiteY22"/>
+                </a:cxn>
+                <a:cxn ang="0">
+                  <a:pos x="connsiteX23" y="connsiteY23"/>
+                </a:cxn>
+                <a:cxn ang="0">
+                  <a:pos x="connsiteX24" y="connsiteY24"/>
+                </a:cxn>
+                <a:cxn ang="0">
+                  <a:pos x="connsiteX25" y="connsiteY25"/>
+                </a:cxn>
+              </a:cxnLst>
+              <a:rect l="l" t="t" r="r" b="b"/>
+              <a:pathLst>
+                <a:path w="3657600" h="3302493">
+                  <a:moveTo>
+                    <a:pt x="2858610" y="79899"/>
+                  </a:moveTo>
+                  <a:lnTo>
+                    <a:pt x="976544" y="727969"/>
+                  </a:lnTo>
+                  <a:lnTo>
+                    <a:pt x="923278" y="852256"/>
+                  </a:lnTo>
+                  <a:lnTo>
+                    <a:pt x="976544" y="949911"/>
+                  </a:lnTo>
+                  <a:lnTo>
+                    <a:pt x="266330" y="1091953"/>
+                  </a:lnTo>
+                  <a:lnTo>
+                    <a:pt x="230819" y="1198485"/>
+                  </a:lnTo>
+                  <a:lnTo>
+                    <a:pt x="337352" y="1331650"/>
+                  </a:lnTo>
+                  <a:lnTo>
+                    <a:pt x="35511" y="1384916"/>
+                  </a:lnTo>
+                  <a:lnTo>
+                    <a:pt x="0" y="1500326"/>
+                  </a:lnTo>
+                  <a:lnTo>
+                    <a:pt x="221942" y="1651247"/>
+                  </a:lnTo>
+                  <a:lnTo>
+                    <a:pt x="372862" y="1651247"/>
+                  </a:lnTo>
+                  <a:lnTo>
+                    <a:pt x="355107" y="1748901"/>
+                  </a:lnTo>
+                  <a:lnTo>
+                    <a:pt x="417251" y="1890944"/>
+                  </a:lnTo>
+                  <a:lnTo>
+                    <a:pt x="985421" y="1890944"/>
+                  </a:lnTo>
+                  <a:lnTo>
+                    <a:pt x="2210540" y="1553592"/>
+                  </a:lnTo>
+                  <a:lnTo>
+                    <a:pt x="2725445" y="1846555"/>
+                  </a:lnTo>
+                  <a:lnTo>
+                    <a:pt x="2991775" y="2237173"/>
+                  </a:lnTo>
+                  <a:lnTo>
+                    <a:pt x="2938509" y="2663301"/>
+                  </a:lnTo>
+                  <a:lnTo>
+                    <a:pt x="3187084" y="3116062"/>
+                  </a:lnTo>
+                  <a:lnTo>
+                    <a:pt x="3480047" y="3302493"/>
+                  </a:lnTo>
+                  <a:lnTo>
+                    <a:pt x="3613212" y="3222594"/>
+                  </a:lnTo>
+                  <a:lnTo>
+                    <a:pt x="3453414" y="2831977"/>
+                  </a:lnTo>
+                  <a:lnTo>
+                    <a:pt x="3497802" y="2325949"/>
+                  </a:lnTo>
+                  <a:lnTo>
+                    <a:pt x="3657600" y="2041864"/>
+                  </a:lnTo>
+                  <a:lnTo>
+                    <a:pt x="3639845" y="0"/>
+                  </a:lnTo>
+                  <a:lnTo>
+                    <a:pt x="2858610" y="79899"/>
+                  </a:lnTo>
+                  <a:close/>
+                </a:path>
+              </a:pathLst>
+            </a:custGeom>
+            <a:solidFill>
+              <a:schemeClr val="tx1"/>
+            </a:solidFill>
+            <a:ln>
+              <a:noFill/>
+            </a:ln>
+          </p:spPr>
+          <p:style>
+            <a:lnRef idx="2">
+              <a:schemeClr val="accent1">
+                <a:shade val="50000"/>
+              </a:schemeClr>
+            </a:lnRef>
+            <a:fillRef idx="1">
+              <a:schemeClr val="accent1"/>
+            </a:fillRef>
+            <a:effectRef idx="0">
+              <a:schemeClr val="accent1"/>
+            </a:effectRef>
+            <a:fontRef idx="minor">
+              <a:schemeClr val="lt1"/>
+            </a:fontRef>
+          </p:style>
+          <p:txBody>
+            <a:bodyPr rtlCol="0" anchor="ctr"/>
+            <a:lstStyle/>
+            <a:p>
+              <a:pPr algn="ctr"/>
+              <a:endParaRPr lang="ko-KR" altLang="en-US"/>
+            </a:p>
+          </p:txBody>
+        </p:sp>
+      </p:grpSp>
+      <p:sp>
+        <p:nvSpPr>
+          <p:cNvPr id="12" name="직사각형 11">
+            <a:extLst>
+              <a:ext uri="{FF2B5EF4-FFF2-40B4-BE49-F238E27FC236}">
+                <a16:creationId xmlns:a16="http://schemas.microsoft.com/office/drawing/2014/main" id="{9B05C2CB-AAAF-4DC4-BE10-C73D2F81BD93}"/>
+              </a:ext>
+            </a:extLst>
+          </p:cNvPr>
+          <p:cNvSpPr/>
+          <p:nvPr/>
+        </p:nvSpPr>
+        <p:spPr>
+          <a:xfrm>
+            <a:off x="7524870" y="2547891"/>
+            <a:ext cx="1612663" cy="1145220"/>
+          </a:xfrm>
+          <a:prstGeom prst="rect">
+            <a:avLst/>
+          </a:prstGeom>
+          <a:solidFill>
+            <a:srgbClr val="FFC000"/>
+          </a:solidFill>
+          <a:ln>
+            <a:noFill/>
+          </a:ln>
+        </p:spPr>
+        <p:style>
+          <a:lnRef idx="2">
+            <a:schemeClr val="accent1">
+              <a:shade val="50000"/>
+            </a:schemeClr>
+          </a:lnRef>
+          <a:fillRef idx="1">
+            <a:schemeClr val="accent1"/>
+          </a:fillRef>
+          <a:effectRef idx="0">
+            <a:schemeClr val="accent1"/>
+          </a:effectRef>
+          <a:fontRef idx="minor">
+            <a:schemeClr val="lt1"/>
+          </a:fontRef>
+        </p:style>
+        <p:txBody>
+          <a:bodyPr rtlCol="0" anchor="ctr"/>
+          <a:lstStyle/>
+          <a:p>
+            <a:pPr algn="ctr"/>
+            <a:endParaRPr lang="ko-KR" altLang="en-US"/>
+          </a:p>
+        </p:txBody>
+      </p:sp>
+      <p:pic>
+        <p:nvPicPr>
+          <p:cNvPr id="4" name="그림 3">
+            <a:extLst>
+              <a:ext uri="{FF2B5EF4-FFF2-40B4-BE49-F238E27FC236}">
+                <a16:creationId xmlns:a16="http://schemas.microsoft.com/office/drawing/2014/main" id="{DF2B44B0-4993-43CC-A97F-823DC0DF3123}"/>
+              </a:ext>
+            </a:extLst>
+          </p:cNvPr>
+          <p:cNvPicPr>
+            <a:picLocks noChangeAspect="1"/>
+          </p:cNvPicPr>
+          <p:nvPr/>
+        </p:nvPicPr>
+        <p:blipFill>
+          <a:blip r:embed="rId2"/>
+          <a:stretch>
+            <a:fillRect/>
+          </a:stretch>
+        </p:blipFill>
+        <p:spPr>
+          <a:xfrm>
+            <a:off x="0" y="0"/>
+            <a:ext cx="3860800" cy="6858000"/>
+          </a:xfrm>
+          <a:prstGeom prst="rect">
+            <a:avLst/>
+          </a:prstGeom>
+        </p:spPr>
+      </p:pic>
+      <p:grpSp>
+        <p:nvGrpSpPr>
+          <p:cNvPr id="14" name="그룹 13">
+            <a:extLst>
+              <a:ext uri="{FF2B5EF4-FFF2-40B4-BE49-F238E27FC236}">
+                <a16:creationId xmlns:a16="http://schemas.microsoft.com/office/drawing/2014/main" id="{56E40C78-2228-4461-9708-F35705761BE5}"/>
+              </a:ext>
+            </a:extLst>
+          </p:cNvPr>
+          <p:cNvGrpSpPr/>
+          <p:nvPr/>
+        </p:nvGrpSpPr>
+        <p:grpSpPr>
+          <a:xfrm>
+            <a:off x="7322137" y="1613021"/>
+            <a:ext cx="1926503" cy="2566638"/>
+            <a:chOff x="5132748" y="2145681"/>
+            <a:chExt cx="1926503" cy="2566638"/>
+          </a:xfrm>
+        </p:grpSpPr>
+        <p:grpSp>
+          <p:nvGrpSpPr>
+            <p:cNvPr id="13" name="그룹 12">
+              <a:extLst>
+                <a:ext uri="{FF2B5EF4-FFF2-40B4-BE49-F238E27FC236}">
+                  <a16:creationId xmlns:a16="http://schemas.microsoft.com/office/drawing/2014/main" id="{D5AC08B8-0B2C-4EFC-BA50-73F375B14DEE}"/>
+                </a:ext>
+              </a:extLst>
+            </p:cNvPr>
+            <p:cNvGrpSpPr/>
+            <p:nvPr/>
+          </p:nvGrpSpPr>
+          <p:grpSpPr>
+            <a:xfrm>
+              <a:off x="5424257" y="2956264"/>
+              <a:ext cx="1497253" cy="1569660"/>
+              <a:chOff x="5424257" y="2956264"/>
+              <a:chExt cx="1497253" cy="1569660"/>
+            </a:xfrm>
+          </p:grpSpPr>
+          <p:sp>
+            <p:nvSpPr>
+              <p:cNvPr id="2" name="TextBox 1">
+                <a:extLst>
+                  <a:ext uri="{FF2B5EF4-FFF2-40B4-BE49-F238E27FC236}">
+                    <a16:creationId xmlns:a16="http://schemas.microsoft.com/office/drawing/2014/main" id="{315BC517-56AF-47F6-BDD9-E02BD04B0543}"/>
+                  </a:ext>
+                </a:extLst>
+              </p:cNvPr>
+              <p:cNvSpPr txBox="1"/>
+              <p:nvPr/>
+            </p:nvSpPr>
+            <p:spPr>
+              <a:xfrm>
+                <a:off x="5424257" y="2956264"/>
+                <a:ext cx="500458" cy="1569660"/>
+              </a:xfrm>
+              <a:prstGeom prst="rect">
+                <a:avLst/>
+              </a:prstGeom>
+              <a:noFill/>
+            </p:spPr>
+            <p:txBody>
+              <a:bodyPr wrap="none" rtlCol="0">
+                <a:spAutoFit/>
+              </a:bodyPr>
+              <a:lstStyle/>
+              <a:p>
+                <a:r>
+                  <a:rPr lang="en-US" altLang="ko-KR" sz="9600" dirty="0">
+                    <a:latin typeface="Bebas Neue" panose="020B0606020202050201" pitchFamily="34" charset="0"/>
+                    <a:ea typeface="D2Coding" panose="020B0609020101020101" pitchFamily="49" charset="-127"/>
+                  </a:rPr>
+                  <a:t>J</a:t>
+                </a:r>
+                <a:endParaRPr lang="ko-KR" altLang="en-US" sz="9600" dirty="0">
+                  <a:latin typeface="Bebas Neue" panose="020B0606020202050201" pitchFamily="34" charset="0"/>
+                  <a:ea typeface="D2Coding" panose="020B0609020101020101" pitchFamily="49" charset="-127"/>
+                </a:endParaRPr>
+              </a:p>
+            </p:txBody>
+          </p:sp>
+          <p:sp>
+            <p:nvSpPr>
+              <p:cNvPr id="6" name="TextBox 5">
+                <a:extLst>
+                  <a:ext uri="{FF2B5EF4-FFF2-40B4-BE49-F238E27FC236}">
+                    <a16:creationId xmlns:a16="http://schemas.microsoft.com/office/drawing/2014/main" id="{BC21CD3D-EEC9-4404-B03C-90B9DB5342A9}"/>
+                  </a:ext>
+                </a:extLst>
+              </p:cNvPr>
+              <p:cNvSpPr txBox="1"/>
+              <p:nvPr/>
+            </p:nvSpPr>
+            <p:spPr>
+              <a:xfrm>
+                <a:off x="6249531" y="2956264"/>
+                <a:ext cx="671979" cy="1569660"/>
+              </a:xfrm>
+              <a:prstGeom prst="rect">
+                <a:avLst/>
+              </a:prstGeom>
+              <a:noFill/>
+            </p:spPr>
+            <p:txBody>
+              <a:bodyPr wrap="none" rtlCol="0">
+                <a:spAutoFit/>
+              </a:bodyPr>
+              <a:lstStyle/>
+              <a:p>
+                <a:r>
+                  <a:rPr lang="en-US" altLang="ko-KR" sz="9600" dirty="0">
+                    <a:latin typeface="Bebas Neue" panose="020B0606020202050201" pitchFamily="34" charset="0"/>
+                    <a:ea typeface="D2Coding" panose="020B0609020101020101" pitchFamily="49" charset="-127"/>
+                  </a:rPr>
+                  <a:t>Y</a:t>
+                </a:r>
+                <a:endParaRPr lang="ko-KR" altLang="en-US" sz="9600" dirty="0">
+                  <a:latin typeface="Bebas Neue" panose="020B0606020202050201" pitchFamily="34" charset="0"/>
+                  <a:ea typeface="D2Coding" panose="020B0609020101020101" pitchFamily="49" charset="-127"/>
+                </a:endParaRPr>
+              </a:p>
+            </p:txBody>
+          </p:sp>
+        </p:grpSp>
+        <p:pic>
+          <p:nvPicPr>
+            <p:cNvPr id="8" name="그림 7">
+              <a:extLst>
+                <a:ext uri="{FF2B5EF4-FFF2-40B4-BE49-F238E27FC236}">
+                  <a16:creationId xmlns:a16="http://schemas.microsoft.com/office/drawing/2014/main" id="{B7C3AB48-D8CD-41C4-B9B1-71D3F0E6EA93}"/>
+                </a:ext>
+              </a:extLst>
+            </p:cNvPr>
+            <p:cNvPicPr>
+              <a:picLocks noChangeAspect="1"/>
+            </p:cNvPicPr>
+            <p:nvPr/>
+          </p:nvPicPr>
+          <p:blipFill>
+            <a:blip r:embed="rId3"/>
+            <a:stretch>
+              <a:fillRect/>
+            </a:stretch>
+          </p:blipFill>
+          <p:spPr>
+            <a:xfrm flipV="1">
+              <a:off x="5132748" y="2145681"/>
+              <a:ext cx="1926503" cy="2566638"/>
+            </a:xfrm>
+            <a:prstGeom prst="rect">
+              <a:avLst/>
+            </a:prstGeom>
+          </p:spPr>
+        </p:pic>
+      </p:grpSp>
+    </p:spTree>
+    <p:extLst>
+      <p:ext uri="{BB962C8B-B14F-4D97-AF65-F5344CB8AC3E}">
+        <p14:creationId xmlns:p14="http://schemas.microsoft.com/office/powerpoint/2010/main" val="695121881"/>
+      </p:ext>
+    </p:extLst>
+  </p:cSld>
+  <p:clrMapOvr>
+    <a:masterClrMapping/>
+  </p:clrMapOvr>
+</p:sld>
+</file>
+
+<file path=ppt/slides/slide15.xml><?xml version="1.0" encoding="utf-8"?>
+<p:sld xmlns:a="http://schemas.openxmlformats.org/drawingml/2006/main" xmlns:r="http://schemas.openxmlformats.org/officeDocument/2006/relationships" xmlns:p="http://schemas.openxmlformats.org/presentationml/2006/main">
+  <p:cSld>
+    <p:spTree>
+      <p:nvGrpSpPr>
+        <p:cNvPr id="1" name=""/>
+        <p:cNvGrpSpPr/>
+        <p:nvPr/>
+      </p:nvGrpSpPr>
+      <p:grpSpPr>
+        <a:xfrm>
+          <a:off x="0" y="0"/>
+          <a:ext cx="0" cy="0"/>
+          <a:chOff x="0" y="0"/>
+          <a:chExt cx="0" cy="0"/>
+        </a:xfrm>
+      </p:grpSpPr>
+      <p:sp>
+        <p:nvSpPr>
+          <p:cNvPr id="12" name="직사각형 11">
+            <a:extLst>
+              <a:ext uri="{FF2B5EF4-FFF2-40B4-BE49-F238E27FC236}">
+                <a16:creationId xmlns:a16="http://schemas.microsoft.com/office/drawing/2014/main" id="{9B05C2CB-AAAF-4DC4-BE10-C73D2F81BD93}"/>
+              </a:ext>
+            </a:extLst>
+          </p:cNvPr>
+          <p:cNvSpPr/>
+          <p:nvPr/>
+        </p:nvSpPr>
+        <p:spPr>
+          <a:xfrm>
+            <a:off x="514470" y="505731"/>
+            <a:ext cx="1612663" cy="1145220"/>
+          </a:xfrm>
+          <a:prstGeom prst="rect">
+            <a:avLst/>
+          </a:prstGeom>
+          <a:solidFill>
+            <a:schemeClr val="tx1"/>
+          </a:solidFill>
+          <a:ln>
+            <a:noFill/>
+          </a:ln>
+        </p:spPr>
+        <p:style>
+          <a:lnRef idx="2">
+            <a:schemeClr val="accent1">
+              <a:shade val="50000"/>
+            </a:schemeClr>
+          </a:lnRef>
+          <a:fillRef idx="1">
+            <a:schemeClr val="accent1"/>
+          </a:fillRef>
+          <a:effectRef idx="0">
+            <a:schemeClr val="accent1"/>
+          </a:effectRef>
+          <a:fontRef idx="minor">
+            <a:schemeClr val="lt1"/>
+          </a:fontRef>
+        </p:style>
+        <p:txBody>
+          <a:bodyPr rtlCol="0" anchor="ctr"/>
+          <a:lstStyle/>
+          <a:p>
+            <a:pPr algn="ctr"/>
+            <a:endParaRPr lang="ko-KR" altLang="en-US">
+              <a:solidFill>
+                <a:schemeClr val="bg1"/>
+              </a:solidFill>
+            </a:endParaRPr>
+          </a:p>
+        </p:txBody>
+      </p:sp>
+      <p:grpSp>
+        <p:nvGrpSpPr>
+          <p:cNvPr id="13" name="그룹 12">
+            <a:extLst>
+              <a:ext uri="{FF2B5EF4-FFF2-40B4-BE49-F238E27FC236}">
+                <a16:creationId xmlns:a16="http://schemas.microsoft.com/office/drawing/2014/main" id="{D5AC08B8-0B2C-4EFC-BA50-73F375B14DEE}"/>
+              </a:ext>
+            </a:extLst>
+          </p:cNvPr>
+          <p:cNvGrpSpPr/>
+          <p:nvPr/>
+        </p:nvGrpSpPr>
+        <p:grpSpPr>
+          <a:xfrm>
+            <a:off x="603246" y="381444"/>
+            <a:ext cx="1497253" cy="1569660"/>
+            <a:chOff x="5424257" y="2956264"/>
+            <a:chExt cx="1497253" cy="1569660"/>
+          </a:xfrm>
+        </p:grpSpPr>
+        <p:sp>
+          <p:nvSpPr>
+            <p:cNvPr id="2" name="TextBox 1">
+              <a:extLst>
+                <a:ext uri="{FF2B5EF4-FFF2-40B4-BE49-F238E27FC236}">
+                  <a16:creationId xmlns:a16="http://schemas.microsoft.com/office/drawing/2014/main" id="{315BC517-56AF-47F6-BDD9-E02BD04B0543}"/>
+                </a:ext>
+              </a:extLst>
+            </p:cNvPr>
+            <p:cNvSpPr txBox="1"/>
+            <p:nvPr/>
+          </p:nvSpPr>
+          <p:spPr>
+            <a:xfrm>
+              <a:off x="5424257" y="2956264"/>
+              <a:ext cx="500458" cy="1569660"/>
+            </a:xfrm>
+            <a:prstGeom prst="rect">
+              <a:avLst/>
+            </a:prstGeom>
+            <a:noFill/>
+          </p:spPr>
+          <p:txBody>
+            <a:bodyPr wrap="none" rtlCol="0">
+              <a:spAutoFit/>
+            </a:bodyPr>
+            <a:lstStyle/>
+            <a:p>
+              <a:r>
+                <a:rPr lang="en-US" altLang="ko-KR" sz="9600" dirty="0">
+                  <a:solidFill>
+                    <a:schemeClr val="bg1"/>
+                  </a:solidFill>
+                  <a:latin typeface="Bebas Neue" panose="020B0606020202050201" pitchFamily="34" charset="0"/>
+                  <a:ea typeface="D2Coding" panose="020B0609020101020101" pitchFamily="49" charset="-127"/>
+                </a:rPr>
+                <a:t>J</a:t>
+              </a:r>
+              <a:endParaRPr lang="ko-KR" altLang="en-US" sz="9600" dirty="0">
+                <a:solidFill>
+                  <a:schemeClr val="bg1"/>
+                </a:solidFill>
+                <a:latin typeface="Bebas Neue" panose="020B0606020202050201" pitchFamily="34" charset="0"/>
+                <a:ea typeface="D2Coding" panose="020B0609020101020101" pitchFamily="49" charset="-127"/>
+              </a:endParaRPr>
+            </a:p>
+          </p:txBody>
+        </p:sp>
+        <p:sp>
+          <p:nvSpPr>
+            <p:cNvPr id="6" name="TextBox 5">
+              <a:extLst>
+                <a:ext uri="{FF2B5EF4-FFF2-40B4-BE49-F238E27FC236}">
+                  <a16:creationId xmlns:a16="http://schemas.microsoft.com/office/drawing/2014/main" id="{BC21CD3D-EEC9-4404-B03C-90B9DB5342A9}"/>
+                </a:ext>
+              </a:extLst>
+            </p:cNvPr>
+            <p:cNvSpPr txBox="1"/>
+            <p:nvPr/>
+          </p:nvSpPr>
+          <p:spPr>
+            <a:xfrm>
+              <a:off x="6249531" y="2956264"/>
+              <a:ext cx="671979" cy="1569660"/>
+            </a:xfrm>
+            <a:prstGeom prst="rect">
+              <a:avLst/>
+            </a:prstGeom>
+            <a:noFill/>
+          </p:spPr>
+          <p:txBody>
+            <a:bodyPr wrap="none" rtlCol="0">
+              <a:spAutoFit/>
+            </a:bodyPr>
+            <a:lstStyle/>
+            <a:p>
+              <a:r>
+                <a:rPr lang="en-US" altLang="ko-KR" sz="9600" dirty="0">
+                  <a:solidFill>
+                    <a:schemeClr val="bg1"/>
+                  </a:solidFill>
+                  <a:latin typeface="Bebas Neue" panose="020B0606020202050201" pitchFamily="34" charset="0"/>
+                  <a:ea typeface="D2Coding" panose="020B0609020101020101" pitchFamily="49" charset="-127"/>
+                </a:rPr>
+                <a:t>Y</a:t>
+              </a:r>
+              <a:endParaRPr lang="ko-KR" altLang="en-US" sz="9600" dirty="0">
+                <a:solidFill>
+                  <a:schemeClr val="bg1"/>
+                </a:solidFill>
+                <a:latin typeface="Bebas Neue" panose="020B0606020202050201" pitchFamily="34" charset="0"/>
+                <a:ea typeface="D2Coding" panose="020B0609020101020101" pitchFamily="49" charset="-127"/>
+              </a:endParaRPr>
+            </a:p>
+          </p:txBody>
+        </p:sp>
+      </p:grpSp>
+      <p:pic>
+        <p:nvPicPr>
+          <p:cNvPr id="8" name="그림 7">
+            <a:extLst>
+              <a:ext uri="{FF2B5EF4-FFF2-40B4-BE49-F238E27FC236}">
+                <a16:creationId xmlns:a16="http://schemas.microsoft.com/office/drawing/2014/main" id="{B7C3AB48-D8CD-41C4-B9B1-71D3F0E6EA93}"/>
+              </a:ext>
+            </a:extLst>
+          </p:cNvPr>
+          <p:cNvPicPr>
+            <a:picLocks noChangeAspect="1"/>
+          </p:cNvPicPr>
+          <p:nvPr/>
+        </p:nvPicPr>
+        <p:blipFill>
+          <a:blip r:embed="rId2"/>
+          <a:stretch>
+            <a:fillRect/>
+          </a:stretch>
+        </p:blipFill>
+        <p:spPr>
+          <a:xfrm flipV="1">
+            <a:off x="1937220" y="-423820"/>
+            <a:ext cx="1926503" cy="2566638"/>
+          </a:xfrm>
+          <a:prstGeom prst="rect">
+            <a:avLst/>
+          </a:prstGeom>
+        </p:spPr>
+      </p:pic>
+      <p:pic>
+        <p:nvPicPr>
+          <p:cNvPr id="18" name="그림 17">
+            <a:extLst>
+              <a:ext uri="{FF2B5EF4-FFF2-40B4-BE49-F238E27FC236}">
+                <a16:creationId xmlns:a16="http://schemas.microsoft.com/office/drawing/2014/main" id="{30E403C4-45B4-4891-B493-FDDA089622BA}"/>
+              </a:ext>
+            </a:extLst>
+          </p:cNvPr>
+          <p:cNvPicPr>
+            <a:picLocks noChangeAspect="1"/>
+          </p:cNvPicPr>
+          <p:nvPr/>
+        </p:nvPicPr>
+        <p:blipFill>
+          <a:blip r:embed="rId2">
+            <a:lum bright="70000" contrast="-70000"/>
+          </a:blip>
+          <a:stretch>
+            <a:fillRect/>
+          </a:stretch>
+        </p:blipFill>
+        <p:spPr>
+          <a:xfrm flipV="1">
+            <a:off x="304282" y="-423820"/>
+            <a:ext cx="1926503" cy="2566638"/>
+          </a:xfrm>
+          <a:prstGeom prst="rect">
+            <a:avLst/>
+          </a:prstGeom>
+        </p:spPr>
+      </p:pic>
+      <p:sp>
+        <p:nvSpPr>
+          <p:cNvPr id="3" name="TextBox 2">
+            <a:extLst>
+              <a:ext uri="{FF2B5EF4-FFF2-40B4-BE49-F238E27FC236}">
+                <a16:creationId xmlns:a16="http://schemas.microsoft.com/office/drawing/2014/main" id="{B1ECC9FA-716A-4DD2-B053-2215381FCB02}"/>
+              </a:ext>
+            </a:extLst>
+          </p:cNvPr>
+          <p:cNvSpPr txBox="1"/>
+          <p:nvPr/>
+        </p:nvSpPr>
+        <p:spPr>
+          <a:xfrm>
+            <a:off x="6053092" y="1361882"/>
+            <a:ext cx="2209259" cy="1446550"/>
+          </a:xfrm>
+          <a:prstGeom prst="rect">
+            <a:avLst/>
+          </a:prstGeom>
+          <a:noFill/>
+        </p:spPr>
+        <p:txBody>
+          <a:bodyPr wrap="none" rtlCol="0">
+            <a:spAutoFit/>
+          </a:bodyPr>
+          <a:lstStyle/>
+          <a:p>
+            <a:r>
+              <a:rPr lang="en-US" altLang="ko-KR" sz="8800" dirty="0" err="1">
+                <a:latin typeface="Rix네온사인 Bold" panose="00000800000000000000" pitchFamily="2" charset="-127"/>
+                <a:ea typeface="Rix네온사인 Bold" panose="00000800000000000000" pitchFamily="2" charset="-127"/>
+              </a:rPr>
+              <a:t>J2Y</a:t>
+            </a:r>
+            <a:endParaRPr lang="ko-KR" altLang="en-US" sz="8800" dirty="0">
+              <a:latin typeface="Rix네온사인 Bold" panose="00000800000000000000" pitchFamily="2" charset="-127"/>
+              <a:ea typeface="Rix네온사인 Bold" panose="00000800000000000000" pitchFamily="2" charset="-127"/>
+            </a:endParaRPr>
+          </a:p>
+        </p:txBody>
+      </p:sp>
+      <p:sp>
+        <p:nvSpPr>
+          <p:cNvPr id="9" name="사각형: 둥근 모서리 8">
+            <a:extLst>
+              <a:ext uri="{FF2B5EF4-FFF2-40B4-BE49-F238E27FC236}">
+                <a16:creationId xmlns:a16="http://schemas.microsoft.com/office/drawing/2014/main" id="{40CD2C06-AA76-4693-BCAB-91586DE88EC3}"/>
+              </a:ext>
+            </a:extLst>
+          </p:cNvPr>
+          <p:cNvSpPr/>
+          <p:nvPr/>
+        </p:nvSpPr>
+        <p:spPr>
+          <a:xfrm>
+            <a:off x="6010183" y="1379777"/>
+            <a:ext cx="2295076" cy="112806"/>
+          </a:xfrm>
+          <a:prstGeom prst="roundRect">
+            <a:avLst>
+              <a:gd name="adj" fmla="val 50000"/>
+            </a:avLst>
+          </a:prstGeom>
+          <a:solidFill>
+            <a:schemeClr val="tx1"/>
+          </a:solidFill>
+          <a:ln>
+            <a:noFill/>
+          </a:ln>
+        </p:spPr>
+        <p:style>
+          <a:lnRef idx="2">
+            <a:schemeClr val="accent1">
+              <a:shade val="50000"/>
+            </a:schemeClr>
+          </a:lnRef>
+          <a:fillRef idx="1">
+            <a:schemeClr val="accent1"/>
+          </a:fillRef>
+          <a:effectRef idx="0">
+            <a:schemeClr val="accent1"/>
+          </a:effectRef>
+          <a:fontRef idx="minor">
+            <a:schemeClr val="lt1"/>
+          </a:fontRef>
+        </p:style>
+        <p:txBody>
+          <a:bodyPr rtlCol="0" anchor="ctr"/>
+          <a:lstStyle/>
+          <a:p>
+            <a:pPr algn="ctr"/>
+            <a:endParaRPr lang="ko-KR" altLang="en-US"/>
+          </a:p>
+        </p:txBody>
+      </p:sp>
+      <p:sp>
+        <p:nvSpPr>
+          <p:cNvPr id="19" name="사각형: 둥근 모서리 18">
+            <a:extLst>
+              <a:ext uri="{FF2B5EF4-FFF2-40B4-BE49-F238E27FC236}">
+                <a16:creationId xmlns:a16="http://schemas.microsoft.com/office/drawing/2014/main" id="{4F3F40FB-19EE-4758-B6A9-C90447EB6263}"/>
+              </a:ext>
+            </a:extLst>
+          </p:cNvPr>
+          <p:cNvSpPr/>
+          <p:nvPr/>
+        </p:nvSpPr>
+        <p:spPr>
+          <a:xfrm>
+            <a:off x="6010183" y="2677730"/>
+            <a:ext cx="2295076" cy="112806"/>
+          </a:xfrm>
+          <a:prstGeom prst="roundRect">
+            <a:avLst>
+              <a:gd name="adj" fmla="val 50000"/>
+            </a:avLst>
+          </a:prstGeom>
+          <a:solidFill>
+            <a:schemeClr val="tx1"/>
+          </a:solidFill>
+          <a:ln>
+            <a:noFill/>
+          </a:ln>
+        </p:spPr>
+        <p:style>
+          <a:lnRef idx="2">
+            <a:schemeClr val="accent1">
+              <a:shade val="50000"/>
+            </a:schemeClr>
+          </a:lnRef>
+          <a:fillRef idx="1">
+            <a:schemeClr val="accent1"/>
+          </a:fillRef>
+          <a:effectRef idx="0">
+            <a:schemeClr val="accent1"/>
+          </a:effectRef>
+          <a:fontRef idx="minor">
+            <a:schemeClr val="lt1"/>
+          </a:fontRef>
+        </p:style>
+        <p:txBody>
+          <a:bodyPr rtlCol="0" anchor="ctr"/>
+          <a:lstStyle/>
+          <a:p>
+            <a:pPr algn="ctr"/>
+            <a:endParaRPr lang="ko-KR" altLang="en-US"/>
+          </a:p>
+        </p:txBody>
+      </p:sp>
+      <p:sp>
+        <p:nvSpPr>
+          <p:cNvPr id="22" name="사각형: 둥근 모서리 21">
+            <a:extLst>
+              <a:ext uri="{FF2B5EF4-FFF2-40B4-BE49-F238E27FC236}">
+                <a16:creationId xmlns:a16="http://schemas.microsoft.com/office/drawing/2014/main" id="{96A7525C-0716-4001-9A7E-31A6DC4309ED}"/>
+              </a:ext>
+            </a:extLst>
+          </p:cNvPr>
+          <p:cNvSpPr/>
+          <p:nvPr/>
+        </p:nvSpPr>
+        <p:spPr>
+          <a:xfrm>
+            <a:off x="6010183" y="2830239"/>
+            <a:ext cx="2295076" cy="112806"/>
+          </a:xfrm>
+          <a:prstGeom prst="roundRect">
+            <a:avLst>
+              <a:gd name="adj" fmla="val 50000"/>
+            </a:avLst>
+          </a:prstGeom>
+          <a:solidFill>
+            <a:schemeClr val="tx1">
+              <a:lumMod val="85000"/>
+              <a:lumOff val="15000"/>
+            </a:schemeClr>
+          </a:solidFill>
+          <a:ln>
+            <a:noFill/>
+          </a:ln>
+        </p:spPr>
+        <p:style>
+          <a:lnRef idx="2">
+            <a:schemeClr val="accent1">
+              <a:shade val="50000"/>
+            </a:schemeClr>
+          </a:lnRef>
+          <a:fillRef idx="1">
+            <a:schemeClr val="accent1"/>
+          </a:fillRef>
+          <a:effectRef idx="0">
+            <a:schemeClr val="accent1"/>
+          </a:effectRef>
+          <a:fontRef idx="minor">
+            <a:schemeClr val="lt1"/>
+          </a:fontRef>
+        </p:style>
+        <p:txBody>
+          <a:bodyPr rtlCol="0" anchor="ctr"/>
+          <a:lstStyle/>
+          <a:p>
+            <a:pPr algn="ctr"/>
+            <a:endParaRPr lang="ko-KR" altLang="en-US"/>
+          </a:p>
+        </p:txBody>
+      </p:sp>
+      <p:sp>
+        <p:nvSpPr>
+          <p:cNvPr id="23" name="사각형: 둥근 모서리 22">
+            <a:extLst>
+              <a:ext uri="{FF2B5EF4-FFF2-40B4-BE49-F238E27FC236}">
+                <a16:creationId xmlns:a16="http://schemas.microsoft.com/office/drawing/2014/main" id="{3791DA56-8FDE-4398-BAED-1840EBF10D50}"/>
+              </a:ext>
+            </a:extLst>
+          </p:cNvPr>
+          <p:cNvSpPr/>
+          <p:nvPr/>
+        </p:nvSpPr>
+        <p:spPr>
+          <a:xfrm>
+            <a:off x="6010183" y="2982748"/>
+            <a:ext cx="2295076" cy="112806"/>
+          </a:xfrm>
+          <a:prstGeom prst="roundRect">
+            <a:avLst>
+              <a:gd name="adj" fmla="val 50000"/>
+            </a:avLst>
+          </a:prstGeom>
+          <a:solidFill>
+            <a:schemeClr val="tx1">
+              <a:lumMod val="75000"/>
+              <a:lumOff val="25000"/>
+            </a:schemeClr>
+          </a:solidFill>
+          <a:ln>
+            <a:noFill/>
+          </a:ln>
+        </p:spPr>
+        <p:style>
+          <a:lnRef idx="2">
+            <a:schemeClr val="accent1">
+              <a:shade val="50000"/>
+            </a:schemeClr>
+          </a:lnRef>
+          <a:fillRef idx="1">
+            <a:schemeClr val="accent1"/>
+          </a:fillRef>
+          <a:effectRef idx="0">
+            <a:schemeClr val="accent1"/>
+          </a:effectRef>
+          <a:fontRef idx="minor">
+            <a:schemeClr val="lt1"/>
+          </a:fontRef>
+        </p:style>
+        <p:txBody>
+          <a:bodyPr rtlCol="0" anchor="ctr"/>
+          <a:lstStyle/>
+          <a:p>
+            <a:pPr algn="ctr"/>
+            <a:endParaRPr lang="ko-KR" altLang="en-US"/>
+          </a:p>
+        </p:txBody>
+      </p:sp>
+      <p:sp>
+        <p:nvSpPr>
+          <p:cNvPr id="24" name="사각형: 둥근 모서리 23">
+            <a:extLst>
+              <a:ext uri="{FF2B5EF4-FFF2-40B4-BE49-F238E27FC236}">
+                <a16:creationId xmlns:a16="http://schemas.microsoft.com/office/drawing/2014/main" id="{6C6E0225-D829-4532-9C10-BFB8C8722EFE}"/>
+              </a:ext>
+            </a:extLst>
+          </p:cNvPr>
+          <p:cNvSpPr/>
+          <p:nvPr/>
+        </p:nvSpPr>
+        <p:spPr>
+          <a:xfrm>
+            <a:off x="6010183" y="3135257"/>
+            <a:ext cx="2295076" cy="112806"/>
+          </a:xfrm>
+          <a:prstGeom prst="roundRect">
+            <a:avLst>
+              <a:gd name="adj" fmla="val 50000"/>
+            </a:avLst>
+          </a:prstGeom>
+          <a:solidFill>
+            <a:schemeClr val="tx1">
+              <a:lumMod val="65000"/>
+              <a:lumOff val="35000"/>
+            </a:schemeClr>
+          </a:solidFill>
+          <a:ln>
+            <a:noFill/>
+          </a:ln>
+        </p:spPr>
+        <p:style>
+          <a:lnRef idx="2">
+            <a:schemeClr val="accent1">
+              <a:shade val="50000"/>
+            </a:schemeClr>
+          </a:lnRef>
+          <a:fillRef idx="1">
+            <a:schemeClr val="accent1"/>
+          </a:fillRef>
+          <a:effectRef idx="0">
+            <a:schemeClr val="accent1"/>
+          </a:effectRef>
+          <a:fontRef idx="minor">
+            <a:schemeClr val="lt1"/>
+          </a:fontRef>
+        </p:style>
+        <p:txBody>
+          <a:bodyPr rtlCol="0" anchor="ctr"/>
+          <a:lstStyle/>
+          <a:p>
+            <a:pPr algn="ctr"/>
+            <a:endParaRPr lang="ko-KR" altLang="en-US"/>
+          </a:p>
+        </p:txBody>
+      </p:sp>
+      <p:sp>
+        <p:nvSpPr>
+          <p:cNvPr id="25" name="사각형: 둥근 모서리 24">
+            <a:extLst>
+              <a:ext uri="{FF2B5EF4-FFF2-40B4-BE49-F238E27FC236}">
+                <a16:creationId xmlns:a16="http://schemas.microsoft.com/office/drawing/2014/main" id="{815661C5-34F2-44C2-A0E9-1891B1B5FAE8}"/>
+              </a:ext>
+            </a:extLst>
+          </p:cNvPr>
+          <p:cNvSpPr/>
+          <p:nvPr/>
+        </p:nvSpPr>
+        <p:spPr>
+          <a:xfrm>
+            <a:off x="6010183" y="3287766"/>
+            <a:ext cx="2295076" cy="112806"/>
+          </a:xfrm>
+          <a:prstGeom prst="roundRect">
+            <a:avLst>
+              <a:gd name="adj" fmla="val 50000"/>
+            </a:avLst>
+          </a:prstGeom>
+          <a:solidFill>
+            <a:schemeClr val="tx1">
+              <a:lumMod val="50000"/>
+              <a:lumOff val="50000"/>
+            </a:schemeClr>
+          </a:solidFill>
+          <a:ln>
+            <a:noFill/>
+          </a:ln>
+        </p:spPr>
+        <p:style>
+          <a:lnRef idx="2">
+            <a:schemeClr val="accent1">
+              <a:shade val="50000"/>
+            </a:schemeClr>
+          </a:lnRef>
+          <a:fillRef idx="1">
+            <a:schemeClr val="accent1"/>
+          </a:fillRef>
+          <a:effectRef idx="0">
+            <a:schemeClr val="accent1"/>
+          </a:effectRef>
+          <a:fontRef idx="minor">
+            <a:schemeClr val="lt1"/>
+          </a:fontRef>
+        </p:style>
+        <p:txBody>
+          <a:bodyPr rtlCol="0" anchor="ctr"/>
+          <a:lstStyle/>
+          <a:p>
+            <a:pPr algn="ctr"/>
+            <a:endParaRPr lang="ko-KR" altLang="en-US"/>
+          </a:p>
+        </p:txBody>
+      </p:sp>
+      <p:sp>
+        <p:nvSpPr>
+          <p:cNvPr id="26" name="사각형: 둥근 모서리 25">
+            <a:extLst>
+              <a:ext uri="{FF2B5EF4-FFF2-40B4-BE49-F238E27FC236}">
+                <a16:creationId xmlns:a16="http://schemas.microsoft.com/office/drawing/2014/main" id="{2D1F5726-5C1D-4EFD-9A3A-FB8C174DE1C6}"/>
+              </a:ext>
+            </a:extLst>
+          </p:cNvPr>
+          <p:cNvSpPr/>
+          <p:nvPr/>
+        </p:nvSpPr>
+        <p:spPr>
+          <a:xfrm>
+            <a:off x="6010183" y="3440275"/>
+            <a:ext cx="2295076" cy="112806"/>
+          </a:xfrm>
+          <a:prstGeom prst="roundRect">
+            <a:avLst>
+              <a:gd name="adj" fmla="val 50000"/>
+            </a:avLst>
+          </a:prstGeom>
+          <a:solidFill>
+            <a:schemeClr val="bg1">
+              <a:lumMod val="65000"/>
+            </a:schemeClr>
+          </a:solidFill>
+          <a:ln>
+            <a:noFill/>
+          </a:ln>
+        </p:spPr>
+        <p:style>
+          <a:lnRef idx="2">
+            <a:schemeClr val="accent1">
+              <a:shade val="50000"/>
+            </a:schemeClr>
+          </a:lnRef>
+          <a:fillRef idx="1">
+            <a:schemeClr val="accent1"/>
+          </a:fillRef>
+          <a:effectRef idx="0">
+            <a:schemeClr val="accent1"/>
+          </a:effectRef>
+          <a:fontRef idx="minor">
+            <a:schemeClr val="lt1"/>
+          </a:fontRef>
+        </p:style>
+        <p:txBody>
+          <a:bodyPr rtlCol="0" anchor="ctr"/>
+          <a:lstStyle/>
+          <a:p>
+            <a:pPr algn="ctr"/>
+            <a:endParaRPr lang="ko-KR" altLang="en-US"/>
+          </a:p>
+        </p:txBody>
+      </p:sp>
+      <p:sp>
+        <p:nvSpPr>
+          <p:cNvPr id="27" name="사각형: 둥근 모서리 26">
+            <a:extLst>
+              <a:ext uri="{FF2B5EF4-FFF2-40B4-BE49-F238E27FC236}">
+                <a16:creationId xmlns:a16="http://schemas.microsoft.com/office/drawing/2014/main" id="{B4A03D6C-91AB-4264-ACD7-F324B618B781}"/>
+              </a:ext>
+            </a:extLst>
+          </p:cNvPr>
+          <p:cNvSpPr/>
+          <p:nvPr/>
+        </p:nvSpPr>
+        <p:spPr>
+          <a:xfrm>
+            <a:off x="6010183" y="3592784"/>
+            <a:ext cx="2295076" cy="112806"/>
+          </a:xfrm>
+          <a:prstGeom prst="roundRect">
+            <a:avLst>
+              <a:gd name="adj" fmla="val 50000"/>
+            </a:avLst>
+          </a:prstGeom>
+          <a:solidFill>
+            <a:schemeClr val="bg1">
+              <a:lumMod val="75000"/>
+            </a:schemeClr>
+          </a:solidFill>
+          <a:ln>
+            <a:noFill/>
+          </a:ln>
+        </p:spPr>
+        <p:style>
+          <a:lnRef idx="2">
+            <a:schemeClr val="accent1">
+              <a:shade val="50000"/>
+            </a:schemeClr>
+          </a:lnRef>
+          <a:fillRef idx="1">
+            <a:schemeClr val="accent1"/>
+          </a:fillRef>
+          <a:effectRef idx="0">
+            <a:schemeClr val="accent1"/>
+          </a:effectRef>
+          <a:fontRef idx="minor">
+            <a:schemeClr val="lt1"/>
+          </a:fontRef>
+        </p:style>
+        <p:txBody>
+          <a:bodyPr rtlCol="0" anchor="ctr"/>
+          <a:lstStyle/>
+          <a:p>
+            <a:pPr algn="ctr"/>
+            <a:endParaRPr lang="ko-KR" altLang="en-US"/>
+          </a:p>
+        </p:txBody>
+      </p:sp>
+      <p:sp>
+        <p:nvSpPr>
+          <p:cNvPr id="28" name="사각형: 둥근 모서리 27">
+            <a:extLst>
+              <a:ext uri="{FF2B5EF4-FFF2-40B4-BE49-F238E27FC236}">
+                <a16:creationId xmlns:a16="http://schemas.microsoft.com/office/drawing/2014/main" id="{21A16B67-78C5-4BB9-9491-6A146CAEFA79}"/>
+              </a:ext>
+            </a:extLst>
+          </p:cNvPr>
+          <p:cNvSpPr/>
+          <p:nvPr/>
+        </p:nvSpPr>
+        <p:spPr>
+          <a:xfrm>
+            <a:off x="6010183" y="3745293"/>
+            <a:ext cx="2295076" cy="112806"/>
+          </a:xfrm>
+          <a:prstGeom prst="roundRect">
+            <a:avLst>
+              <a:gd name="adj" fmla="val 50000"/>
+            </a:avLst>
+          </a:prstGeom>
+          <a:solidFill>
+            <a:schemeClr val="bg1">
+              <a:lumMod val="85000"/>
+            </a:schemeClr>
+          </a:solidFill>
+          <a:ln>
+            <a:noFill/>
+          </a:ln>
+        </p:spPr>
+        <p:style>
+          <a:lnRef idx="2">
+            <a:schemeClr val="accent1">
+              <a:shade val="50000"/>
+            </a:schemeClr>
+          </a:lnRef>
+          <a:fillRef idx="1">
+            <a:schemeClr val="accent1"/>
+          </a:fillRef>
+          <a:effectRef idx="0">
+            <a:schemeClr val="accent1"/>
+          </a:effectRef>
+          <a:fontRef idx="minor">
+            <a:schemeClr val="lt1"/>
+          </a:fontRef>
+        </p:style>
+        <p:txBody>
+          <a:bodyPr rtlCol="0" anchor="ctr"/>
+          <a:lstStyle/>
+          <a:p>
+            <a:pPr algn="ctr"/>
+            <a:endParaRPr lang="ko-KR" altLang="en-US"/>
+          </a:p>
+        </p:txBody>
+      </p:sp>
+      <p:sp>
+        <p:nvSpPr>
+          <p:cNvPr id="29" name="사각형: 둥근 모서리 28">
+            <a:extLst>
+              <a:ext uri="{FF2B5EF4-FFF2-40B4-BE49-F238E27FC236}">
+                <a16:creationId xmlns:a16="http://schemas.microsoft.com/office/drawing/2014/main" id="{8A8FFA57-8C27-4845-9F62-7BEE74D59213}"/>
+              </a:ext>
+            </a:extLst>
+          </p:cNvPr>
+          <p:cNvSpPr/>
+          <p:nvPr/>
+        </p:nvSpPr>
+        <p:spPr>
+          <a:xfrm>
+            <a:off x="6010183" y="3897799"/>
+            <a:ext cx="2295076" cy="112806"/>
+          </a:xfrm>
+          <a:prstGeom prst="roundRect">
+            <a:avLst>
+              <a:gd name="adj" fmla="val 50000"/>
+            </a:avLst>
+          </a:prstGeom>
+          <a:solidFill>
+            <a:schemeClr val="bg1">
+              <a:lumMod val="95000"/>
+            </a:schemeClr>
+          </a:solidFill>
+          <a:ln>
+            <a:noFill/>
+          </a:ln>
+        </p:spPr>
+        <p:style>
+          <a:lnRef idx="2">
+            <a:schemeClr val="accent1">
+              <a:shade val="50000"/>
+            </a:schemeClr>
+          </a:lnRef>
+          <a:fillRef idx="1">
+            <a:schemeClr val="accent1"/>
+          </a:fillRef>
+          <a:effectRef idx="0">
+            <a:schemeClr val="accent1"/>
+          </a:effectRef>
+          <a:fontRef idx="minor">
+            <a:schemeClr val="lt1"/>
+          </a:fontRef>
+        </p:style>
+        <p:txBody>
+          <a:bodyPr rtlCol="0" anchor="ctr"/>
+          <a:lstStyle/>
+          <a:p>
+            <a:pPr algn="ctr"/>
+            <a:endParaRPr lang="ko-KR" altLang="en-US"/>
+          </a:p>
+        </p:txBody>
+      </p:sp>
+      <p:sp>
+        <p:nvSpPr>
+          <p:cNvPr id="30" name="TextBox 29">
+            <a:extLst>
+              <a:ext uri="{FF2B5EF4-FFF2-40B4-BE49-F238E27FC236}">
+                <a16:creationId xmlns:a16="http://schemas.microsoft.com/office/drawing/2014/main" id="{8BD7C03E-BED2-4381-A484-2439310E95DD}"/>
+              </a:ext>
+            </a:extLst>
+          </p:cNvPr>
+          <p:cNvSpPr txBox="1"/>
+          <p:nvPr/>
+        </p:nvSpPr>
+        <p:spPr>
+          <a:xfrm>
+            <a:off x="2439880" y="3004556"/>
+            <a:ext cx="2209259" cy="1446550"/>
+          </a:xfrm>
+          <a:prstGeom prst="rect">
+            <a:avLst/>
+          </a:prstGeom>
+          <a:noFill/>
+        </p:spPr>
+        <p:txBody>
+          <a:bodyPr wrap="none" rtlCol="0">
+            <a:spAutoFit/>
+          </a:bodyPr>
+          <a:lstStyle/>
+          <a:p>
+            <a:r>
+              <a:rPr lang="en-US" altLang="ko-KR" sz="8800" dirty="0" err="1">
+                <a:latin typeface="Rix네온사인 Bold" panose="00000800000000000000" pitchFamily="2" charset="-127"/>
+                <a:ea typeface="Rix네온사인 Bold" panose="00000800000000000000" pitchFamily="2" charset="-127"/>
+              </a:rPr>
+              <a:t>J2Y</a:t>
+            </a:r>
+            <a:endParaRPr lang="ko-KR" altLang="en-US" sz="8800" dirty="0">
+              <a:latin typeface="Rix네온사인 Bold" panose="00000800000000000000" pitchFamily="2" charset="-127"/>
+              <a:ea typeface="Rix네온사인 Bold" panose="00000800000000000000" pitchFamily="2" charset="-127"/>
+            </a:endParaRPr>
+          </a:p>
+        </p:txBody>
+      </p:sp>
+      <p:sp>
+        <p:nvSpPr>
+          <p:cNvPr id="32" name="사각형: 둥근 모서리 31">
+            <a:extLst>
+              <a:ext uri="{FF2B5EF4-FFF2-40B4-BE49-F238E27FC236}">
+                <a16:creationId xmlns:a16="http://schemas.microsoft.com/office/drawing/2014/main" id="{8CEE8AEF-7B14-4F39-B3C7-F8F4EE0A4075}"/>
+              </a:ext>
+            </a:extLst>
+          </p:cNvPr>
+          <p:cNvSpPr/>
+          <p:nvPr/>
+        </p:nvSpPr>
+        <p:spPr>
+          <a:xfrm>
+            <a:off x="2396971" y="4320404"/>
+            <a:ext cx="2295076" cy="112806"/>
+          </a:xfrm>
+          <a:prstGeom prst="roundRect">
+            <a:avLst>
+              <a:gd name="adj" fmla="val 50000"/>
+            </a:avLst>
+          </a:prstGeom>
+          <a:solidFill>
+            <a:schemeClr val="tx1"/>
+          </a:solidFill>
+          <a:ln>
+            <a:noFill/>
+          </a:ln>
+        </p:spPr>
+        <p:style>
+          <a:lnRef idx="2">
+            <a:schemeClr val="accent1">
+              <a:shade val="50000"/>
+            </a:schemeClr>
+          </a:lnRef>
+          <a:fillRef idx="1">
+            <a:schemeClr val="accent1"/>
+          </a:fillRef>
+          <a:effectRef idx="0">
+            <a:schemeClr val="accent1"/>
+          </a:effectRef>
+          <a:fontRef idx="minor">
+            <a:schemeClr val="lt1"/>
+          </a:fontRef>
+        </p:style>
+        <p:txBody>
+          <a:bodyPr rtlCol="0" anchor="ctr"/>
+          <a:lstStyle/>
+          <a:p>
+            <a:pPr algn="ctr"/>
+            <a:endParaRPr lang="ko-KR" altLang="en-US"/>
+          </a:p>
+        </p:txBody>
+      </p:sp>
+      <p:sp>
+        <p:nvSpPr>
+          <p:cNvPr id="33" name="사각형: 둥근 모서리 32">
+            <a:extLst>
+              <a:ext uri="{FF2B5EF4-FFF2-40B4-BE49-F238E27FC236}">
+                <a16:creationId xmlns:a16="http://schemas.microsoft.com/office/drawing/2014/main" id="{F1487AA6-9599-4B5F-8D90-91DDE8401050}"/>
+              </a:ext>
+            </a:extLst>
+          </p:cNvPr>
+          <p:cNvSpPr/>
+          <p:nvPr/>
+        </p:nvSpPr>
+        <p:spPr>
+          <a:xfrm>
+            <a:off x="2396971" y="4472913"/>
+            <a:ext cx="2295076" cy="112806"/>
+          </a:xfrm>
+          <a:prstGeom prst="roundRect">
+            <a:avLst>
+              <a:gd name="adj" fmla="val 50000"/>
+            </a:avLst>
+          </a:prstGeom>
+          <a:solidFill>
+            <a:schemeClr val="tx1">
+              <a:lumMod val="85000"/>
+              <a:lumOff val="15000"/>
+            </a:schemeClr>
+          </a:solidFill>
+          <a:ln>
+            <a:noFill/>
+          </a:ln>
+        </p:spPr>
+        <p:style>
+          <a:lnRef idx="2">
+            <a:schemeClr val="accent1">
+              <a:shade val="50000"/>
+            </a:schemeClr>
+          </a:lnRef>
+          <a:fillRef idx="1">
+            <a:schemeClr val="accent1"/>
+          </a:fillRef>
+          <a:effectRef idx="0">
+            <a:schemeClr val="accent1"/>
+          </a:effectRef>
+          <a:fontRef idx="minor">
+            <a:schemeClr val="lt1"/>
+          </a:fontRef>
+        </p:style>
+        <p:txBody>
+          <a:bodyPr rtlCol="0" anchor="ctr"/>
+          <a:lstStyle/>
+          <a:p>
+            <a:pPr algn="ctr"/>
+            <a:endParaRPr lang="ko-KR" altLang="en-US"/>
+          </a:p>
+        </p:txBody>
+      </p:sp>
+      <p:sp>
+        <p:nvSpPr>
+          <p:cNvPr id="34" name="사각형: 둥근 모서리 33">
+            <a:extLst>
+              <a:ext uri="{FF2B5EF4-FFF2-40B4-BE49-F238E27FC236}">
+                <a16:creationId xmlns:a16="http://schemas.microsoft.com/office/drawing/2014/main" id="{FC4259BC-3FBA-4F35-BD41-C31A1EF00F67}"/>
+              </a:ext>
+            </a:extLst>
+          </p:cNvPr>
+          <p:cNvSpPr/>
+          <p:nvPr/>
+        </p:nvSpPr>
+        <p:spPr>
+          <a:xfrm>
+            <a:off x="2396971" y="4625422"/>
+            <a:ext cx="2295076" cy="112806"/>
+          </a:xfrm>
+          <a:prstGeom prst="roundRect">
+            <a:avLst>
+              <a:gd name="adj" fmla="val 50000"/>
+            </a:avLst>
+          </a:prstGeom>
+          <a:solidFill>
+            <a:schemeClr val="tx1">
+              <a:lumMod val="75000"/>
+              <a:lumOff val="25000"/>
+            </a:schemeClr>
+          </a:solidFill>
+          <a:ln>
+            <a:noFill/>
+          </a:ln>
+        </p:spPr>
+        <p:style>
+          <a:lnRef idx="2">
+            <a:schemeClr val="accent1">
+              <a:shade val="50000"/>
+            </a:schemeClr>
+          </a:lnRef>
+          <a:fillRef idx="1">
+            <a:schemeClr val="accent1"/>
+          </a:fillRef>
+          <a:effectRef idx="0">
+            <a:schemeClr val="accent1"/>
+          </a:effectRef>
+          <a:fontRef idx="minor">
+            <a:schemeClr val="lt1"/>
+          </a:fontRef>
+        </p:style>
+        <p:txBody>
+          <a:bodyPr rtlCol="0" anchor="ctr"/>
+          <a:lstStyle/>
+          <a:p>
+            <a:pPr algn="ctr"/>
+            <a:endParaRPr lang="ko-KR" altLang="en-US"/>
+          </a:p>
+        </p:txBody>
+      </p:sp>
+      <p:sp>
+        <p:nvSpPr>
+          <p:cNvPr id="35" name="사각형: 둥근 모서리 34">
+            <a:extLst>
+              <a:ext uri="{FF2B5EF4-FFF2-40B4-BE49-F238E27FC236}">
+                <a16:creationId xmlns:a16="http://schemas.microsoft.com/office/drawing/2014/main" id="{2E97388E-554D-4977-B14A-91ADACE363B2}"/>
+              </a:ext>
+            </a:extLst>
+          </p:cNvPr>
+          <p:cNvSpPr/>
+          <p:nvPr/>
+        </p:nvSpPr>
+        <p:spPr>
+          <a:xfrm>
+            <a:off x="2396971" y="4777931"/>
+            <a:ext cx="2295076" cy="112806"/>
+          </a:xfrm>
+          <a:prstGeom prst="roundRect">
+            <a:avLst>
+              <a:gd name="adj" fmla="val 50000"/>
+            </a:avLst>
+          </a:prstGeom>
+          <a:solidFill>
+            <a:schemeClr val="tx1">
+              <a:lumMod val="65000"/>
+              <a:lumOff val="35000"/>
+            </a:schemeClr>
+          </a:solidFill>
+          <a:ln>
+            <a:noFill/>
+          </a:ln>
+        </p:spPr>
+        <p:style>
+          <a:lnRef idx="2">
+            <a:schemeClr val="accent1">
+              <a:shade val="50000"/>
+            </a:schemeClr>
+          </a:lnRef>
+          <a:fillRef idx="1">
+            <a:schemeClr val="accent1"/>
+          </a:fillRef>
+          <a:effectRef idx="0">
+            <a:schemeClr val="accent1"/>
+          </a:effectRef>
+          <a:fontRef idx="minor">
+            <a:schemeClr val="lt1"/>
+          </a:fontRef>
+        </p:style>
+        <p:txBody>
+          <a:bodyPr rtlCol="0" anchor="ctr"/>
+          <a:lstStyle/>
+          <a:p>
+            <a:pPr algn="ctr"/>
+            <a:endParaRPr lang="ko-KR" altLang="en-US"/>
+          </a:p>
+        </p:txBody>
+      </p:sp>
+      <p:sp>
+        <p:nvSpPr>
+          <p:cNvPr id="36" name="사각형: 둥근 모서리 35">
+            <a:extLst>
+              <a:ext uri="{FF2B5EF4-FFF2-40B4-BE49-F238E27FC236}">
+                <a16:creationId xmlns:a16="http://schemas.microsoft.com/office/drawing/2014/main" id="{01259C09-A7A0-4B9B-9BB3-A7C78692C9E6}"/>
+              </a:ext>
+            </a:extLst>
+          </p:cNvPr>
+          <p:cNvSpPr/>
+          <p:nvPr/>
+        </p:nvSpPr>
+        <p:spPr>
+          <a:xfrm>
+            <a:off x="2396971" y="4930440"/>
+            <a:ext cx="2295076" cy="112806"/>
+          </a:xfrm>
+          <a:prstGeom prst="roundRect">
+            <a:avLst>
+              <a:gd name="adj" fmla="val 50000"/>
+            </a:avLst>
+          </a:prstGeom>
+          <a:solidFill>
+            <a:schemeClr val="tx1">
+              <a:lumMod val="50000"/>
+              <a:lumOff val="50000"/>
+            </a:schemeClr>
+          </a:solidFill>
+          <a:ln>
+            <a:noFill/>
+          </a:ln>
+        </p:spPr>
+        <p:style>
+          <a:lnRef idx="2">
+            <a:schemeClr val="accent1">
+              <a:shade val="50000"/>
+            </a:schemeClr>
+          </a:lnRef>
+          <a:fillRef idx="1">
+            <a:schemeClr val="accent1"/>
+          </a:fillRef>
+          <a:effectRef idx="0">
+            <a:schemeClr val="accent1"/>
+          </a:effectRef>
+          <a:fontRef idx="minor">
+            <a:schemeClr val="lt1"/>
+          </a:fontRef>
+        </p:style>
+        <p:txBody>
+          <a:bodyPr rtlCol="0" anchor="ctr"/>
+          <a:lstStyle/>
+          <a:p>
+            <a:pPr algn="ctr"/>
+            <a:endParaRPr lang="ko-KR" altLang="en-US"/>
+          </a:p>
+        </p:txBody>
+      </p:sp>
+      <p:sp>
+        <p:nvSpPr>
+          <p:cNvPr id="37" name="사각형: 둥근 모서리 36">
+            <a:extLst>
+              <a:ext uri="{FF2B5EF4-FFF2-40B4-BE49-F238E27FC236}">
+                <a16:creationId xmlns:a16="http://schemas.microsoft.com/office/drawing/2014/main" id="{224B94C8-59D1-4258-A9AF-7B14BE3F9BBB}"/>
+              </a:ext>
+            </a:extLst>
+          </p:cNvPr>
+          <p:cNvSpPr/>
+          <p:nvPr/>
+        </p:nvSpPr>
+        <p:spPr>
+          <a:xfrm>
+            <a:off x="2396971" y="5082949"/>
+            <a:ext cx="2295076" cy="112806"/>
+          </a:xfrm>
+          <a:prstGeom prst="roundRect">
+            <a:avLst>
+              <a:gd name="adj" fmla="val 50000"/>
+            </a:avLst>
+          </a:prstGeom>
+          <a:solidFill>
+            <a:schemeClr val="bg1">
+              <a:lumMod val="65000"/>
+            </a:schemeClr>
+          </a:solidFill>
+          <a:ln>
+            <a:noFill/>
+          </a:ln>
+        </p:spPr>
+        <p:style>
+          <a:lnRef idx="2">
+            <a:schemeClr val="accent1">
+              <a:shade val="50000"/>
+            </a:schemeClr>
+          </a:lnRef>
+          <a:fillRef idx="1">
+            <a:schemeClr val="accent1"/>
+          </a:fillRef>
+          <a:effectRef idx="0">
+            <a:schemeClr val="accent1"/>
+          </a:effectRef>
+          <a:fontRef idx="minor">
+            <a:schemeClr val="lt1"/>
+          </a:fontRef>
+        </p:style>
+        <p:txBody>
+          <a:bodyPr rtlCol="0" anchor="ctr"/>
+          <a:lstStyle/>
+          <a:p>
+            <a:pPr algn="ctr"/>
+            <a:endParaRPr lang="ko-KR" altLang="en-US"/>
+          </a:p>
+        </p:txBody>
+      </p:sp>
+      <p:sp>
+        <p:nvSpPr>
+          <p:cNvPr id="38" name="사각형: 둥근 모서리 37">
+            <a:extLst>
+              <a:ext uri="{FF2B5EF4-FFF2-40B4-BE49-F238E27FC236}">
+                <a16:creationId xmlns:a16="http://schemas.microsoft.com/office/drawing/2014/main" id="{E51E14AA-D333-425E-BD8B-D3066EDF47A6}"/>
+              </a:ext>
+            </a:extLst>
+          </p:cNvPr>
+          <p:cNvSpPr/>
+          <p:nvPr/>
+        </p:nvSpPr>
+        <p:spPr>
+          <a:xfrm>
+            <a:off x="2396971" y="5235458"/>
+            <a:ext cx="2295076" cy="112806"/>
+          </a:xfrm>
+          <a:prstGeom prst="roundRect">
+            <a:avLst>
+              <a:gd name="adj" fmla="val 50000"/>
+            </a:avLst>
+          </a:prstGeom>
+          <a:solidFill>
+            <a:schemeClr val="bg1">
+              <a:lumMod val="75000"/>
+            </a:schemeClr>
+          </a:solidFill>
+          <a:ln>
+            <a:noFill/>
+          </a:ln>
+        </p:spPr>
+        <p:style>
+          <a:lnRef idx="2">
+            <a:schemeClr val="accent1">
+              <a:shade val="50000"/>
+            </a:schemeClr>
+          </a:lnRef>
+          <a:fillRef idx="1">
+            <a:schemeClr val="accent1"/>
+          </a:fillRef>
+          <a:effectRef idx="0">
+            <a:schemeClr val="accent1"/>
+          </a:effectRef>
+          <a:fontRef idx="minor">
+            <a:schemeClr val="lt1"/>
+          </a:fontRef>
+        </p:style>
+        <p:txBody>
+          <a:bodyPr rtlCol="0" anchor="ctr"/>
+          <a:lstStyle/>
+          <a:p>
+            <a:pPr algn="ctr"/>
+            <a:endParaRPr lang="ko-KR" altLang="en-US"/>
+          </a:p>
+        </p:txBody>
+      </p:sp>
+      <p:sp>
+        <p:nvSpPr>
+          <p:cNvPr id="39" name="사각형: 둥근 모서리 38">
+            <a:extLst>
+              <a:ext uri="{FF2B5EF4-FFF2-40B4-BE49-F238E27FC236}">
+                <a16:creationId xmlns:a16="http://schemas.microsoft.com/office/drawing/2014/main" id="{B5E6DEF9-54CA-421F-AA63-FF0A57F3DBC9}"/>
+              </a:ext>
+            </a:extLst>
+          </p:cNvPr>
+          <p:cNvSpPr/>
+          <p:nvPr/>
+        </p:nvSpPr>
+        <p:spPr>
+          <a:xfrm>
+            <a:off x="2396971" y="5387967"/>
+            <a:ext cx="2295076" cy="112806"/>
+          </a:xfrm>
+          <a:prstGeom prst="roundRect">
+            <a:avLst>
+              <a:gd name="adj" fmla="val 50000"/>
+            </a:avLst>
+          </a:prstGeom>
+          <a:solidFill>
+            <a:schemeClr val="bg1">
+              <a:lumMod val="85000"/>
+            </a:schemeClr>
+          </a:solidFill>
+          <a:ln>
+            <a:noFill/>
+          </a:ln>
+        </p:spPr>
+        <p:style>
+          <a:lnRef idx="2">
+            <a:schemeClr val="accent1">
+              <a:shade val="50000"/>
+            </a:schemeClr>
+          </a:lnRef>
+          <a:fillRef idx="1">
+            <a:schemeClr val="accent1"/>
+          </a:fillRef>
+          <a:effectRef idx="0">
+            <a:schemeClr val="accent1"/>
+          </a:effectRef>
+          <a:fontRef idx="minor">
+            <a:schemeClr val="lt1"/>
+          </a:fontRef>
+        </p:style>
+        <p:txBody>
+          <a:bodyPr rtlCol="0" anchor="ctr"/>
+          <a:lstStyle/>
+          <a:p>
+            <a:pPr algn="ctr"/>
+            <a:endParaRPr lang="ko-KR" altLang="en-US"/>
+          </a:p>
+        </p:txBody>
+      </p:sp>
+      <p:sp>
+        <p:nvSpPr>
+          <p:cNvPr id="40" name="사각형: 둥근 모서리 39">
+            <a:extLst>
+              <a:ext uri="{FF2B5EF4-FFF2-40B4-BE49-F238E27FC236}">
+                <a16:creationId xmlns:a16="http://schemas.microsoft.com/office/drawing/2014/main" id="{AD0EF313-4712-4067-8044-B11362F39843}"/>
+              </a:ext>
+            </a:extLst>
+          </p:cNvPr>
+          <p:cNvSpPr/>
+          <p:nvPr/>
+        </p:nvSpPr>
+        <p:spPr>
+          <a:xfrm>
+            <a:off x="2396971" y="5540473"/>
+            <a:ext cx="2295076" cy="112806"/>
+          </a:xfrm>
+          <a:prstGeom prst="roundRect">
+            <a:avLst>
+              <a:gd name="adj" fmla="val 50000"/>
+            </a:avLst>
+          </a:prstGeom>
+          <a:solidFill>
+            <a:schemeClr val="bg1">
+              <a:lumMod val="95000"/>
+            </a:schemeClr>
+          </a:solidFill>
+          <a:ln>
+            <a:noFill/>
+          </a:ln>
+        </p:spPr>
+        <p:style>
+          <a:lnRef idx="2">
+            <a:schemeClr val="accent1">
+              <a:shade val="50000"/>
+            </a:schemeClr>
+          </a:lnRef>
+          <a:fillRef idx="1">
+            <a:schemeClr val="accent1"/>
+          </a:fillRef>
+          <a:effectRef idx="0">
+            <a:schemeClr val="accent1"/>
+          </a:effectRef>
+          <a:fontRef idx="minor">
+            <a:schemeClr val="lt1"/>
+          </a:fontRef>
+        </p:style>
+        <p:txBody>
+          <a:bodyPr rtlCol="0" anchor="ctr"/>
+          <a:lstStyle/>
+          <a:p>
+            <a:pPr algn="ctr"/>
+            <a:endParaRPr lang="ko-KR" altLang="en-US"/>
+          </a:p>
+        </p:txBody>
+      </p:sp>
+      <p:pic>
+        <p:nvPicPr>
+          <p:cNvPr id="11" name="그림 10">
+            <a:extLst>
+              <a:ext uri="{FF2B5EF4-FFF2-40B4-BE49-F238E27FC236}">
+                <a16:creationId xmlns:a16="http://schemas.microsoft.com/office/drawing/2014/main" id="{DD44BD47-DA20-4397-9939-28A7F87AB49A}"/>
+              </a:ext>
+            </a:extLst>
+          </p:cNvPr>
+          <p:cNvPicPr>
+            <a:picLocks noChangeAspect="1"/>
+          </p:cNvPicPr>
+          <p:nvPr/>
+        </p:nvPicPr>
+        <p:blipFill rotWithShape="1">
+          <a:blip r:embed="rId3"/>
+          <a:srcRect l="58849"/>
+          <a:stretch/>
+        </p:blipFill>
+        <p:spPr>
+          <a:xfrm flipH="1">
+            <a:off x="5614624" y="4301593"/>
+            <a:ext cx="1389858" cy="2353260"/>
+          </a:xfrm>
+          <a:prstGeom prst="rect">
+            <a:avLst/>
+          </a:prstGeom>
+        </p:spPr>
+      </p:pic>
+      <p:pic>
+        <p:nvPicPr>
+          <p:cNvPr id="45" name="그림 44">
+            <a:extLst>
+              <a:ext uri="{FF2B5EF4-FFF2-40B4-BE49-F238E27FC236}">
+                <a16:creationId xmlns:a16="http://schemas.microsoft.com/office/drawing/2014/main" id="{F6093441-D149-4D75-96EC-85FA63A99C70}"/>
+              </a:ext>
+            </a:extLst>
+          </p:cNvPr>
+          <p:cNvPicPr>
+            <a:picLocks noChangeAspect="1"/>
+          </p:cNvPicPr>
+          <p:nvPr/>
+        </p:nvPicPr>
+        <p:blipFill rotWithShape="1">
+          <a:blip r:embed="rId3"/>
+          <a:srcRect r="60199"/>
+          <a:stretch/>
+        </p:blipFill>
+        <p:spPr>
+          <a:xfrm flipH="1">
+            <a:off x="8407848" y="4171634"/>
+            <a:ext cx="1344272" cy="2353260"/>
+          </a:xfrm>
+          <a:prstGeom prst="rect">
+            <a:avLst/>
+          </a:prstGeom>
+        </p:spPr>
+      </p:pic>
+      <p:sp>
+        <p:nvSpPr>
+          <p:cNvPr id="46" name="TextBox 45">
+            <a:extLst>
+              <a:ext uri="{FF2B5EF4-FFF2-40B4-BE49-F238E27FC236}">
+                <a16:creationId xmlns:a16="http://schemas.microsoft.com/office/drawing/2014/main" id="{DF61D39A-A590-4848-8BE2-90CE80400B3E}"/>
+              </a:ext>
+            </a:extLst>
+          </p:cNvPr>
+          <p:cNvSpPr txBox="1"/>
+          <p:nvPr/>
+        </p:nvSpPr>
+        <p:spPr>
+          <a:xfrm>
+            <a:off x="9379495" y="769308"/>
+            <a:ext cx="2209259" cy="1446550"/>
+          </a:xfrm>
+          <a:prstGeom prst="rect">
+            <a:avLst/>
+          </a:prstGeom>
+          <a:noFill/>
+        </p:spPr>
+        <p:txBody>
+          <a:bodyPr wrap="none" rtlCol="0">
+            <a:spAutoFit/>
+          </a:bodyPr>
+          <a:lstStyle/>
+          <a:p>
+            <a:r>
+              <a:rPr lang="en-US" altLang="ko-KR" sz="8800" dirty="0" err="1">
+                <a:latin typeface="Rix네온사인 Bold" panose="00000800000000000000" pitchFamily="2" charset="-127"/>
+                <a:ea typeface="Rix네온사인 Bold" panose="00000800000000000000" pitchFamily="2" charset="-127"/>
+              </a:rPr>
+              <a:t>J</a:t>
+            </a:r>
+            <a:r>
+              <a:rPr lang="en-US" altLang="ko-KR" sz="8800" dirty="0" err="1">
+                <a:solidFill>
+                  <a:schemeClr val="bg1"/>
+                </a:solidFill>
+                <a:latin typeface="Rix네온사인 Bold" panose="00000800000000000000" pitchFamily="2" charset="-127"/>
+                <a:ea typeface="Rix네온사인 Bold" panose="00000800000000000000" pitchFamily="2" charset="-127"/>
+              </a:rPr>
+              <a:t>2</a:t>
+            </a:r>
+            <a:r>
+              <a:rPr lang="en-US" altLang="ko-KR" sz="8800" dirty="0" err="1">
+                <a:latin typeface="Rix네온사인 Bold" panose="00000800000000000000" pitchFamily="2" charset="-127"/>
+                <a:ea typeface="Rix네온사인 Bold" panose="00000800000000000000" pitchFamily="2" charset="-127"/>
+              </a:rPr>
+              <a:t>Y</a:t>
+            </a:r>
+            <a:endParaRPr lang="ko-KR" altLang="en-US" sz="8800" dirty="0">
+              <a:latin typeface="Rix네온사인 Bold" panose="00000800000000000000" pitchFamily="2" charset="-127"/>
+              <a:ea typeface="Rix네온사인 Bold" panose="00000800000000000000" pitchFamily="2" charset="-127"/>
+            </a:endParaRPr>
+          </a:p>
+        </p:txBody>
+      </p:sp>
+      <p:pic>
+        <p:nvPicPr>
+          <p:cNvPr id="44" name="그림 43">
+            <a:extLst>
+              <a:ext uri="{FF2B5EF4-FFF2-40B4-BE49-F238E27FC236}">
+                <a16:creationId xmlns:a16="http://schemas.microsoft.com/office/drawing/2014/main" id="{6BC0AA48-B89C-40BE-8854-B1E9B4205F2C}"/>
+              </a:ext>
+            </a:extLst>
+          </p:cNvPr>
+          <p:cNvPicPr>
+            <a:picLocks noChangeAspect="1"/>
+          </p:cNvPicPr>
+          <p:nvPr/>
+        </p:nvPicPr>
+        <p:blipFill rotWithShape="1">
+          <a:blip r:embed="rId3"/>
+          <a:srcRect l="38530" r="39171"/>
+          <a:stretch/>
+        </p:blipFill>
+        <p:spPr>
+          <a:xfrm flipH="1">
+            <a:off x="10075158" y="505731"/>
+            <a:ext cx="753122" cy="2353260"/>
+          </a:xfrm>
+          <a:prstGeom prst="rect">
+            <a:avLst/>
+          </a:prstGeom>
+        </p:spPr>
+      </p:pic>
+    </p:spTree>
+    <p:extLst>
+      <p:ext uri="{BB962C8B-B14F-4D97-AF65-F5344CB8AC3E}">
+        <p14:creationId xmlns:p14="http://schemas.microsoft.com/office/powerpoint/2010/main" val="500352843"/>
+      </p:ext>
+    </p:extLst>
+  </p:cSld>
+  <p:clrMapOvr>
+    <a:masterClrMapping/>
+  </p:clrMapOvr>
+</p:sld>
+</file>
+
+<file path=ppt/slides/slide16.xml><?xml version="1.0" encoding="utf-8"?>
+<p:sld xmlns:a="http://schemas.openxmlformats.org/drawingml/2006/main" xmlns:r="http://schemas.openxmlformats.org/officeDocument/2006/relationships" xmlns:p="http://schemas.openxmlformats.org/presentationml/2006/main">
+  <p:cSld>
+    <p:spTree>
+      <p:nvGrpSpPr>
+        <p:cNvPr id="1" name=""/>
+        <p:cNvGrpSpPr/>
+        <p:nvPr/>
+      </p:nvGrpSpPr>
+      <p:grpSpPr>
+        <a:xfrm>
+          <a:off x="0" y="0"/>
+          <a:ext cx="0" cy="0"/>
+          <a:chOff x="0" y="0"/>
+          <a:chExt cx="0" cy="0"/>
+        </a:xfrm>
+      </p:grpSpPr>
+      <p:pic>
+        <p:nvPicPr>
+          <p:cNvPr id="41" name="그림 40">
+            <a:extLst>
+              <a:ext uri="{FF2B5EF4-FFF2-40B4-BE49-F238E27FC236}">
+                <a16:creationId xmlns:a16="http://schemas.microsoft.com/office/drawing/2014/main" id="{6171DA8B-11E4-4AE3-A9B0-0F62EFAF3479}"/>
+              </a:ext>
+            </a:extLst>
+          </p:cNvPr>
+          <p:cNvPicPr>
+            <a:picLocks noChangeAspect="1"/>
+          </p:cNvPicPr>
+          <p:nvPr/>
+        </p:nvPicPr>
+        <p:blipFill>
+          <a:blip r:embed="rId2"/>
+          <a:stretch>
+            <a:fillRect/>
+          </a:stretch>
+        </p:blipFill>
+        <p:spPr>
+          <a:xfrm>
+            <a:off x="2845348" y="0"/>
+            <a:ext cx="6501303" cy="6858000"/>
+          </a:xfrm>
+          <a:prstGeom prst="rect">
+            <a:avLst/>
+          </a:prstGeom>
+        </p:spPr>
+      </p:pic>
+      <p:pic>
+        <p:nvPicPr>
+          <p:cNvPr id="7" name="그림 6">
+            <a:extLst>
+              <a:ext uri="{FF2B5EF4-FFF2-40B4-BE49-F238E27FC236}">
+                <a16:creationId xmlns:a16="http://schemas.microsoft.com/office/drawing/2014/main" id="{C73F630B-ED67-468C-9709-741156632E61}"/>
+              </a:ext>
+            </a:extLst>
+          </p:cNvPr>
+          <p:cNvPicPr>
+            <a:picLocks noChangeAspect="1"/>
+          </p:cNvPicPr>
+          <p:nvPr/>
+        </p:nvPicPr>
+        <p:blipFill>
+          <a:blip r:embed="rId3">
+            <a:extLst>
+              <a:ext uri="{28A0092B-C50C-407E-A947-70E740481C1C}">
+                <a14:useLocalDpi xmlns:a14="http://schemas.microsoft.com/office/drawing/2010/main" val="0"/>
+              </a:ext>
+            </a:extLst>
+          </a:blip>
+          <a:stretch>
+            <a:fillRect/>
+          </a:stretch>
+        </p:blipFill>
+        <p:spPr>
+          <a:xfrm>
+            <a:off x="0" y="0"/>
+            <a:ext cx="4572000" cy="6858000"/>
+          </a:xfrm>
+          <a:prstGeom prst="rect">
+            <a:avLst/>
+          </a:prstGeom>
+        </p:spPr>
+      </p:pic>
+      <p:pic>
+        <p:nvPicPr>
+          <p:cNvPr id="10" name="그림 9">
+            <a:extLst>
+              <a:ext uri="{FF2B5EF4-FFF2-40B4-BE49-F238E27FC236}">
+                <a16:creationId xmlns:a16="http://schemas.microsoft.com/office/drawing/2014/main" id="{066EEB42-058F-4353-B31E-15572B52468C}"/>
+              </a:ext>
+            </a:extLst>
+          </p:cNvPr>
+          <p:cNvPicPr>
+            <a:picLocks noChangeAspect="1"/>
+          </p:cNvPicPr>
+          <p:nvPr/>
+        </p:nvPicPr>
+        <p:blipFill>
+          <a:blip r:embed="rId4"/>
+          <a:stretch>
+            <a:fillRect/>
+          </a:stretch>
+        </p:blipFill>
+        <p:spPr>
+          <a:xfrm rot="20573835">
+            <a:off x="5557421" y="2653814"/>
+            <a:ext cx="168676" cy="367048"/>
+          </a:xfrm>
+          <a:prstGeom prst="rect">
+            <a:avLst/>
+          </a:prstGeom>
+        </p:spPr>
+      </p:pic>
+      <p:pic>
+        <p:nvPicPr>
+          <p:cNvPr id="49" name="그림 48">
+            <a:extLst>
+              <a:ext uri="{FF2B5EF4-FFF2-40B4-BE49-F238E27FC236}">
+                <a16:creationId xmlns:a16="http://schemas.microsoft.com/office/drawing/2014/main" id="{9BE7A78E-CA4A-45D1-83E6-FCAD1B631C86}"/>
+              </a:ext>
+            </a:extLst>
+          </p:cNvPr>
+          <p:cNvPicPr>
+            <a:picLocks noChangeAspect="1"/>
+          </p:cNvPicPr>
+          <p:nvPr/>
+        </p:nvPicPr>
+        <p:blipFill rotWithShape="1">
+          <a:blip r:embed="rId5">
+            <a:duotone>
+              <a:schemeClr val="accent1">
+                <a:shade val="45000"/>
+                <a:satMod val="135000"/>
+              </a:schemeClr>
+              <a:prstClr val="white"/>
+            </a:duotone>
+            <a:extLst>
+              <a:ext uri="{BEBA8EAE-BF5A-486C-A8C5-ECC9F3942E4B}">
+                <a14:imgProps xmlns:a14="http://schemas.microsoft.com/office/drawing/2010/main">
+                  <a14:imgLayer r:embed="rId6">
+                    <a14:imgEffect>
+                      <a14:backgroundRemoval t="10000" b="90000" l="10000" r="90000">
+                        <a14:foregroundMark x1="54762" y1="44455" x2="55072" y2="52110"/>
+                        <a14:foregroundMark x1="55072" y1="52110" x2="55072" y2="52208"/>
+                        <a14:foregroundMark x1="62733" y1="42100" x2="59317" y2="49362"/>
+                        <a14:backgroundMark x1="59213" y1="53876" x2="62319" y2="53582"/>
+                        <a14:backgroundMark x1="62152" y1="48455" x2="63147" y2="47399"/>
+                        <a14:backgroundMark x1="60559" y1="50147" x2="60758" y2="49935"/>
+                        <a14:backgroundMark x1="59213" y1="52797" x2="62629" y2="47694"/>
+                        <a14:backgroundMark x1="60455" y1="49853" x2="61698" y2="49460"/>
+                        <a14:backgroundMark x1="62319" y1="48675" x2="63147" y2="47007"/>
+                      </a14:backgroundRemoval>
+                    </a14:imgEffect>
+                  </a14:imgLayer>
+                </a14:imgProps>
+              </a:ext>
+            </a:extLst>
+          </a:blip>
+          <a:srcRect l="42558" t="40400" r="34502" b="38111"/>
+          <a:stretch/>
+        </p:blipFill>
+        <p:spPr>
+          <a:xfrm>
+            <a:off x="8207406" y="2692153"/>
+            <a:ext cx="1491449" cy="1473693"/>
+          </a:xfrm>
+          <a:prstGeom prst="rect">
+            <a:avLst/>
+          </a:prstGeom>
+        </p:spPr>
+      </p:pic>
+    </p:spTree>
+    <p:extLst>
+      <p:ext uri="{BB962C8B-B14F-4D97-AF65-F5344CB8AC3E}">
+        <p14:creationId xmlns:p14="http://schemas.microsoft.com/office/powerpoint/2010/main" val="3477567667"/>
+      </p:ext>
+    </p:extLst>
+  </p:cSld>
+  <p:clrMapOvr>
+    <a:masterClrMapping/>
+  </p:clrMapOvr>
+</p:sld>
+</file>
+
+<file path=ppt/slides/slide17.xml><?xml version="1.0" encoding="utf-8"?>
+<p:sld xmlns:a="http://schemas.openxmlformats.org/drawingml/2006/main" xmlns:r="http://schemas.openxmlformats.org/officeDocument/2006/relationships" xmlns:p="http://schemas.openxmlformats.org/presentationml/2006/main">
+  <p:cSld>
+    <p:spTree>
+      <p:nvGrpSpPr>
+        <p:cNvPr id="1" name=""/>
+        <p:cNvGrpSpPr/>
+        <p:nvPr/>
+      </p:nvGrpSpPr>
+      <p:grpSpPr>
+        <a:xfrm>
+          <a:off x="0" y="0"/>
+          <a:ext cx="0" cy="0"/>
+          <a:chOff x="0" y="0"/>
+          <a:chExt cx="0" cy="0"/>
+        </a:xfrm>
+      </p:grpSpPr>
+      <p:pic>
+        <p:nvPicPr>
+          <p:cNvPr id="41" name="그림 40">
+            <a:extLst>
+              <a:ext uri="{FF2B5EF4-FFF2-40B4-BE49-F238E27FC236}">
+                <a16:creationId xmlns:a16="http://schemas.microsoft.com/office/drawing/2014/main" id="{6171DA8B-11E4-4AE3-A9B0-0F62EFAF3479}"/>
+              </a:ext>
+            </a:extLst>
+          </p:cNvPr>
+          <p:cNvPicPr>
+            <a:picLocks noChangeAspect="1"/>
+          </p:cNvPicPr>
+          <p:nvPr/>
+        </p:nvPicPr>
+        <p:blipFill>
+          <a:blip r:embed="rId2">
+            <a:extLst>
+              <a:ext uri="{BEBA8EAE-BF5A-486C-A8C5-ECC9F3942E4B}">
+                <a14:imgProps xmlns:a14="http://schemas.microsoft.com/office/drawing/2010/main">
+                  <a14:imgLayer r:embed="rId3">
+                    <a14:imgEffect>
+                      <a14:backgroundRemoval t="10000" b="90000" l="10000" r="90000">
+                        <a14:foregroundMark x1="43478" y1="51521" x2="44203" y2="53582"/>
+                      </a14:backgroundRemoval>
+                    </a14:imgEffect>
+                  </a14:imgLayer>
+                </a14:imgProps>
+              </a:ext>
+            </a:extLst>
+          </a:blip>
+          <a:stretch>
+            <a:fillRect/>
+          </a:stretch>
+        </p:blipFill>
+        <p:spPr>
+          <a:xfrm>
+            <a:off x="2845348" y="0"/>
+            <a:ext cx="6501303" cy="6858000"/>
+          </a:xfrm>
+          <a:prstGeom prst="rect">
+            <a:avLst/>
+          </a:prstGeom>
+        </p:spPr>
+      </p:pic>
+      <p:sp>
+        <p:nvSpPr>
+          <p:cNvPr id="2" name="눈물 방울 1">
+            <a:extLst>
+              <a:ext uri="{FF2B5EF4-FFF2-40B4-BE49-F238E27FC236}">
+                <a16:creationId xmlns:a16="http://schemas.microsoft.com/office/drawing/2014/main" id="{514ACEE4-B314-4D21-8807-02E9D4660BE4}"/>
+              </a:ext>
+            </a:extLst>
+          </p:cNvPr>
+          <p:cNvSpPr/>
+          <p:nvPr/>
+        </p:nvSpPr>
+        <p:spPr>
+          <a:xfrm rot="17944530">
+            <a:off x="5509048" y="2831293"/>
+            <a:ext cx="181566" cy="181566"/>
+          </a:xfrm>
+          <a:prstGeom prst="teardrop">
+            <a:avLst>
+              <a:gd name="adj" fmla="val 163793"/>
+            </a:avLst>
+          </a:prstGeom>
+          <a:solidFill>
+            <a:schemeClr val="tx1"/>
+          </a:solidFill>
+          <a:ln>
+            <a:noFill/>
+          </a:ln>
+        </p:spPr>
+        <p:style>
+          <a:lnRef idx="2">
+            <a:schemeClr val="accent1">
+              <a:shade val="50000"/>
+            </a:schemeClr>
+          </a:lnRef>
+          <a:fillRef idx="1">
+            <a:schemeClr val="accent1"/>
+          </a:fillRef>
+          <a:effectRef idx="0">
+            <a:schemeClr val="accent1"/>
+          </a:effectRef>
+          <a:fontRef idx="minor">
+            <a:schemeClr val="lt1"/>
+          </a:fontRef>
+        </p:style>
+        <p:txBody>
+          <a:bodyPr rtlCol="0" anchor="ctr"/>
+          <a:lstStyle/>
+          <a:p>
+            <a:pPr algn="ctr"/>
+            <a:endParaRPr lang="ko-KR" altLang="en-US"/>
+          </a:p>
+        </p:txBody>
+      </p:sp>
+    </p:spTree>
+    <p:extLst>
+      <p:ext uri="{BB962C8B-B14F-4D97-AF65-F5344CB8AC3E}">
+        <p14:creationId xmlns:p14="http://schemas.microsoft.com/office/powerpoint/2010/main" val="2889076829"/>
+      </p:ext>
+    </p:extLst>
+  </p:cSld>
+  <p:clrMapOvr>
+    <a:masterClrMapping/>
+  </p:clrMapOvr>
+</p:sld>
+</file>
+
+<file path=ppt/slides/slide18.xml><?xml version="1.0" encoding="utf-8"?>
+<p:sld xmlns:a="http://schemas.openxmlformats.org/drawingml/2006/main" xmlns:r="http://schemas.openxmlformats.org/officeDocument/2006/relationships" xmlns:p="http://schemas.openxmlformats.org/presentationml/2006/main">
+  <p:cSld>
+    <p:bg>
+      <p:bgPr>
+        <a:solidFill>
+          <a:schemeClr val="tx1"/>
+        </a:solidFill>
+        <a:effectLst/>
+      </p:bgPr>
+    </p:bg>
+    <p:spTree>
+      <p:nvGrpSpPr>
+        <p:cNvPr id="1" name=""/>
+        <p:cNvGrpSpPr/>
+        <p:nvPr/>
+      </p:nvGrpSpPr>
+      <p:grpSpPr>
+        <a:xfrm>
+          <a:off x="0" y="0"/>
+          <a:ext cx="0" cy="0"/>
+          <a:chOff x="0" y="0"/>
+          <a:chExt cx="0" cy="0"/>
+        </a:xfrm>
+      </p:grpSpPr>
+      <p:pic>
+        <p:nvPicPr>
+          <p:cNvPr id="4" name="그림 3">
+            <a:extLst>
+              <a:ext uri="{FF2B5EF4-FFF2-40B4-BE49-F238E27FC236}">
+                <a16:creationId xmlns:a16="http://schemas.microsoft.com/office/drawing/2014/main" id="{E90CE172-0F8D-4C68-9488-1A8DCF81902F}"/>
+              </a:ext>
+            </a:extLst>
+          </p:cNvPr>
+          <p:cNvPicPr>
+            <a:picLocks noChangeAspect="1"/>
+          </p:cNvPicPr>
+          <p:nvPr/>
+        </p:nvPicPr>
+        <p:blipFill>
+          <a:blip r:embed="rId2">
+            <a:lum bright="70000" contrast="-70000"/>
+            <a:extLst>
+              <a:ext uri="{BEBA8EAE-BF5A-486C-A8C5-ECC9F3942E4B}">
+                <a14:imgProps xmlns:a14="http://schemas.microsoft.com/office/drawing/2010/main">
+                  <a14:imgLayer r:embed="rId3">
+                    <a14:imgEffect>
+                      <a14:backgroundRemoval t="10000" b="90000" l="10000" r="90000">
+                        <a14:foregroundMark x1="43168" y1="51129" x2="44306" y2="52404"/>
+                      </a14:backgroundRemoval>
+                    </a14:imgEffect>
+                  </a14:imgLayer>
+                </a14:imgProps>
+              </a:ext>
+            </a:extLst>
+          </a:blip>
+          <a:stretch>
+            <a:fillRect/>
+          </a:stretch>
+        </p:blipFill>
+        <p:spPr>
+          <a:xfrm>
+            <a:off x="2845349" y="0"/>
+            <a:ext cx="6501303" cy="6858000"/>
+          </a:xfrm>
+          <a:prstGeom prst="rect">
+            <a:avLst/>
+          </a:prstGeom>
+        </p:spPr>
+      </p:pic>
+      <p:pic>
+        <p:nvPicPr>
+          <p:cNvPr id="5" name="그림 4">
+            <a:extLst>
+              <a:ext uri="{FF2B5EF4-FFF2-40B4-BE49-F238E27FC236}">
+                <a16:creationId xmlns:a16="http://schemas.microsoft.com/office/drawing/2014/main" id="{152AB1B1-189E-482B-81EE-0D5FB92FCA95}"/>
+              </a:ext>
+            </a:extLst>
+          </p:cNvPr>
+          <p:cNvPicPr>
+            <a:picLocks noChangeAspect="1"/>
+          </p:cNvPicPr>
+          <p:nvPr/>
+        </p:nvPicPr>
+        <p:blipFill>
+          <a:blip r:embed="rId4">
+            <a:lum bright="70000" contrast="-70000"/>
+          </a:blip>
+          <a:stretch>
+            <a:fillRect/>
+          </a:stretch>
+        </p:blipFill>
+        <p:spPr>
+          <a:xfrm rot="20573835">
+            <a:off x="5557421" y="2653814"/>
+            <a:ext cx="168676" cy="367048"/>
+          </a:xfrm>
+          <a:prstGeom prst="rect">
+            <a:avLst/>
+          </a:prstGeom>
+        </p:spPr>
+      </p:pic>
+      <p:sp>
+        <p:nvSpPr>
+          <p:cNvPr id="6" name="TextBox 5">
+            <a:extLst>
+              <a:ext uri="{FF2B5EF4-FFF2-40B4-BE49-F238E27FC236}">
+                <a16:creationId xmlns:a16="http://schemas.microsoft.com/office/drawing/2014/main" id="{29C1D74A-5184-408C-B6A8-B0CD4012541A}"/>
+              </a:ext>
+            </a:extLst>
+          </p:cNvPr>
+          <p:cNvSpPr txBox="1"/>
+          <p:nvPr/>
+        </p:nvSpPr>
+        <p:spPr>
+          <a:xfrm>
+            <a:off x="5208233" y="4350058"/>
+            <a:ext cx="1775534" cy="430887"/>
+          </a:xfrm>
+          <a:prstGeom prst="rect">
+            <a:avLst/>
+          </a:prstGeom>
+          <a:noFill/>
+        </p:spPr>
+        <p:txBody>
+          <a:bodyPr wrap="square" rtlCol="0">
+            <a:spAutoFit/>
+          </a:bodyPr>
+          <a:lstStyle/>
+          <a:p>
+            <a:pPr algn="ctr"/>
+            <a:r>
+              <a:rPr lang="en-US" altLang="ko-KR" sz="1100" dirty="0">
+                <a:solidFill>
+                  <a:schemeClr val="bg1"/>
+                </a:solidFill>
+                <a:latin typeface="LG PC" panose="02030504000101010101" pitchFamily="18" charset="-127"/>
+                <a:ea typeface="LG PC" panose="02030504000101010101" pitchFamily="18" charset="-127"/>
+              </a:rPr>
+              <a:t>Jo </a:t>
+            </a:r>
+            <a:r>
+              <a:rPr lang="en-US" altLang="ko-KR" sz="1100" dirty="0" err="1">
+                <a:solidFill>
+                  <a:schemeClr val="bg1"/>
+                </a:solidFill>
+                <a:latin typeface="LG PC" panose="02030504000101010101" pitchFamily="18" charset="-127"/>
+                <a:ea typeface="LG PC" panose="02030504000101010101" pitchFamily="18" charset="-127"/>
+              </a:rPr>
+              <a:t>Yunyeong</a:t>
+            </a:r>
+            <a:endParaRPr lang="en-US" altLang="ko-KR" sz="1100" dirty="0">
+              <a:solidFill>
+                <a:schemeClr val="bg1"/>
+              </a:solidFill>
+              <a:latin typeface="LG PC" panose="02030504000101010101" pitchFamily="18" charset="-127"/>
+              <a:ea typeface="LG PC" panose="02030504000101010101" pitchFamily="18" charset="-127"/>
+            </a:endParaRPr>
+          </a:p>
+          <a:p>
+            <a:pPr algn="ctr"/>
+            <a:r>
+              <a:rPr lang="en-US" altLang="ko-KR" sz="1100" dirty="0">
+                <a:solidFill>
+                  <a:schemeClr val="bg1"/>
+                </a:solidFill>
+                <a:latin typeface="LG PC" panose="02030504000101010101" pitchFamily="18" charset="-127"/>
+                <a:ea typeface="LG PC" panose="02030504000101010101" pitchFamily="18" charset="-127"/>
+              </a:rPr>
+              <a:t> in Game Engineering, </a:t>
+            </a:r>
+            <a:r>
+              <a:rPr lang="en-US" altLang="ko-KR" sz="1100" dirty="0" err="1">
+                <a:solidFill>
+                  <a:schemeClr val="bg1"/>
+                </a:solidFill>
+                <a:latin typeface="LG PC" panose="02030504000101010101" pitchFamily="18" charset="-127"/>
+                <a:ea typeface="LG PC" panose="02030504000101010101" pitchFamily="18" charset="-127"/>
+              </a:rPr>
+              <a:t>KPU</a:t>
+            </a:r>
+            <a:endParaRPr lang="en-US" altLang="ko-KR" sz="1100" dirty="0">
+              <a:solidFill>
+                <a:schemeClr val="bg1"/>
+              </a:solidFill>
+              <a:latin typeface="LG PC" panose="02030504000101010101" pitchFamily="18" charset="-127"/>
+              <a:ea typeface="LG PC" panose="02030504000101010101" pitchFamily="18" charset="-127"/>
+            </a:endParaRPr>
+          </a:p>
+        </p:txBody>
+      </p:sp>
+    </p:spTree>
+    <p:extLst>
+      <p:ext uri="{BB962C8B-B14F-4D97-AF65-F5344CB8AC3E}">
+        <p14:creationId xmlns:p14="http://schemas.microsoft.com/office/powerpoint/2010/main" val="4040348534"/>
+      </p:ext>
+    </p:extLst>
+  </p:cSld>
+  <p:clrMapOvr>
+    <a:masterClrMapping/>
+  </p:clrMapOvr>
+</p:sld>
+</file>
+
+<file path=ppt/slides/slide19.xml><?xml version="1.0" encoding="utf-8"?>
+<p:sld xmlns:a="http://schemas.openxmlformats.org/drawingml/2006/main" xmlns:r="http://schemas.openxmlformats.org/officeDocument/2006/relationships" xmlns:p="http://schemas.openxmlformats.org/presentationml/2006/main">
+  <p:cSld>
+    <p:bg>
+      <p:bgPr>
+        <a:solidFill>
+          <a:schemeClr val="tx1"/>
+        </a:solidFill>
+        <a:effectLst/>
+      </p:bgPr>
+    </p:bg>
+    <p:spTree>
+      <p:nvGrpSpPr>
+        <p:cNvPr id="1" name=""/>
+        <p:cNvGrpSpPr/>
+        <p:nvPr/>
+      </p:nvGrpSpPr>
+      <p:grpSpPr>
+        <a:xfrm>
+          <a:off x="0" y="0"/>
+          <a:ext cx="0" cy="0"/>
+          <a:chOff x="0" y="0"/>
+          <a:chExt cx="0" cy="0"/>
+        </a:xfrm>
+      </p:grpSpPr>
+      <p:grpSp>
+        <p:nvGrpSpPr>
+          <p:cNvPr id="2" name="그룹 1">
+            <a:extLst>
+              <a:ext uri="{FF2B5EF4-FFF2-40B4-BE49-F238E27FC236}">
+                <a16:creationId xmlns:a16="http://schemas.microsoft.com/office/drawing/2014/main" id="{A610CD40-D91A-4627-8787-813045B504D3}"/>
+              </a:ext>
+            </a:extLst>
+          </p:cNvPr>
+          <p:cNvGrpSpPr/>
+          <p:nvPr/>
+        </p:nvGrpSpPr>
+        <p:grpSpPr>
+          <a:xfrm>
+            <a:off x="2845349" y="0"/>
+            <a:ext cx="6501303" cy="6858000"/>
+            <a:chOff x="2845349" y="0"/>
+            <a:chExt cx="6501303" cy="6858000"/>
+          </a:xfrm>
+        </p:grpSpPr>
+        <p:pic>
+          <p:nvPicPr>
+            <p:cNvPr id="4" name="그림 3">
+              <a:extLst>
+                <a:ext uri="{FF2B5EF4-FFF2-40B4-BE49-F238E27FC236}">
+                  <a16:creationId xmlns:a16="http://schemas.microsoft.com/office/drawing/2014/main" id="{E90CE172-0F8D-4C68-9488-1A8DCF81902F}"/>
+                </a:ext>
+              </a:extLst>
+            </p:cNvPr>
+            <p:cNvPicPr>
+              <a:picLocks noChangeAspect="1"/>
+            </p:cNvPicPr>
+            <p:nvPr/>
+          </p:nvPicPr>
+          <p:blipFill>
+            <a:blip r:embed="rId2">
+              <a:lum bright="70000" contrast="-70000"/>
+              <a:extLst>
+                <a:ext uri="{BEBA8EAE-BF5A-486C-A8C5-ECC9F3942E4B}">
+                  <a14:imgProps xmlns:a14="http://schemas.microsoft.com/office/drawing/2010/main">
+                    <a14:imgLayer r:embed="rId3">
+                      <a14:imgEffect>
+                        <a14:backgroundRemoval t="10000" b="90000" l="10000" r="90000">
+                          <a14:foregroundMark x1="43168" y1="51129" x2="44306" y2="52404"/>
+                        </a14:backgroundRemoval>
+                      </a14:imgEffect>
+                    </a14:imgLayer>
+                  </a14:imgProps>
+                </a:ext>
+              </a:extLst>
+            </a:blip>
+            <a:stretch>
+              <a:fillRect/>
+            </a:stretch>
+          </p:blipFill>
+          <p:spPr>
+            <a:xfrm>
+              <a:off x="2845349" y="0"/>
+              <a:ext cx="6501303" cy="6858000"/>
+            </a:xfrm>
+            <a:prstGeom prst="rect">
+              <a:avLst/>
+            </a:prstGeom>
+          </p:spPr>
+        </p:pic>
+        <p:pic>
+          <p:nvPicPr>
+            <p:cNvPr id="5" name="그림 4">
+              <a:extLst>
+                <a:ext uri="{FF2B5EF4-FFF2-40B4-BE49-F238E27FC236}">
+                  <a16:creationId xmlns:a16="http://schemas.microsoft.com/office/drawing/2014/main" id="{152AB1B1-189E-482B-81EE-0D5FB92FCA95}"/>
+                </a:ext>
+              </a:extLst>
+            </p:cNvPr>
+            <p:cNvPicPr>
+              <a:picLocks noChangeAspect="1"/>
+            </p:cNvPicPr>
+            <p:nvPr/>
+          </p:nvPicPr>
+          <p:blipFill>
+            <a:blip r:embed="rId4">
+              <a:lum bright="70000" contrast="-70000"/>
+            </a:blip>
+            <a:stretch>
+              <a:fillRect/>
+            </a:stretch>
+          </p:blipFill>
+          <p:spPr>
+            <a:xfrm rot="20573835">
+              <a:off x="5557421" y="2653814"/>
+              <a:ext cx="168676" cy="367048"/>
+            </a:xfrm>
+            <a:prstGeom prst="rect">
+              <a:avLst/>
+            </a:prstGeom>
+          </p:spPr>
+        </p:pic>
+      </p:grpSp>
+    </p:spTree>
+    <p:extLst>
+      <p:ext uri="{BB962C8B-B14F-4D97-AF65-F5344CB8AC3E}">
+        <p14:creationId xmlns:p14="http://schemas.microsoft.com/office/powerpoint/2010/main" val="1157513526"/>
+      </p:ext>
+    </p:extLst>
+  </p:cSld>
+  <p:clrMapOvr>
+    <a:masterClrMapping/>
+  </p:clrMapOvr>
+</p:sld>
+</file>
+
 <file path=ppt/slides/slide2.xml><?xml version="1.0" encoding="utf-8"?>
 <p:sld xmlns:a="http://schemas.openxmlformats.org/drawingml/2006/main" xmlns:r="http://schemas.openxmlformats.org/officeDocument/2006/relationships" xmlns:p="http://schemas.openxmlformats.org/presentationml/2006/main">
   <p:cSld>
@@ -7548,6 +10719,128 @@
     <p:extLst>
       <p:ext uri="{BB962C8B-B14F-4D97-AF65-F5344CB8AC3E}">
         <p14:creationId xmlns:p14="http://schemas.microsoft.com/office/powerpoint/2010/main" val="3991446898"/>
+      </p:ext>
+    </p:extLst>
+  </p:cSld>
+  <p:clrMapOvr>
+    <a:masterClrMapping/>
+  </p:clrMapOvr>
+</p:sld>
+</file>
+
+<file path=ppt/slides/slide20.xml><?xml version="1.0" encoding="utf-8"?>
+<p:sld xmlns:a="http://schemas.openxmlformats.org/drawingml/2006/main" xmlns:r="http://schemas.openxmlformats.org/officeDocument/2006/relationships" xmlns:p="http://schemas.openxmlformats.org/presentationml/2006/main">
+  <p:cSld>
+    <p:bg>
+      <p:bgPr>
+        <a:solidFill>
+          <a:schemeClr val="bg1"/>
+        </a:solidFill>
+        <a:effectLst/>
+      </p:bgPr>
+    </p:bg>
+    <p:spTree>
+      <p:nvGrpSpPr>
+        <p:cNvPr id="1" name=""/>
+        <p:cNvGrpSpPr/>
+        <p:nvPr/>
+      </p:nvGrpSpPr>
+      <p:grpSpPr>
+        <a:xfrm>
+          <a:off x="0" y="0"/>
+          <a:ext cx="0" cy="0"/>
+          <a:chOff x="0" y="0"/>
+          <a:chExt cx="0" cy="0"/>
+        </a:xfrm>
+      </p:grpSpPr>
+      <p:pic>
+        <p:nvPicPr>
+          <p:cNvPr id="6" name="그림 5">
+            <a:extLst>
+              <a:ext uri="{FF2B5EF4-FFF2-40B4-BE49-F238E27FC236}">
+                <a16:creationId xmlns:a16="http://schemas.microsoft.com/office/drawing/2014/main" id="{9138A0B4-3649-4CCD-81FF-5604D91DAD52}"/>
+              </a:ext>
+            </a:extLst>
+          </p:cNvPr>
+          <p:cNvPicPr>
+            <a:picLocks noChangeAspect="1"/>
+          </p:cNvPicPr>
+          <p:nvPr/>
+        </p:nvPicPr>
+        <p:blipFill>
+          <a:blip r:embed="rId2">
+            <a:extLst>
+              <a:ext uri="{28A0092B-C50C-407E-A947-70E740481C1C}">
+                <a14:useLocalDpi xmlns:a14="http://schemas.microsoft.com/office/drawing/2010/main" val="0"/>
+              </a:ext>
+            </a:extLst>
+          </a:blip>
+          <a:stretch>
+            <a:fillRect/>
+          </a:stretch>
+        </p:blipFill>
+        <p:spPr>
+          <a:xfrm>
+            <a:off x="1077020" y="643466"/>
+            <a:ext cx="10037959" cy="5571067"/>
+          </a:xfrm>
+          <a:prstGeom prst="rect">
+            <a:avLst/>
+          </a:prstGeom>
+        </p:spPr>
+      </p:pic>
+      <p:sp>
+        <p:nvSpPr>
+          <p:cNvPr id="7" name="TextBox 6">
+            <a:extLst>
+              <a:ext uri="{FF2B5EF4-FFF2-40B4-BE49-F238E27FC236}">
+                <a16:creationId xmlns:a16="http://schemas.microsoft.com/office/drawing/2014/main" id="{CCCDEAB9-859F-4393-8853-19312963EBFF}"/>
+              </a:ext>
+            </a:extLst>
+          </p:cNvPr>
+          <p:cNvSpPr txBox="1"/>
+          <p:nvPr/>
+        </p:nvSpPr>
+        <p:spPr>
+          <a:xfrm>
+            <a:off x="4648360" y="5008180"/>
+            <a:ext cx="2895280" cy="369332"/>
+          </a:xfrm>
+          <a:prstGeom prst="rect">
+            <a:avLst/>
+          </a:prstGeom>
+          <a:noFill/>
+        </p:spPr>
+        <p:txBody>
+          <a:bodyPr wrap="none" rtlCol="0">
+            <a:spAutoFit/>
+          </a:bodyPr>
+          <a:lstStyle/>
+          <a:p>
+            <a:r>
+              <a:rPr lang="en-US" altLang="ko-KR" dirty="0">
+                <a:solidFill>
+                  <a:schemeClr val="bg1"/>
+                </a:solidFill>
+                <a:latin typeface="HU몽키바나나120" panose="02020603020101020101" pitchFamily="18" charset="-127"/>
+                <a:ea typeface="HU몽키바나나120" panose="02020603020101020101" pitchFamily="18" charset="-127"/>
+              </a:rPr>
+              <a:t>PRESS SPACE TO START</a:t>
+            </a:r>
+            <a:endParaRPr lang="ko-KR" altLang="en-US" dirty="0">
+              <a:solidFill>
+                <a:schemeClr val="bg1"/>
+              </a:solidFill>
+              <a:latin typeface="HU몽키바나나120" panose="02020603020101020101" pitchFamily="18" charset="-127"/>
+              <a:ea typeface="HU몽키바나나120" panose="02020603020101020101" pitchFamily="18" charset="-127"/>
+            </a:endParaRPr>
+          </a:p>
+        </p:txBody>
+      </p:sp>
+    </p:spTree>
+    <p:extLst>
+      <p:ext uri="{BB962C8B-B14F-4D97-AF65-F5344CB8AC3E}">
+        <p14:creationId xmlns:p14="http://schemas.microsoft.com/office/powerpoint/2010/main" val="3341943943"/>
       </p:ext>
     </p:extLst>
   </p:cSld>

--- a/제작.pptx
+++ b/제작.pptx
@@ -25,6 +25,7 @@
     <p:sldId id="273" r:id="rId19"/>
     <p:sldId id="274" r:id="rId20"/>
     <p:sldId id="275" r:id="rId21"/>
+    <p:sldId id="276" r:id="rId22"/>
   </p:sldIdLst>
   <p:sldSz cx="12192000" cy="6858000"/>
   <p:notesSz cx="6858000" cy="9144000"/>
@@ -282,7 +283,7 @@
           <a:p>
             <a:fld id="{667511D5-E30B-4E6C-8572-0CA724416369}" type="datetimeFigureOut">
               <a:rPr lang="ko-KR" altLang="en-US" smtClean="0"/>
-              <a:t>2017-12-23</a:t>
+              <a:t>2017-12-24</a:t>
             </a:fld>
             <a:endParaRPr lang="ko-KR" altLang="en-US"/>
           </a:p>
@@ -480,7 +481,7 @@
           <a:p>
             <a:fld id="{667511D5-E30B-4E6C-8572-0CA724416369}" type="datetimeFigureOut">
               <a:rPr lang="ko-KR" altLang="en-US" smtClean="0"/>
-              <a:t>2017-12-23</a:t>
+              <a:t>2017-12-24</a:t>
             </a:fld>
             <a:endParaRPr lang="ko-KR" altLang="en-US"/>
           </a:p>
@@ -688,7 +689,7 @@
           <a:p>
             <a:fld id="{667511D5-E30B-4E6C-8572-0CA724416369}" type="datetimeFigureOut">
               <a:rPr lang="ko-KR" altLang="en-US" smtClean="0"/>
-              <a:t>2017-12-23</a:t>
+              <a:t>2017-12-24</a:t>
             </a:fld>
             <a:endParaRPr lang="ko-KR" altLang="en-US"/>
           </a:p>
@@ -886,7 +887,7 @@
           <a:p>
             <a:fld id="{667511D5-E30B-4E6C-8572-0CA724416369}" type="datetimeFigureOut">
               <a:rPr lang="ko-KR" altLang="en-US" smtClean="0"/>
-              <a:t>2017-12-23</a:t>
+              <a:t>2017-12-24</a:t>
             </a:fld>
             <a:endParaRPr lang="ko-KR" altLang="en-US"/>
           </a:p>
@@ -1161,7 +1162,7 @@
           <a:p>
             <a:fld id="{667511D5-E30B-4E6C-8572-0CA724416369}" type="datetimeFigureOut">
               <a:rPr lang="ko-KR" altLang="en-US" smtClean="0"/>
-              <a:t>2017-12-23</a:t>
+              <a:t>2017-12-24</a:t>
             </a:fld>
             <a:endParaRPr lang="ko-KR" altLang="en-US"/>
           </a:p>
@@ -1426,7 +1427,7 @@
           <a:p>
             <a:fld id="{667511D5-E30B-4E6C-8572-0CA724416369}" type="datetimeFigureOut">
               <a:rPr lang="ko-KR" altLang="en-US" smtClean="0"/>
-              <a:t>2017-12-23</a:t>
+              <a:t>2017-12-24</a:t>
             </a:fld>
             <a:endParaRPr lang="ko-KR" altLang="en-US"/>
           </a:p>
@@ -1838,7 +1839,7 @@
           <a:p>
             <a:fld id="{667511D5-E30B-4E6C-8572-0CA724416369}" type="datetimeFigureOut">
               <a:rPr lang="ko-KR" altLang="en-US" smtClean="0"/>
-              <a:t>2017-12-23</a:t>
+              <a:t>2017-12-24</a:t>
             </a:fld>
             <a:endParaRPr lang="ko-KR" altLang="en-US"/>
           </a:p>
@@ -1979,7 +1980,7 @@
           <a:p>
             <a:fld id="{667511D5-E30B-4E6C-8572-0CA724416369}" type="datetimeFigureOut">
               <a:rPr lang="ko-KR" altLang="en-US" smtClean="0"/>
-              <a:t>2017-12-23</a:t>
+              <a:t>2017-12-24</a:t>
             </a:fld>
             <a:endParaRPr lang="ko-KR" altLang="en-US"/>
           </a:p>
@@ -2092,7 +2093,7 @@
           <a:p>
             <a:fld id="{667511D5-E30B-4E6C-8572-0CA724416369}" type="datetimeFigureOut">
               <a:rPr lang="ko-KR" altLang="en-US" smtClean="0"/>
-              <a:t>2017-12-23</a:t>
+              <a:t>2017-12-24</a:t>
             </a:fld>
             <a:endParaRPr lang="ko-KR" altLang="en-US"/>
           </a:p>
@@ -2403,7 +2404,7 @@
           <a:p>
             <a:fld id="{667511D5-E30B-4E6C-8572-0CA724416369}" type="datetimeFigureOut">
               <a:rPr lang="ko-KR" altLang="en-US" smtClean="0"/>
-              <a:t>2017-12-23</a:t>
+              <a:t>2017-12-24</a:t>
             </a:fld>
             <a:endParaRPr lang="ko-KR" altLang="en-US"/>
           </a:p>
@@ -2691,7 +2692,7 @@
           <a:p>
             <a:fld id="{667511D5-E30B-4E6C-8572-0CA724416369}" type="datetimeFigureOut">
               <a:rPr lang="ko-KR" altLang="en-US" smtClean="0"/>
-              <a:t>2017-12-23</a:t>
+              <a:t>2017-12-24</a:t>
             </a:fld>
             <a:endParaRPr lang="ko-KR" altLang="en-US"/>
           </a:p>
@@ -2932,7 +2933,7 @@
           <a:p>
             <a:fld id="{667511D5-E30B-4E6C-8572-0CA724416369}" type="datetimeFigureOut">
               <a:rPr lang="ko-KR" altLang="en-US" smtClean="0"/>
-              <a:t>2017-12-23</a:t>
+              <a:t>2017-12-24</a:t>
             </a:fld>
             <a:endParaRPr lang="ko-KR" altLang="en-US"/>
           </a:p>
@@ -10850,6 +10851,424 @@
 </p:sld>
 </file>
 
+<file path=ppt/slides/slide21.xml><?xml version="1.0" encoding="utf-8"?>
+<p:sld xmlns:a="http://schemas.openxmlformats.org/drawingml/2006/main" xmlns:r="http://schemas.openxmlformats.org/officeDocument/2006/relationships" xmlns:p="http://schemas.openxmlformats.org/presentationml/2006/main">
+  <p:cSld>
+    <p:bg>
+      <p:bgPr>
+        <a:solidFill>
+          <a:schemeClr val="bg1"/>
+        </a:solidFill>
+        <a:effectLst/>
+      </p:bgPr>
+    </p:bg>
+    <p:spTree>
+      <p:nvGrpSpPr>
+        <p:cNvPr id="1" name=""/>
+        <p:cNvGrpSpPr/>
+        <p:nvPr/>
+      </p:nvGrpSpPr>
+      <p:grpSpPr>
+        <a:xfrm>
+          <a:off x="0" y="0"/>
+          <a:ext cx="0" cy="0"/>
+          <a:chOff x="0" y="0"/>
+          <a:chExt cx="0" cy="0"/>
+        </a:xfrm>
+      </p:grpSpPr>
+      <p:pic>
+        <p:nvPicPr>
+          <p:cNvPr id="3" name="그림 2">
+            <a:extLst>
+              <a:ext uri="{FF2B5EF4-FFF2-40B4-BE49-F238E27FC236}">
+                <a16:creationId xmlns:a16="http://schemas.microsoft.com/office/drawing/2014/main" id="{70FEC2F1-7A8D-4199-BDBA-E589EBB63F8B}"/>
+              </a:ext>
+            </a:extLst>
+          </p:cNvPr>
+          <p:cNvPicPr>
+            <a:picLocks noChangeAspect="1"/>
+          </p:cNvPicPr>
+          <p:nvPr/>
+        </p:nvPicPr>
+        <p:blipFill>
+          <a:blip r:embed="rId2">
+            <a:extLst>
+              <a:ext uri="{28A0092B-C50C-407E-A947-70E740481C1C}">
+                <a14:useLocalDpi xmlns:a14="http://schemas.microsoft.com/office/drawing/2010/main" val="0"/>
+              </a:ext>
+            </a:extLst>
+          </a:blip>
+          <a:stretch>
+            <a:fillRect/>
+          </a:stretch>
+        </p:blipFill>
+        <p:spPr>
+          <a:xfrm>
+            <a:off x="540297" y="1974221"/>
+            <a:ext cx="1771897" cy="1152686"/>
+          </a:xfrm>
+          <a:prstGeom prst="rect">
+            <a:avLst/>
+          </a:prstGeom>
+        </p:spPr>
+      </p:pic>
+      <p:pic>
+        <p:nvPicPr>
+          <p:cNvPr id="5" name="그림 4">
+            <a:extLst>
+              <a:ext uri="{FF2B5EF4-FFF2-40B4-BE49-F238E27FC236}">
+                <a16:creationId xmlns:a16="http://schemas.microsoft.com/office/drawing/2014/main" id="{D7B5E906-F801-4878-8C7F-9468C9190E77}"/>
+              </a:ext>
+            </a:extLst>
+          </p:cNvPr>
+          <p:cNvPicPr>
+            <a:picLocks noChangeAspect="1"/>
+          </p:cNvPicPr>
+          <p:nvPr/>
+        </p:nvPicPr>
+        <p:blipFill>
+          <a:blip r:embed="rId3">
+            <a:extLst>
+              <a:ext uri="{28A0092B-C50C-407E-A947-70E740481C1C}">
+                <a14:useLocalDpi xmlns:a14="http://schemas.microsoft.com/office/drawing/2010/main" val="0"/>
+              </a:ext>
+            </a:extLst>
+          </a:blip>
+          <a:stretch>
+            <a:fillRect/>
+          </a:stretch>
+        </p:blipFill>
+        <p:spPr>
+          <a:xfrm>
+            <a:off x="-245213" y="3126907"/>
+            <a:ext cx="2306684" cy="1218481"/>
+          </a:xfrm>
+          <a:prstGeom prst="rect">
+            <a:avLst/>
+          </a:prstGeom>
+        </p:spPr>
+      </p:pic>
+      <p:pic>
+        <p:nvPicPr>
+          <p:cNvPr id="9" name="그림 8">
+            <a:extLst>
+              <a:ext uri="{FF2B5EF4-FFF2-40B4-BE49-F238E27FC236}">
+                <a16:creationId xmlns:a16="http://schemas.microsoft.com/office/drawing/2014/main" id="{D39ADA2B-1A90-489A-B7FE-6E37F59A1886}"/>
+              </a:ext>
+            </a:extLst>
+          </p:cNvPr>
+          <p:cNvPicPr>
+            <a:picLocks noChangeAspect="1"/>
+          </p:cNvPicPr>
+          <p:nvPr/>
+        </p:nvPicPr>
+        <p:blipFill>
+          <a:blip r:embed="rId4">
+            <a:extLst>
+              <a:ext uri="{28A0092B-C50C-407E-A947-70E740481C1C}">
+                <a14:useLocalDpi xmlns:a14="http://schemas.microsoft.com/office/drawing/2010/main" val="0"/>
+              </a:ext>
+            </a:extLst>
+          </a:blip>
+          <a:stretch>
+            <a:fillRect/>
+          </a:stretch>
+        </p:blipFill>
+        <p:spPr>
+          <a:xfrm>
+            <a:off x="2918814" y="473944"/>
+            <a:ext cx="1905266" cy="1286054"/>
+          </a:xfrm>
+          <a:prstGeom prst="rect">
+            <a:avLst/>
+          </a:prstGeom>
+        </p:spPr>
+      </p:pic>
+      <p:pic>
+        <p:nvPicPr>
+          <p:cNvPr id="11" name="그림 10">
+            <a:extLst>
+              <a:ext uri="{FF2B5EF4-FFF2-40B4-BE49-F238E27FC236}">
+                <a16:creationId xmlns:a16="http://schemas.microsoft.com/office/drawing/2014/main" id="{F599474D-A354-4D22-B352-F3E4429C4AA5}"/>
+              </a:ext>
+            </a:extLst>
+          </p:cNvPr>
+          <p:cNvPicPr>
+            <a:picLocks noChangeAspect="1"/>
+          </p:cNvPicPr>
+          <p:nvPr/>
+        </p:nvPicPr>
+        <p:blipFill>
+          <a:blip r:embed="rId4">
+            <a:extLst>
+              <a:ext uri="{28A0092B-C50C-407E-A947-70E740481C1C}">
+                <a14:useLocalDpi xmlns:a14="http://schemas.microsoft.com/office/drawing/2010/main" val="0"/>
+              </a:ext>
+            </a:extLst>
+          </a:blip>
+          <a:stretch>
+            <a:fillRect/>
+          </a:stretch>
+        </p:blipFill>
+        <p:spPr>
+          <a:xfrm>
+            <a:off x="540297" y="473944"/>
+            <a:ext cx="1905266" cy="1286054"/>
+          </a:xfrm>
+          <a:prstGeom prst="rect">
+            <a:avLst/>
+          </a:prstGeom>
+        </p:spPr>
+      </p:pic>
+      <p:pic>
+        <p:nvPicPr>
+          <p:cNvPr id="13" name="그림 12">
+            <a:extLst>
+              <a:ext uri="{FF2B5EF4-FFF2-40B4-BE49-F238E27FC236}">
+                <a16:creationId xmlns:a16="http://schemas.microsoft.com/office/drawing/2014/main" id="{B7C272E6-21D3-4682-A97E-DC125CA8214A}"/>
+              </a:ext>
+            </a:extLst>
+          </p:cNvPr>
+          <p:cNvPicPr>
+            <a:picLocks noChangeAspect="1"/>
+          </p:cNvPicPr>
+          <p:nvPr/>
+        </p:nvPicPr>
+        <p:blipFill>
+          <a:blip r:embed="rId2">
+            <a:extLst>
+              <a:ext uri="{28A0092B-C50C-407E-A947-70E740481C1C}">
+                <a14:useLocalDpi xmlns:a14="http://schemas.microsoft.com/office/drawing/2010/main" val="0"/>
+              </a:ext>
+            </a:extLst>
+          </a:blip>
+          <a:stretch>
+            <a:fillRect/>
+          </a:stretch>
+        </p:blipFill>
+        <p:spPr>
+          <a:xfrm>
+            <a:off x="2985498" y="1974221"/>
+            <a:ext cx="1771897" cy="1152686"/>
+          </a:xfrm>
+          <a:prstGeom prst="rect">
+            <a:avLst/>
+          </a:prstGeom>
+        </p:spPr>
+      </p:pic>
+      <p:sp>
+        <p:nvSpPr>
+          <p:cNvPr id="14" name="타원 13">
+            <a:extLst>
+              <a:ext uri="{FF2B5EF4-FFF2-40B4-BE49-F238E27FC236}">
+                <a16:creationId xmlns:a16="http://schemas.microsoft.com/office/drawing/2014/main" id="{D5DD338F-DCD3-4B77-A796-AA759EA588A9}"/>
+              </a:ext>
+            </a:extLst>
+          </p:cNvPr>
+          <p:cNvSpPr/>
+          <p:nvPr/>
+        </p:nvSpPr>
+        <p:spPr>
+          <a:xfrm>
+            <a:off x="3187865" y="2174326"/>
+            <a:ext cx="1367161" cy="807868"/>
+          </a:xfrm>
+          <a:prstGeom prst="ellipse">
+            <a:avLst/>
+          </a:prstGeom>
+          <a:gradFill flip="none" rotWithShape="1">
+            <a:gsLst>
+              <a:gs pos="0">
+                <a:srgbClr val="FFFF00">
+                  <a:alpha val="70000"/>
+                </a:srgbClr>
+              </a:gs>
+              <a:gs pos="100000">
+                <a:srgbClr val="FFFF00">
+                  <a:alpha val="0"/>
+                </a:srgbClr>
+              </a:gs>
+            </a:gsLst>
+            <a:path path="circle">
+              <a:fillToRect l="50000" t="50000" r="50000" b="50000"/>
+            </a:path>
+            <a:tileRect/>
+          </a:gradFill>
+          <a:ln>
+            <a:noFill/>
+          </a:ln>
+        </p:spPr>
+        <p:style>
+          <a:lnRef idx="2">
+            <a:schemeClr val="accent1">
+              <a:shade val="50000"/>
+            </a:schemeClr>
+          </a:lnRef>
+          <a:fillRef idx="1">
+            <a:schemeClr val="accent1"/>
+          </a:fillRef>
+          <a:effectRef idx="0">
+            <a:schemeClr val="accent1"/>
+          </a:effectRef>
+          <a:fontRef idx="minor">
+            <a:schemeClr val="lt1"/>
+          </a:fontRef>
+        </p:style>
+        <p:txBody>
+          <a:bodyPr rtlCol="0" anchor="ctr"/>
+          <a:lstStyle/>
+          <a:p>
+            <a:pPr algn="ctr"/>
+            <a:endParaRPr lang="ko-KR" altLang="en-US"/>
+          </a:p>
+        </p:txBody>
+      </p:sp>
+      <p:pic>
+        <p:nvPicPr>
+          <p:cNvPr id="15" name="그림 14">
+            <a:extLst>
+              <a:ext uri="{FF2B5EF4-FFF2-40B4-BE49-F238E27FC236}">
+                <a16:creationId xmlns:a16="http://schemas.microsoft.com/office/drawing/2014/main" id="{9BCC5425-F00D-439B-98C7-8107D0130302}"/>
+              </a:ext>
+            </a:extLst>
+          </p:cNvPr>
+          <p:cNvPicPr>
+            <a:picLocks noChangeAspect="1"/>
+          </p:cNvPicPr>
+          <p:nvPr/>
+        </p:nvPicPr>
+        <p:blipFill>
+          <a:blip r:embed="rId3">
+            <a:extLst>
+              <a:ext uri="{28A0092B-C50C-407E-A947-70E740481C1C}">
+                <a14:useLocalDpi xmlns:a14="http://schemas.microsoft.com/office/drawing/2010/main" val="0"/>
+              </a:ext>
+            </a:extLst>
+          </a:blip>
+          <a:stretch>
+            <a:fillRect/>
+          </a:stretch>
+        </p:blipFill>
+        <p:spPr>
+          <a:xfrm>
+            <a:off x="2136037" y="3126907"/>
+            <a:ext cx="2306684" cy="1218481"/>
+          </a:xfrm>
+          <a:prstGeom prst="rect">
+            <a:avLst/>
+          </a:prstGeom>
+        </p:spPr>
+      </p:pic>
+      <p:sp>
+        <p:nvSpPr>
+          <p:cNvPr id="16" name="타원 15">
+            <a:extLst>
+              <a:ext uri="{FF2B5EF4-FFF2-40B4-BE49-F238E27FC236}">
+                <a16:creationId xmlns:a16="http://schemas.microsoft.com/office/drawing/2014/main" id="{92A22F24-F95C-484D-8909-28B64AF90987}"/>
+              </a:ext>
+            </a:extLst>
+          </p:cNvPr>
+          <p:cNvSpPr/>
+          <p:nvPr/>
+        </p:nvSpPr>
+        <p:spPr>
+          <a:xfrm>
+            <a:off x="3159065" y="3466363"/>
+            <a:ext cx="1367161" cy="807868"/>
+          </a:xfrm>
+          <a:prstGeom prst="ellipse">
+            <a:avLst/>
+          </a:prstGeom>
+          <a:gradFill flip="none" rotWithShape="1">
+            <a:gsLst>
+              <a:gs pos="0">
+                <a:srgbClr val="FFFF00">
+                  <a:alpha val="70000"/>
+                </a:srgbClr>
+              </a:gs>
+              <a:gs pos="100000">
+                <a:srgbClr val="FFFF00">
+                  <a:alpha val="0"/>
+                </a:srgbClr>
+              </a:gs>
+            </a:gsLst>
+            <a:path path="circle">
+              <a:fillToRect l="50000" t="50000" r="50000" b="50000"/>
+            </a:path>
+            <a:tileRect/>
+          </a:gradFill>
+          <a:ln>
+            <a:noFill/>
+          </a:ln>
+        </p:spPr>
+        <p:style>
+          <a:lnRef idx="2">
+            <a:schemeClr val="accent1">
+              <a:shade val="50000"/>
+            </a:schemeClr>
+          </a:lnRef>
+          <a:fillRef idx="1">
+            <a:schemeClr val="accent1"/>
+          </a:fillRef>
+          <a:effectRef idx="0">
+            <a:schemeClr val="accent1"/>
+          </a:effectRef>
+          <a:fontRef idx="minor">
+            <a:schemeClr val="lt1"/>
+          </a:fontRef>
+        </p:style>
+        <p:txBody>
+          <a:bodyPr rtlCol="0" anchor="ctr"/>
+          <a:lstStyle/>
+          <a:p>
+            <a:pPr algn="ctr"/>
+            <a:endParaRPr lang="ko-KR" altLang="en-US"/>
+          </a:p>
+        </p:txBody>
+      </p:sp>
+      <p:pic>
+        <p:nvPicPr>
+          <p:cNvPr id="17" name="그림 16">
+            <a:extLst>
+              <a:ext uri="{FF2B5EF4-FFF2-40B4-BE49-F238E27FC236}">
+                <a16:creationId xmlns:a16="http://schemas.microsoft.com/office/drawing/2014/main" id="{C3AE7F37-F9B1-4DA0-AE90-BC26FA7B77BD}"/>
+              </a:ext>
+            </a:extLst>
+          </p:cNvPr>
+          <p:cNvPicPr>
+            <a:picLocks noChangeAspect="1"/>
+          </p:cNvPicPr>
+          <p:nvPr/>
+        </p:nvPicPr>
+        <p:blipFill>
+          <a:blip r:embed="rId5"/>
+          <a:stretch>
+            <a:fillRect/>
+          </a:stretch>
+        </p:blipFill>
+        <p:spPr>
+          <a:xfrm>
+            <a:off x="5410397" y="469351"/>
+            <a:ext cx="2771775" cy="1704975"/>
+          </a:xfrm>
+          <a:prstGeom prst="rect">
+            <a:avLst/>
+          </a:prstGeom>
+        </p:spPr>
+      </p:pic>
+    </p:spTree>
+    <p:extLst>
+      <p:ext uri="{BB962C8B-B14F-4D97-AF65-F5344CB8AC3E}">
+        <p14:creationId xmlns:p14="http://schemas.microsoft.com/office/powerpoint/2010/main" val="1120648209"/>
+      </p:ext>
+    </p:extLst>
+  </p:cSld>
+  <p:clrMapOvr>
+    <a:masterClrMapping/>
+  </p:clrMapOvr>
+</p:sld>
+</file>
+
 <file path=ppt/slides/slide3.xml><?xml version="1.0" encoding="utf-8"?>
 <p:sld xmlns:a="http://schemas.openxmlformats.org/drawingml/2006/main" xmlns:r="http://schemas.openxmlformats.org/officeDocument/2006/relationships" xmlns:p="http://schemas.openxmlformats.org/presentationml/2006/main">
   <p:cSld>

--- a/제작.pptx
+++ b/제작.pptx
@@ -26,6 +26,7 @@
     <p:sldId id="274" r:id="rId20"/>
     <p:sldId id="275" r:id="rId21"/>
     <p:sldId id="276" r:id="rId22"/>
+    <p:sldId id="277" r:id="rId23"/>
   </p:sldIdLst>
   <p:sldSz cx="12192000" cy="6858000"/>
   <p:notesSz cx="6858000" cy="9144000"/>
@@ -283,7 +284,7 @@
           <a:p>
             <a:fld id="{667511D5-E30B-4E6C-8572-0CA724416369}" type="datetimeFigureOut">
               <a:rPr lang="ko-KR" altLang="en-US" smtClean="0"/>
-              <a:t>2017-12-24</a:t>
+              <a:t>2017-12-25</a:t>
             </a:fld>
             <a:endParaRPr lang="ko-KR" altLang="en-US"/>
           </a:p>
@@ -481,7 +482,7 @@
           <a:p>
             <a:fld id="{667511D5-E30B-4E6C-8572-0CA724416369}" type="datetimeFigureOut">
               <a:rPr lang="ko-KR" altLang="en-US" smtClean="0"/>
-              <a:t>2017-12-24</a:t>
+              <a:t>2017-12-25</a:t>
             </a:fld>
             <a:endParaRPr lang="ko-KR" altLang="en-US"/>
           </a:p>
@@ -689,7 +690,7 @@
           <a:p>
             <a:fld id="{667511D5-E30B-4E6C-8572-0CA724416369}" type="datetimeFigureOut">
               <a:rPr lang="ko-KR" altLang="en-US" smtClean="0"/>
-              <a:t>2017-12-24</a:t>
+              <a:t>2017-12-25</a:t>
             </a:fld>
             <a:endParaRPr lang="ko-KR" altLang="en-US"/>
           </a:p>
@@ -887,7 +888,7 @@
           <a:p>
             <a:fld id="{667511D5-E30B-4E6C-8572-0CA724416369}" type="datetimeFigureOut">
               <a:rPr lang="ko-KR" altLang="en-US" smtClean="0"/>
-              <a:t>2017-12-24</a:t>
+              <a:t>2017-12-25</a:t>
             </a:fld>
             <a:endParaRPr lang="ko-KR" altLang="en-US"/>
           </a:p>
@@ -1162,7 +1163,7 @@
           <a:p>
             <a:fld id="{667511D5-E30B-4E6C-8572-0CA724416369}" type="datetimeFigureOut">
               <a:rPr lang="ko-KR" altLang="en-US" smtClean="0"/>
-              <a:t>2017-12-24</a:t>
+              <a:t>2017-12-25</a:t>
             </a:fld>
             <a:endParaRPr lang="ko-KR" altLang="en-US"/>
           </a:p>
@@ -1427,7 +1428,7 @@
           <a:p>
             <a:fld id="{667511D5-E30B-4E6C-8572-0CA724416369}" type="datetimeFigureOut">
               <a:rPr lang="ko-KR" altLang="en-US" smtClean="0"/>
-              <a:t>2017-12-24</a:t>
+              <a:t>2017-12-25</a:t>
             </a:fld>
             <a:endParaRPr lang="ko-KR" altLang="en-US"/>
           </a:p>
@@ -1839,7 +1840,7 @@
           <a:p>
             <a:fld id="{667511D5-E30B-4E6C-8572-0CA724416369}" type="datetimeFigureOut">
               <a:rPr lang="ko-KR" altLang="en-US" smtClean="0"/>
-              <a:t>2017-12-24</a:t>
+              <a:t>2017-12-25</a:t>
             </a:fld>
             <a:endParaRPr lang="ko-KR" altLang="en-US"/>
           </a:p>
@@ -1980,7 +1981,7 @@
           <a:p>
             <a:fld id="{667511D5-E30B-4E6C-8572-0CA724416369}" type="datetimeFigureOut">
               <a:rPr lang="ko-KR" altLang="en-US" smtClean="0"/>
-              <a:t>2017-12-24</a:t>
+              <a:t>2017-12-25</a:t>
             </a:fld>
             <a:endParaRPr lang="ko-KR" altLang="en-US"/>
           </a:p>
@@ -2093,7 +2094,7 @@
           <a:p>
             <a:fld id="{667511D5-E30B-4E6C-8572-0CA724416369}" type="datetimeFigureOut">
               <a:rPr lang="ko-KR" altLang="en-US" smtClean="0"/>
-              <a:t>2017-12-24</a:t>
+              <a:t>2017-12-25</a:t>
             </a:fld>
             <a:endParaRPr lang="ko-KR" altLang="en-US"/>
           </a:p>
@@ -2404,7 +2405,7 @@
           <a:p>
             <a:fld id="{667511D5-E30B-4E6C-8572-0CA724416369}" type="datetimeFigureOut">
               <a:rPr lang="ko-KR" altLang="en-US" smtClean="0"/>
-              <a:t>2017-12-24</a:t>
+              <a:t>2017-12-25</a:t>
             </a:fld>
             <a:endParaRPr lang="ko-KR" altLang="en-US"/>
           </a:p>
@@ -2692,7 +2693,7 @@
           <a:p>
             <a:fld id="{667511D5-E30B-4E6C-8572-0CA724416369}" type="datetimeFigureOut">
               <a:rPr lang="ko-KR" altLang="en-US" smtClean="0"/>
-              <a:t>2017-12-24</a:t>
+              <a:t>2017-12-25</a:t>
             </a:fld>
             <a:endParaRPr lang="ko-KR" altLang="en-US"/>
           </a:p>
@@ -2933,7 +2934,7 @@
           <a:p>
             <a:fld id="{667511D5-E30B-4E6C-8572-0CA724416369}" type="datetimeFigureOut">
               <a:rPr lang="ko-KR" altLang="en-US" smtClean="0"/>
-              <a:t>2017-12-24</a:t>
+              <a:t>2017-12-25</a:t>
             </a:fld>
             <a:endParaRPr lang="ko-KR" altLang="en-US"/>
           </a:p>
@@ -11269,6 +11270,584 @@
 </p:sld>
 </file>
 
+<file path=ppt/slides/slide22.xml><?xml version="1.0" encoding="utf-8"?>
+<p:sld xmlns:a="http://schemas.openxmlformats.org/drawingml/2006/main" xmlns:r="http://schemas.openxmlformats.org/officeDocument/2006/relationships" xmlns:p="http://schemas.openxmlformats.org/presentationml/2006/main">
+  <p:cSld>
+    <p:bg>
+      <p:bgPr>
+        <a:solidFill>
+          <a:schemeClr val="bg1"/>
+        </a:solidFill>
+        <a:effectLst/>
+      </p:bgPr>
+    </p:bg>
+    <p:spTree>
+      <p:nvGrpSpPr>
+        <p:cNvPr id="1" name=""/>
+        <p:cNvGrpSpPr/>
+        <p:nvPr/>
+      </p:nvGrpSpPr>
+      <p:grpSpPr>
+        <a:xfrm>
+          <a:off x="0" y="0"/>
+          <a:ext cx="0" cy="0"/>
+          <a:chOff x="0" y="0"/>
+          <a:chExt cx="0" cy="0"/>
+        </a:xfrm>
+      </p:grpSpPr>
+      <p:pic>
+        <p:nvPicPr>
+          <p:cNvPr id="40" name="그림 39">
+            <a:extLst>
+              <a:ext uri="{FF2B5EF4-FFF2-40B4-BE49-F238E27FC236}">
+                <a16:creationId xmlns:a16="http://schemas.microsoft.com/office/drawing/2014/main" id="{1F66A6BF-1297-4AC5-B612-0290B248E56B}"/>
+              </a:ext>
+            </a:extLst>
+          </p:cNvPr>
+          <p:cNvPicPr>
+            <a:picLocks noChangeAspect="1"/>
+          </p:cNvPicPr>
+          <p:nvPr/>
+        </p:nvPicPr>
+        <p:blipFill>
+          <a:blip r:embed="rId2">
+            <a:extLst>
+              <a:ext uri="{28A0092B-C50C-407E-A947-70E740481C1C}">
+                <a14:useLocalDpi xmlns:a14="http://schemas.microsoft.com/office/drawing/2010/main" val="0"/>
+              </a:ext>
+            </a:extLst>
+          </a:blip>
+          <a:stretch>
+            <a:fillRect/>
+          </a:stretch>
+        </p:blipFill>
+        <p:spPr>
+          <a:xfrm>
+            <a:off x="1626053" y="0"/>
+            <a:ext cx="8939893" cy="6858000"/>
+          </a:xfrm>
+          <a:prstGeom prst="rect">
+            <a:avLst/>
+          </a:prstGeom>
+        </p:spPr>
+      </p:pic>
+      <p:pic>
+        <p:nvPicPr>
+          <p:cNvPr id="4" name="그림 3">
+            <a:extLst>
+              <a:ext uri="{FF2B5EF4-FFF2-40B4-BE49-F238E27FC236}">
+                <a16:creationId xmlns:a16="http://schemas.microsoft.com/office/drawing/2014/main" id="{818F85DC-A2EB-4D8A-82C2-CE518B07DEEC}"/>
+              </a:ext>
+            </a:extLst>
+          </p:cNvPr>
+          <p:cNvPicPr>
+            <a:picLocks noChangeAspect="1"/>
+          </p:cNvPicPr>
+          <p:nvPr/>
+        </p:nvPicPr>
+        <p:blipFill>
+          <a:blip r:embed="rId3">
+            <a:extLst>
+              <a:ext uri="{28A0092B-C50C-407E-A947-70E740481C1C}">
+                <a14:useLocalDpi xmlns:a14="http://schemas.microsoft.com/office/drawing/2010/main" val="0"/>
+              </a:ext>
+            </a:extLst>
+          </a:blip>
+          <a:stretch>
+            <a:fillRect/>
+          </a:stretch>
+        </p:blipFill>
+        <p:spPr>
+          <a:xfrm>
+            <a:off x="1626053" y="0"/>
+            <a:ext cx="8939893" cy="6858000"/>
+          </a:xfrm>
+          <a:prstGeom prst="rect">
+            <a:avLst/>
+          </a:prstGeom>
+        </p:spPr>
+      </p:pic>
+      <p:pic>
+        <p:nvPicPr>
+          <p:cNvPr id="7" name="그림 6">
+            <a:extLst>
+              <a:ext uri="{FF2B5EF4-FFF2-40B4-BE49-F238E27FC236}">
+                <a16:creationId xmlns:a16="http://schemas.microsoft.com/office/drawing/2014/main" id="{188553AF-BE4D-4E95-AE91-2727C9DD9FA5}"/>
+              </a:ext>
+            </a:extLst>
+          </p:cNvPr>
+          <p:cNvPicPr>
+            <a:picLocks noChangeAspect="1"/>
+          </p:cNvPicPr>
+          <p:nvPr/>
+        </p:nvPicPr>
+        <p:blipFill>
+          <a:blip r:embed="rId4">
+            <a:extLst>
+              <a:ext uri="{28A0092B-C50C-407E-A947-70E740481C1C}">
+                <a14:useLocalDpi xmlns:a14="http://schemas.microsoft.com/office/drawing/2010/main" val="0"/>
+              </a:ext>
+            </a:extLst>
+          </a:blip>
+          <a:stretch>
+            <a:fillRect/>
+          </a:stretch>
+        </p:blipFill>
+        <p:spPr>
+          <a:xfrm>
+            <a:off x="1626053" y="0"/>
+            <a:ext cx="8939893" cy="6858000"/>
+          </a:xfrm>
+          <a:prstGeom prst="rect">
+            <a:avLst/>
+          </a:prstGeom>
+        </p:spPr>
+      </p:pic>
+      <p:pic>
+        <p:nvPicPr>
+          <p:cNvPr id="10" name="그림 9">
+            <a:extLst>
+              <a:ext uri="{FF2B5EF4-FFF2-40B4-BE49-F238E27FC236}">
+                <a16:creationId xmlns:a16="http://schemas.microsoft.com/office/drawing/2014/main" id="{4FB4A1AC-FC89-41B7-AE7F-7FCAEA6D5C38}"/>
+              </a:ext>
+            </a:extLst>
+          </p:cNvPr>
+          <p:cNvPicPr>
+            <a:picLocks noChangeAspect="1"/>
+          </p:cNvPicPr>
+          <p:nvPr/>
+        </p:nvPicPr>
+        <p:blipFill>
+          <a:blip r:embed="rId5">
+            <a:extLst>
+              <a:ext uri="{28A0092B-C50C-407E-A947-70E740481C1C}">
+                <a14:useLocalDpi xmlns:a14="http://schemas.microsoft.com/office/drawing/2010/main" val="0"/>
+              </a:ext>
+            </a:extLst>
+          </a:blip>
+          <a:stretch>
+            <a:fillRect/>
+          </a:stretch>
+        </p:blipFill>
+        <p:spPr>
+          <a:xfrm>
+            <a:off x="1626053" y="0"/>
+            <a:ext cx="8939893" cy="6858000"/>
+          </a:xfrm>
+          <a:prstGeom prst="rect">
+            <a:avLst/>
+          </a:prstGeom>
+        </p:spPr>
+      </p:pic>
+      <p:pic>
+        <p:nvPicPr>
+          <p:cNvPr id="18" name="그림 17">
+            <a:extLst>
+              <a:ext uri="{FF2B5EF4-FFF2-40B4-BE49-F238E27FC236}">
+                <a16:creationId xmlns:a16="http://schemas.microsoft.com/office/drawing/2014/main" id="{98C4004A-11A5-42B0-8596-093516AE730C}"/>
+              </a:ext>
+            </a:extLst>
+          </p:cNvPr>
+          <p:cNvPicPr>
+            <a:picLocks noChangeAspect="1"/>
+          </p:cNvPicPr>
+          <p:nvPr/>
+        </p:nvPicPr>
+        <p:blipFill>
+          <a:blip r:embed="rId6">
+            <a:extLst>
+              <a:ext uri="{28A0092B-C50C-407E-A947-70E740481C1C}">
+                <a14:useLocalDpi xmlns:a14="http://schemas.microsoft.com/office/drawing/2010/main" val="0"/>
+              </a:ext>
+            </a:extLst>
+          </a:blip>
+          <a:stretch>
+            <a:fillRect/>
+          </a:stretch>
+        </p:blipFill>
+        <p:spPr>
+          <a:xfrm>
+            <a:off x="1626053" y="0"/>
+            <a:ext cx="8939893" cy="6858000"/>
+          </a:xfrm>
+          <a:prstGeom prst="rect">
+            <a:avLst/>
+          </a:prstGeom>
+        </p:spPr>
+      </p:pic>
+      <p:pic>
+        <p:nvPicPr>
+          <p:cNvPr id="20" name="그림 19">
+            <a:extLst>
+              <a:ext uri="{FF2B5EF4-FFF2-40B4-BE49-F238E27FC236}">
+                <a16:creationId xmlns:a16="http://schemas.microsoft.com/office/drawing/2014/main" id="{006CABC1-6BFB-43A5-83BB-E402F91FFCD2}"/>
+              </a:ext>
+            </a:extLst>
+          </p:cNvPr>
+          <p:cNvPicPr>
+            <a:picLocks noChangeAspect="1"/>
+          </p:cNvPicPr>
+          <p:nvPr/>
+        </p:nvPicPr>
+        <p:blipFill>
+          <a:blip r:embed="rId7">
+            <a:extLst>
+              <a:ext uri="{28A0092B-C50C-407E-A947-70E740481C1C}">
+                <a14:useLocalDpi xmlns:a14="http://schemas.microsoft.com/office/drawing/2010/main" val="0"/>
+              </a:ext>
+            </a:extLst>
+          </a:blip>
+          <a:stretch>
+            <a:fillRect/>
+          </a:stretch>
+        </p:blipFill>
+        <p:spPr>
+          <a:xfrm>
+            <a:off x="1626053" y="0"/>
+            <a:ext cx="8939893" cy="6858000"/>
+          </a:xfrm>
+          <a:prstGeom prst="rect">
+            <a:avLst/>
+          </a:prstGeom>
+        </p:spPr>
+      </p:pic>
+      <p:pic>
+        <p:nvPicPr>
+          <p:cNvPr id="22" name="그림 21">
+            <a:extLst>
+              <a:ext uri="{FF2B5EF4-FFF2-40B4-BE49-F238E27FC236}">
+                <a16:creationId xmlns:a16="http://schemas.microsoft.com/office/drawing/2014/main" id="{F7B7E65C-A99E-400F-8F03-FE903E9069AB}"/>
+              </a:ext>
+            </a:extLst>
+          </p:cNvPr>
+          <p:cNvPicPr>
+            <a:picLocks noChangeAspect="1"/>
+          </p:cNvPicPr>
+          <p:nvPr/>
+        </p:nvPicPr>
+        <p:blipFill>
+          <a:blip r:embed="rId8">
+            <a:extLst>
+              <a:ext uri="{28A0092B-C50C-407E-A947-70E740481C1C}">
+                <a14:useLocalDpi xmlns:a14="http://schemas.microsoft.com/office/drawing/2010/main" val="0"/>
+              </a:ext>
+            </a:extLst>
+          </a:blip>
+          <a:stretch>
+            <a:fillRect/>
+          </a:stretch>
+        </p:blipFill>
+        <p:spPr>
+          <a:xfrm>
+            <a:off x="1626053" y="0"/>
+            <a:ext cx="8939893" cy="6858000"/>
+          </a:xfrm>
+          <a:prstGeom prst="rect">
+            <a:avLst/>
+          </a:prstGeom>
+        </p:spPr>
+      </p:pic>
+      <p:pic>
+        <p:nvPicPr>
+          <p:cNvPr id="24" name="그림 23">
+            <a:extLst>
+              <a:ext uri="{FF2B5EF4-FFF2-40B4-BE49-F238E27FC236}">
+                <a16:creationId xmlns:a16="http://schemas.microsoft.com/office/drawing/2014/main" id="{BE9450F7-56AF-49F4-9C67-A2A7E950FFC7}"/>
+              </a:ext>
+            </a:extLst>
+          </p:cNvPr>
+          <p:cNvPicPr>
+            <a:picLocks noChangeAspect="1"/>
+          </p:cNvPicPr>
+          <p:nvPr/>
+        </p:nvPicPr>
+        <p:blipFill>
+          <a:blip r:embed="rId9">
+            <a:extLst>
+              <a:ext uri="{28A0092B-C50C-407E-A947-70E740481C1C}">
+                <a14:useLocalDpi xmlns:a14="http://schemas.microsoft.com/office/drawing/2010/main" val="0"/>
+              </a:ext>
+            </a:extLst>
+          </a:blip>
+          <a:stretch>
+            <a:fillRect/>
+          </a:stretch>
+        </p:blipFill>
+        <p:spPr>
+          <a:xfrm>
+            <a:off x="1626053" y="0"/>
+            <a:ext cx="8939893" cy="6858000"/>
+          </a:xfrm>
+          <a:prstGeom prst="rect">
+            <a:avLst/>
+          </a:prstGeom>
+        </p:spPr>
+      </p:pic>
+      <p:pic>
+        <p:nvPicPr>
+          <p:cNvPr id="26" name="그림 25">
+            <a:extLst>
+              <a:ext uri="{FF2B5EF4-FFF2-40B4-BE49-F238E27FC236}">
+                <a16:creationId xmlns:a16="http://schemas.microsoft.com/office/drawing/2014/main" id="{DDC631DB-9997-46F4-8D4A-FF2F4555BD4E}"/>
+              </a:ext>
+            </a:extLst>
+          </p:cNvPr>
+          <p:cNvPicPr>
+            <a:picLocks noChangeAspect="1"/>
+          </p:cNvPicPr>
+          <p:nvPr/>
+        </p:nvPicPr>
+        <p:blipFill>
+          <a:blip r:embed="rId10">
+            <a:extLst>
+              <a:ext uri="{28A0092B-C50C-407E-A947-70E740481C1C}">
+                <a14:useLocalDpi xmlns:a14="http://schemas.microsoft.com/office/drawing/2010/main" val="0"/>
+              </a:ext>
+            </a:extLst>
+          </a:blip>
+          <a:stretch>
+            <a:fillRect/>
+          </a:stretch>
+        </p:blipFill>
+        <p:spPr>
+          <a:xfrm>
+            <a:off x="1626053" y="0"/>
+            <a:ext cx="8939893" cy="6858000"/>
+          </a:xfrm>
+          <a:prstGeom prst="rect">
+            <a:avLst/>
+          </a:prstGeom>
+        </p:spPr>
+      </p:pic>
+      <p:pic>
+        <p:nvPicPr>
+          <p:cNvPr id="28" name="그림 27">
+            <a:extLst>
+              <a:ext uri="{FF2B5EF4-FFF2-40B4-BE49-F238E27FC236}">
+                <a16:creationId xmlns:a16="http://schemas.microsoft.com/office/drawing/2014/main" id="{77913EA5-13DE-46B1-B89E-7A075EE31A94}"/>
+              </a:ext>
+            </a:extLst>
+          </p:cNvPr>
+          <p:cNvPicPr>
+            <a:picLocks noChangeAspect="1"/>
+          </p:cNvPicPr>
+          <p:nvPr/>
+        </p:nvPicPr>
+        <p:blipFill>
+          <a:blip r:embed="rId11">
+            <a:extLst>
+              <a:ext uri="{28A0092B-C50C-407E-A947-70E740481C1C}">
+                <a14:useLocalDpi xmlns:a14="http://schemas.microsoft.com/office/drawing/2010/main" val="0"/>
+              </a:ext>
+            </a:extLst>
+          </a:blip>
+          <a:stretch>
+            <a:fillRect/>
+          </a:stretch>
+        </p:blipFill>
+        <p:spPr>
+          <a:xfrm>
+            <a:off x="1626053" y="0"/>
+            <a:ext cx="8939893" cy="6858000"/>
+          </a:xfrm>
+          <a:prstGeom prst="rect">
+            <a:avLst/>
+          </a:prstGeom>
+        </p:spPr>
+      </p:pic>
+      <p:pic>
+        <p:nvPicPr>
+          <p:cNvPr id="30" name="그림 29">
+            <a:extLst>
+              <a:ext uri="{FF2B5EF4-FFF2-40B4-BE49-F238E27FC236}">
+                <a16:creationId xmlns:a16="http://schemas.microsoft.com/office/drawing/2014/main" id="{A9CBA858-A10E-4A2D-9558-45E6E8FB1137}"/>
+              </a:ext>
+            </a:extLst>
+          </p:cNvPr>
+          <p:cNvPicPr>
+            <a:picLocks noChangeAspect="1"/>
+          </p:cNvPicPr>
+          <p:nvPr/>
+        </p:nvPicPr>
+        <p:blipFill>
+          <a:blip r:embed="rId12">
+            <a:extLst>
+              <a:ext uri="{28A0092B-C50C-407E-A947-70E740481C1C}">
+                <a14:useLocalDpi xmlns:a14="http://schemas.microsoft.com/office/drawing/2010/main" val="0"/>
+              </a:ext>
+            </a:extLst>
+          </a:blip>
+          <a:stretch>
+            <a:fillRect/>
+          </a:stretch>
+        </p:blipFill>
+        <p:spPr>
+          <a:xfrm>
+            <a:off x="1626053" y="0"/>
+            <a:ext cx="8939893" cy="6858000"/>
+          </a:xfrm>
+          <a:prstGeom prst="rect">
+            <a:avLst/>
+          </a:prstGeom>
+        </p:spPr>
+      </p:pic>
+      <p:pic>
+        <p:nvPicPr>
+          <p:cNvPr id="32" name="그림 31">
+            <a:extLst>
+              <a:ext uri="{FF2B5EF4-FFF2-40B4-BE49-F238E27FC236}">
+                <a16:creationId xmlns:a16="http://schemas.microsoft.com/office/drawing/2014/main" id="{68DDA232-574B-4579-A8CE-0D6BACEBC1E5}"/>
+              </a:ext>
+            </a:extLst>
+          </p:cNvPr>
+          <p:cNvPicPr>
+            <a:picLocks noChangeAspect="1"/>
+          </p:cNvPicPr>
+          <p:nvPr/>
+        </p:nvPicPr>
+        <p:blipFill>
+          <a:blip r:embed="rId13">
+            <a:extLst>
+              <a:ext uri="{28A0092B-C50C-407E-A947-70E740481C1C}">
+                <a14:useLocalDpi xmlns:a14="http://schemas.microsoft.com/office/drawing/2010/main" val="0"/>
+              </a:ext>
+            </a:extLst>
+          </a:blip>
+          <a:stretch>
+            <a:fillRect/>
+          </a:stretch>
+        </p:blipFill>
+        <p:spPr>
+          <a:xfrm>
+            <a:off x="1626053" y="0"/>
+            <a:ext cx="8939893" cy="6858000"/>
+          </a:xfrm>
+          <a:prstGeom prst="rect">
+            <a:avLst/>
+          </a:prstGeom>
+        </p:spPr>
+      </p:pic>
+      <p:pic>
+        <p:nvPicPr>
+          <p:cNvPr id="34" name="그림 33">
+            <a:extLst>
+              <a:ext uri="{FF2B5EF4-FFF2-40B4-BE49-F238E27FC236}">
+                <a16:creationId xmlns:a16="http://schemas.microsoft.com/office/drawing/2014/main" id="{AF0FFDCC-769B-400B-90D4-81B13BFD32D8}"/>
+              </a:ext>
+            </a:extLst>
+          </p:cNvPr>
+          <p:cNvPicPr>
+            <a:picLocks noChangeAspect="1"/>
+          </p:cNvPicPr>
+          <p:nvPr/>
+        </p:nvPicPr>
+        <p:blipFill>
+          <a:blip r:embed="rId14">
+            <a:extLst>
+              <a:ext uri="{28A0092B-C50C-407E-A947-70E740481C1C}">
+                <a14:useLocalDpi xmlns:a14="http://schemas.microsoft.com/office/drawing/2010/main" val="0"/>
+              </a:ext>
+            </a:extLst>
+          </a:blip>
+          <a:stretch>
+            <a:fillRect/>
+          </a:stretch>
+        </p:blipFill>
+        <p:spPr>
+          <a:xfrm>
+            <a:off x="1626053" y="0"/>
+            <a:ext cx="8939893" cy="6858000"/>
+          </a:xfrm>
+          <a:prstGeom prst="rect">
+            <a:avLst/>
+          </a:prstGeom>
+        </p:spPr>
+      </p:pic>
+      <p:pic>
+        <p:nvPicPr>
+          <p:cNvPr id="36" name="그림 35">
+            <a:extLst>
+              <a:ext uri="{FF2B5EF4-FFF2-40B4-BE49-F238E27FC236}">
+                <a16:creationId xmlns:a16="http://schemas.microsoft.com/office/drawing/2014/main" id="{5C104E57-31C4-47C2-B7F8-3ECAEEC95F31}"/>
+              </a:ext>
+            </a:extLst>
+          </p:cNvPr>
+          <p:cNvPicPr>
+            <a:picLocks noChangeAspect="1"/>
+          </p:cNvPicPr>
+          <p:nvPr/>
+        </p:nvPicPr>
+        <p:blipFill>
+          <a:blip r:embed="rId15">
+            <a:extLst>
+              <a:ext uri="{28A0092B-C50C-407E-A947-70E740481C1C}">
+                <a14:useLocalDpi xmlns:a14="http://schemas.microsoft.com/office/drawing/2010/main" val="0"/>
+              </a:ext>
+            </a:extLst>
+          </a:blip>
+          <a:stretch>
+            <a:fillRect/>
+          </a:stretch>
+        </p:blipFill>
+        <p:spPr>
+          <a:xfrm>
+            <a:off x="1626053" y="0"/>
+            <a:ext cx="8939893" cy="6858000"/>
+          </a:xfrm>
+          <a:prstGeom prst="rect">
+            <a:avLst/>
+          </a:prstGeom>
+        </p:spPr>
+      </p:pic>
+      <p:pic>
+        <p:nvPicPr>
+          <p:cNvPr id="38" name="그림 37">
+            <a:extLst>
+              <a:ext uri="{FF2B5EF4-FFF2-40B4-BE49-F238E27FC236}">
+                <a16:creationId xmlns:a16="http://schemas.microsoft.com/office/drawing/2014/main" id="{07398065-152E-43B1-8E20-9903EEE0F2AF}"/>
+              </a:ext>
+            </a:extLst>
+          </p:cNvPr>
+          <p:cNvPicPr>
+            <a:picLocks noChangeAspect="1"/>
+          </p:cNvPicPr>
+          <p:nvPr/>
+        </p:nvPicPr>
+        <p:blipFill>
+          <a:blip r:embed="rId16">
+            <a:extLst>
+              <a:ext uri="{28A0092B-C50C-407E-A947-70E740481C1C}">
+                <a14:useLocalDpi xmlns:a14="http://schemas.microsoft.com/office/drawing/2010/main" val="0"/>
+              </a:ext>
+            </a:extLst>
+          </a:blip>
+          <a:stretch>
+            <a:fillRect/>
+          </a:stretch>
+        </p:blipFill>
+        <p:spPr>
+          <a:xfrm>
+            <a:off x="1626053" y="0"/>
+            <a:ext cx="8939893" cy="6858000"/>
+          </a:xfrm>
+          <a:prstGeom prst="rect">
+            <a:avLst/>
+          </a:prstGeom>
+        </p:spPr>
+      </p:pic>
+    </p:spTree>
+    <p:extLst>
+      <p:ext uri="{BB962C8B-B14F-4D97-AF65-F5344CB8AC3E}">
+        <p14:creationId xmlns:p14="http://schemas.microsoft.com/office/powerpoint/2010/main" val="2607859029"/>
+      </p:ext>
+    </p:extLst>
+  </p:cSld>
+  <p:clrMapOvr>
+    <a:masterClrMapping/>
+  </p:clrMapOvr>
+</p:sld>
+</file>
+
 <file path=ppt/slides/slide3.xml><?xml version="1.0" encoding="utf-8"?>
 <p:sld xmlns:a="http://schemas.openxmlformats.org/drawingml/2006/main" xmlns:r="http://schemas.openxmlformats.org/officeDocument/2006/relationships" xmlns:p="http://schemas.openxmlformats.org/presentationml/2006/main">
   <p:cSld>

--- a/제작.pptx
+++ b/제작.pptx
@@ -27,6 +27,7 @@
     <p:sldId id="275" r:id="rId21"/>
     <p:sldId id="276" r:id="rId22"/>
     <p:sldId id="277" r:id="rId23"/>
+    <p:sldId id="278" r:id="rId24"/>
   </p:sldIdLst>
   <p:sldSz cx="12192000" cy="6858000"/>
   <p:notesSz cx="6858000" cy="9144000"/>
@@ -11848,6 +11849,503 @@
 </p:sld>
 </file>
 
+<file path=ppt/slides/slide23.xml><?xml version="1.0" encoding="utf-8"?>
+<p:sld xmlns:a="http://schemas.openxmlformats.org/drawingml/2006/main" xmlns:r="http://schemas.openxmlformats.org/officeDocument/2006/relationships" xmlns:p="http://schemas.openxmlformats.org/presentationml/2006/main">
+  <p:cSld>
+    <p:bg>
+      <p:bgPr>
+        <a:solidFill>
+          <a:schemeClr val="bg1"/>
+        </a:solidFill>
+        <a:effectLst/>
+      </p:bgPr>
+    </p:bg>
+    <p:spTree>
+      <p:nvGrpSpPr>
+        <p:cNvPr id="1" name=""/>
+        <p:cNvGrpSpPr/>
+        <p:nvPr/>
+      </p:nvGrpSpPr>
+      <p:grpSpPr>
+        <a:xfrm>
+          <a:off x="0" y="0"/>
+          <a:ext cx="0" cy="0"/>
+          <a:chOff x="0" y="0"/>
+          <a:chExt cx="0" cy="0"/>
+        </a:xfrm>
+      </p:grpSpPr>
+      <p:grpSp>
+        <p:nvGrpSpPr>
+          <p:cNvPr id="13" name="그룹 12">
+            <a:extLst>
+              <a:ext uri="{FF2B5EF4-FFF2-40B4-BE49-F238E27FC236}">
+                <a16:creationId xmlns:a16="http://schemas.microsoft.com/office/drawing/2014/main" id="{053AF694-C911-4B42-93E0-5F7EF18DE412}"/>
+              </a:ext>
+            </a:extLst>
+          </p:cNvPr>
+          <p:cNvGrpSpPr/>
+          <p:nvPr/>
+        </p:nvGrpSpPr>
+        <p:grpSpPr>
+          <a:xfrm>
+            <a:off x="1973427" y="1233402"/>
+            <a:ext cx="5915850" cy="1190791"/>
+            <a:chOff x="1973427" y="1233402"/>
+            <a:chExt cx="5915850" cy="1190791"/>
+          </a:xfrm>
+        </p:grpSpPr>
+        <p:pic>
+          <p:nvPicPr>
+            <p:cNvPr id="6" name="그림 5">
+              <a:extLst>
+                <a:ext uri="{FF2B5EF4-FFF2-40B4-BE49-F238E27FC236}">
+                  <a16:creationId xmlns:a16="http://schemas.microsoft.com/office/drawing/2014/main" id="{FB24857D-EB02-483F-BDDC-A1159EB143B3}"/>
+                </a:ext>
+              </a:extLst>
+            </p:cNvPr>
+            <p:cNvPicPr>
+              <a:picLocks noChangeAspect="1"/>
+            </p:cNvPicPr>
+            <p:nvPr/>
+          </p:nvPicPr>
+          <p:blipFill>
+            <a:blip r:embed="rId2">
+              <a:extLst>
+                <a:ext uri="{28A0092B-C50C-407E-A947-70E740481C1C}">
+                  <a14:useLocalDpi xmlns:a14="http://schemas.microsoft.com/office/drawing/2010/main" val="0"/>
+                </a:ext>
+              </a:extLst>
+            </a:blip>
+            <a:stretch>
+              <a:fillRect/>
+            </a:stretch>
+          </p:blipFill>
+          <p:spPr>
+            <a:xfrm>
+              <a:off x="1973427" y="1233402"/>
+              <a:ext cx="1971950" cy="1190791"/>
+            </a:xfrm>
+            <a:prstGeom prst="rect">
+              <a:avLst/>
+            </a:prstGeom>
+          </p:spPr>
+        </p:pic>
+        <p:pic>
+          <p:nvPicPr>
+            <p:cNvPr id="9" name="그림 8">
+              <a:extLst>
+                <a:ext uri="{FF2B5EF4-FFF2-40B4-BE49-F238E27FC236}">
+                  <a16:creationId xmlns:a16="http://schemas.microsoft.com/office/drawing/2014/main" id="{6CF5BECC-E05E-4E14-BFE3-3FA18947B4A7}"/>
+                </a:ext>
+              </a:extLst>
+            </p:cNvPr>
+            <p:cNvPicPr>
+              <a:picLocks noChangeAspect="1"/>
+            </p:cNvPicPr>
+            <p:nvPr/>
+          </p:nvPicPr>
+          <p:blipFill>
+            <a:blip r:embed="rId3">
+              <a:extLst>
+                <a:ext uri="{28A0092B-C50C-407E-A947-70E740481C1C}">
+                  <a14:useLocalDpi xmlns:a14="http://schemas.microsoft.com/office/drawing/2010/main" val="0"/>
+                </a:ext>
+              </a:extLst>
+            </a:blip>
+            <a:stretch>
+              <a:fillRect/>
+            </a:stretch>
+          </p:blipFill>
+          <p:spPr>
+            <a:xfrm>
+              <a:off x="3945377" y="1233402"/>
+              <a:ext cx="1971950" cy="1190791"/>
+            </a:xfrm>
+            <a:prstGeom prst="rect">
+              <a:avLst/>
+            </a:prstGeom>
+          </p:spPr>
+        </p:pic>
+        <p:pic>
+          <p:nvPicPr>
+            <p:cNvPr id="12" name="그림 11">
+              <a:extLst>
+                <a:ext uri="{FF2B5EF4-FFF2-40B4-BE49-F238E27FC236}">
+                  <a16:creationId xmlns:a16="http://schemas.microsoft.com/office/drawing/2014/main" id="{D4EF15E2-4DEC-4D8C-B595-DE2962F31AA3}"/>
+                </a:ext>
+              </a:extLst>
+            </p:cNvPr>
+            <p:cNvPicPr>
+              <a:picLocks noChangeAspect="1"/>
+            </p:cNvPicPr>
+            <p:nvPr/>
+          </p:nvPicPr>
+          <p:blipFill>
+            <a:blip r:embed="rId4">
+              <a:extLst>
+                <a:ext uri="{28A0092B-C50C-407E-A947-70E740481C1C}">
+                  <a14:useLocalDpi xmlns:a14="http://schemas.microsoft.com/office/drawing/2010/main" val="0"/>
+                </a:ext>
+              </a:extLst>
+            </a:blip>
+            <a:stretch>
+              <a:fillRect/>
+            </a:stretch>
+          </p:blipFill>
+          <p:spPr>
+            <a:xfrm>
+              <a:off x="5917327" y="1233402"/>
+              <a:ext cx="1971950" cy="1190791"/>
+            </a:xfrm>
+            <a:prstGeom prst="rect">
+              <a:avLst/>
+            </a:prstGeom>
+          </p:spPr>
+        </p:pic>
+      </p:grpSp>
+      <p:grpSp>
+        <p:nvGrpSpPr>
+          <p:cNvPr id="42" name="그룹 41">
+            <a:extLst>
+              <a:ext uri="{FF2B5EF4-FFF2-40B4-BE49-F238E27FC236}">
+                <a16:creationId xmlns:a16="http://schemas.microsoft.com/office/drawing/2014/main" id="{3319250D-B91D-4DB4-9A1E-179F2FC7ADD9}"/>
+              </a:ext>
+            </a:extLst>
+          </p:cNvPr>
+          <p:cNvGrpSpPr/>
+          <p:nvPr/>
+        </p:nvGrpSpPr>
+        <p:grpSpPr>
+          <a:xfrm>
+            <a:off x="1826646" y="2524067"/>
+            <a:ext cx="5111983" cy="1667108"/>
+            <a:chOff x="1826646" y="2524067"/>
+            <a:chExt cx="5111983" cy="1667108"/>
+          </a:xfrm>
+        </p:grpSpPr>
+        <p:pic>
+          <p:nvPicPr>
+            <p:cNvPr id="15" name="그림 14">
+              <a:extLst>
+                <a:ext uri="{FF2B5EF4-FFF2-40B4-BE49-F238E27FC236}">
+                  <a16:creationId xmlns:a16="http://schemas.microsoft.com/office/drawing/2014/main" id="{9B1CBA74-4486-4374-97EF-13D5E5941A62}"/>
+                </a:ext>
+              </a:extLst>
+            </p:cNvPr>
+            <p:cNvPicPr>
+              <a:picLocks noChangeAspect="1"/>
+            </p:cNvPicPr>
+            <p:nvPr/>
+          </p:nvPicPr>
+          <p:blipFill>
+            <a:blip r:embed="rId5">
+              <a:extLst>
+                <a:ext uri="{28A0092B-C50C-407E-A947-70E740481C1C}">
+                  <a14:useLocalDpi xmlns:a14="http://schemas.microsoft.com/office/drawing/2010/main" val="0"/>
+                </a:ext>
+              </a:extLst>
+            </a:blip>
+            <a:stretch>
+              <a:fillRect/>
+            </a:stretch>
+          </p:blipFill>
+          <p:spPr>
+            <a:xfrm>
+              <a:off x="1826646" y="2524067"/>
+              <a:ext cx="1276528" cy="1667108"/>
+            </a:xfrm>
+            <a:prstGeom prst="rect">
+              <a:avLst/>
+            </a:prstGeom>
+          </p:spPr>
+        </p:pic>
+        <p:pic>
+          <p:nvPicPr>
+            <p:cNvPr id="17" name="그림 16">
+              <a:extLst>
+                <a:ext uri="{FF2B5EF4-FFF2-40B4-BE49-F238E27FC236}">
+                  <a16:creationId xmlns:a16="http://schemas.microsoft.com/office/drawing/2014/main" id="{5EEFBB53-80B7-4DCB-BBC1-B8C1BE82E0F0}"/>
+                </a:ext>
+              </a:extLst>
+            </p:cNvPr>
+            <p:cNvPicPr>
+              <a:picLocks noChangeAspect="1"/>
+            </p:cNvPicPr>
+            <p:nvPr/>
+          </p:nvPicPr>
+          <p:blipFill>
+            <a:blip r:embed="rId6">
+              <a:extLst>
+                <a:ext uri="{28A0092B-C50C-407E-A947-70E740481C1C}">
+                  <a14:useLocalDpi xmlns:a14="http://schemas.microsoft.com/office/drawing/2010/main" val="0"/>
+                </a:ext>
+              </a:extLst>
+            </a:blip>
+            <a:stretch>
+              <a:fillRect/>
+            </a:stretch>
+          </p:blipFill>
+          <p:spPr>
+            <a:xfrm>
+              <a:off x="3105131" y="2524067"/>
+              <a:ext cx="1276528" cy="1667108"/>
+            </a:xfrm>
+            <a:prstGeom prst="rect">
+              <a:avLst/>
+            </a:prstGeom>
+          </p:spPr>
+        </p:pic>
+        <p:pic>
+          <p:nvPicPr>
+            <p:cNvPr id="21" name="그림 20">
+              <a:extLst>
+                <a:ext uri="{FF2B5EF4-FFF2-40B4-BE49-F238E27FC236}">
+                  <a16:creationId xmlns:a16="http://schemas.microsoft.com/office/drawing/2014/main" id="{23FFEF83-29FE-4E08-98F5-964608A044DF}"/>
+                </a:ext>
+              </a:extLst>
+            </p:cNvPr>
+            <p:cNvPicPr>
+              <a:picLocks noChangeAspect="1"/>
+            </p:cNvPicPr>
+            <p:nvPr/>
+          </p:nvPicPr>
+          <p:blipFill>
+            <a:blip r:embed="rId7">
+              <a:extLst>
+                <a:ext uri="{28A0092B-C50C-407E-A947-70E740481C1C}">
+                  <a14:useLocalDpi xmlns:a14="http://schemas.microsoft.com/office/drawing/2010/main" val="0"/>
+                </a:ext>
+              </a:extLst>
+            </a:blip>
+            <a:stretch>
+              <a:fillRect/>
+            </a:stretch>
+          </p:blipFill>
+          <p:spPr>
+            <a:xfrm>
+              <a:off x="4383616" y="2524067"/>
+              <a:ext cx="1276528" cy="1667108"/>
+            </a:xfrm>
+            <a:prstGeom prst="rect">
+              <a:avLst/>
+            </a:prstGeom>
+          </p:spPr>
+        </p:pic>
+        <p:pic>
+          <p:nvPicPr>
+            <p:cNvPr id="25" name="그림 24">
+              <a:extLst>
+                <a:ext uri="{FF2B5EF4-FFF2-40B4-BE49-F238E27FC236}">
+                  <a16:creationId xmlns:a16="http://schemas.microsoft.com/office/drawing/2014/main" id="{4F243D32-E590-4482-8261-2E4471D4E294}"/>
+                </a:ext>
+              </a:extLst>
+            </p:cNvPr>
+            <p:cNvPicPr>
+              <a:picLocks noChangeAspect="1"/>
+            </p:cNvPicPr>
+            <p:nvPr/>
+          </p:nvPicPr>
+          <p:blipFill>
+            <a:blip r:embed="rId8">
+              <a:extLst>
+                <a:ext uri="{28A0092B-C50C-407E-A947-70E740481C1C}">
+                  <a14:useLocalDpi xmlns:a14="http://schemas.microsoft.com/office/drawing/2010/main" val="0"/>
+                </a:ext>
+              </a:extLst>
+            </a:blip>
+            <a:stretch>
+              <a:fillRect/>
+            </a:stretch>
+          </p:blipFill>
+          <p:spPr>
+            <a:xfrm>
+              <a:off x="5662101" y="2524067"/>
+              <a:ext cx="1276528" cy="1667108"/>
+            </a:xfrm>
+            <a:prstGeom prst="rect">
+              <a:avLst/>
+            </a:prstGeom>
+          </p:spPr>
+        </p:pic>
+      </p:grpSp>
+      <p:grpSp>
+        <p:nvGrpSpPr>
+          <p:cNvPr id="44" name="그룹 43">
+            <a:extLst>
+              <a:ext uri="{FF2B5EF4-FFF2-40B4-BE49-F238E27FC236}">
+                <a16:creationId xmlns:a16="http://schemas.microsoft.com/office/drawing/2014/main" id="{CD20DFD2-CE63-4A53-9F75-36998FFAD7A3}"/>
+              </a:ext>
+            </a:extLst>
+          </p:cNvPr>
+          <p:cNvGrpSpPr/>
+          <p:nvPr/>
+        </p:nvGrpSpPr>
+        <p:grpSpPr>
+          <a:xfrm>
+            <a:off x="1648300" y="4495236"/>
+            <a:ext cx="4229692" cy="1667108"/>
+            <a:chOff x="1648300" y="4495236"/>
+            <a:chExt cx="4229692" cy="1667108"/>
+          </a:xfrm>
+        </p:grpSpPr>
+        <p:pic>
+          <p:nvPicPr>
+            <p:cNvPr id="29" name="그림 28">
+              <a:extLst>
+                <a:ext uri="{FF2B5EF4-FFF2-40B4-BE49-F238E27FC236}">
+                  <a16:creationId xmlns:a16="http://schemas.microsoft.com/office/drawing/2014/main" id="{17B097E9-5248-4A04-839F-119BF0F0723B}"/>
+                </a:ext>
+              </a:extLst>
+            </p:cNvPr>
+            <p:cNvPicPr>
+              <a:picLocks noChangeAspect="1"/>
+            </p:cNvPicPr>
+            <p:nvPr/>
+          </p:nvPicPr>
+          <p:blipFill>
+            <a:blip r:embed="rId9">
+              <a:extLst>
+                <a:ext uri="{28A0092B-C50C-407E-A947-70E740481C1C}">
+                  <a14:useLocalDpi xmlns:a14="http://schemas.microsoft.com/office/drawing/2010/main" val="0"/>
+                </a:ext>
+              </a:extLst>
+            </a:blip>
+            <a:stretch>
+              <a:fillRect/>
+            </a:stretch>
+          </p:blipFill>
+          <p:spPr>
+            <a:xfrm>
+              <a:off x="1648300" y="4495236"/>
+              <a:ext cx="1057423" cy="1667108"/>
+            </a:xfrm>
+            <a:prstGeom prst="rect">
+              <a:avLst/>
+            </a:prstGeom>
+          </p:spPr>
+        </p:pic>
+        <p:pic>
+          <p:nvPicPr>
+            <p:cNvPr id="33" name="그림 32">
+              <a:extLst>
+                <a:ext uri="{FF2B5EF4-FFF2-40B4-BE49-F238E27FC236}">
+                  <a16:creationId xmlns:a16="http://schemas.microsoft.com/office/drawing/2014/main" id="{5FF42E90-A553-4BCB-98F9-DB6121D39340}"/>
+                </a:ext>
+              </a:extLst>
+            </p:cNvPr>
+            <p:cNvPicPr>
+              <a:picLocks noChangeAspect="1"/>
+            </p:cNvPicPr>
+            <p:nvPr/>
+          </p:nvPicPr>
+          <p:blipFill>
+            <a:blip r:embed="rId10">
+              <a:extLst>
+                <a:ext uri="{28A0092B-C50C-407E-A947-70E740481C1C}">
+                  <a14:useLocalDpi xmlns:a14="http://schemas.microsoft.com/office/drawing/2010/main" val="0"/>
+                </a:ext>
+              </a:extLst>
+            </a:blip>
+            <a:stretch>
+              <a:fillRect/>
+            </a:stretch>
+          </p:blipFill>
+          <p:spPr>
+            <a:xfrm>
+              <a:off x="2705723" y="4495236"/>
+              <a:ext cx="1057423" cy="1667108"/>
+            </a:xfrm>
+            <a:prstGeom prst="rect">
+              <a:avLst/>
+            </a:prstGeom>
+          </p:spPr>
+        </p:pic>
+        <p:pic>
+          <p:nvPicPr>
+            <p:cNvPr id="37" name="그림 36">
+              <a:extLst>
+                <a:ext uri="{FF2B5EF4-FFF2-40B4-BE49-F238E27FC236}">
+                  <a16:creationId xmlns:a16="http://schemas.microsoft.com/office/drawing/2014/main" id="{090299C0-66DF-49B0-BC0D-3776DBFFE16E}"/>
+                </a:ext>
+              </a:extLst>
+            </p:cNvPr>
+            <p:cNvPicPr>
+              <a:picLocks noChangeAspect="1"/>
+            </p:cNvPicPr>
+            <p:nvPr/>
+          </p:nvPicPr>
+          <p:blipFill>
+            <a:blip r:embed="rId11">
+              <a:extLst>
+                <a:ext uri="{28A0092B-C50C-407E-A947-70E740481C1C}">
+                  <a14:useLocalDpi xmlns:a14="http://schemas.microsoft.com/office/drawing/2010/main" val="0"/>
+                </a:ext>
+              </a:extLst>
+            </a:blip>
+            <a:stretch>
+              <a:fillRect/>
+            </a:stretch>
+          </p:blipFill>
+          <p:spPr>
+            <a:xfrm>
+              <a:off x="3763146" y="4495236"/>
+              <a:ext cx="1057423" cy="1667108"/>
+            </a:xfrm>
+            <a:prstGeom prst="rect">
+              <a:avLst/>
+            </a:prstGeom>
+          </p:spPr>
+        </p:pic>
+        <p:pic>
+          <p:nvPicPr>
+            <p:cNvPr id="41" name="그림 40">
+              <a:extLst>
+                <a:ext uri="{FF2B5EF4-FFF2-40B4-BE49-F238E27FC236}">
+                  <a16:creationId xmlns:a16="http://schemas.microsoft.com/office/drawing/2014/main" id="{EF44A68C-E32C-41E7-81C8-9EB39EF7D20A}"/>
+                </a:ext>
+              </a:extLst>
+            </p:cNvPr>
+            <p:cNvPicPr>
+              <a:picLocks noChangeAspect="1"/>
+            </p:cNvPicPr>
+            <p:nvPr/>
+          </p:nvPicPr>
+          <p:blipFill>
+            <a:blip r:embed="rId12">
+              <a:extLst>
+                <a:ext uri="{28A0092B-C50C-407E-A947-70E740481C1C}">
+                  <a14:useLocalDpi xmlns:a14="http://schemas.microsoft.com/office/drawing/2010/main" val="0"/>
+                </a:ext>
+              </a:extLst>
+            </a:blip>
+            <a:stretch>
+              <a:fillRect/>
+            </a:stretch>
+          </p:blipFill>
+          <p:spPr>
+            <a:xfrm>
+              <a:off x="4820569" y="4495236"/>
+              <a:ext cx="1057423" cy="1667108"/>
+            </a:xfrm>
+            <a:prstGeom prst="rect">
+              <a:avLst/>
+            </a:prstGeom>
+          </p:spPr>
+        </p:pic>
+      </p:grpSp>
+    </p:spTree>
+    <p:extLst>
+      <p:ext uri="{BB962C8B-B14F-4D97-AF65-F5344CB8AC3E}">
+        <p14:creationId xmlns:p14="http://schemas.microsoft.com/office/powerpoint/2010/main" val="2744814624"/>
+      </p:ext>
+    </p:extLst>
+  </p:cSld>
+  <p:clrMapOvr>
+    <a:masterClrMapping/>
+  </p:clrMapOvr>
+</p:sld>
+</file>
+
 <file path=ppt/slides/slide3.xml><?xml version="1.0" encoding="utf-8"?>
 <p:sld xmlns:a="http://schemas.openxmlformats.org/drawingml/2006/main" xmlns:r="http://schemas.openxmlformats.org/officeDocument/2006/relationships" xmlns:p="http://schemas.openxmlformats.org/presentationml/2006/main">
   <p:cSld>

--- a/제작.pptx
+++ b/제작.pptx
@@ -28,6 +28,8 @@
     <p:sldId id="276" r:id="rId22"/>
     <p:sldId id="277" r:id="rId23"/>
     <p:sldId id="278" r:id="rId24"/>
+    <p:sldId id="279" r:id="rId25"/>
+    <p:sldId id="281" r:id="rId26"/>
   </p:sldIdLst>
   <p:sldSz cx="12192000" cy="6858000"/>
   <p:notesSz cx="6858000" cy="9144000"/>
@@ -12346,6 +12348,632 @@
 </p:sld>
 </file>
 
+<file path=ppt/slides/slide24.xml><?xml version="1.0" encoding="utf-8"?>
+<p:sld xmlns:a="http://schemas.openxmlformats.org/drawingml/2006/main" xmlns:r="http://schemas.openxmlformats.org/officeDocument/2006/relationships" xmlns:p="http://schemas.openxmlformats.org/presentationml/2006/main">
+  <p:cSld>
+    <p:bg>
+      <p:bgPr>
+        <a:solidFill>
+          <a:srgbClr val="FA7512"/>
+        </a:solidFill>
+        <a:effectLst/>
+      </p:bgPr>
+    </p:bg>
+    <p:spTree>
+      <p:nvGrpSpPr>
+        <p:cNvPr id="1" name=""/>
+        <p:cNvGrpSpPr/>
+        <p:nvPr/>
+      </p:nvGrpSpPr>
+      <p:grpSpPr>
+        <a:xfrm>
+          <a:off x="0" y="0"/>
+          <a:ext cx="0" cy="0"/>
+          <a:chOff x="0" y="0"/>
+          <a:chExt cx="0" cy="0"/>
+        </a:xfrm>
+      </p:grpSpPr>
+      <p:pic>
+        <p:nvPicPr>
+          <p:cNvPr id="6" name="그림 5">
+            <a:extLst>
+              <a:ext uri="{FF2B5EF4-FFF2-40B4-BE49-F238E27FC236}">
+                <a16:creationId xmlns:a16="http://schemas.microsoft.com/office/drawing/2014/main" id="{75E2DF46-DB9A-4C05-AB1C-E9B07AFBAFCA}"/>
+              </a:ext>
+            </a:extLst>
+          </p:cNvPr>
+          <p:cNvPicPr>
+            <a:picLocks noChangeAspect="1"/>
+          </p:cNvPicPr>
+          <p:nvPr/>
+        </p:nvPicPr>
+        <p:blipFill>
+          <a:blip r:embed="rId2">
+            <a:extLst>
+              <a:ext uri="{28A0092B-C50C-407E-A947-70E740481C1C}">
+                <a14:useLocalDpi xmlns:a14="http://schemas.microsoft.com/office/drawing/2010/main" val="0"/>
+              </a:ext>
+            </a:extLst>
+          </a:blip>
+          <a:stretch>
+            <a:fillRect/>
+          </a:stretch>
+        </p:blipFill>
+        <p:spPr>
+          <a:xfrm>
+            <a:off x="5533947" y="2943157"/>
+            <a:ext cx="1124107" cy="971686"/>
+          </a:xfrm>
+          <a:prstGeom prst="rect">
+            <a:avLst/>
+          </a:prstGeom>
+        </p:spPr>
+      </p:pic>
+      <p:sp>
+        <p:nvSpPr>
+          <p:cNvPr id="7" name="타원 6">
+            <a:extLst>
+              <a:ext uri="{FF2B5EF4-FFF2-40B4-BE49-F238E27FC236}">
+                <a16:creationId xmlns:a16="http://schemas.microsoft.com/office/drawing/2014/main" id="{05FF6E39-C99F-4C80-A060-43E2A0C0BEBA}"/>
+              </a:ext>
+            </a:extLst>
+          </p:cNvPr>
+          <p:cNvSpPr/>
+          <p:nvPr/>
+        </p:nvSpPr>
+        <p:spPr>
+          <a:xfrm>
+            <a:off x="5105398" y="2438400"/>
+            <a:ext cx="1981204" cy="1981200"/>
+          </a:xfrm>
+          <a:prstGeom prst="ellipse">
+            <a:avLst/>
+          </a:prstGeom>
+          <a:gradFill flip="none" rotWithShape="1">
+            <a:gsLst>
+              <a:gs pos="0">
+                <a:srgbClr val="B0E345">
+                  <a:alpha val="0"/>
+                </a:srgbClr>
+              </a:gs>
+              <a:gs pos="100000">
+                <a:srgbClr val="B3E846">
+                  <a:alpha val="0"/>
+                </a:srgbClr>
+              </a:gs>
+              <a:gs pos="76000">
+                <a:srgbClr val="B3E846">
+                  <a:alpha val="52000"/>
+                </a:srgbClr>
+              </a:gs>
+            </a:gsLst>
+            <a:path path="circle">
+              <a:fillToRect l="50000" t="50000" r="50000" b="50000"/>
+            </a:path>
+            <a:tileRect/>
+          </a:gradFill>
+          <a:ln>
+            <a:noFill/>
+          </a:ln>
+        </p:spPr>
+        <p:style>
+          <a:lnRef idx="2">
+            <a:schemeClr val="accent1">
+              <a:shade val="50000"/>
+            </a:schemeClr>
+          </a:lnRef>
+          <a:fillRef idx="1">
+            <a:schemeClr val="accent1"/>
+          </a:fillRef>
+          <a:effectRef idx="0">
+            <a:schemeClr val="accent1"/>
+          </a:effectRef>
+          <a:fontRef idx="minor">
+            <a:schemeClr val="lt1"/>
+          </a:fontRef>
+        </p:style>
+        <p:txBody>
+          <a:bodyPr rtlCol="0" anchor="ctr"/>
+          <a:lstStyle/>
+          <a:p>
+            <a:pPr algn="ctr"/>
+            <a:endParaRPr lang="ko-KR" altLang="en-US"/>
+          </a:p>
+        </p:txBody>
+      </p:sp>
+      <p:sp>
+        <p:nvSpPr>
+          <p:cNvPr id="10" name="TextBox 9">
+            <a:extLst>
+              <a:ext uri="{FF2B5EF4-FFF2-40B4-BE49-F238E27FC236}">
+                <a16:creationId xmlns:a16="http://schemas.microsoft.com/office/drawing/2014/main" id="{4EEE3C46-A719-4655-80E4-5BCD6174ECB5}"/>
+              </a:ext>
+            </a:extLst>
+          </p:cNvPr>
+          <p:cNvSpPr txBox="1"/>
+          <p:nvPr/>
+        </p:nvSpPr>
+        <p:spPr>
+          <a:xfrm rot="20620180">
+            <a:off x="3982352" y="1976734"/>
+            <a:ext cx="3884397" cy="923330"/>
+          </a:xfrm>
+          <a:prstGeom prst="rect">
+            <a:avLst/>
+          </a:prstGeom>
+          <a:noFill/>
+        </p:spPr>
+        <p:txBody>
+          <a:bodyPr wrap="none" rtlCol="0">
+            <a:spAutoFit/>
+          </a:bodyPr>
+          <a:lstStyle/>
+          <a:p>
+            <a:r>
+              <a:rPr lang="en-US" altLang="ko-KR" sz="5400" dirty="0">
+                <a:solidFill>
+                  <a:schemeClr val="bg1"/>
+                </a:solidFill>
+                <a:latin typeface="pingwing" panose="02000603000000000000" pitchFamily="2" charset="0"/>
+                <a:ea typeface="pingwing" panose="02000603000000000000" pitchFamily="2" charset="0"/>
+              </a:rPr>
+              <a:t>GAME CLEAR</a:t>
+            </a:r>
+            <a:endParaRPr lang="ko-KR" altLang="en-US" sz="5400" dirty="0">
+              <a:solidFill>
+                <a:schemeClr val="bg1"/>
+              </a:solidFill>
+              <a:latin typeface="pingwing" panose="02000603000000000000" pitchFamily="2" charset="0"/>
+            </a:endParaRPr>
+          </a:p>
+        </p:txBody>
+      </p:sp>
+      <p:sp>
+        <p:nvSpPr>
+          <p:cNvPr id="18" name="TextBox 17">
+            <a:extLst>
+              <a:ext uri="{FF2B5EF4-FFF2-40B4-BE49-F238E27FC236}">
+                <a16:creationId xmlns:a16="http://schemas.microsoft.com/office/drawing/2014/main" id="{3FB54ECD-3111-4FFA-BB7A-C4D1E54A9046}"/>
+              </a:ext>
+            </a:extLst>
+          </p:cNvPr>
+          <p:cNvSpPr txBox="1"/>
+          <p:nvPr/>
+        </p:nvSpPr>
+        <p:spPr>
+          <a:xfrm>
+            <a:off x="4215870" y="4539635"/>
+            <a:ext cx="3760260" cy="523220"/>
+          </a:xfrm>
+          <a:prstGeom prst="rect">
+            <a:avLst/>
+          </a:prstGeom>
+          <a:noFill/>
+        </p:spPr>
+        <p:txBody>
+          <a:bodyPr wrap="none" rtlCol="0">
+            <a:spAutoFit/>
+          </a:bodyPr>
+          <a:lstStyle/>
+          <a:p>
+            <a:r>
+              <a:rPr lang="en-US" altLang="ko-KR" sz="2800" dirty="0">
+                <a:latin typeface="pingwing" panose="02000603000000000000" pitchFamily="2" charset="0"/>
+                <a:ea typeface="pingwing" panose="02000603000000000000" pitchFamily="2" charset="0"/>
+              </a:rPr>
+              <a:t>PRESS SPACE TO EXIT...</a:t>
+            </a:r>
+            <a:endParaRPr lang="ko-KR" altLang="en-US" sz="2800" dirty="0">
+              <a:latin typeface="pingwing" panose="02000603000000000000" pitchFamily="2" charset="0"/>
+            </a:endParaRPr>
+          </a:p>
+        </p:txBody>
+      </p:sp>
+    </p:spTree>
+    <p:extLst>
+      <p:ext uri="{BB962C8B-B14F-4D97-AF65-F5344CB8AC3E}">
+        <p14:creationId xmlns:p14="http://schemas.microsoft.com/office/powerpoint/2010/main" val="1484250324"/>
+      </p:ext>
+    </p:extLst>
+  </p:cSld>
+  <p:clrMapOvr>
+    <a:masterClrMapping/>
+  </p:clrMapOvr>
+</p:sld>
+</file>
+
+<file path=ppt/slides/slide25.xml><?xml version="1.0" encoding="utf-8"?>
+<p:sld xmlns:a="http://schemas.openxmlformats.org/drawingml/2006/main" xmlns:r="http://schemas.openxmlformats.org/officeDocument/2006/relationships" xmlns:p="http://schemas.openxmlformats.org/presentationml/2006/main">
+  <p:cSld>
+    <p:bg>
+      <p:bgPr>
+        <a:solidFill>
+          <a:schemeClr val="bg1"/>
+        </a:solidFill>
+        <a:effectLst/>
+      </p:bgPr>
+    </p:bg>
+    <p:spTree>
+      <p:nvGrpSpPr>
+        <p:cNvPr id="1" name=""/>
+        <p:cNvGrpSpPr/>
+        <p:nvPr/>
+      </p:nvGrpSpPr>
+      <p:grpSpPr>
+        <a:xfrm>
+          <a:off x="0" y="0"/>
+          <a:ext cx="0" cy="0"/>
+          <a:chOff x="0" y="0"/>
+          <a:chExt cx="0" cy="0"/>
+        </a:xfrm>
+      </p:grpSpPr>
+      <p:sp>
+        <p:nvSpPr>
+          <p:cNvPr id="26" name="자유형: 도형 25">
+            <a:extLst>
+              <a:ext uri="{FF2B5EF4-FFF2-40B4-BE49-F238E27FC236}">
+                <a16:creationId xmlns:a16="http://schemas.microsoft.com/office/drawing/2014/main" id="{0404C5A5-E6C8-49D3-8F8C-6A8D99553FE3}"/>
+              </a:ext>
+            </a:extLst>
+          </p:cNvPr>
+          <p:cNvSpPr/>
+          <p:nvPr/>
+        </p:nvSpPr>
+        <p:spPr>
+          <a:xfrm>
+            <a:off x="5311806" y="2644806"/>
+            <a:ext cx="1568388" cy="1568388"/>
+          </a:xfrm>
+          <a:custGeom>
+            <a:avLst/>
+            <a:gdLst>
+              <a:gd name="connsiteX0" fmla="*/ 1436334 w 2494626"/>
+              <a:gd name="connsiteY0" fmla="*/ 623657 h 2494626"/>
+              <a:gd name="connsiteX1" fmla="*/ 1436334 w 2494626"/>
+              <a:gd name="connsiteY1" fmla="*/ 1870969 h 2494626"/>
+              <a:gd name="connsiteX2" fmla="*/ 1791440 w 2494626"/>
+              <a:gd name="connsiteY2" fmla="*/ 1870969 h 2494626"/>
+              <a:gd name="connsiteX3" fmla="*/ 1791440 w 2494626"/>
+              <a:gd name="connsiteY3" fmla="*/ 623657 h 2494626"/>
+              <a:gd name="connsiteX4" fmla="*/ 703186 w 2494626"/>
+              <a:gd name="connsiteY4" fmla="*/ 623657 h 2494626"/>
+              <a:gd name="connsiteX5" fmla="*/ 703186 w 2494626"/>
+              <a:gd name="connsiteY5" fmla="*/ 1870969 h 2494626"/>
+              <a:gd name="connsiteX6" fmla="*/ 1058292 w 2494626"/>
+              <a:gd name="connsiteY6" fmla="*/ 1870969 h 2494626"/>
+              <a:gd name="connsiteX7" fmla="*/ 1058292 w 2494626"/>
+              <a:gd name="connsiteY7" fmla="*/ 623657 h 2494626"/>
+              <a:gd name="connsiteX8" fmla="*/ 1247313 w 2494626"/>
+              <a:gd name="connsiteY8" fmla="*/ 0 h 2494626"/>
+              <a:gd name="connsiteX9" fmla="*/ 2494626 w 2494626"/>
+              <a:gd name="connsiteY9" fmla="*/ 1247313 h 2494626"/>
+              <a:gd name="connsiteX10" fmla="*/ 1247313 w 2494626"/>
+              <a:gd name="connsiteY10" fmla="*/ 2494626 h 2494626"/>
+              <a:gd name="connsiteX11" fmla="*/ 0 w 2494626"/>
+              <a:gd name="connsiteY11" fmla="*/ 1247313 h 2494626"/>
+              <a:gd name="connsiteX12" fmla="*/ 1247313 w 2494626"/>
+              <a:gd name="connsiteY12" fmla="*/ 0 h 2494626"/>
+            </a:gdLst>
+            <a:ahLst/>
+            <a:cxnLst>
+              <a:cxn ang="0">
+                <a:pos x="connsiteX0" y="connsiteY0"/>
+              </a:cxn>
+              <a:cxn ang="0">
+                <a:pos x="connsiteX1" y="connsiteY1"/>
+              </a:cxn>
+              <a:cxn ang="0">
+                <a:pos x="connsiteX2" y="connsiteY2"/>
+              </a:cxn>
+              <a:cxn ang="0">
+                <a:pos x="connsiteX3" y="connsiteY3"/>
+              </a:cxn>
+              <a:cxn ang="0">
+                <a:pos x="connsiteX4" y="connsiteY4"/>
+              </a:cxn>
+              <a:cxn ang="0">
+                <a:pos x="connsiteX5" y="connsiteY5"/>
+              </a:cxn>
+              <a:cxn ang="0">
+                <a:pos x="connsiteX6" y="connsiteY6"/>
+              </a:cxn>
+              <a:cxn ang="0">
+                <a:pos x="connsiteX7" y="connsiteY7"/>
+              </a:cxn>
+              <a:cxn ang="0">
+                <a:pos x="connsiteX8" y="connsiteY8"/>
+              </a:cxn>
+              <a:cxn ang="0">
+                <a:pos x="connsiteX9" y="connsiteY9"/>
+              </a:cxn>
+              <a:cxn ang="0">
+                <a:pos x="connsiteX10" y="connsiteY10"/>
+              </a:cxn>
+              <a:cxn ang="0">
+                <a:pos x="connsiteX11" y="connsiteY11"/>
+              </a:cxn>
+              <a:cxn ang="0">
+                <a:pos x="connsiteX12" y="connsiteY12"/>
+              </a:cxn>
+            </a:cxnLst>
+            <a:rect l="l" t="t" r="r" b="b"/>
+            <a:pathLst>
+              <a:path w="2494626" h="2494626">
+                <a:moveTo>
+                  <a:pt x="1436334" y="623657"/>
+                </a:moveTo>
+                <a:lnTo>
+                  <a:pt x="1436334" y="1870969"/>
+                </a:lnTo>
+                <a:lnTo>
+                  <a:pt x="1791440" y="1870969"/>
+                </a:lnTo>
+                <a:lnTo>
+                  <a:pt x="1791440" y="623657"/>
+                </a:lnTo>
+                <a:close/>
+                <a:moveTo>
+                  <a:pt x="703186" y="623657"/>
+                </a:moveTo>
+                <a:lnTo>
+                  <a:pt x="703186" y="1870969"/>
+                </a:lnTo>
+                <a:lnTo>
+                  <a:pt x="1058292" y="1870969"/>
+                </a:lnTo>
+                <a:lnTo>
+                  <a:pt x="1058292" y="623657"/>
+                </a:lnTo>
+                <a:close/>
+                <a:moveTo>
+                  <a:pt x="1247313" y="0"/>
+                </a:moveTo>
+                <a:cubicBezTo>
+                  <a:pt x="1936185" y="0"/>
+                  <a:pt x="2494626" y="558441"/>
+                  <a:pt x="2494626" y="1247313"/>
+                </a:cubicBezTo>
+                <a:cubicBezTo>
+                  <a:pt x="2494626" y="1936185"/>
+                  <a:pt x="1936185" y="2494626"/>
+                  <a:pt x="1247313" y="2494626"/>
+                </a:cubicBezTo>
+                <a:cubicBezTo>
+                  <a:pt x="558441" y="2494626"/>
+                  <a:pt x="0" y="1936185"/>
+                  <a:pt x="0" y="1247313"/>
+                </a:cubicBezTo>
+                <a:cubicBezTo>
+                  <a:pt x="0" y="558441"/>
+                  <a:pt x="558441" y="0"/>
+                  <a:pt x="1247313" y="0"/>
+                </a:cubicBezTo>
+                <a:close/>
+              </a:path>
+            </a:pathLst>
+          </a:custGeom>
+          <a:solidFill>
+            <a:schemeClr val="accent2"/>
+          </a:solidFill>
+          <a:ln>
+            <a:noFill/>
+          </a:ln>
+        </p:spPr>
+        <p:style>
+          <a:lnRef idx="2">
+            <a:schemeClr val="accent1">
+              <a:shade val="50000"/>
+            </a:schemeClr>
+          </a:lnRef>
+          <a:fillRef idx="1">
+            <a:schemeClr val="accent1"/>
+          </a:fillRef>
+          <a:effectRef idx="0">
+            <a:schemeClr val="accent1"/>
+          </a:effectRef>
+          <a:fontRef idx="minor">
+            <a:schemeClr val="lt1"/>
+          </a:fontRef>
+        </p:style>
+        <p:txBody>
+          <a:bodyPr rtlCol="0" anchor="ctr"/>
+          <a:lstStyle/>
+          <a:p>
+            <a:pPr algn="ctr"/>
+            <a:endParaRPr lang="ko-KR" altLang="en-US"/>
+          </a:p>
+        </p:txBody>
+      </p:sp>
+      <p:sp>
+        <p:nvSpPr>
+          <p:cNvPr id="27" name="자유형: 도형 26">
+            <a:extLst>
+              <a:ext uri="{FF2B5EF4-FFF2-40B4-BE49-F238E27FC236}">
+                <a16:creationId xmlns:a16="http://schemas.microsoft.com/office/drawing/2014/main" id="{61FA0419-53CF-46A2-95DC-49178825134D}"/>
+              </a:ext>
+            </a:extLst>
+          </p:cNvPr>
+          <p:cNvSpPr/>
+          <p:nvPr/>
+        </p:nvSpPr>
+        <p:spPr>
+          <a:xfrm>
+            <a:off x="649549" y="308498"/>
+            <a:ext cx="2494626" cy="2494626"/>
+          </a:xfrm>
+          <a:custGeom>
+            <a:avLst/>
+            <a:gdLst>
+              <a:gd name="connsiteX0" fmla="*/ 1436334 w 2494626"/>
+              <a:gd name="connsiteY0" fmla="*/ 623657 h 2494626"/>
+              <a:gd name="connsiteX1" fmla="*/ 1436334 w 2494626"/>
+              <a:gd name="connsiteY1" fmla="*/ 1870969 h 2494626"/>
+              <a:gd name="connsiteX2" fmla="*/ 1791440 w 2494626"/>
+              <a:gd name="connsiteY2" fmla="*/ 1870969 h 2494626"/>
+              <a:gd name="connsiteX3" fmla="*/ 1791440 w 2494626"/>
+              <a:gd name="connsiteY3" fmla="*/ 623657 h 2494626"/>
+              <a:gd name="connsiteX4" fmla="*/ 703186 w 2494626"/>
+              <a:gd name="connsiteY4" fmla="*/ 623657 h 2494626"/>
+              <a:gd name="connsiteX5" fmla="*/ 703186 w 2494626"/>
+              <a:gd name="connsiteY5" fmla="*/ 1870969 h 2494626"/>
+              <a:gd name="connsiteX6" fmla="*/ 1058292 w 2494626"/>
+              <a:gd name="connsiteY6" fmla="*/ 1870969 h 2494626"/>
+              <a:gd name="connsiteX7" fmla="*/ 1058292 w 2494626"/>
+              <a:gd name="connsiteY7" fmla="*/ 623657 h 2494626"/>
+              <a:gd name="connsiteX8" fmla="*/ 1247313 w 2494626"/>
+              <a:gd name="connsiteY8" fmla="*/ 0 h 2494626"/>
+              <a:gd name="connsiteX9" fmla="*/ 2494626 w 2494626"/>
+              <a:gd name="connsiteY9" fmla="*/ 1247313 h 2494626"/>
+              <a:gd name="connsiteX10" fmla="*/ 1247313 w 2494626"/>
+              <a:gd name="connsiteY10" fmla="*/ 2494626 h 2494626"/>
+              <a:gd name="connsiteX11" fmla="*/ 0 w 2494626"/>
+              <a:gd name="connsiteY11" fmla="*/ 1247313 h 2494626"/>
+              <a:gd name="connsiteX12" fmla="*/ 1247313 w 2494626"/>
+              <a:gd name="connsiteY12" fmla="*/ 0 h 2494626"/>
+            </a:gdLst>
+            <a:ahLst/>
+            <a:cxnLst>
+              <a:cxn ang="0">
+                <a:pos x="connsiteX0" y="connsiteY0"/>
+              </a:cxn>
+              <a:cxn ang="0">
+                <a:pos x="connsiteX1" y="connsiteY1"/>
+              </a:cxn>
+              <a:cxn ang="0">
+                <a:pos x="connsiteX2" y="connsiteY2"/>
+              </a:cxn>
+              <a:cxn ang="0">
+                <a:pos x="connsiteX3" y="connsiteY3"/>
+              </a:cxn>
+              <a:cxn ang="0">
+                <a:pos x="connsiteX4" y="connsiteY4"/>
+              </a:cxn>
+              <a:cxn ang="0">
+                <a:pos x="connsiteX5" y="connsiteY5"/>
+              </a:cxn>
+              <a:cxn ang="0">
+                <a:pos x="connsiteX6" y="connsiteY6"/>
+              </a:cxn>
+              <a:cxn ang="0">
+                <a:pos x="connsiteX7" y="connsiteY7"/>
+              </a:cxn>
+              <a:cxn ang="0">
+                <a:pos x="connsiteX8" y="connsiteY8"/>
+              </a:cxn>
+              <a:cxn ang="0">
+                <a:pos x="connsiteX9" y="connsiteY9"/>
+              </a:cxn>
+              <a:cxn ang="0">
+                <a:pos x="connsiteX10" y="connsiteY10"/>
+              </a:cxn>
+              <a:cxn ang="0">
+                <a:pos x="connsiteX11" y="connsiteY11"/>
+              </a:cxn>
+              <a:cxn ang="0">
+                <a:pos x="connsiteX12" y="connsiteY12"/>
+              </a:cxn>
+            </a:cxnLst>
+            <a:rect l="l" t="t" r="r" b="b"/>
+            <a:pathLst>
+              <a:path w="2494626" h="2494626">
+                <a:moveTo>
+                  <a:pt x="1436334" y="623657"/>
+                </a:moveTo>
+                <a:lnTo>
+                  <a:pt x="1436334" y="1870969"/>
+                </a:lnTo>
+                <a:lnTo>
+                  <a:pt x="1791440" y="1870969"/>
+                </a:lnTo>
+                <a:lnTo>
+                  <a:pt x="1791440" y="623657"/>
+                </a:lnTo>
+                <a:close/>
+                <a:moveTo>
+                  <a:pt x="703186" y="623657"/>
+                </a:moveTo>
+                <a:lnTo>
+                  <a:pt x="703186" y="1870969"/>
+                </a:lnTo>
+                <a:lnTo>
+                  <a:pt x="1058292" y="1870969"/>
+                </a:lnTo>
+                <a:lnTo>
+                  <a:pt x="1058292" y="623657"/>
+                </a:lnTo>
+                <a:close/>
+                <a:moveTo>
+                  <a:pt x="1247313" y="0"/>
+                </a:moveTo>
+                <a:cubicBezTo>
+                  <a:pt x="1936185" y="0"/>
+                  <a:pt x="2494626" y="558441"/>
+                  <a:pt x="2494626" y="1247313"/>
+                </a:cubicBezTo>
+                <a:cubicBezTo>
+                  <a:pt x="2494626" y="1936185"/>
+                  <a:pt x="1936185" y="2494626"/>
+                  <a:pt x="1247313" y="2494626"/>
+                </a:cubicBezTo>
+                <a:cubicBezTo>
+                  <a:pt x="558441" y="2494626"/>
+                  <a:pt x="0" y="1936185"/>
+                  <a:pt x="0" y="1247313"/>
+                </a:cubicBezTo>
+                <a:cubicBezTo>
+                  <a:pt x="0" y="558441"/>
+                  <a:pt x="558441" y="0"/>
+                  <a:pt x="1247313" y="0"/>
+                </a:cubicBezTo>
+                <a:close/>
+              </a:path>
+            </a:pathLst>
+          </a:custGeom>
+          <a:solidFill>
+            <a:schemeClr val="accent2"/>
+          </a:solidFill>
+          <a:ln>
+            <a:noFill/>
+          </a:ln>
+        </p:spPr>
+        <p:style>
+          <a:lnRef idx="2">
+            <a:schemeClr val="accent1">
+              <a:shade val="50000"/>
+            </a:schemeClr>
+          </a:lnRef>
+          <a:fillRef idx="1">
+            <a:schemeClr val="accent1"/>
+          </a:fillRef>
+          <a:effectRef idx="0">
+            <a:schemeClr val="accent1"/>
+          </a:effectRef>
+          <a:fontRef idx="minor">
+            <a:schemeClr val="lt1"/>
+          </a:fontRef>
+        </p:style>
+        <p:txBody>
+          <a:bodyPr rtlCol="0" anchor="ctr"/>
+          <a:lstStyle/>
+          <a:p>
+            <a:pPr algn="ctr"/>
+            <a:endParaRPr lang="ko-KR" altLang="en-US"/>
+          </a:p>
+        </p:txBody>
+      </p:sp>
+    </p:spTree>
+    <p:extLst>
+      <p:ext uri="{BB962C8B-B14F-4D97-AF65-F5344CB8AC3E}">
+        <p14:creationId xmlns:p14="http://schemas.microsoft.com/office/powerpoint/2010/main" val="1567388650"/>
+      </p:ext>
+    </p:extLst>
+  </p:cSld>
+  <p:clrMapOvr>
+    <a:masterClrMapping/>
+  </p:clrMapOvr>
+</p:sld>
+</file>
+
 <file path=ppt/slides/slide3.xml><?xml version="1.0" encoding="utf-8"?>
 <p:sld xmlns:a="http://schemas.openxmlformats.org/drawingml/2006/main" xmlns:r="http://schemas.openxmlformats.org/officeDocument/2006/relationships" xmlns:p="http://schemas.openxmlformats.org/presentationml/2006/main">
   <p:cSld>
